--- a/Slides/Class13.pptx
+++ b/Slides/Class13.pptx
@@ -5,24 +5,33 @@
     <p:sldMasterId id="2147483648" r:id="rId1"/>
   </p:sldMasterIdLst>
   <p:notesMasterIdLst>
-    <p:notesMasterId r:id="rId14"/>
+    <p:notesMasterId r:id="rId23"/>
   </p:notesMasterIdLst>
   <p:handoutMasterIdLst>
-    <p:handoutMasterId r:id="rId15"/>
+    <p:handoutMasterId r:id="rId24"/>
   </p:handoutMasterIdLst>
   <p:sldIdLst>
     <p:sldId id="258" r:id="rId2"/>
     <p:sldId id="397" r:id="rId3"/>
-    <p:sldId id="375" r:id="rId4"/>
-    <p:sldId id="399" r:id="rId5"/>
-    <p:sldId id="400" r:id="rId6"/>
-    <p:sldId id="401" r:id="rId7"/>
-    <p:sldId id="402" r:id="rId8"/>
-    <p:sldId id="403" r:id="rId9"/>
-    <p:sldId id="404" r:id="rId10"/>
-    <p:sldId id="405" r:id="rId11"/>
-    <p:sldId id="406" r:id="rId12"/>
-    <p:sldId id="407" r:id="rId13"/>
+    <p:sldId id="392" r:id="rId4"/>
+    <p:sldId id="409" r:id="rId5"/>
+    <p:sldId id="410" r:id="rId6"/>
+    <p:sldId id="411" r:id="rId7"/>
+    <p:sldId id="396" r:id="rId8"/>
+    <p:sldId id="393" r:id="rId9"/>
+    <p:sldId id="394" r:id="rId10"/>
+    <p:sldId id="407" r:id="rId11"/>
+    <p:sldId id="408" r:id="rId12"/>
+    <p:sldId id="398" r:id="rId13"/>
+    <p:sldId id="395" r:id="rId14"/>
+    <p:sldId id="375" r:id="rId15"/>
+    <p:sldId id="399" r:id="rId16"/>
+    <p:sldId id="400" r:id="rId17"/>
+    <p:sldId id="401" r:id="rId18"/>
+    <p:sldId id="402" r:id="rId19"/>
+    <p:sldId id="403" r:id="rId20"/>
+    <p:sldId id="404" r:id="rId21"/>
+    <p:sldId id="405" r:id="rId22"/>
   </p:sldIdLst>
   <p:sldSz cx="9144000" cy="6858000" type="screen4x3"/>
   <p:notesSz cx="6858000" cy="9144000"/>
@@ -236,7 +245,7 @@
           <a:p>
             <a:fld id="{C24322AF-E05B-7249-906C-FBAC6154C037}" type="datetimeFigureOut">
               <a:rPr lang="en-US" smtClean="0"/>
-              <a:t>12/11/18</a:t>
+              <a:t>1/24/21</a:t>
             </a:fld>
             <a:endParaRPr lang="en-US"/>
           </a:p>
@@ -402,7 +411,7 @@
             <a:fld id="{06A43BE5-3BD4-F642-8751-88A31D8D6D13}" type="datetimeFigureOut">
               <a:rPr lang="en-US" smtClean="0"/>
               <a:pPr/>
-              <a:t>12/11/18</a:t>
+              <a:t>1/24/21</a:t>
             </a:fld>
             <a:endParaRPr lang="en-US"/>
           </a:p>
@@ -945,7 +954,7 @@
             <a:fld id="{A4FA2B0E-4818-9849-9CF1-1031FD4E1DAB}" type="datetimeFigureOut">
               <a:rPr lang="en-US" smtClean="0"/>
               <a:pPr/>
-              <a:t>12/11/18</a:t>
+              <a:t>1/24/21</a:t>
             </a:fld>
             <a:endParaRPr lang="en-US"/>
           </a:p>
@@ -1110,7 +1119,7 @@
             <a:fld id="{A4FA2B0E-4818-9849-9CF1-1031FD4E1DAB}" type="datetimeFigureOut">
               <a:rPr lang="en-US" smtClean="0"/>
               <a:pPr/>
-              <a:t>12/11/18</a:t>
+              <a:t>1/24/21</a:t>
             </a:fld>
             <a:endParaRPr lang="en-US"/>
           </a:p>
@@ -1285,7 +1294,7 @@
             <a:fld id="{A4FA2B0E-4818-9849-9CF1-1031FD4E1DAB}" type="datetimeFigureOut">
               <a:rPr lang="en-US" smtClean="0"/>
               <a:pPr/>
-              <a:t>12/11/18</a:t>
+              <a:t>1/24/21</a:t>
             </a:fld>
             <a:endParaRPr lang="en-US"/>
           </a:p>
@@ -1450,7 +1459,7 @@
             <a:fld id="{A4FA2B0E-4818-9849-9CF1-1031FD4E1DAB}" type="datetimeFigureOut">
               <a:rPr lang="en-US" smtClean="0"/>
               <a:pPr/>
-              <a:t>12/11/18</a:t>
+              <a:t>1/24/21</a:t>
             </a:fld>
             <a:endParaRPr lang="en-US"/>
           </a:p>
@@ -1692,7 +1701,7 @@
             <a:fld id="{A4FA2B0E-4818-9849-9CF1-1031FD4E1DAB}" type="datetimeFigureOut">
               <a:rPr lang="en-US" smtClean="0"/>
               <a:pPr/>
-              <a:t>12/11/18</a:t>
+              <a:t>1/24/21</a:t>
             </a:fld>
             <a:endParaRPr lang="en-US"/>
           </a:p>
@@ -1974,7 +1983,7 @@
             <a:fld id="{A4FA2B0E-4818-9849-9CF1-1031FD4E1DAB}" type="datetimeFigureOut">
               <a:rPr lang="en-US" smtClean="0"/>
               <a:pPr/>
-              <a:t>12/11/18</a:t>
+              <a:t>1/24/21</a:t>
             </a:fld>
             <a:endParaRPr lang="en-US"/>
           </a:p>
@@ -2390,7 +2399,7 @@
             <a:fld id="{A4FA2B0E-4818-9849-9CF1-1031FD4E1DAB}" type="datetimeFigureOut">
               <a:rPr lang="en-US" smtClean="0"/>
               <a:pPr/>
-              <a:t>12/11/18</a:t>
+              <a:t>1/24/21</a:t>
             </a:fld>
             <a:endParaRPr lang="en-US"/>
           </a:p>
@@ -2504,7 +2513,7 @@
             <a:fld id="{A4FA2B0E-4818-9849-9CF1-1031FD4E1DAB}" type="datetimeFigureOut">
               <a:rPr lang="en-US" smtClean="0"/>
               <a:pPr/>
-              <a:t>12/11/18</a:t>
+              <a:t>1/24/21</a:t>
             </a:fld>
             <a:endParaRPr lang="en-US"/>
           </a:p>
@@ -2596,7 +2605,7 @@
             <a:fld id="{A4FA2B0E-4818-9849-9CF1-1031FD4E1DAB}" type="datetimeFigureOut">
               <a:rPr lang="en-US" smtClean="0"/>
               <a:pPr/>
-              <a:t>12/11/18</a:t>
+              <a:t>1/24/21</a:t>
             </a:fld>
             <a:endParaRPr lang="en-US"/>
           </a:p>
@@ -2868,7 +2877,7 @@
             <a:fld id="{A4FA2B0E-4818-9849-9CF1-1031FD4E1DAB}" type="datetimeFigureOut">
               <a:rPr lang="en-US" smtClean="0"/>
               <a:pPr/>
-              <a:t>12/11/18</a:t>
+              <a:t>1/24/21</a:t>
             </a:fld>
             <a:endParaRPr lang="en-US"/>
           </a:p>
@@ -3117,7 +3126,7 @@
             <a:fld id="{A4FA2B0E-4818-9849-9CF1-1031FD4E1DAB}" type="datetimeFigureOut">
               <a:rPr lang="en-US" smtClean="0"/>
               <a:pPr/>
-              <a:t>12/11/18</a:t>
+              <a:t>1/24/21</a:t>
             </a:fld>
             <a:endParaRPr lang="en-US"/>
           </a:p>
@@ -3325,7 +3334,7 @@
             <a:fld id="{A4FA2B0E-4818-9849-9CF1-1031FD4E1DAB}" type="datetimeFigureOut">
               <a:rPr lang="en-US" smtClean="0"/>
               <a:pPr/>
-              <a:t>12/11/18</a:t>
+              <a:t>1/24/21</a:t>
             </a:fld>
             <a:endParaRPr lang="en-US"/>
           </a:p>
@@ -3738,7 +3747,7 @@
         <p:spPr>
           <a:xfrm>
             <a:off x="722088" y="3711629"/>
-            <a:ext cx="7436528" cy="1077218"/>
+            <a:ext cx="7738866" cy="2000548"/>
           </a:xfrm>
           <a:prstGeom prst="rect">
             <a:avLst/>
@@ -3769,8 +3778,49 @@
                 <a:latin typeface="Times New Roman"/>
                 <a:cs typeface="Times New Roman"/>
               </a:rPr>
-              <a:t>Diversity &amp; Inclusion in Physics</a:t>
-            </a:r>
+              <a:t>Physics as a Community</a:t>
+            </a:r>
+          </a:p>
+          <a:p>
+            <a:pPr marL="568325" lvl="1"/>
+            <a:r>
+              <a:rPr lang="en-US" sz="2800" i="1" dirty="0">
+                <a:latin typeface="Times New Roman" panose="02020603050405020304" pitchFamily="18" charset="0"/>
+                <a:ea typeface="MS Mincho" panose="02020609040205080304" pitchFamily="49" charset="-128"/>
+                <a:cs typeface="Times New Roman" panose="02020603050405020304" pitchFamily="18" charset="0"/>
+              </a:rPr>
+              <a:t>(Partly based on presentations by E.J. </a:t>
+            </a:r>
+            <a:r>
+              <a:rPr lang="en-US" sz="2800" i="1" dirty="0" err="1">
+                <a:latin typeface="Times New Roman" panose="02020603050405020304" pitchFamily="18" charset="0"/>
+                <a:ea typeface="MS Mincho" panose="02020609040205080304" pitchFamily="49" charset="-128"/>
+                <a:cs typeface="Times New Roman" panose="02020603050405020304" pitchFamily="18" charset="0"/>
+              </a:rPr>
+              <a:t>Downie</a:t>
+            </a:r>
+            <a:r>
+              <a:rPr lang="en-US" sz="2800" i="1" dirty="0">
+                <a:latin typeface="Times New Roman" panose="02020603050405020304" pitchFamily="18" charset="0"/>
+                <a:ea typeface="MS Mincho" panose="02020609040205080304" pitchFamily="49" charset="-128"/>
+                <a:cs typeface="Times New Roman" panose="02020603050405020304" pitchFamily="18" charset="0"/>
+              </a:rPr>
+              <a:t>)</a:t>
+            </a:r>
+            <a:endParaRPr lang="en-US" sz="2800" dirty="0">
+              <a:latin typeface="Times New Roman"/>
+              <a:cs typeface="Times New Roman"/>
+            </a:endParaRPr>
+          </a:p>
+          <a:p>
+            <a:pPr marL="1025525" lvl="1" indent="-457200">
+              <a:buFont typeface="Arial" panose="020B0604020202020204" pitchFamily="34" charset="0"/>
+              <a:buChar char="•"/>
+            </a:pPr>
+            <a:endParaRPr lang="en-US" sz="3200" dirty="0">
+              <a:latin typeface="Times New Roman"/>
+              <a:cs typeface="Times New Roman"/>
+            </a:endParaRPr>
           </a:p>
         </p:txBody>
       </p:sp>
@@ -3813,7 +3863,7 @@
         <p:spPr>
           <a:xfrm>
             <a:off x="275549" y="191702"/>
-            <a:ext cx="8672182" cy="553998"/>
+            <a:ext cx="6679521" cy="553998"/>
           </a:xfrm>
           <a:prstGeom prst="rect">
             <a:avLst/>
@@ -3834,7 +3884,7 @@
                 <a:latin typeface="Times New Roman"/>
                 <a:cs typeface="Times New Roman"/>
               </a:rPr>
-              <a:t>Diversity &amp; Inclusion: Visible / Invisible Disabilities</a:t>
+              <a:t>Diversity in Physics: Gender Minorities</a:t>
             </a:r>
             <a:endParaRPr lang="en-US" sz="2400" b="1" dirty="0">
               <a:solidFill>
@@ -3851,7 +3901,7 @@
           <p:cNvPr id="6" name="TextBox 5">
             <a:extLst>
               <a:ext uri="{FF2B5EF4-FFF2-40B4-BE49-F238E27FC236}">
-                <a16:creationId xmlns:a16="http://schemas.microsoft.com/office/drawing/2014/main" id="{878A97EC-2834-8447-A6B8-2F5335C4C2C1}"/>
+                <a16:creationId xmlns:a16="http://schemas.microsoft.com/office/drawing/2014/main" id="{80A24032-1FF5-2340-BF4F-86A5459B8F08}"/>
               </a:ext>
             </a:extLst>
           </p:cNvPr>
@@ -3860,8 +3910,8 @@
         </p:nvSpPr>
         <p:spPr>
           <a:xfrm>
-            <a:off x="539603" y="945629"/>
-            <a:ext cx="8355015" cy="5386090"/>
+            <a:off x="182880" y="5083761"/>
+            <a:ext cx="8961119" cy="1692771"/>
           </a:xfrm>
           <a:prstGeom prst="rect">
             <a:avLst/>
@@ -3884,71 +3934,67 @@
                 <a:ea typeface="MS Mincho" panose="02020609040205080304" pitchFamily="49" charset="-128"/>
                 <a:cs typeface="Times New Roman" panose="02020603050405020304" pitchFamily="18" charset="0"/>
               </a:rPr>
-              <a:t>Resources:</a:t>
-            </a:r>
-          </a:p>
-          <a:p>
-            <a:pPr marL="914400" lvl="1" indent="-457200">
-              <a:buFont typeface="Arial" panose="020B0604020202020204" pitchFamily="34" charset="0"/>
-              <a:buChar char="•"/>
-            </a:pPr>
-            <a:r>
-              <a:rPr lang="en-US" sz="2000" dirty="0">
-                <a:latin typeface="Times New Roman" panose="02020603050405020304" pitchFamily="18" charset="0"/>
-                <a:ea typeface="MS Mincho" panose="02020609040205080304" pitchFamily="49" charset="-128"/>
-                <a:cs typeface="Times New Roman" panose="02020603050405020304" pitchFamily="18" charset="0"/>
-                <a:hlinkClick r:id="rId2"/>
-              </a:rPr>
-              <a:t>http://www.iop.org/publications/iop/2008/file_42866.pdf</a:t>
-            </a:r>
-            <a:endParaRPr lang="en-US" sz="2000" dirty="0">
-              <a:latin typeface="Times New Roman" panose="02020603050405020304" pitchFamily="18" charset="0"/>
-              <a:ea typeface="MS Mincho" panose="02020609040205080304" pitchFamily="49" charset="-128"/>
-              <a:cs typeface="Times New Roman" panose="02020603050405020304" pitchFamily="18" charset="0"/>
-            </a:endParaRPr>
-          </a:p>
-          <a:p>
-            <a:pPr marL="914400" lvl="1" indent="-457200">
-              <a:buFont typeface="Arial" panose="020B0604020202020204" pitchFamily="34" charset="0"/>
-              <a:buChar char="•"/>
-            </a:pPr>
-            <a:r>
-              <a:rPr lang="en-US" sz="2000" dirty="0">
-                <a:latin typeface="Times New Roman" panose="02020603050405020304" pitchFamily="18" charset="0"/>
-                <a:ea typeface="MS Mincho" panose="02020609040205080304" pitchFamily="49" charset="-128"/>
-                <a:cs typeface="Times New Roman" panose="02020603050405020304" pitchFamily="18" charset="0"/>
-                <a:hlinkClick r:id="rId3"/>
-              </a:rPr>
-              <a:t>https://www.symmetrymagazine.org/article/approaching-disability-like-a-scientist</a:t>
-            </a:r>
-            <a:endParaRPr lang="en-US" sz="2000" dirty="0">
-              <a:latin typeface="Times New Roman" panose="02020603050405020304" pitchFamily="18" charset="0"/>
-              <a:ea typeface="MS Mincho" panose="02020609040205080304" pitchFamily="49" charset="-128"/>
-              <a:cs typeface="Times New Roman" panose="02020603050405020304" pitchFamily="18" charset="0"/>
-            </a:endParaRPr>
-          </a:p>
-          <a:p>
-            <a:pPr marL="914400" lvl="1" indent="-457200">
-              <a:buFont typeface="Arial" panose="020B0604020202020204" pitchFamily="34" charset="0"/>
-              <a:buChar char="•"/>
-            </a:pPr>
-            <a:r>
-              <a:rPr lang="en-US" sz="2000" dirty="0">
-                <a:latin typeface="Times New Roman" panose="02020603050405020304" pitchFamily="18" charset="0"/>
-                <a:ea typeface="MS Mincho" panose="02020609040205080304" pitchFamily="49" charset="-128"/>
-                <a:cs typeface="Times New Roman" panose="02020603050405020304" pitchFamily="18" charset="0"/>
-                <a:hlinkClick r:id="rId4"/>
-              </a:rPr>
-              <a:t>https://healthcenter.gwu.edu/counseling-and-psychological-services</a:t>
-            </a:r>
-            <a:endParaRPr lang="en-US" sz="2000" dirty="0">
-              <a:latin typeface="Times New Roman" panose="02020603050405020304" pitchFamily="18" charset="0"/>
-              <a:ea typeface="MS Mincho" panose="02020609040205080304" pitchFamily="49" charset="-128"/>
-              <a:cs typeface="Times New Roman" panose="02020603050405020304" pitchFamily="18" charset="0"/>
-            </a:endParaRPr>
-          </a:p>
-          <a:p>
-            <a:pPr marL="914400" lvl="1" indent="-457200">
+              <a:t>Peer-reviewed research: “</a:t>
+            </a:r>
+            <a:r>
+              <a:rPr lang="en-US" sz="2400" i="1" dirty="0">
+                <a:latin typeface="Times New Roman" panose="02020603050405020304" pitchFamily="18" charset="0"/>
+                <a:ea typeface="MS Mincho" panose="02020609040205080304" pitchFamily="49" charset="-128"/>
+                <a:cs typeface="Times New Roman" panose="02020603050405020304" pitchFamily="18" charset="0"/>
+              </a:rPr>
+              <a:t>Sexual harassment reported by undergrad. female physicists</a:t>
+            </a:r>
+            <a:r>
+              <a:rPr lang="en-US" sz="2400" dirty="0">
+                <a:latin typeface="Times New Roman" panose="02020603050405020304" pitchFamily="18" charset="0"/>
+                <a:ea typeface="MS Mincho" panose="02020609040205080304" pitchFamily="49" charset="-128"/>
+                <a:cs typeface="Times New Roman" panose="02020603050405020304" pitchFamily="18" charset="0"/>
+              </a:rPr>
+              <a:t>” </a:t>
+            </a:r>
+            <a:r>
+              <a:rPr lang="en-US" sz="2200" dirty="0">
+                <a:latin typeface="Times New Roman" panose="02020603050405020304" pitchFamily="18" charset="0"/>
+                <a:ea typeface="MS Mincho" panose="02020609040205080304" pitchFamily="49" charset="-128"/>
+                <a:cs typeface="Times New Roman" panose="02020603050405020304" pitchFamily="18" charset="0"/>
+              </a:rPr>
+              <a:t>(</a:t>
+            </a:r>
+            <a:r>
+              <a:rPr lang="en-US" sz="2200" dirty="0" err="1">
+                <a:latin typeface="Times New Roman" panose="02020603050405020304" pitchFamily="18" charset="0"/>
+                <a:ea typeface="MS Mincho" panose="02020609040205080304" pitchFamily="49" charset="-128"/>
+                <a:cs typeface="Times New Roman" panose="02020603050405020304" pitchFamily="18" charset="0"/>
+              </a:rPr>
+              <a:t>Aycock</a:t>
+            </a:r>
+            <a:r>
+              <a:rPr lang="en-US" sz="2200" dirty="0">
+                <a:latin typeface="Times New Roman" panose="02020603050405020304" pitchFamily="18" charset="0"/>
+                <a:ea typeface="MS Mincho" panose="02020609040205080304" pitchFamily="49" charset="-128"/>
+                <a:cs typeface="Times New Roman" panose="02020603050405020304" pitchFamily="18" charset="0"/>
+              </a:rPr>
+              <a:t> et al. 2019, Phys. Rev. PER, </a:t>
+            </a:r>
+            <a:r>
+              <a:rPr lang="en-US" sz="2200" b="1" dirty="0">
+                <a:latin typeface="Times New Roman" panose="02020603050405020304" pitchFamily="18" charset="0"/>
+                <a:ea typeface="MS Mincho" panose="02020609040205080304" pitchFamily="49" charset="-128"/>
+                <a:cs typeface="Times New Roman" panose="02020603050405020304" pitchFamily="18" charset="0"/>
+              </a:rPr>
+              <a:t>15</a:t>
+            </a:r>
+            <a:r>
+              <a:rPr lang="en-US" sz="2200" dirty="0">
+                <a:latin typeface="Times New Roman" panose="02020603050405020304" pitchFamily="18" charset="0"/>
+                <a:ea typeface="MS Mincho" panose="02020609040205080304" pitchFamily="49" charset="-128"/>
+                <a:cs typeface="Times New Roman" panose="02020603050405020304" pitchFamily="18" charset="0"/>
+              </a:rPr>
+              <a:t>, 010121)</a:t>
+            </a:r>
+          </a:p>
+          <a:p>
+            <a:pPr marL="342900" indent="-342900">
               <a:buFont typeface="Arial" panose="020B0604020202020204" pitchFamily="34" charset="0"/>
               <a:buChar char="•"/>
             </a:pPr>
@@ -3959,7 +4005,7 @@
             </a:endParaRPr>
           </a:p>
           <a:p>
-            <a:pPr marL="457200" indent="-457200">
+            <a:pPr marL="342900" indent="-342900">
               <a:buFont typeface="Arial" panose="020B0604020202020204" pitchFamily="34" charset="0"/>
               <a:buChar char="•"/>
             </a:pPr>
@@ -3969,65 +4015,60 @@
                 <a:ea typeface="MS Mincho" panose="02020609040205080304" pitchFamily="49" charset="-128"/>
                 <a:cs typeface="Times New Roman" panose="02020603050405020304" pitchFamily="18" charset="0"/>
               </a:rPr>
-              <a:t>Q1: What issues are there for individuals experiencing visible and/or invisible disabilities while pursuing education and a career in physics?</a:t>
-            </a:r>
-          </a:p>
-          <a:p>
-            <a:pPr marL="457200" indent="-457200">
-              <a:buFont typeface="Arial" panose="020B0604020202020204" pitchFamily="34" charset="0"/>
-              <a:buChar char="•"/>
-            </a:pPr>
-            <a:endParaRPr lang="en-US" sz="800" dirty="0">
+              <a:t>Results from </a:t>
+            </a:r>
+            <a:r>
+              <a:rPr lang="en-US" sz="2400" dirty="0" err="1">
+                <a:latin typeface="Times New Roman" panose="02020603050405020304" pitchFamily="18" charset="0"/>
+                <a:ea typeface="MS Mincho" panose="02020609040205080304" pitchFamily="49" charset="-128"/>
+                <a:cs typeface="Times New Roman" panose="02020603050405020304" pitchFamily="18" charset="0"/>
+              </a:rPr>
+              <a:t>CUWiP</a:t>
+            </a:r>
+            <a:r>
+              <a:rPr lang="en-US" sz="2400" dirty="0">
+                <a:latin typeface="Times New Roman" panose="02020603050405020304" pitchFamily="18" charset="0"/>
+                <a:ea typeface="MS Mincho" panose="02020609040205080304" pitchFamily="49" charset="-128"/>
+                <a:cs typeface="Times New Roman" panose="02020603050405020304" pitchFamily="18" charset="0"/>
+              </a:rPr>
+              <a:t>: 74% (338/455) of women experienced harassment</a:t>
+            </a:r>
+            <a:endParaRPr lang="en-US" sz="2200" dirty="0">
               <a:latin typeface="Times New Roman" panose="02020603050405020304" pitchFamily="18" charset="0"/>
               <a:ea typeface="MS Mincho" panose="02020609040205080304" pitchFamily="49" charset="-128"/>
               <a:cs typeface="Times New Roman" panose="02020603050405020304" pitchFamily="18" charset="0"/>
             </a:endParaRPr>
           </a:p>
-          <a:p>
-            <a:pPr marL="457200" indent="-457200">
-              <a:buFont typeface="Arial" panose="020B0604020202020204" pitchFamily="34" charset="0"/>
-              <a:buChar char="•"/>
-            </a:pPr>
-            <a:r>
-              <a:rPr lang="en-US" sz="2400" dirty="0">
-                <a:latin typeface="Times New Roman" panose="02020603050405020304" pitchFamily="18" charset="0"/>
-                <a:ea typeface="MS Mincho" panose="02020609040205080304" pitchFamily="49" charset="-128"/>
-                <a:cs typeface="Times New Roman" panose="02020603050405020304" pitchFamily="18" charset="0"/>
-              </a:rPr>
-              <a:t>Q2: What aspects of common community practice cause problems for physicists experiencing visible and/or invisible disabilities?</a:t>
-            </a:r>
-          </a:p>
-          <a:p>
-            <a:pPr marL="457200" indent="-457200">
-              <a:buFont typeface="Arial" panose="020B0604020202020204" pitchFamily="34" charset="0"/>
-              <a:buChar char="•"/>
-            </a:pPr>
-            <a:endParaRPr lang="en-US" sz="800" dirty="0">
-              <a:latin typeface="Times New Roman" panose="02020603050405020304" pitchFamily="18" charset="0"/>
-              <a:ea typeface="MS Mincho" panose="02020609040205080304" pitchFamily="49" charset="-128"/>
-              <a:cs typeface="Times New Roman" panose="02020603050405020304" pitchFamily="18" charset="0"/>
-            </a:endParaRPr>
-          </a:p>
-          <a:p>
-            <a:pPr marL="457200" indent="-457200">
-              <a:buFont typeface="Arial" panose="020B0604020202020204" pitchFamily="34" charset="0"/>
-              <a:buChar char="•"/>
-            </a:pPr>
-            <a:r>
-              <a:rPr lang="en-US" sz="2400" dirty="0">
-                <a:latin typeface="Times New Roman" panose="02020603050405020304" pitchFamily="18" charset="0"/>
-                <a:ea typeface="MS Mincho" panose="02020609040205080304" pitchFamily="49" charset="-128"/>
-                <a:cs typeface="Times New Roman" panose="02020603050405020304" pitchFamily="18" charset="0"/>
-              </a:rPr>
-              <a:t>Q3: What can be done to make life easier for individuals experiencing visible and/or invisible disabilities within the physics department and the physics community?</a:t>
-            </a:r>
-          </a:p>
         </p:txBody>
       </p:sp>
+      <p:pic>
+        <p:nvPicPr>
+          <p:cNvPr id="2" name="Picture 1"/>
+          <p:cNvPicPr>
+            <a:picLocks noChangeAspect="1"/>
+          </p:cNvPicPr>
+          <p:nvPr/>
+        </p:nvPicPr>
+        <p:blipFill>
+          <a:blip r:embed="rId2"/>
+          <a:stretch>
+            <a:fillRect/>
+          </a:stretch>
+        </p:blipFill>
+        <p:spPr>
+          <a:xfrm>
+            <a:off x="903643" y="745700"/>
+            <a:ext cx="6696818" cy="4338061"/>
+          </a:xfrm>
+          <a:prstGeom prst="rect">
+            <a:avLst/>
+          </a:prstGeom>
+        </p:spPr>
+      </p:pic>
     </p:spTree>
     <p:extLst>
       <p:ext uri="{BB962C8B-B14F-4D97-AF65-F5344CB8AC3E}">
-        <p14:creationId xmlns:p14="http://schemas.microsoft.com/office/powerpoint/2010/main" val="2741183054"/>
+        <p14:creationId xmlns:p14="http://schemas.microsoft.com/office/powerpoint/2010/main" val="1594677064"/>
       </p:ext>
     </p:extLst>
   </p:cSld>
@@ -4063,7 +4104,7 @@
         <p:spPr>
           <a:xfrm>
             <a:off x="275549" y="191702"/>
-            <a:ext cx="6669390" cy="553998"/>
+            <a:ext cx="6679521" cy="553998"/>
           </a:xfrm>
           <a:prstGeom prst="rect">
             <a:avLst/>
@@ -4084,7 +4125,7 @@
                 <a:latin typeface="Times New Roman"/>
                 <a:cs typeface="Times New Roman"/>
               </a:rPr>
-              <a:t>Diversity &amp; Inclusion: Other Resources</a:t>
+              <a:t>Diversity in Physics: Gender Minorities</a:t>
             </a:r>
             <a:endParaRPr lang="en-US" sz="2400" b="1" dirty="0">
               <a:solidFill>
@@ -4096,283 +4137,34 @@
           </a:p>
         </p:txBody>
       </p:sp>
-      <p:sp>
-        <p:nvSpPr>
-          <p:cNvPr id="6" name="TextBox 5">
-            <a:extLst>
-              <a:ext uri="{FF2B5EF4-FFF2-40B4-BE49-F238E27FC236}">
-                <a16:creationId xmlns:a16="http://schemas.microsoft.com/office/drawing/2014/main" id="{878A97EC-2834-8447-A6B8-2F5335C4C2C1}"/>
-              </a:ext>
-            </a:extLst>
-          </p:cNvPr>
-          <p:cNvSpPr txBox="1"/>
+      <p:pic>
+        <p:nvPicPr>
+          <p:cNvPr id="3" name="Picture 2"/>
+          <p:cNvPicPr>
+            <a:picLocks noChangeAspect="1"/>
+          </p:cNvPicPr>
           <p:nvPr/>
-        </p:nvSpPr>
+        </p:nvPicPr>
+        <p:blipFill>
+          <a:blip r:embed="rId2"/>
+          <a:stretch>
+            <a:fillRect/>
+          </a:stretch>
+        </p:blipFill>
         <p:spPr>
           <a:xfrm>
-            <a:off x="539604" y="945629"/>
-            <a:ext cx="8378766" cy="5632311"/>
+            <a:off x="231355" y="811802"/>
+            <a:ext cx="8686800" cy="5739655"/>
           </a:xfrm>
           <a:prstGeom prst="rect">
             <a:avLst/>
           </a:prstGeom>
-          <a:noFill/>
         </p:spPr>
-        <p:txBody>
-          <a:bodyPr wrap="square" rtlCol="0">
-            <a:spAutoFit/>
-          </a:bodyPr>
-          <a:lstStyle/>
-          <a:p>
-            <a:pPr marL="342900" indent="-342900">
-              <a:buFont typeface="Arial" panose="020B0604020202020204" pitchFamily="34" charset="0"/>
-              <a:buChar char="•"/>
-            </a:pPr>
-            <a:r>
-              <a:rPr lang="en-GB" altLang="en-US" sz="2400" dirty="0">
-                <a:latin typeface="Times New Roman" panose="02020603050405020304" pitchFamily="18" charset="0"/>
-                <a:cs typeface="Times New Roman" panose="02020603050405020304" pitchFamily="18" charset="0"/>
-              </a:rPr>
-              <a:t>APS Bridge Program: </a:t>
-            </a:r>
-            <a:r>
-              <a:rPr lang="en-GB" altLang="en-US" sz="2400" dirty="0">
-                <a:latin typeface="Times New Roman" panose="02020603050405020304" pitchFamily="18" charset="0"/>
-                <a:cs typeface="Times New Roman" panose="02020603050405020304" pitchFamily="18" charset="0"/>
-                <a:hlinkClick r:id="rId2"/>
-              </a:rPr>
-              <a:t>http://www.apsbridgeprogram.org</a:t>
-            </a:r>
-            <a:endParaRPr lang="en-GB" altLang="en-US" sz="2400" dirty="0">
-              <a:latin typeface="Times New Roman" panose="02020603050405020304" pitchFamily="18" charset="0"/>
-              <a:cs typeface="Times New Roman" panose="02020603050405020304" pitchFamily="18" charset="0"/>
-            </a:endParaRPr>
-          </a:p>
-          <a:p>
-            <a:pPr marL="342900" indent="-342900">
-              <a:buFont typeface="Arial" panose="020B0604020202020204" pitchFamily="34" charset="0"/>
-              <a:buChar char="•"/>
-            </a:pPr>
-            <a:endParaRPr lang="en-GB" altLang="en-US" sz="800" dirty="0">
-              <a:latin typeface="Times New Roman" panose="02020603050405020304" pitchFamily="18" charset="0"/>
-              <a:cs typeface="Times New Roman" panose="02020603050405020304" pitchFamily="18" charset="0"/>
-            </a:endParaRPr>
-          </a:p>
-          <a:p>
-            <a:pPr marL="342900" indent="-342900">
-              <a:buFont typeface="Arial" panose="020B0604020202020204" pitchFamily="34" charset="0"/>
-              <a:buChar char="•"/>
-            </a:pPr>
-            <a:r>
-              <a:rPr lang="en-GB" altLang="en-US" sz="2400" dirty="0">
-                <a:latin typeface="Times New Roman" panose="02020603050405020304" pitchFamily="18" charset="0"/>
-                <a:cs typeface="Times New Roman" panose="02020603050405020304" pitchFamily="18" charset="0"/>
-              </a:rPr>
-              <a:t>Conference for Undergraduate Women in Physics: </a:t>
-            </a:r>
-            <a:r>
-              <a:rPr lang="en-GB" altLang="en-US" sz="2400" dirty="0">
-                <a:latin typeface="Times New Roman" panose="02020603050405020304" pitchFamily="18" charset="0"/>
-                <a:cs typeface="Times New Roman" panose="02020603050405020304" pitchFamily="18" charset="0"/>
-                <a:hlinkClick r:id="rId3"/>
-              </a:rPr>
-              <a:t>https://www.aps.org/programs/women/workshops/cuwip.cfm</a:t>
-            </a:r>
-            <a:endParaRPr lang="en-GB" altLang="en-US" sz="2400" dirty="0">
-              <a:latin typeface="Times New Roman" panose="02020603050405020304" pitchFamily="18" charset="0"/>
-              <a:cs typeface="Times New Roman" panose="02020603050405020304" pitchFamily="18" charset="0"/>
-            </a:endParaRPr>
-          </a:p>
-          <a:p>
-            <a:pPr marL="342900" indent="-342900">
-              <a:buFont typeface="Arial" panose="020B0604020202020204" pitchFamily="34" charset="0"/>
-              <a:buChar char="•"/>
-            </a:pPr>
-            <a:endParaRPr lang="en-GB" altLang="en-US" sz="800" dirty="0">
-              <a:latin typeface="Times New Roman" panose="02020603050405020304" pitchFamily="18" charset="0"/>
-              <a:cs typeface="Times New Roman" panose="02020603050405020304" pitchFamily="18" charset="0"/>
-            </a:endParaRPr>
-          </a:p>
-          <a:p>
-            <a:pPr marL="342900" indent="-342900">
-              <a:buFont typeface="Arial" panose="020B0604020202020204" pitchFamily="34" charset="0"/>
-              <a:buChar char="•"/>
-            </a:pPr>
-            <a:r>
-              <a:rPr lang="en-GB" altLang="en-US" sz="2400" dirty="0">
-                <a:latin typeface="Times New Roman" panose="02020603050405020304" pitchFamily="18" charset="0"/>
-                <a:cs typeface="Times New Roman" panose="02020603050405020304" pitchFamily="18" charset="0"/>
-              </a:rPr>
-              <a:t>Step Up 4 Women: </a:t>
-            </a:r>
-            <a:r>
-              <a:rPr lang="en-GB" altLang="en-US" sz="2400" dirty="0">
-                <a:latin typeface="Times New Roman" panose="02020603050405020304" pitchFamily="18" charset="0"/>
-                <a:cs typeface="Times New Roman" panose="02020603050405020304" pitchFamily="18" charset="0"/>
-                <a:hlinkClick r:id="rId4"/>
-              </a:rPr>
-              <a:t>https://www.aps.org/programs/education/su4w/</a:t>
-            </a:r>
-            <a:endParaRPr lang="en-GB" altLang="en-US" sz="2400" dirty="0">
-              <a:latin typeface="Times New Roman" panose="02020603050405020304" pitchFamily="18" charset="0"/>
-              <a:cs typeface="Times New Roman" panose="02020603050405020304" pitchFamily="18" charset="0"/>
-            </a:endParaRPr>
-          </a:p>
-          <a:p>
-            <a:pPr marL="342900" indent="-342900">
-              <a:buFont typeface="Arial" panose="020B0604020202020204" pitchFamily="34" charset="0"/>
-              <a:buChar char="•"/>
-            </a:pPr>
-            <a:endParaRPr lang="en-GB" altLang="en-US" sz="800" dirty="0">
-              <a:latin typeface="Times New Roman" panose="02020603050405020304" pitchFamily="18" charset="0"/>
-              <a:cs typeface="Times New Roman" panose="02020603050405020304" pitchFamily="18" charset="0"/>
-            </a:endParaRPr>
-          </a:p>
-          <a:p>
-            <a:pPr marL="342900" indent="-342900">
-              <a:buFont typeface="Arial" panose="020B0604020202020204" pitchFamily="34" charset="0"/>
-              <a:buChar char="•"/>
-            </a:pPr>
-            <a:r>
-              <a:rPr lang="en-GB" altLang="en-US" sz="2400" dirty="0">
-                <a:latin typeface="Times New Roman" panose="02020603050405020304" pitchFamily="18" charset="0"/>
-                <a:cs typeface="Times New Roman" panose="02020603050405020304" pitchFamily="18" charset="0"/>
-              </a:rPr>
-              <a:t>National Mentoring Community: </a:t>
-            </a:r>
-            <a:r>
-              <a:rPr lang="en-GB" altLang="en-US" sz="2400" dirty="0">
-                <a:latin typeface="Times New Roman" panose="02020603050405020304" pitchFamily="18" charset="0"/>
-                <a:cs typeface="Times New Roman" panose="02020603050405020304" pitchFamily="18" charset="0"/>
-                <a:hlinkClick r:id="rId5"/>
-              </a:rPr>
-              <a:t>https://www.aps.org/programs/minorities/nmc/</a:t>
-            </a:r>
-            <a:endParaRPr lang="en-GB" altLang="en-US" sz="2400" dirty="0">
-              <a:latin typeface="Times New Roman" panose="02020603050405020304" pitchFamily="18" charset="0"/>
-              <a:cs typeface="Times New Roman" panose="02020603050405020304" pitchFamily="18" charset="0"/>
-            </a:endParaRPr>
-          </a:p>
-          <a:p>
-            <a:pPr marL="342900" indent="-342900">
-              <a:buFont typeface="Arial" panose="020B0604020202020204" pitchFamily="34" charset="0"/>
-              <a:buChar char="•"/>
-            </a:pPr>
-            <a:endParaRPr lang="en-GB" altLang="en-US" sz="800" dirty="0">
-              <a:latin typeface="Times New Roman" panose="02020603050405020304" pitchFamily="18" charset="0"/>
-              <a:cs typeface="Times New Roman" panose="02020603050405020304" pitchFamily="18" charset="0"/>
-            </a:endParaRPr>
-          </a:p>
-          <a:p>
-            <a:pPr marL="342900" indent="-342900">
-              <a:buFont typeface="Arial" panose="020B0604020202020204" pitchFamily="34" charset="0"/>
-              <a:buChar char="•"/>
-            </a:pPr>
-            <a:r>
-              <a:rPr lang="en-GB" altLang="en-US" sz="2400" dirty="0">
-                <a:latin typeface="Times New Roman" panose="02020603050405020304" pitchFamily="18" charset="0"/>
-                <a:cs typeface="Times New Roman" panose="02020603050405020304" pitchFamily="18" charset="0"/>
-              </a:rPr>
-              <a:t>Women in Physics Groups (grants up to $1000): </a:t>
-            </a:r>
-            <a:r>
-              <a:rPr lang="en-GB" altLang="en-US" sz="2400" dirty="0">
-                <a:latin typeface="Times New Roman" panose="02020603050405020304" pitchFamily="18" charset="0"/>
-                <a:cs typeface="Times New Roman" panose="02020603050405020304" pitchFamily="18" charset="0"/>
-                <a:hlinkClick r:id="rId6"/>
-              </a:rPr>
-              <a:t>https://www.aps.org/programs/women/index.cfm</a:t>
-            </a:r>
-            <a:endParaRPr lang="en-GB" altLang="en-US" sz="2400" dirty="0">
-              <a:latin typeface="Times New Roman" panose="02020603050405020304" pitchFamily="18" charset="0"/>
-              <a:cs typeface="Times New Roman" panose="02020603050405020304" pitchFamily="18" charset="0"/>
-            </a:endParaRPr>
-          </a:p>
-          <a:p>
-            <a:pPr marL="342900" indent="-342900">
-              <a:buFont typeface="Arial" panose="020B0604020202020204" pitchFamily="34" charset="0"/>
-              <a:buChar char="•"/>
-            </a:pPr>
-            <a:endParaRPr lang="en-GB" altLang="en-US" sz="800" dirty="0">
-              <a:latin typeface="Times New Roman" panose="02020603050405020304" pitchFamily="18" charset="0"/>
-              <a:cs typeface="Times New Roman" panose="02020603050405020304" pitchFamily="18" charset="0"/>
-            </a:endParaRPr>
-          </a:p>
-          <a:p>
-            <a:pPr marL="342900" indent="-342900">
-              <a:buFont typeface="Arial" panose="020B0604020202020204" pitchFamily="34" charset="0"/>
-              <a:buChar char="•"/>
-            </a:pPr>
-            <a:r>
-              <a:rPr lang="en-GB" altLang="en-US" sz="2400" dirty="0">
-                <a:latin typeface="Times New Roman" panose="02020603050405020304" pitchFamily="18" charset="0"/>
-                <a:cs typeface="Times New Roman" panose="02020603050405020304" pitchFamily="18" charset="0"/>
-              </a:rPr>
-              <a:t>AIP Team-Up: </a:t>
-            </a:r>
-            <a:r>
-              <a:rPr lang="en-GB" altLang="en-US" sz="2400" dirty="0">
-                <a:latin typeface="Times New Roman" panose="02020603050405020304" pitchFamily="18" charset="0"/>
-                <a:cs typeface="Times New Roman" panose="02020603050405020304" pitchFamily="18" charset="0"/>
-                <a:hlinkClick r:id="rId7"/>
-              </a:rPr>
-              <a:t>https://www.aip.org/diversity-initiatives/team-up-task-force</a:t>
-            </a:r>
-            <a:endParaRPr lang="en-GB" altLang="en-US" sz="2400" dirty="0">
-              <a:latin typeface="Times New Roman" panose="02020603050405020304" pitchFamily="18" charset="0"/>
-              <a:cs typeface="Times New Roman" panose="02020603050405020304" pitchFamily="18" charset="0"/>
-            </a:endParaRPr>
-          </a:p>
-          <a:p>
-            <a:pPr marL="342900" indent="-342900">
-              <a:buFont typeface="Arial" panose="020B0604020202020204" pitchFamily="34" charset="0"/>
-              <a:buChar char="•"/>
-            </a:pPr>
-            <a:endParaRPr lang="en-GB" altLang="en-US" sz="800" dirty="0">
-              <a:latin typeface="Times New Roman" panose="02020603050405020304" pitchFamily="18" charset="0"/>
-              <a:cs typeface="Times New Roman" panose="02020603050405020304" pitchFamily="18" charset="0"/>
-            </a:endParaRPr>
-          </a:p>
-          <a:p>
-            <a:pPr marL="342900" indent="-342900">
-              <a:buFont typeface="Arial" panose="020B0604020202020204" pitchFamily="34" charset="0"/>
-              <a:buChar char="•"/>
-            </a:pPr>
-            <a:r>
-              <a:rPr lang="en-GB" altLang="en-US" sz="2400" i="1" dirty="0">
-                <a:latin typeface="Times New Roman" panose="02020603050405020304" pitchFamily="18" charset="0"/>
-                <a:cs typeface="Times New Roman" panose="02020603050405020304" pitchFamily="18" charset="0"/>
-              </a:rPr>
-              <a:t>Women Don't Ask: The High Cost of Avoiding Negotiation – and Positive Strategies for Change </a:t>
-            </a:r>
-            <a:r>
-              <a:rPr lang="en-GB" altLang="en-US" sz="2400" dirty="0">
-                <a:latin typeface="Times New Roman" panose="02020603050405020304" pitchFamily="18" charset="0"/>
-                <a:cs typeface="Times New Roman" panose="02020603050405020304" pitchFamily="18" charset="0"/>
-              </a:rPr>
-              <a:t>(L. Babcock &amp; S. </a:t>
-            </a:r>
-            <a:r>
-              <a:rPr lang="en-GB" altLang="en-US" sz="2400" dirty="0" err="1">
-                <a:latin typeface="Times New Roman" panose="02020603050405020304" pitchFamily="18" charset="0"/>
-                <a:cs typeface="Times New Roman" panose="02020603050405020304" pitchFamily="18" charset="0"/>
-              </a:rPr>
-              <a:t>Laschever</a:t>
-            </a:r>
-            <a:r>
-              <a:rPr lang="en-GB" altLang="en-US" sz="2400" dirty="0">
-                <a:latin typeface="Times New Roman" panose="02020603050405020304" pitchFamily="18" charset="0"/>
-                <a:cs typeface="Times New Roman" panose="02020603050405020304" pitchFamily="18" charset="0"/>
-              </a:rPr>
-              <a:t>)</a:t>
-            </a:r>
-          </a:p>
-        </p:txBody>
-      </p:sp>
+      </p:pic>
     </p:spTree>
     <p:extLst>
       <p:ext uri="{BB962C8B-B14F-4D97-AF65-F5344CB8AC3E}">
-        <p14:creationId xmlns:p14="http://schemas.microsoft.com/office/powerpoint/2010/main" val="3010689005"/>
+        <p14:creationId xmlns:p14="http://schemas.microsoft.com/office/powerpoint/2010/main" val="973520329"/>
       </p:ext>
     </p:extLst>
   </p:cSld>
@@ -4408,7 +4200,7 @@
         <p:spPr>
           <a:xfrm>
             <a:off x="275549" y="191702"/>
-            <a:ext cx="4812536" cy="553998"/>
+            <a:ext cx="4641014" cy="553998"/>
           </a:xfrm>
           <a:prstGeom prst="rect">
             <a:avLst/>
@@ -4429,7 +4221,7 @@
                 <a:latin typeface="Times New Roman"/>
                 <a:cs typeface="Times New Roman"/>
               </a:rPr>
-              <a:t>Upcoming Classes/Activities</a:t>
+              <a:t>Unconscious / Implicit Bias</a:t>
             </a:r>
             <a:endParaRPr lang="en-US" sz="2400" b="1" dirty="0">
               <a:solidFill>
@@ -4456,7 +4248,7 @@
         <p:spPr>
           <a:xfrm>
             <a:off x="539603" y="945629"/>
-            <a:ext cx="8450017" cy="5078313"/>
+            <a:ext cx="8604397" cy="5344284"/>
           </a:xfrm>
           <a:prstGeom prst="rect">
             <a:avLst/>
@@ -4470,133 +4262,43 @@
           <a:lstStyle/>
           <a:p>
             <a:pPr marL="342900" indent="-342900">
-              <a:buFont typeface="Arial" panose="020B0604020202020204" pitchFamily="34" charset="0"/>
-              <a:buChar char="•"/>
-            </a:pPr>
-            <a:r>
-              <a:rPr lang="en-US" sz="2400" dirty="0">
-                <a:latin typeface="Times New Roman" panose="02020603050405020304" pitchFamily="18" charset="0"/>
-                <a:ea typeface="MS Mincho" panose="02020609040205080304" pitchFamily="49" charset="-128"/>
-                <a:cs typeface="Times New Roman" panose="02020603050405020304" pitchFamily="18" charset="0"/>
-              </a:rPr>
-              <a:t>Next class: summary of one research article related to students’ research topic</a:t>
-            </a:r>
-          </a:p>
-          <a:p>
-            <a:pPr marL="800100" lvl="1" indent="-342900">
-              <a:buFont typeface="Arial" panose="020B0604020202020204" pitchFamily="34" charset="0"/>
-              <a:buChar char="•"/>
-            </a:pPr>
-            <a:r>
-              <a:rPr lang="en-US" sz="2200" dirty="0">
-                <a:latin typeface="Times New Roman" panose="02020603050405020304" pitchFamily="18" charset="0"/>
-                <a:ea typeface="MS Mincho" panose="02020609040205080304" pitchFamily="49" charset="-128"/>
-                <a:cs typeface="Times New Roman" panose="02020603050405020304" pitchFamily="18" charset="0"/>
-              </a:rPr>
-              <a:t>300 – 400 words (strict minimum &amp; maximum)</a:t>
-            </a:r>
-          </a:p>
-          <a:p>
-            <a:pPr marL="800100" lvl="1" indent="-342900">
-              <a:buFont typeface="Arial" panose="020B0604020202020204" pitchFamily="34" charset="0"/>
-              <a:buChar char="•"/>
-            </a:pPr>
-            <a:r>
-              <a:rPr lang="en-US" sz="2200" dirty="0">
-                <a:latin typeface="Times New Roman" panose="02020603050405020304" pitchFamily="18" charset="0"/>
-                <a:ea typeface="MS Mincho" panose="02020609040205080304" pitchFamily="49" charset="-128"/>
-                <a:cs typeface="Times New Roman" panose="02020603050405020304" pitchFamily="18" charset="0"/>
-              </a:rPr>
-              <a:t>Audience: students in this class </a:t>
-            </a:r>
-            <a:r>
-              <a:rPr lang="en-US" sz="2200" dirty="0">
-                <a:latin typeface="Times New Roman" panose="02020603050405020304" pitchFamily="18" charset="0"/>
-                <a:ea typeface="MS Mincho" panose="02020609040205080304" pitchFamily="49" charset="-128"/>
-                <a:cs typeface="Times New Roman" panose="02020603050405020304" pitchFamily="18" charset="0"/>
-                <a:sym typeface="Wingdings" pitchFamily="2" charset="2"/>
-              </a:rPr>
-              <a:t> peer review</a:t>
-            </a:r>
-          </a:p>
-          <a:p>
-            <a:pPr marL="800100" lvl="1" indent="-342900">
-              <a:buFont typeface="Arial" panose="020B0604020202020204" pitchFamily="34" charset="0"/>
-              <a:buChar char="•"/>
-            </a:pPr>
-            <a:r>
-              <a:rPr lang="en-US" sz="2200" dirty="0">
-                <a:latin typeface="Times New Roman" panose="02020603050405020304" pitchFamily="18" charset="0"/>
-                <a:ea typeface="MS Mincho" panose="02020609040205080304" pitchFamily="49" charset="-128"/>
-                <a:cs typeface="Times New Roman" panose="02020603050405020304" pitchFamily="18" charset="0"/>
-              </a:rPr>
-              <a:t>Think about CAT (Collect, Analyze, Try)</a:t>
-            </a:r>
-            <a:endParaRPr lang="en-US" sz="2200" dirty="0">
-              <a:latin typeface="Times New Roman" panose="02020603050405020304" pitchFamily="18" charset="0"/>
-              <a:ea typeface="MS Mincho" panose="02020609040205080304" pitchFamily="49" charset="-128"/>
-              <a:cs typeface="Times New Roman" panose="02020603050405020304" pitchFamily="18" charset="0"/>
-              <a:sym typeface="Wingdings" pitchFamily="2" charset="2"/>
-            </a:endParaRPr>
-          </a:p>
-          <a:p>
-            <a:pPr marL="800100" lvl="1" indent="-342900">
-              <a:buFont typeface="Arial" panose="020B0604020202020204" pitchFamily="34" charset="0"/>
-              <a:buChar char="•"/>
-            </a:pPr>
-            <a:r>
-              <a:rPr lang="en-US" sz="2200" dirty="0">
-                <a:latin typeface="Times New Roman" panose="02020603050405020304" pitchFamily="18" charset="0"/>
-                <a:ea typeface="MS Mincho" panose="02020609040205080304" pitchFamily="49" charset="-128"/>
-                <a:cs typeface="Times New Roman" panose="02020603050405020304" pitchFamily="18" charset="0"/>
-              </a:rPr>
-              <a:t>To be written in </a:t>
-            </a:r>
-            <a:r>
-              <a:rPr lang="en-US" sz="2200" dirty="0" err="1">
-                <a:latin typeface="Times New Roman" panose="02020603050405020304" pitchFamily="18" charset="0"/>
-                <a:ea typeface="MS Mincho" panose="02020609040205080304" pitchFamily="49" charset="-128"/>
-                <a:cs typeface="Times New Roman" panose="02020603050405020304" pitchFamily="18" charset="0"/>
-              </a:rPr>
-              <a:t>LaTeX</a:t>
-            </a:r>
-            <a:r>
-              <a:rPr lang="en-US" sz="2200" dirty="0">
-                <a:latin typeface="Times New Roman" panose="02020603050405020304" pitchFamily="18" charset="0"/>
-                <a:ea typeface="MS Mincho" panose="02020609040205080304" pitchFamily="49" charset="-128"/>
-                <a:cs typeface="Times New Roman" panose="02020603050405020304" pitchFamily="18" charset="0"/>
-              </a:rPr>
-              <a:t> and submitted in electronic form, both </a:t>
-            </a:r>
-            <a:r>
-              <a:rPr lang="en-US" sz="2200" dirty="0" err="1">
-                <a:latin typeface="Times New Roman" panose="02020603050405020304" pitchFamily="18" charset="0"/>
-                <a:ea typeface="MS Mincho" panose="02020609040205080304" pitchFamily="49" charset="-128"/>
-                <a:cs typeface="Times New Roman" panose="02020603050405020304" pitchFamily="18" charset="0"/>
-              </a:rPr>
-              <a:t>tex</a:t>
-            </a:r>
-            <a:r>
-              <a:rPr lang="en-US" sz="2200" dirty="0">
-                <a:latin typeface="Times New Roman" panose="02020603050405020304" pitchFamily="18" charset="0"/>
-                <a:ea typeface="MS Mincho" panose="02020609040205080304" pitchFamily="49" charset="-128"/>
-                <a:cs typeface="Times New Roman" panose="02020603050405020304" pitchFamily="18" charset="0"/>
-              </a:rPr>
-              <a:t> and pdf, via e-mail before the start of the next class</a:t>
-            </a:r>
-          </a:p>
-          <a:p>
-            <a:pPr marL="800100" lvl="1" indent="-342900">
-              <a:buFont typeface="Arial" panose="020B0604020202020204" pitchFamily="34" charset="0"/>
-              <a:buChar char="•"/>
-            </a:pPr>
-            <a:r>
-              <a:rPr lang="en-US" sz="2200" dirty="0">
-                <a:latin typeface="Times New Roman" panose="02020603050405020304" pitchFamily="18" charset="0"/>
-                <a:ea typeface="MS Mincho" panose="02020609040205080304" pitchFamily="49" charset="-128"/>
-                <a:cs typeface="Times New Roman" panose="02020603050405020304" pitchFamily="18" charset="0"/>
-              </a:rPr>
-              <a:t>Every student should bring a print-out of the summary to class</a:t>
+              <a:lnSpc>
+                <a:spcPct val="93000"/>
+              </a:lnSpc>
+              <a:spcBef>
+                <a:spcPts val="1425"/>
+              </a:spcBef>
+              <a:buClr>
+                <a:srgbClr val="000000"/>
+              </a:buClr>
+              <a:buSzPct val="100000"/>
+              <a:buFont typeface="Arial" panose="020B0604020202020204" pitchFamily="34" charset="0"/>
+              <a:buChar char="•"/>
+              <a:defRPr/>
+            </a:pPr>
+            <a:r>
+              <a:rPr lang="en-GB" altLang="en-US" sz="2400" dirty="0">
+                <a:latin typeface="Times New Roman" panose="02020603050405020304" pitchFamily="18" charset="0"/>
+                <a:ea typeface="Arial" charset="0"/>
+                <a:cs typeface="Times New Roman" panose="02020603050405020304" pitchFamily="18" charset="0"/>
+              </a:rPr>
+              <a:t>Definition: The positions we hold about others that are influenced by past experiences, forming filters that cause conclusions to be reached, about groups or ethnicities, by ways other than through active thought or reasoning. (</a:t>
+            </a:r>
+            <a:r>
+              <a:rPr lang="en-GB" altLang="en-US" sz="2400" i="1" dirty="0" err="1">
+                <a:latin typeface="Times New Roman" panose="02020603050405020304" pitchFamily="18" charset="0"/>
+                <a:ea typeface="Arial" charset="0"/>
+                <a:cs typeface="Times New Roman" panose="02020603050405020304" pitchFamily="18" charset="0"/>
+              </a:rPr>
+              <a:t>insighteducationsystems.com</a:t>
+            </a:r>
+            <a:r>
+              <a:rPr lang="en-GB" altLang="en-US" sz="2400" dirty="0">
+                <a:latin typeface="Times New Roman" panose="02020603050405020304" pitchFamily="18" charset="0"/>
+                <a:ea typeface="Arial" charset="0"/>
+                <a:cs typeface="Times New Roman" panose="02020603050405020304" pitchFamily="18" charset="0"/>
+              </a:rPr>
+              <a:t>)</a:t>
             </a:r>
           </a:p>
           <a:p>
@@ -4621,8 +4323,101 @@
                 <a:ea typeface="MS Mincho" panose="02020609040205080304" pitchFamily="49" charset="-128"/>
                 <a:cs typeface="Times New Roman" panose="02020603050405020304" pitchFamily="18" charset="0"/>
               </a:rPr>
-              <a:t>Next week: presentation on one research article related to students’ research topic</a:t>
-            </a:r>
+              <a:t>In what professional situations can these biases be most present / pervasive? </a:t>
+            </a:r>
+            <a:r>
+              <a:rPr lang="en-US" sz="2400" dirty="0">
+                <a:solidFill>
+                  <a:prstClr val="black"/>
+                </a:solidFill>
+                <a:latin typeface="Times New Roman"/>
+                <a:cs typeface="Times New Roman"/>
+              </a:rPr>
+              <a:t>(</a:t>
+            </a:r>
+            <a:r>
+              <a:rPr lang="en-US" sz="2400" i="1" dirty="0">
+                <a:solidFill>
+                  <a:prstClr val="black"/>
+                </a:solidFill>
+                <a:latin typeface="Times New Roman"/>
+                <a:cs typeface="Times New Roman"/>
+              </a:rPr>
+              <a:t>Group discussion</a:t>
+            </a:r>
+            <a:r>
+              <a:rPr lang="en-US" sz="2400" dirty="0">
+                <a:solidFill>
+                  <a:prstClr val="black"/>
+                </a:solidFill>
+                <a:latin typeface="Times New Roman"/>
+                <a:cs typeface="Times New Roman"/>
+              </a:rPr>
+              <a:t>)</a:t>
+            </a:r>
+          </a:p>
+          <a:p>
+            <a:pPr marL="342900" indent="-342900">
+              <a:buFont typeface="Arial" panose="020B0604020202020204" pitchFamily="34" charset="0"/>
+              <a:buChar char="•"/>
+            </a:pPr>
+            <a:endParaRPr lang="en-US" sz="800" dirty="0">
+              <a:solidFill>
+                <a:prstClr val="black"/>
+              </a:solidFill>
+              <a:latin typeface="Times New Roman"/>
+              <a:ea typeface="MS Mincho" panose="02020609040205080304" pitchFamily="49" charset="-128"/>
+              <a:cs typeface="Times New Roman"/>
+            </a:endParaRPr>
+          </a:p>
+          <a:p>
+            <a:pPr marL="342900" indent="-342900">
+              <a:buFont typeface="Arial" panose="020B0604020202020204" pitchFamily="34" charset="0"/>
+              <a:buChar char="•"/>
+            </a:pPr>
+            <a:r>
+              <a:rPr lang="en-US" sz="2400" dirty="0">
+                <a:latin typeface="Times New Roman" panose="02020603050405020304" pitchFamily="18" charset="0"/>
+                <a:ea typeface="MS Mincho" panose="02020609040205080304" pitchFamily="49" charset="-128"/>
+                <a:cs typeface="Times New Roman" panose="02020603050405020304" pitchFamily="18" charset="0"/>
+              </a:rPr>
+              <a:t>What can we do to minimize the effects of unconscious / implicit bias? </a:t>
+            </a:r>
+            <a:r>
+              <a:rPr lang="en-US" sz="2400" dirty="0">
+                <a:solidFill>
+                  <a:prstClr val="black"/>
+                </a:solidFill>
+                <a:latin typeface="Times New Roman"/>
+                <a:cs typeface="Times New Roman"/>
+              </a:rPr>
+              <a:t>(</a:t>
+            </a:r>
+            <a:r>
+              <a:rPr lang="en-US" sz="2400" i="1" dirty="0">
+                <a:solidFill>
+                  <a:prstClr val="black"/>
+                </a:solidFill>
+                <a:latin typeface="Times New Roman"/>
+                <a:cs typeface="Times New Roman"/>
+              </a:rPr>
+              <a:t>Group discussion</a:t>
+            </a:r>
+            <a:r>
+              <a:rPr lang="en-US" sz="2400" dirty="0">
+                <a:solidFill>
+                  <a:prstClr val="black"/>
+                </a:solidFill>
+                <a:latin typeface="Times New Roman"/>
+                <a:cs typeface="Times New Roman"/>
+              </a:rPr>
+              <a:t>)</a:t>
+            </a:r>
+            <a:endParaRPr lang="en-US" sz="2400" dirty="0">
+              <a:latin typeface="Times New Roman" panose="02020603050405020304" pitchFamily="18" charset="0"/>
+              <a:ea typeface="MS Mincho" panose="02020609040205080304" pitchFamily="49" charset="-128"/>
+              <a:cs typeface="Times New Roman" panose="02020603050405020304" pitchFamily="18" charset="0"/>
+            </a:endParaRPr>
           </a:p>
           <a:p>
             <a:pPr marL="800100" lvl="1" indent="-342900">
@@ -4635,7 +4430,7 @@
                 <a:ea typeface="MS Mincho" panose="02020609040205080304" pitchFamily="49" charset="-128"/>
                 <a:cs typeface="Times New Roman" panose="02020603050405020304" pitchFamily="18" charset="0"/>
               </a:rPr>
-              <a:t>3 – 4 minutes, with maximum of 3 slides (including title slide)</a:t>
+              <a:t>On an individual level</a:t>
             </a:r>
           </a:p>
           <a:p>
@@ -4649,7 +4444,7 @@
                 <a:ea typeface="MS Mincho" panose="02020609040205080304" pitchFamily="49" charset="-128"/>
                 <a:cs typeface="Times New Roman" panose="02020603050405020304" pitchFamily="18" charset="0"/>
               </a:rPr>
-              <a:t>Every presentation will have at least two students asking questions and two students providing feedback</a:t>
+              <a:t>On a department level</a:t>
             </a:r>
           </a:p>
           <a:p>
@@ -4663,15 +4458,2719 @@
                 <a:ea typeface="MS Mincho" panose="02020609040205080304" pitchFamily="49" charset="-128"/>
                 <a:cs typeface="Times New Roman" panose="02020603050405020304" pitchFamily="18" charset="0"/>
               </a:rPr>
-              <a:t>Presentations, questions and feedback will all be graded</a:t>
-            </a:r>
+              <a:t>On a university level</a:t>
+            </a:r>
+          </a:p>
+          <a:p>
+            <a:pPr marL="800100" lvl="1" indent="-342900">
+              <a:buFont typeface="Arial" panose="020B0604020202020204" pitchFamily="34" charset="0"/>
+              <a:buChar char="•"/>
+            </a:pPr>
+            <a:r>
+              <a:rPr lang="en-US" sz="2200" dirty="0">
+                <a:latin typeface="Times New Roman" panose="02020603050405020304" pitchFamily="18" charset="0"/>
+                <a:ea typeface="MS Mincho" panose="02020609040205080304" pitchFamily="49" charset="-128"/>
+                <a:cs typeface="Times New Roman" panose="02020603050405020304" pitchFamily="18" charset="0"/>
+              </a:rPr>
+              <a:t>On a community level</a:t>
+            </a:r>
+          </a:p>
+          <a:p>
+            <a:endParaRPr lang="en-US" sz="800" dirty="0">
+              <a:latin typeface="Times New Roman" panose="02020603050405020304" pitchFamily="18" charset="0"/>
+              <a:ea typeface="MS Mincho" panose="02020609040205080304" pitchFamily="49" charset="-128"/>
+              <a:cs typeface="Times New Roman" panose="02020603050405020304" pitchFamily="18" charset="0"/>
+            </a:endParaRPr>
+          </a:p>
+          <a:p>
+            <a:pPr marL="342900" indent="-342900">
+              <a:buFont typeface="Arial" panose="020B0604020202020204" pitchFamily="34" charset="0"/>
+              <a:buChar char="•"/>
+            </a:pPr>
+            <a:r>
+              <a:rPr lang="en-US" sz="2400" dirty="0">
+                <a:latin typeface="Times New Roman" panose="02020603050405020304" pitchFamily="18" charset="0"/>
+                <a:ea typeface="MS Mincho" panose="02020609040205080304" pitchFamily="49" charset="-128"/>
+                <a:cs typeface="Times New Roman" panose="02020603050405020304" pitchFamily="18" charset="0"/>
+              </a:rPr>
+              <a:t>Try the Implicit Bias Tests</a:t>
+            </a:r>
+          </a:p>
+          <a:p>
+            <a:pPr marL="800100" lvl="1" indent="-342900">
+              <a:buFont typeface="Arial" panose="020B0604020202020204" pitchFamily="34" charset="0"/>
+              <a:buChar char="•"/>
+            </a:pPr>
+            <a:r>
+              <a:rPr lang="en-US" sz="2200" dirty="0">
+                <a:latin typeface="Times New Roman" panose="02020603050405020304" pitchFamily="18" charset="0"/>
+                <a:ea typeface="MS Mincho" panose="02020609040205080304" pitchFamily="49" charset="-128"/>
+                <a:cs typeface="Times New Roman" panose="02020603050405020304" pitchFamily="18" charset="0"/>
+                <a:hlinkClick r:id="rId2"/>
+              </a:rPr>
+              <a:t>https://implicit.harvard.edu/implicit/</a:t>
+            </a:r>
+            <a:endParaRPr lang="en-US" sz="2200" dirty="0">
+              <a:latin typeface="Times New Roman" panose="02020603050405020304" pitchFamily="18" charset="0"/>
+              <a:ea typeface="MS Mincho" panose="02020609040205080304" pitchFamily="49" charset="-128"/>
+              <a:cs typeface="Times New Roman" panose="02020603050405020304" pitchFamily="18" charset="0"/>
+            </a:endParaRPr>
           </a:p>
         </p:txBody>
       </p:sp>
     </p:spTree>
     <p:extLst>
       <p:ext uri="{BB962C8B-B14F-4D97-AF65-F5344CB8AC3E}">
-        <p14:creationId xmlns:p14="http://schemas.microsoft.com/office/powerpoint/2010/main" val="2561974156"/>
+        <p14:creationId xmlns:p14="http://schemas.microsoft.com/office/powerpoint/2010/main" val="1648505151"/>
+      </p:ext>
+    </p:extLst>
+  </p:cSld>
+  <p:clrMapOvr>
+    <a:masterClrMapping/>
+  </p:clrMapOvr>
+  <p:timing>
+    <p:tnLst>
+      <p:par>
+        <p:cTn id="1" dur="indefinite" restart="never" nodeType="tmRoot">
+          <p:childTnLst>
+            <p:seq concurrent="1" nextAc="seek">
+              <p:cTn id="2" dur="indefinite" nodeType="mainSeq">
+                <p:childTnLst>
+                  <p:par>
+                    <p:cTn id="3" fill="hold">
+                      <p:stCondLst>
+                        <p:cond delay="indefinite"/>
+                      </p:stCondLst>
+                      <p:childTnLst>
+                        <p:par>
+                          <p:cTn id="4" fill="hold">
+                            <p:stCondLst>
+                              <p:cond delay="0"/>
+                            </p:stCondLst>
+                            <p:childTnLst>
+                              <p:par>
+                                <p:cTn id="5" presetID="1" presetClass="entr" presetSubtype="0" fill="hold" nodeType="clickEffect">
+                                  <p:stCondLst>
+                                    <p:cond delay="0"/>
+                                  </p:stCondLst>
+                                  <p:childTnLst>
+                                    <p:set>
+                                      <p:cBhvr>
+                                        <p:cTn id="6" dur="1" fill="hold">
+                                          <p:stCondLst>
+                                            <p:cond delay="0"/>
+                                          </p:stCondLst>
+                                        </p:cTn>
+                                        <p:tgtEl>
+                                          <p:spTgt spid="6">
+                                            <p:txEl>
+                                              <p:pRg st="0" end="0"/>
+                                            </p:txEl>
+                                          </p:spTgt>
+                                        </p:tgtEl>
+                                        <p:attrNameLst>
+                                          <p:attrName>style.visibility</p:attrName>
+                                        </p:attrNameLst>
+                                      </p:cBhvr>
+                                      <p:to>
+                                        <p:strVal val="visible"/>
+                                      </p:to>
+                                    </p:set>
+                                  </p:childTnLst>
+                                </p:cTn>
+                              </p:par>
+                            </p:childTnLst>
+                          </p:cTn>
+                        </p:par>
+                      </p:childTnLst>
+                    </p:cTn>
+                  </p:par>
+                  <p:par>
+                    <p:cTn id="7" fill="hold">
+                      <p:stCondLst>
+                        <p:cond delay="indefinite"/>
+                      </p:stCondLst>
+                      <p:childTnLst>
+                        <p:par>
+                          <p:cTn id="8" fill="hold">
+                            <p:stCondLst>
+                              <p:cond delay="0"/>
+                            </p:stCondLst>
+                            <p:childTnLst>
+                              <p:par>
+                                <p:cTn id="9" presetID="1" presetClass="entr" presetSubtype="0" fill="hold" nodeType="clickEffect">
+                                  <p:stCondLst>
+                                    <p:cond delay="0"/>
+                                  </p:stCondLst>
+                                  <p:childTnLst>
+                                    <p:set>
+                                      <p:cBhvr>
+                                        <p:cTn id="10" dur="1" fill="hold">
+                                          <p:stCondLst>
+                                            <p:cond delay="0"/>
+                                          </p:stCondLst>
+                                        </p:cTn>
+                                        <p:tgtEl>
+                                          <p:spTgt spid="6">
+                                            <p:txEl>
+                                              <p:pRg st="2" end="2"/>
+                                            </p:txEl>
+                                          </p:spTgt>
+                                        </p:tgtEl>
+                                        <p:attrNameLst>
+                                          <p:attrName>style.visibility</p:attrName>
+                                        </p:attrNameLst>
+                                      </p:cBhvr>
+                                      <p:to>
+                                        <p:strVal val="visible"/>
+                                      </p:to>
+                                    </p:set>
+                                  </p:childTnLst>
+                                </p:cTn>
+                              </p:par>
+                            </p:childTnLst>
+                          </p:cTn>
+                        </p:par>
+                      </p:childTnLst>
+                    </p:cTn>
+                  </p:par>
+                  <p:par>
+                    <p:cTn id="11" fill="hold">
+                      <p:stCondLst>
+                        <p:cond delay="indefinite"/>
+                      </p:stCondLst>
+                      <p:childTnLst>
+                        <p:par>
+                          <p:cTn id="12" fill="hold">
+                            <p:stCondLst>
+                              <p:cond delay="0"/>
+                            </p:stCondLst>
+                            <p:childTnLst>
+                              <p:par>
+                                <p:cTn id="13" presetID="1" presetClass="entr" presetSubtype="0" fill="hold" nodeType="clickEffect">
+                                  <p:stCondLst>
+                                    <p:cond delay="0"/>
+                                  </p:stCondLst>
+                                  <p:childTnLst>
+                                    <p:set>
+                                      <p:cBhvr>
+                                        <p:cTn id="14" dur="1" fill="hold">
+                                          <p:stCondLst>
+                                            <p:cond delay="0"/>
+                                          </p:stCondLst>
+                                        </p:cTn>
+                                        <p:tgtEl>
+                                          <p:spTgt spid="6">
+                                            <p:txEl>
+                                              <p:pRg st="4" end="4"/>
+                                            </p:txEl>
+                                          </p:spTgt>
+                                        </p:tgtEl>
+                                        <p:attrNameLst>
+                                          <p:attrName>style.visibility</p:attrName>
+                                        </p:attrNameLst>
+                                      </p:cBhvr>
+                                      <p:to>
+                                        <p:strVal val="visible"/>
+                                      </p:to>
+                                    </p:set>
+                                  </p:childTnLst>
+                                </p:cTn>
+                              </p:par>
+                              <p:par>
+                                <p:cTn id="15" presetID="1" presetClass="entr" presetSubtype="0" fill="hold" nodeType="withEffect">
+                                  <p:stCondLst>
+                                    <p:cond delay="0"/>
+                                  </p:stCondLst>
+                                  <p:childTnLst>
+                                    <p:set>
+                                      <p:cBhvr>
+                                        <p:cTn id="16" dur="1" fill="hold">
+                                          <p:stCondLst>
+                                            <p:cond delay="0"/>
+                                          </p:stCondLst>
+                                        </p:cTn>
+                                        <p:tgtEl>
+                                          <p:spTgt spid="6">
+                                            <p:txEl>
+                                              <p:pRg st="5" end="5"/>
+                                            </p:txEl>
+                                          </p:spTgt>
+                                        </p:tgtEl>
+                                        <p:attrNameLst>
+                                          <p:attrName>style.visibility</p:attrName>
+                                        </p:attrNameLst>
+                                      </p:cBhvr>
+                                      <p:to>
+                                        <p:strVal val="visible"/>
+                                      </p:to>
+                                    </p:set>
+                                  </p:childTnLst>
+                                </p:cTn>
+                              </p:par>
+                              <p:par>
+                                <p:cTn id="17" presetID="1" presetClass="entr" presetSubtype="0" fill="hold" nodeType="withEffect">
+                                  <p:stCondLst>
+                                    <p:cond delay="0"/>
+                                  </p:stCondLst>
+                                  <p:childTnLst>
+                                    <p:set>
+                                      <p:cBhvr>
+                                        <p:cTn id="18" dur="1" fill="hold">
+                                          <p:stCondLst>
+                                            <p:cond delay="0"/>
+                                          </p:stCondLst>
+                                        </p:cTn>
+                                        <p:tgtEl>
+                                          <p:spTgt spid="6">
+                                            <p:txEl>
+                                              <p:pRg st="6" end="6"/>
+                                            </p:txEl>
+                                          </p:spTgt>
+                                        </p:tgtEl>
+                                        <p:attrNameLst>
+                                          <p:attrName>style.visibility</p:attrName>
+                                        </p:attrNameLst>
+                                      </p:cBhvr>
+                                      <p:to>
+                                        <p:strVal val="visible"/>
+                                      </p:to>
+                                    </p:set>
+                                  </p:childTnLst>
+                                </p:cTn>
+                              </p:par>
+                              <p:par>
+                                <p:cTn id="19" presetID="1" presetClass="entr" presetSubtype="0" fill="hold" nodeType="withEffect">
+                                  <p:stCondLst>
+                                    <p:cond delay="0"/>
+                                  </p:stCondLst>
+                                  <p:childTnLst>
+                                    <p:set>
+                                      <p:cBhvr>
+                                        <p:cTn id="20" dur="1" fill="hold">
+                                          <p:stCondLst>
+                                            <p:cond delay="0"/>
+                                          </p:stCondLst>
+                                        </p:cTn>
+                                        <p:tgtEl>
+                                          <p:spTgt spid="6">
+                                            <p:txEl>
+                                              <p:pRg st="7" end="7"/>
+                                            </p:txEl>
+                                          </p:spTgt>
+                                        </p:tgtEl>
+                                        <p:attrNameLst>
+                                          <p:attrName>style.visibility</p:attrName>
+                                        </p:attrNameLst>
+                                      </p:cBhvr>
+                                      <p:to>
+                                        <p:strVal val="visible"/>
+                                      </p:to>
+                                    </p:set>
+                                  </p:childTnLst>
+                                </p:cTn>
+                              </p:par>
+                              <p:par>
+                                <p:cTn id="21" presetID="1" presetClass="entr" presetSubtype="0" fill="hold" nodeType="withEffect">
+                                  <p:stCondLst>
+                                    <p:cond delay="0"/>
+                                  </p:stCondLst>
+                                  <p:childTnLst>
+                                    <p:set>
+                                      <p:cBhvr>
+                                        <p:cTn id="22" dur="1" fill="hold">
+                                          <p:stCondLst>
+                                            <p:cond delay="0"/>
+                                          </p:stCondLst>
+                                        </p:cTn>
+                                        <p:tgtEl>
+                                          <p:spTgt spid="6">
+                                            <p:txEl>
+                                              <p:pRg st="8" end="8"/>
+                                            </p:txEl>
+                                          </p:spTgt>
+                                        </p:tgtEl>
+                                        <p:attrNameLst>
+                                          <p:attrName>style.visibility</p:attrName>
+                                        </p:attrNameLst>
+                                      </p:cBhvr>
+                                      <p:to>
+                                        <p:strVal val="visible"/>
+                                      </p:to>
+                                    </p:set>
+                                  </p:childTnLst>
+                                </p:cTn>
+                              </p:par>
+                            </p:childTnLst>
+                          </p:cTn>
+                        </p:par>
+                      </p:childTnLst>
+                    </p:cTn>
+                  </p:par>
+                  <p:par>
+                    <p:cTn id="23" fill="hold">
+                      <p:stCondLst>
+                        <p:cond delay="indefinite"/>
+                      </p:stCondLst>
+                      <p:childTnLst>
+                        <p:par>
+                          <p:cTn id="24" fill="hold">
+                            <p:stCondLst>
+                              <p:cond delay="0"/>
+                            </p:stCondLst>
+                            <p:childTnLst>
+                              <p:par>
+                                <p:cTn id="25" presetID="1" presetClass="entr" presetSubtype="0" fill="hold" nodeType="clickEffect">
+                                  <p:stCondLst>
+                                    <p:cond delay="0"/>
+                                  </p:stCondLst>
+                                  <p:childTnLst>
+                                    <p:set>
+                                      <p:cBhvr>
+                                        <p:cTn id="26" dur="1" fill="hold">
+                                          <p:stCondLst>
+                                            <p:cond delay="0"/>
+                                          </p:stCondLst>
+                                        </p:cTn>
+                                        <p:tgtEl>
+                                          <p:spTgt spid="6">
+                                            <p:txEl>
+                                              <p:pRg st="10" end="10"/>
+                                            </p:txEl>
+                                          </p:spTgt>
+                                        </p:tgtEl>
+                                        <p:attrNameLst>
+                                          <p:attrName>style.visibility</p:attrName>
+                                        </p:attrNameLst>
+                                      </p:cBhvr>
+                                      <p:to>
+                                        <p:strVal val="visible"/>
+                                      </p:to>
+                                    </p:set>
+                                  </p:childTnLst>
+                                </p:cTn>
+                              </p:par>
+                              <p:par>
+                                <p:cTn id="27" presetID="1" presetClass="entr" presetSubtype="0" fill="hold" nodeType="withEffect">
+                                  <p:stCondLst>
+                                    <p:cond delay="0"/>
+                                  </p:stCondLst>
+                                  <p:childTnLst>
+                                    <p:set>
+                                      <p:cBhvr>
+                                        <p:cTn id="28" dur="1" fill="hold">
+                                          <p:stCondLst>
+                                            <p:cond delay="0"/>
+                                          </p:stCondLst>
+                                        </p:cTn>
+                                        <p:tgtEl>
+                                          <p:spTgt spid="6">
+                                            <p:txEl>
+                                              <p:pRg st="11" end="11"/>
+                                            </p:txEl>
+                                          </p:spTgt>
+                                        </p:tgtEl>
+                                        <p:attrNameLst>
+                                          <p:attrName>style.visibility</p:attrName>
+                                        </p:attrNameLst>
+                                      </p:cBhvr>
+                                      <p:to>
+                                        <p:strVal val="visible"/>
+                                      </p:to>
+                                    </p:set>
+                                  </p:childTnLst>
+                                </p:cTn>
+                              </p:par>
+                            </p:childTnLst>
+                          </p:cTn>
+                        </p:par>
+                      </p:childTnLst>
+                    </p:cTn>
+                  </p:par>
+                </p:childTnLst>
+              </p:cTn>
+              <p:prevCondLst>
+                <p:cond evt="onPrev" delay="0">
+                  <p:tgtEl>
+                    <p:sldTgt/>
+                  </p:tgtEl>
+                </p:cond>
+              </p:prevCondLst>
+              <p:nextCondLst>
+                <p:cond evt="onNext" delay="0">
+                  <p:tgtEl>
+                    <p:sldTgt/>
+                  </p:tgtEl>
+                </p:cond>
+              </p:nextCondLst>
+            </p:seq>
+          </p:childTnLst>
+        </p:cTn>
+      </p:par>
+    </p:tnLst>
+  </p:timing>
+</p:sld>
+</file>
+
+<file path=ppt/slides/slide13.xml><?xml version="1.0" encoding="utf-8"?>
+<p:sld xmlns:a="http://schemas.openxmlformats.org/drawingml/2006/main" xmlns:r="http://schemas.openxmlformats.org/officeDocument/2006/relationships" xmlns:p="http://schemas.openxmlformats.org/presentationml/2006/main">
+  <p:cSld>
+    <p:spTree>
+      <p:nvGrpSpPr>
+        <p:cNvPr id="1" name=""/>
+        <p:cNvGrpSpPr/>
+        <p:nvPr/>
+      </p:nvGrpSpPr>
+      <p:grpSpPr>
+        <a:xfrm>
+          <a:off x="0" y="0"/>
+          <a:ext cx="0" cy="0"/>
+          <a:chOff x="0" y="0"/>
+          <a:chExt cx="0" cy="0"/>
+        </a:xfrm>
+      </p:grpSpPr>
+      <p:sp>
+        <p:nvSpPr>
+          <p:cNvPr id="4" name="TextBox 3"/>
+          <p:cNvSpPr txBox="1"/>
+          <p:nvPr/>
+        </p:nvSpPr>
+        <p:spPr>
+          <a:xfrm>
+            <a:off x="275549" y="191702"/>
+            <a:ext cx="5205271" cy="553998"/>
+          </a:xfrm>
+          <a:prstGeom prst="rect">
+            <a:avLst/>
+          </a:prstGeom>
+          <a:noFill/>
+        </p:spPr>
+        <p:txBody>
+          <a:bodyPr wrap="none" rtlCol="0">
+            <a:spAutoFit/>
+          </a:bodyPr>
+          <a:lstStyle/>
+          <a:p>
+            <a:r>
+              <a:rPr lang="en-US" sz="3000" b="1" dirty="0">
+                <a:solidFill>
+                  <a:prstClr val="black"/>
+                </a:solidFill>
+                <a:latin typeface="Times New Roman"/>
+                <a:cs typeface="Times New Roman"/>
+              </a:rPr>
+              <a:t>Issues of Diversity &amp; Inclusion</a:t>
+            </a:r>
+            <a:endParaRPr lang="en-US" sz="2400" b="1" dirty="0">
+              <a:solidFill>
+                <a:prstClr val="black"/>
+              </a:solidFill>
+              <a:latin typeface="Times New Roman"/>
+              <a:cs typeface="Times New Roman"/>
+            </a:endParaRPr>
+          </a:p>
+        </p:txBody>
+      </p:sp>
+      <p:sp>
+        <p:nvSpPr>
+          <p:cNvPr id="6" name="TextBox 5">
+            <a:extLst>
+              <a:ext uri="{FF2B5EF4-FFF2-40B4-BE49-F238E27FC236}">
+                <a16:creationId xmlns:a16="http://schemas.microsoft.com/office/drawing/2014/main" id="{878A97EC-2834-8447-A6B8-2F5335C4C2C1}"/>
+              </a:ext>
+            </a:extLst>
+          </p:cNvPr>
+          <p:cNvSpPr txBox="1"/>
+          <p:nvPr/>
+        </p:nvSpPr>
+        <p:spPr>
+          <a:xfrm>
+            <a:off x="539603" y="945629"/>
+            <a:ext cx="8450017" cy="4493538"/>
+          </a:xfrm>
+          <a:prstGeom prst="rect">
+            <a:avLst/>
+          </a:prstGeom>
+          <a:noFill/>
+        </p:spPr>
+        <p:txBody>
+          <a:bodyPr wrap="square" rtlCol="0">
+            <a:spAutoFit/>
+          </a:bodyPr>
+          <a:lstStyle/>
+          <a:p>
+            <a:pPr marL="342900" indent="-342900">
+              <a:buFont typeface="Arial" panose="020B0604020202020204" pitchFamily="34" charset="0"/>
+              <a:buChar char="•"/>
+            </a:pPr>
+            <a:r>
+              <a:rPr lang="en-US" sz="2400" dirty="0">
+                <a:latin typeface="Times New Roman" panose="02020603050405020304" pitchFamily="18" charset="0"/>
+                <a:ea typeface="MS Mincho" panose="02020609040205080304" pitchFamily="49" charset="-128"/>
+                <a:cs typeface="Times New Roman" panose="02020603050405020304" pitchFamily="18" charset="0"/>
+              </a:rPr>
+              <a:t>Many different issues, for example:</a:t>
+            </a:r>
+          </a:p>
+          <a:p>
+            <a:pPr marL="914400" lvl="1" indent="-457200">
+              <a:buFont typeface="+mj-lt"/>
+              <a:buAutoNum type="arabicPeriod"/>
+            </a:pPr>
+            <a:r>
+              <a:rPr lang="en-US" sz="2200" dirty="0">
+                <a:latin typeface="Times New Roman" panose="02020603050405020304" pitchFamily="18" charset="0"/>
+                <a:ea typeface="MS Mincho" panose="02020609040205080304" pitchFamily="49" charset="-128"/>
+                <a:cs typeface="Times New Roman" panose="02020603050405020304" pitchFamily="18" charset="0"/>
+              </a:rPr>
+              <a:t>Visible Minority Status</a:t>
+            </a:r>
+          </a:p>
+          <a:p>
+            <a:pPr marL="914400" lvl="1" indent="-457200">
+              <a:buFont typeface="+mj-lt"/>
+              <a:buAutoNum type="arabicPeriod"/>
+            </a:pPr>
+            <a:r>
+              <a:rPr lang="en-US" sz="2200" dirty="0">
+                <a:latin typeface="Times New Roman" panose="02020603050405020304" pitchFamily="18" charset="0"/>
+                <a:ea typeface="MS Mincho" panose="02020609040205080304" pitchFamily="49" charset="-128"/>
+                <a:cs typeface="Times New Roman" panose="02020603050405020304" pitchFamily="18" charset="0"/>
+              </a:rPr>
+              <a:t>Unconscious / Implicit Bias</a:t>
+            </a:r>
+          </a:p>
+          <a:p>
+            <a:pPr marL="914400" lvl="1" indent="-457200">
+              <a:buFont typeface="+mj-lt"/>
+              <a:buAutoNum type="arabicPeriod"/>
+            </a:pPr>
+            <a:r>
+              <a:rPr lang="en-US" sz="2200" dirty="0">
+                <a:latin typeface="Times New Roman" panose="02020603050405020304" pitchFamily="18" charset="0"/>
+                <a:ea typeface="MS Mincho" panose="02020609040205080304" pitchFamily="49" charset="-128"/>
+                <a:cs typeface="Times New Roman" panose="02020603050405020304" pitchFamily="18" charset="0"/>
+              </a:rPr>
+              <a:t>Stereotype Threat</a:t>
+            </a:r>
+          </a:p>
+          <a:p>
+            <a:pPr marL="914400" lvl="1" indent="-457200">
+              <a:buFont typeface="+mj-lt"/>
+              <a:buAutoNum type="arabicPeriod"/>
+            </a:pPr>
+            <a:r>
+              <a:rPr lang="en-US" sz="2200" dirty="0">
+                <a:latin typeface="Times New Roman" panose="02020603050405020304" pitchFamily="18" charset="0"/>
+                <a:ea typeface="MS Mincho" panose="02020609040205080304" pitchFamily="49" charset="-128"/>
+                <a:cs typeface="Times New Roman" panose="02020603050405020304" pitchFamily="18" charset="0"/>
+              </a:rPr>
+              <a:t>Imposter Syndrome</a:t>
+            </a:r>
+          </a:p>
+          <a:p>
+            <a:pPr marL="914400" lvl="1" indent="-457200">
+              <a:buFont typeface="+mj-lt"/>
+              <a:buAutoNum type="arabicPeriod"/>
+            </a:pPr>
+            <a:r>
+              <a:rPr lang="en-US" sz="2200" dirty="0">
+                <a:latin typeface="Times New Roman" panose="02020603050405020304" pitchFamily="18" charset="0"/>
+                <a:ea typeface="MS Mincho" panose="02020609040205080304" pitchFamily="49" charset="-128"/>
+                <a:cs typeface="Times New Roman" panose="02020603050405020304" pitchFamily="18" charset="0"/>
+              </a:rPr>
+              <a:t>Harassment / Discrimination</a:t>
+            </a:r>
+          </a:p>
+          <a:p>
+            <a:pPr marL="914400" lvl="1" indent="-457200">
+              <a:buFont typeface="+mj-lt"/>
+              <a:buAutoNum type="arabicPeriod"/>
+            </a:pPr>
+            <a:r>
+              <a:rPr lang="en-US" sz="2200" dirty="0">
+                <a:latin typeface="Times New Roman" panose="02020603050405020304" pitchFamily="18" charset="0"/>
+                <a:ea typeface="MS Mincho" panose="02020609040205080304" pitchFamily="49" charset="-128"/>
+                <a:cs typeface="Times New Roman" panose="02020603050405020304" pitchFamily="18" charset="0"/>
+              </a:rPr>
+              <a:t>LGBTQ+ Status</a:t>
+            </a:r>
+          </a:p>
+          <a:p>
+            <a:pPr marL="914400" lvl="1" indent="-457200">
+              <a:buFont typeface="+mj-lt"/>
+              <a:buAutoNum type="arabicPeriod"/>
+            </a:pPr>
+            <a:r>
+              <a:rPr lang="en-US" sz="2200" dirty="0">
+                <a:latin typeface="Times New Roman" panose="02020603050405020304" pitchFamily="18" charset="0"/>
+                <a:ea typeface="MS Mincho" panose="02020609040205080304" pitchFamily="49" charset="-128"/>
+                <a:cs typeface="Times New Roman" panose="02020603050405020304" pitchFamily="18" charset="0"/>
+              </a:rPr>
+              <a:t>Caring / Parenting Responsibilities</a:t>
+            </a:r>
+          </a:p>
+          <a:p>
+            <a:pPr marL="914400" lvl="1" indent="-457200">
+              <a:buFont typeface="+mj-lt"/>
+              <a:buAutoNum type="arabicPeriod"/>
+            </a:pPr>
+            <a:r>
+              <a:rPr lang="en-US" sz="2200" dirty="0">
+                <a:latin typeface="Times New Roman" panose="02020603050405020304" pitchFamily="18" charset="0"/>
+                <a:ea typeface="MS Mincho" panose="02020609040205080304" pitchFamily="49" charset="-128"/>
+                <a:cs typeface="Times New Roman" panose="02020603050405020304" pitchFamily="18" charset="0"/>
+              </a:rPr>
+              <a:t>Socio-economic Disadvantage</a:t>
+            </a:r>
+          </a:p>
+          <a:p>
+            <a:pPr marL="914400" lvl="1" indent="-457200">
+              <a:buFont typeface="+mj-lt"/>
+              <a:buAutoNum type="arabicPeriod"/>
+            </a:pPr>
+            <a:r>
+              <a:rPr lang="en-US" sz="2200" dirty="0">
+                <a:latin typeface="Times New Roman" panose="02020603050405020304" pitchFamily="18" charset="0"/>
+                <a:ea typeface="MS Mincho" panose="02020609040205080304" pitchFamily="49" charset="-128"/>
+                <a:cs typeface="Times New Roman" panose="02020603050405020304" pitchFamily="18" charset="0"/>
+              </a:rPr>
+              <a:t>Visible / Invisible Disabilities</a:t>
+            </a:r>
+          </a:p>
+          <a:p>
+            <a:pPr marL="342900" indent="-342900">
+              <a:buFont typeface="Arial" panose="020B0604020202020204" pitchFamily="34" charset="0"/>
+              <a:buChar char="•"/>
+            </a:pPr>
+            <a:endParaRPr lang="en-US" sz="800" dirty="0">
+              <a:latin typeface="Times New Roman" panose="02020603050405020304" pitchFamily="18" charset="0"/>
+              <a:ea typeface="MS Mincho" panose="02020609040205080304" pitchFamily="49" charset="-128"/>
+              <a:cs typeface="Times New Roman" panose="02020603050405020304" pitchFamily="18" charset="0"/>
+            </a:endParaRPr>
+          </a:p>
+          <a:p>
+            <a:pPr marL="342900" indent="-342900">
+              <a:buFont typeface="Arial" panose="020B0604020202020204" pitchFamily="34" charset="0"/>
+              <a:buChar char="•"/>
+            </a:pPr>
+            <a:r>
+              <a:rPr lang="en-US" sz="2400" dirty="0">
+                <a:latin typeface="Times New Roman" panose="02020603050405020304" pitchFamily="18" charset="0"/>
+                <a:ea typeface="MS Mincho" panose="02020609040205080304" pitchFamily="49" charset="-128"/>
+                <a:cs typeface="Times New Roman" panose="02020603050405020304" pitchFamily="18" charset="0"/>
+              </a:rPr>
+              <a:t>Today: topics 1 &amp; 2</a:t>
+            </a:r>
+          </a:p>
+          <a:p>
+            <a:pPr marL="342900" indent="-342900">
+              <a:buFont typeface="Arial" panose="020B0604020202020204" pitchFamily="34" charset="0"/>
+              <a:buChar char="•"/>
+            </a:pPr>
+            <a:endParaRPr lang="en-US" sz="800" dirty="0">
+              <a:latin typeface="Times New Roman" panose="02020603050405020304" pitchFamily="18" charset="0"/>
+              <a:ea typeface="MS Mincho" panose="02020609040205080304" pitchFamily="49" charset="-128"/>
+              <a:cs typeface="Times New Roman" panose="02020603050405020304" pitchFamily="18" charset="0"/>
+            </a:endParaRPr>
+          </a:p>
+          <a:p>
+            <a:pPr marL="342900" indent="-342900">
+              <a:buFont typeface="Arial" panose="020B0604020202020204" pitchFamily="34" charset="0"/>
+              <a:buChar char="•"/>
+            </a:pPr>
+            <a:r>
+              <a:rPr lang="en-US" sz="2400" dirty="0">
+                <a:latin typeface="Times New Roman" panose="02020603050405020304" pitchFamily="18" charset="0"/>
+                <a:ea typeface="MS Mincho" panose="02020609040205080304" pitchFamily="49" charset="-128"/>
+                <a:cs typeface="Times New Roman" panose="02020603050405020304" pitchFamily="18" charset="0"/>
+              </a:rPr>
+              <a:t>Next week: topics 3 – 9</a:t>
+            </a:r>
+          </a:p>
+        </p:txBody>
+      </p:sp>
+    </p:spTree>
+    <p:extLst>
+      <p:ext uri="{BB962C8B-B14F-4D97-AF65-F5344CB8AC3E}">
+        <p14:creationId xmlns:p14="http://schemas.microsoft.com/office/powerpoint/2010/main" val="1842295692"/>
+      </p:ext>
+    </p:extLst>
+  </p:cSld>
+  <p:clrMapOvr>
+    <a:masterClrMapping/>
+  </p:clrMapOvr>
+</p:sld>
+</file>
+
+<file path=ppt/slides/slide14.xml><?xml version="1.0" encoding="utf-8"?>
+<p:sld xmlns:a="http://schemas.openxmlformats.org/drawingml/2006/main" xmlns:r="http://schemas.openxmlformats.org/officeDocument/2006/relationships" xmlns:p="http://schemas.openxmlformats.org/presentationml/2006/main">
+  <p:cSld>
+    <p:spTree>
+      <p:nvGrpSpPr>
+        <p:cNvPr id="1" name=""/>
+        <p:cNvGrpSpPr/>
+        <p:nvPr/>
+      </p:nvGrpSpPr>
+      <p:grpSpPr>
+        <a:xfrm>
+          <a:off x="0" y="0"/>
+          <a:ext cx="0" cy="0"/>
+          <a:chOff x="0" y="0"/>
+          <a:chExt cx="0" cy="0"/>
+        </a:xfrm>
+      </p:grpSpPr>
+      <p:sp>
+        <p:nvSpPr>
+          <p:cNvPr id="4" name="TextBox 3"/>
+          <p:cNvSpPr txBox="1"/>
+          <p:nvPr/>
+        </p:nvSpPr>
+        <p:spPr>
+          <a:xfrm>
+            <a:off x="275549" y="191702"/>
+            <a:ext cx="7239482" cy="553998"/>
+          </a:xfrm>
+          <a:prstGeom prst="rect">
+            <a:avLst/>
+          </a:prstGeom>
+          <a:noFill/>
+        </p:spPr>
+        <p:txBody>
+          <a:bodyPr wrap="none" rtlCol="0">
+            <a:spAutoFit/>
+          </a:bodyPr>
+          <a:lstStyle/>
+          <a:p>
+            <a:r>
+              <a:rPr lang="en-US" sz="3000" b="1" dirty="0">
+                <a:solidFill>
+                  <a:prstClr val="black"/>
+                </a:solidFill>
+                <a:latin typeface="Times New Roman"/>
+                <a:cs typeface="Times New Roman"/>
+              </a:rPr>
+              <a:t>Diversity &amp; Inclusion  </a:t>
+            </a:r>
+            <a:r>
+              <a:rPr lang="en-US" sz="2400" dirty="0">
+                <a:solidFill>
+                  <a:prstClr val="black"/>
+                </a:solidFill>
+                <a:latin typeface="Times New Roman"/>
+                <a:cs typeface="Times New Roman"/>
+              </a:rPr>
+              <a:t>(</a:t>
+            </a:r>
+            <a:r>
+              <a:rPr lang="en-US" sz="2400" i="1" dirty="0">
+                <a:solidFill>
+                  <a:prstClr val="black"/>
+                </a:solidFill>
+                <a:latin typeface="Times New Roman"/>
+                <a:cs typeface="Times New Roman"/>
+              </a:rPr>
+              <a:t>Discussions – Homework</a:t>
+            </a:r>
+            <a:r>
+              <a:rPr lang="en-US" sz="2400" dirty="0">
+                <a:solidFill>
+                  <a:prstClr val="black"/>
+                </a:solidFill>
+                <a:latin typeface="Times New Roman"/>
+                <a:cs typeface="Times New Roman"/>
+              </a:rPr>
+              <a:t>)</a:t>
+            </a:r>
+            <a:endParaRPr lang="en-US" sz="2400" b="1" dirty="0">
+              <a:solidFill>
+                <a:prstClr val="black"/>
+              </a:solidFill>
+              <a:latin typeface="Times New Roman"/>
+              <a:cs typeface="Times New Roman"/>
+            </a:endParaRPr>
+          </a:p>
+        </p:txBody>
+      </p:sp>
+      <p:sp>
+        <p:nvSpPr>
+          <p:cNvPr id="6" name="TextBox 5">
+            <a:extLst>
+              <a:ext uri="{FF2B5EF4-FFF2-40B4-BE49-F238E27FC236}">
+                <a16:creationId xmlns:a16="http://schemas.microsoft.com/office/drawing/2014/main" id="{878A97EC-2834-8447-A6B8-2F5335C4C2C1}"/>
+              </a:ext>
+            </a:extLst>
+          </p:cNvPr>
+          <p:cNvSpPr txBox="1"/>
+          <p:nvPr/>
+        </p:nvSpPr>
+        <p:spPr>
+          <a:xfrm>
+            <a:off x="539603" y="945629"/>
+            <a:ext cx="8355015" cy="5355312"/>
+          </a:xfrm>
+          <a:prstGeom prst="rect">
+            <a:avLst/>
+          </a:prstGeom>
+          <a:noFill/>
+        </p:spPr>
+        <p:txBody>
+          <a:bodyPr wrap="square" rtlCol="0">
+            <a:spAutoFit/>
+          </a:bodyPr>
+          <a:lstStyle/>
+          <a:p>
+            <a:pPr marL="342900" indent="-342900">
+              <a:buFont typeface="Arial" panose="020B0604020202020204" pitchFamily="34" charset="0"/>
+              <a:buChar char="•"/>
+            </a:pPr>
+            <a:r>
+              <a:rPr lang="en-US" sz="2400" dirty="0">
+                <a:latin typeface="Times New Roman" panose="02020603050405020304" pitchFamily="18" charset="0"/>
+                <a:ea typeface="MS Mincho" panose="02020609040205080304" pitchFamily="49" charset="-128"/>
+                <a:cs typeface="Times New Roman" panose="02020603050405020304" pitchFamily="18" charset="0"/>
+              </a:rPr>
+              <a:t>Discussion topics:</a:t>
+            </a:r>
+          </a:p>
+          <a:p>
+            <a:pPr marL="914400" lvl="1" indent="-457200">
+              <a:buFont typeface="Arial" panose="020B0604020202020204" pitchFamily="34" charset="0"/>
+              <a:buChar char="•"/>
+            </a:pPr>
+            <a:r>
+              <a:rPr lang="en-US" sz="2200" dirty="0">
+                <a:latin typeface="Times New Roman" panose="02020603050405020304" pitchFamily="18" charset="0"/>
+                <a:ea typeface="MS Mincho" panose="02020609040205080304" pitchFamily="49" charset="-128"/>
+                <a:cs typeface="Times New Roman" panose="02020603050405020304" pitchFamily="18" charset="0"/>
+              </a:rPr>
+              <a:t>Group 1: Stereotype Threat</a:t>
+            </a:r>
+          </a:p>
+          <a:p>
+            <a:pPr marL="914400" lvl="1" indent="-457200">
+              <a:buFont typeface="Arial" panose="020B0604020202020204" pitchFamily="34" charset="0"/>
+              <a:buChar char="•"/>
+            </a:pPr>
+            <a:r>
+              <a:rPr lang="en-US" sz="2200" dirty="0">
+                <a:latin typeface="Times New Roman" panose="02020603050405020304" pitchFamily="18" charset="0"/>
+                <a:ea typeface="MS Mincho" panose="02020609040205080304" pitchFamily="49" charset="-128"/>
+                <a:cs typeface="Times New Roman" panose="02020603050405020304" pitchFamily="18" charset="0"/>
+              </a:rPr>
+              <a:t>Group 2: Imposter Syndrome</a:t>
+            </a:r>
+          </a:p>
+          <a:p>
+            <a:pPr marL="914400" lvl="1" indent="-457200">
+              <a:buFont typeface="Arial" panose="020B0604020202020204" pitchFamily="34" charset="0"/>
+              <a:buChar char="•"/>
+            </a:pPr>
+            <a:r>
+              <a:rPr lang="en-US" sz="2200" dirty="0">
+                <a:latin typeface="Times New Roman" panose="02020603050405020304" pitchFamily="18" charset="0"/>
+                <a:ea typeface="MS Mincho" panose="02020609040205080304" pitchFamily="49" charset="-128"/>
+                <a:cs typeface="Times New Roman" panose="02020603050405020304" pitchFamily="18" charset="0"/>
+              </a:rPr>
+              <a:t>Group 3: Harassment / Discrimination</a:t>
+            </a:r>
+          </a:p>
+          <a:p>
+            <a:pPr marL="914400" lvl="1" indent="-457200">
+              <a:buFont typeface="Arial" panose="020B0604020202020204" pitchFamily="34" charset="0"/>
+              <a:buChar char="•"/>
+            </a:pPr>
+            <a:r>
+              <a:rPr lang="en-US" sz="2200" dirty="0">
+                <a:latin typeface="Times New Roman" panose="02020603050405020304" pitchFamily="18" charset="0"/>
+                <a:ea typeface="MS Mincho" panose="02020609040205080304" pitchFamily="49" charset="-128"/>
+                <a:cs typeface="Times New Roman" panose="02020603050405020304" pitchFamily="18" charset="0"/>
+              </a:rPr>
+              <a:t>Group 4: LGBTQ+ Status</a:t>
+            </a:r>
+          </a:p>
+          <a:p>
+            <a:pPr marL="914400" lvl="1" indent="-457200">
+              <a:buFont typeface="Arial" panose="020B0604020202020204" pitchFamily="34" charset="0"/>
+              <a:buChar char="•"/>
+            </a:pPr>
+            <a:r>
+              <a:rPr lang="en-US" sz="2200" dirty="0">
+                <a:latin typeface="Times New Roman" panose="02020603050405020304" pitchFamily="18" charset="0"/>
+                <a:ea typeface="MS Mincho" panose="02020609040205080304" pitchFamily="49" charset="-128"/>
+                <a:cs typeface="Times New Roman" panose="02020603050405020304" pitchFamily="18" charset="0"/>
+              </a:rPr>
+              <a:t>Group 5: Caring / Parenting Responsibilities</a:t>
+            </a:r>
+          </a:p>
+          <a:p>
+            <a:pPr marL="914400" lvl="1" indent="-457200">
+              <a:buFont typeface="Arial" panose="020B0604020202020204" pitchFamily="34" charset="0"/>
+              <a:buChar char="•"/>
+            </a:pPr>
+            <a:r>
+              <a:rPr lang="en-US" sz="2200" dirty="0">
+                <a:latin typeface="Times New Roman" panose="02020603050405020304" pitchFamily="18" charset="0"/>
+                <a:ea typeface="MS Mincho" panose="02020609040205080304" pitchFamily="49" charset="-128"/>
+                <a:cs typeface="Times New Roman" panose="02020603050405020304" pitchFamily="18" charset="0"/>
+              </a:rPr>
+              <a:t>Group 6: Socio-economic Disadvantage</a:t>
+            </a:r>
+          </a:p>
+          <a:p>
+            <a:pPr marL="914400" lvl="1" indent="-457200">
+              <a:buFont typeface="Arial" panose="020B0604020202020204" pitchFamily="34" charset="0"/>
+              <a:buChar char="•"/>
+            </a:pPr>
+            <a:r>
+              <a:rPr lang="en-US" sz="2200" dirty="0">
+                <a:latin typeface="Times New Roman" panose="02020603050405020304" pitchFamily="18" charset="0"/>
+                <a:ea typeface="MS Mincho" panose="02020609040205080304" pitchFamily="49" charset="-128"/>
+                <a:cs typeface="Times New Roman" panose="02020603050405020304" pitchFamily="18" charset="0"/>
+              </a:rPr>
+              <a:t>Group 7: Visible / Invisible Disabilities</a:t>
+            </a:r>
+          </a:p>
+          <a:p>
+            <a:pPr marL="457200" indent="-457200">
+              <a:buFont typeface="Arial" panose="020B0604020202020204" pitchFamily="34" charset="0"/>
+              <a:buChar char="•"/>
+            </a:pPr>
+            <a:endParaRPr lang="en-US" sz="800" dirty="0">
+              <a:latin typeface="Times New Roman" panose="02020603050405020304" pitchFamily="18" charset="0"/>
+              <a:ea typeface="MS Mincho" panose="02020609040205080304" pitchFamily="49" charset="-128"/>
+              <a:cs typeface="Times New Roman" panose="02020603050405020304" pitchFamily="18" charset="0"/>
+            </a:endParaRPr>
+          </a:p>
+          <a:p>
+            <a:pPr marL="457200" indent="-457200">
+              <a:buFont typeface="Arial" panose="020B0604020202020204" pitchFamily="34" charset="0"/>
+              <a:buChar char="•"/>
+            </a:pPr>
+            <a:r>
+              <a:rPr lang="en-US" sz="2200" dirty="0">
+                <a:latin typeface="Times New Roman" panose="02020603050405020304" pitchFamily="18" charset="0"/>
+                <a:ea typeface="MS Mincho" panose="02020609040205080304" pitchFamily="49" charset="-128"/>
+                <a:cs typeface="Times New Roman" panose="02020603050405020304" pitchFamily="18" charset="0"/>
+              </a:rPr>
+              <a:t>Every group gets resources and 3 questions for 1 topic</a:t>
+            </a:r>
+          </a:p>
+          <a:p>
+            <a:pPr marL="457200" indent="-457200">
+              <a:buFont typeface="Arial" panose="020B0604020202020204" pitchFamily="34" charset="0"/>
+              <a:buChar char="•"/>
+            </a:pPr>
+            <a:endParaRPr lang="en-US" sz="800" dirty="0">
+              <a:latin typeface="Times New Roman" panose="02020603050405020304" pitchFamily="18" charset="0"/>
+              <a:ea typeface="MS Mincho" panose="02020609040205080304" pitchFamily="49" charset="-128"/>
+              <a:cs typeface="Times New Roman" panose="02020603050405020304" pitchFamily="18" charset="0"/>
+            </a:endParaRPr>
+          </a:p>
+          <a:p>
+            <a:pPr marL="457200" indent="-457200">
+              <a:buFont typeface="Arial" panose="020B0604020202020204" pitchFamily="34" charset="0"/>
+              <a:buChar char="•"/>
+            </a:pPr>
+            <a:r>
+              <a:rPr lang="en-US" sz="2200" dirty="0">
+                <a:latin typeface="Times New Roman" panose="02020603050405020304" pitchFamily="18" charset="0"/>
+                <a:ea typeface="MS Mincho" panose="02020609040205080304" pitchFamily="49" charset="-128"/>
+                <a:cs typeface="Times New Roman" panose="02020603050405020304" pitchFamily="18" charset="0"/>
+              </a:rPr>
+              <a:t>Given resources are to be used as reference material, but more resources can be explored (and shared with the instructor / class)</a:t>
+            </a:r>
+          </a:p>
+          <a:p>
+            <a:pPr marL="457200" indent="-457200">
+              <a:buFont typeface="Arial" panose="020B0604020202020204" pitchFamily="34" charset="0"/>
+              <a:buChar char="•"/>
+            </a:pPr>
+            <a:endParaRPr lang="en-US" sz="800" dirty="0">
+              <a:latin typeface="Times New Roman" panose="02020603050405020304" pitchFamily="18" charset="0"/>
+              <a:ea typeface="MS Mincho" panose="02020609040205080304" pitchFamily="49" charset="-128"/>
+              <a:cs typeface="Times New Roman" panose="02020603050405020304" pitchFamily="18" charset="0"/>
+            </a:endParaRPr>
+          </a:p>
+          <a:p>
+            <a:pPr marL="457200" indent="-457200">
+              <a:buFont typeface="Arial" panose="020B0604020202020204" pitchFamily="34" charset="0"/>
+              <a:buChar char="•"/>
+            </a:pPr>
+            <a:r>
+              <a:rPr lang="en-US" sz="2200" dirty="0">
+                <a:latin typeface="Times New Roman" panose="02020603050405020304" pitchFamily="18" charset="0"/>
+                <a:ea typeface="MS Mincho" panose="02020609040205080304" pitchFamily="49" charset="-128"/>
+                <a:cs typeface="Times New Roman" panose="02020603050405020304" pitchFamily="18" charset="0"/>
+              </a:rPr>
+              <a:t>Every student should be prepared to answer 1 question, and the group has to answer all 3 questions for their topic</a:t>
+            </a:r>
+          </a:p>
+          <a:p>
+            <a:pPr marL="457200" indent="-457200">
+              <a:buFont typeface="Arial" panose="020B0604020202020204" pitchFamily="34" charset="0"/>
+              <a:buChar char="•"/>
+            </a:pPr>
+            <a:endParaRPr lang="en-US" sz="800" dirty="0">
+              <a:latin typeface="Times New Roman" panose="02020603050405020304" pitchFamily="18" charset="0"/>
+              <a:ea typeface="MS Mincho" panose="02020609040205080304" pitchFamily="49" charset="-128"/>
+              <a:cs typeface="Times New Roman" panose="02020603050405020304" pitchFamily="18" charset="0"/>
+            </a:endParaRPr>
+          </a:p>
+          <a:p>
+            <a:pPr marL="457200" indent="-457200">
+              <a:buFont typeface="Arial" panose="020B0604020202020204" pitchFamily="34" charset="0"/>
+              <a:buChar char="•"/>
+            </a:pPr>
+            <a:r>
+              <a:rPr lang="en-US" sz="2200" dirty="0">
+                <a:latin typeface="Times New Roman" panose="02020603050405020304" pitchFamily="18" charset="0"/>
+                <a:ea typeface="MS Mincho" panose="02020609040205080304" pitchFamily="49" charset="-128"/>
+                <a:cs typeface="Times New Roman" panose="02020603050405020304" pitchFamily="18" charset="0"/>
+              </a:rPr>
+              <a:t>Resources &amp; questions on following slides</a:t>
+            </a:r>
+          </a:p>
+        </p:txBody>
+      </p:sp>
+    </p:spTree>
+    <p:extLst>
+      <p:ext uri="{BB962C8B-B14F-4D97-AF65-F5344CB8AC3E}">
+        <p14:creationId xmlns:p14="http://schemas.microsoft.com/office/powerpoint/2010/main" val="159186170"/>
+      </p:ext>
+    </p:extLst>
+  </p:cSld>
+  <p:clrMapOvr>
+    <a:masterClrMapping/>
+  </p:clrMapOvr>
+  <p:timing>
+    <p:tnLst>
+      <p:par>
+        <p:cTn id="1" dur="indefinite" restart="never" nodeType="tmRoot">
+          <p:childTnLst>
+            <p:seq concurrent="1" nextAc="seek">
+              <p:cTn id="2" dur="indefinite" nodeType="mainSeq">
+                <p:childTnLst>
+                  <p:par>
+                    <p:cTn id="3" fill="hold">
+                      <p:stCondLst>
+                        <p:cond delay="indefinite"/>
+                      </p:stCondLst>
+                      <p:childTnLst>
+                        <p:par>
+                          <p:cTn id="4" fill="hold">
+                            <p:stCondLst>
+                              <p:cond delay="0"/>
+                            </p:stCondLst>
+                            <p:childTnLst>
+                              <p:par>
+                                <p:cTn id="5" presetID="1" presetClass="entr" presetSubtype="0" fill="hold" nodeType="clickEffect">
+                                  <p:stCondLst>
+                                    <p:cond delay="0"/>
+                                  </p:stCondLst>
+                                  <p:childTnLst>
+                                    <p:set>
+                                      <p:cBhvr>
+                                        <p:cTn id="6" dur="1" fill="hold">
+                                          <p:stCondLst>
+                                            <p:cond delay="0"/>
+                                          </p:stCondLst>
+                                        </p:cTn>
+                                        <p:tgtEl>
+                                          <p:spTgt spid="6">
+                                            <p:txEl>
+                                              <p:pRg st="0" end="0"/>
+                                            </p:txEl>
+                                          </p:spTgt>
+                                        </p:tgtEl>
+                                        <p:attrNameLst>
+                                          <p:attrName>style.visibility</p:attrName>
+                                        </p:attrNameLst>
+                                      </p:cBhvr>
+                                      <p:to>
+                                        <p:strVal val="visible"/>
+                                      </p:to>
+                                    </p:set>
+                                  </p:childTnLst>
+                                </p:cTn>
+                              </p:par>
+                              <p:par>
+                                <p:cTn id="7" presetID="1" presetClass="entr" presetSubtype="0" fill="hold" nodeType="withEffect">
+                                  <p:stCondLst>
+                                    <p:cond delay="0"/>
+                                  </p:stCondLst>
+                                  <p:childTnLst>
+                                    <p:set>
+                                      <p:cBhvr>
+                                        <p:cTn id="8" dur="1" fill="hold">
+                                          <p:stCondLst>
+                                            <p:cond delay="0"/>
+                                          </p:stCondLst>
+                                        </p:cTn>
+                                        <p:tgtEl>
+                                          <p:spTgt spid="6">
+                                            <p:txEl>
+                                              <p:pRg st="1" end="1"/>
+                                            </p:txEl>
+                                          </p:spTgt>
+                                        </p:tgtEl>
+                                        <p:attrNameLst>
+                                          <p:attrName>style.visibility</p:attrName>
+                                        </p:attrNameLst>
+                                      </p:cBhvr>
+                                      <p:to>
+                                        <p:strVal val="visible"/>
+                                      </p:to>
+                                    </p:set>
+                                  </p:childTnLst>
+                                </p:cTn>
+                              </p:par>
+                              <p:par>
+                                <p:cTn id="9" presetID="1" presetClass="entr" presetSubtype="0" fill="hold" nodeType="withEffect">
+                                  <p:stCondLst>
+                                    <p:cond delay="0"/>
+                                  </p:stCondLst>
+                                  <p:childTnLst>
+                                    <p:set>
+                                      <p:cBhvr>
+                                        <p:cTn id="10" dur="1" fill="hold">
+                                          <p:stCondLst>
+                                            <p:cond delay="0"/>
+                                          </p:stCondLst>
+                                        </p:cTn>
+                                        <p:tgtEl>
+                                          <p:spTgt spid="6">
+                                            <p:txEl>
+                                              <p:pRg st="2" end="2"/>
+                                            </p:txEl>
+                                          </p:spTgt>
+                                        </p:tgtEl>
+                                        <p:attrNameLst>
+                                          <p:attrName>style.visibility</p:attrName>
+                                        </p:attrNameLst>
+                                      </p:cBhvr>
+                                      <p:to>
+                                        <p:strVal val="visible"/>
+                                      </p:to>
+                                    </p:set>
+                                  </p:childTnLst>
+                                </p:cTn>
+                              </p:par>
+                              <p:par>
+                                <p:cTn id="11" presetID="1" presetClass="entr" presetSubtype="0" fill="hold" nodeType="withEffect">
+                                  <p:stCondLst>
+                                    <p:cond delay="0"/>
+                                  </p:stCondLst>
+                                  <p:childTnLst>
+                                    <p:set>
+                                      <p:cBhvr>
+                                        <p:cTn id="12" dur="1" fill="hold">
+                                          <p:stCondLst>
+                                            <p:cond delay="0"/>
+                                          </p:stCondLst>
+                                        </p:cTn>
+                                        <p:tgtEl>
+                                          <p:spTgt spid="6">
+                                            <p:txEl>
+                                              <p:pRg st="3" end="3"/>
+                                            </p:txEl>
+                                          </p:spTgt>
+                                        </p:tgtEl>
+                                        <p:attrNameLst>
+                                          <p:attrName>style.visibility</p:attrName>
+                                        </p:attrNameLst>
+                                      </p:cBhvr>
+                                      <p:to>
+                                        <p:strVal val="visible"/>
+                                      </p:to>
+                                    </p:set>
+                                  </p:childTnLst>
+                                </p:cTn>
+                              </p:par>
+                              <p:par>
+                                <p:cTn id="13" presetID="1" presetClass="entr" presetSubtype="0" fill="hold" nodeType="withEffect">
+                                  <p:stCondLst>
+                                    <p:cond delay="0"/>
+                                  </p:stCondLst>
+                                  <p:childTnLst>
+                                    <p:set>
+                                      <p:cBhvr>
+                                        <p:cTn id="14" dur="1" fill="hold">
+                                          <p:stCondLst>
+                                            <p:cond delay="0"/>
+                                          </p:stCondLst>
+                                        </p:cTn>
+                                        <p:tgtEl>
+                                          <p:spTgt spid="6">
+                                            <p:txEl>
+                                              <p:pRg st="4" end="4"/>
+                                            </p:txEl>
+                                          </p:spTgt>
+                                        </p:tgtEl>
+                                        <p:attrNameLst>
+                                          <p:attrName>style.visibility</p:attrName>
+                                        </p:attrNameLst>
+                                      </p:cBhvr>
+                                      <p:to>
+                                        <p:strVal val="visible"/>
+                                      </p:to>
+                                    </p:set>
+                                  </p:childTnLst>
+                                </p:cTn>
+                              </p:par>
+                              <p:par>
+                                <p:cTn id="15" presetID="1" presetClass="entr" presetSubtype="0" fill="hold" nodeType="withEffect">
+                                  <p:stCondLst>
+                                    <p:cond delay="0"/>
+                                  </p:stCondLst>
+                                  <p:childTnLst>
+                                    <p:set>
+                                      <p:cBhvr>
+                                        <p:cTn id="16" dur="1" fill="hold">
+                                          <p:stCondLst>
+                                            <p:cond delay="0"/>
+                                          </p:stCondLst>
+                                        </p:cTn>
+                                        <p:tgtEl>
+                                          <p:spTgt spid="6">
+                                            <p:txEl>
+                                              <p:pRg st="5" end="5"/>
+                                            </p:txEl>
+                                          </p:spTgt>
+                                        </p:tgtEl>
+                                        <p:attrNameLst>
+                                          <p:attrName>style.visibility</p:attrName>
+                                        </p:attrNameLst>
+                                      </p:cBhvr>
+                                      <p:to>
+                                        <p:strVal val="visible"/>
+                                      </p:to>
+                                    </p:set>
+                                  </p:childTnLst>
+                                </p:cTn>
+                              </p:par>
+                              <p:par>
+                                <p:cTn id="17" presetID="1" presetClass="entr" presetSubtype="0" fill="hold" nodeType="withEffect">
+                                  <p:stCondLst>
+                                    <p:cond delay="0"/>
+                                  </p:stCondLst>
+                                  <p:childTnLst>
+                                    <p:set>
+                                      <p:cBhvr>
+                                        <p:cTn id="18" dur="1" fill="hold">
+                                          <p:stCondLst>
+                                            <p:cond delay="0"/>
+                                          </p:stCondLst>
+                                        </p:cTn>
+                                        <p:tgtEl>
+                                          <p:spTgt spid="6">
+                                            <p:txEl>
+                                              <p:pRg st="6" end="6"/>
+                                            </p:txEl>
+                                          </p:spTgt>
+                                        </p:tgtEl>
+                                        <p:attrNameLst>
+                                          <p:attrName>style.visibility</p:attrName>
+                                        </p:attrNameLst>
+                                      </p:cBhvr>
+                                      <p:to>
+                                        <p:strVal val="visible"/>
+                                      </p:to>
+                                    </p:set>
+                                  </p:childTnLst>
+                                </p:cTn>
+                              </p:par>
+                              <p:par>
+                                <p:cTn id="19" presetID="1" presetClass="entr" presetSubtype="0" fill="hold" nodeType="withEffect">
+                                  <p:stCondLst>
+                                    <p:cond delay="0"/>
+                                  </p:stCondLst>
+                                  <p:childTnLst>
+                                    <p:set>
+                                      <p:cBhvr>
+                                        <p:cTn id="20" dur="1" fill="hold">
+                                          <p:stCondLst>
+                                            <p:cond delay="0"/>
+                                          </p:stCondLst>
+                                        </p:cTn>
+                                        <p:tgtEl>
+                                          <p:spTgt spid="6">
+                                            <p:txEl>
+                                              <p:pRg st="7" end="7"/>
+                                            </p:txEl>
+                                          </p:spTgt>
+                                        </p:tgtEl>
+                                        <p:attrNameLst>
+                                          <p:attrName>style.visibility</p:attrName>
+                                        </p:attrNameLst>
+                                      </p:cBhvr>
+                                      <p:to>
+                                        <p:strVal val="visible"/>
+                                      </p:to>
+                                    </p:set>
+                                  </p:childTnLst>
+                                </p:cTn>
+                              </p:par>
+                            </p:childTnLst>
+                          </p:cTn>
+                        </p:par>
+                      </p:childTnLst>
+                    </p:cTn>
+                  </p:par>
+                  <p:par>
+                    <p:cTn id="21" fill="hold">
+                      <p:stCondLst>
+                        <p:cond delay="indefinite"/>
+                      </p:stCondLst>
+                      <p:childTnLst>
+                        <p:par>
+                          <p:cTn id="22" fill="hold">
+                            <p:stCondLst>
+                              <p:cond delay="0"/>
+                            </p:stCondLst>
+                            <p:childTnLst>
+                              <p:par>
+                                <p:cTn id="23" presetID="1" presetClass="entr" presetSubtype="0" fill="hold" nodeType="clickEffect">
+                                  <p:stCondLst>
+                                    <p:cond delay="0"/>
+                                  </p:stCondLst>
+                                  <p:childTnLst>
+                                    <p:set>
+                                      <p:cBhvr>
+                                        <p:cTn id="24" dur="1" fill="hold">
+                                          <p:stCondLst>
+                                            <p:cond delay="0"/>
+                                          </p:stCondLst>
+                                        </p:cTn>
+                                        <p:tgtEl>
+                                          <p:spTgt spid="6">
+                                            <p:txEl>
+                                              <p:pRg st="9" end="9"/>
+                                            </p:txEl>
+                                          </p:spTgt>
+                                        </p:tgtEl>
+                                        <p:attrNameLst>
+                                          <p:attrName>style.visibility</p:attrName>
+                                        </p:attrNameLst>
+                                      </p:cBhvr>
+                                      <p:to>
+                                        <p:strVal val="visible"/>
+                                      </p:to>
+                                    </p:set>
+                                  </p:childTnLst>
+                                </p:cTn>
+                              </p:par>
+                            </p:childTnLst>
+                          </p:cTn>
+                        </p:par>
+                      </p:childTnLst>
+                    </p:cTn>
+                  </p:par>
+                  <p:par>
+                    <p:cTn id="25" fill="hold">
+                      <p:stCondLst>
+                        <p:cond delay="indefinite"/>
+                      </p:stCondLst>
+                      <p:childTnLst>
+                        <p:par>
+                          <p:cTn id="26" fill="hold">
+                            <p:stCondLst>
+                              <p:cond delay="0"/>
+                            </p:stCondLst>
+                            <p:childTnLst>
+                              <p:par>
+                                <p:cTn id="27" presetID="1" presetClass="entr" presetSubtype="0" fill="hold" nodeType="clickEffect">
+                                  <p:stCondLst>
+                                    <p:cond delay="0"/>
+                                  </p:stCondLst>
+                                  <p:childTnLst>
+                                    <p:set>
+                                      <p:cBhvr>
+                                        <p:cTn id="28" dur="1" fill="hold">
+                                          <p:stCondLst>
+                                            <p:cond delay="0"/>
+                                          </p:stCondLst>
+                                        </p:cTn>
+                                        <p:tgtEl>
+                                          <p:spTgt spid="6">
+                                            <p:txEl>
+                                              <p:pRg st="11" end="11"/>
+                                            </p:txEl>
+                                          </p:spTgt>
+                                        </p:tgtEl>
+                                        <p:attrNameLst>
+                                          <p:attrName>style.visibility</p:attrName>
+                                        </p:attrNameLst>
+                                      </p:cBhvr>
+                                      <p:to>
+                                        <p:strVal val="visible"/>
+                                      </p:to>
+                                    </p:set>
+                                  </p:childTnLst>
+                                </p:cTn>
+                              </p:par>
+                            </p:childTnLst>
+                          </p:cTn>
+                        </p:par>
+                      </p:childTnLst>
+                    </p:cTn>
+                  </p:par>
+                  <p:par>
+                    <p:cTn id="29" fill="hold">
+                      <p:stCondLst>
+                        <p:cond delay="indefinite"/>
+                      </p:stCondLst>
+                      <p:childTnLst>
+                        <p:par>
+                          <p:cTn id="30" fill="hold">
+                            <p:stCondLst>
+                              <p:cond delay="0"/>
+                            </p:stCondLst>
+                            <p:childTnLst>
+                              <p:par>
+                                <p:cTn id="31" presetID="1" presetClass="entr" presetSubtype="0" fill="hold" nodeType="clickEffect">
+                                  <p:stCondLst>
+                                    <p:cond delay="0"/>
+                                  </p:stCondLst>
+                                  <p:childTnLst>
+                                    <p:set>
+                                      <p:cBhvr>
+                                        <p:cTn id="32" dur="1" fill="hold">
+                                          <p:stCondLst>
+                                            <p:cond delay="0"/>
+                                          </p:stCondLst>
+                                        </p:cTn>
+                                        <p:tgtEl>
+                                          <p:spTgt spid="6">
+                                            <p:txEl>
+                                              <p:pRg st="13" end="13"/>
+                                            </p:txEl>
+                                          </p:spTgt>
+                                        </p:tgtEl>
+                                        <p:attrNameLst>
+                                          <p:attrName>style.visibility</p:attrName>
+                                        </p:attrNameLst>
+                                      </p:cBhvr>
+                                      <p:to>
+                                        <p:strVal val="visible"/>
+                                      </p:to>
+                                    </p:set>
+                                  </p:childTnLst>
+                                </p:cTn>
+                              </p:par>
+                            </p:childTnLst>
+                          </p:cTn>
+                        </p:par>
+                      </p:childTnLst>
+                    </p:cTn>
+                  </p:par>
+                  <p:par>
+                    <p:cTn id="33" fill="hold">
+                      <p:stCondLst>
+                        <p:cond delay="indefinite"/>
+                      </p:stCondLst>
+                      <p:childTnLst>
+                        <p:par>
+                          <p:cTn id="34" fill="hold">
+                            <p:stCondLst>
+                              <p:cond delay="0"/>
+                            </p:stCondLst>
+                            <p:childTnLst>
+                              <p:par>
+                                <p:cTn id="35" presetID="1" presetClass="entr" presetSubtype="0" fill="hold" nodeType="clickEffect">
+                                  <p:stCondLst>
+                                    <p:cond delay="0"/>
+                                  </p:stCondLst>
+                                  <p:childTnLst>
+                                    <p:set>
+                                      <p:cBhvr>
+                                        <p:cTn id="36" dur="1" fill="hold">
+                                          <p:stCondLst>
+                                            <p:cond delay="0"/>
+                                          </p:stCondLst>
+                                        </p:cTn>
+                                        <p:tgtEl>
+                                          <p:spTgt spid="6">
+                                            <p:txEl>
+                                              <p:pRg st="15" end="15"/>
+                                            </p:txEl>
+                                          </p:spTgt>
+                                        </p:tgtEl>
+                                        <p:attrNameLst>
+                                          <p:attrName>style.visibility</p:attrName>
+                                        </p:attrNameLst>
+                                      </p:cBhvr>
+                                      <p:to>
+                                        <p:strVal val="visible"/>
+                                      </p:to>
+                                    </p:set>
+                                  </p:childTnLst>
+                                </p:cTn>
+                              </p:par>
+                            </p:childTnLst>
+                          </p:cTn>
+                        </p:par>
+                      </p:childTnLst>
+                    </p:cTn>
+                  </p:par>
+                </p:childTnLst>
+              </p:cTn>
+              <p:prevCondLst>
+                <p:cond evt="onPrev" delay="0">
+                  <p:tgtEl>
+                    <p:sldTgt/>
+                  </p:tgtEl>
+                </p:cond>
+              </p:prevCondLst>
+              <p:nextCondLst>
+                <p:cond evt="onNext" delay="0">
+                  <p:tgtEl>
+                    <p:sldTgt/>
+                  </p:tgtEl>
+                </p:cond>
+              </p:nextCondLst>
+            </p:seq>
+          </p:childTnLst>
+        </p:cTn>
+      </p:par>
+    </p:tnLst>
+  </p:timing>
+</p:sld>
+</file>
+
+<file path=ppt/slides/slide15.xml><?xml version="1.0" encoding="utf-8"?>
+<p:sld xmlns:a="http://schemas.openxmlformats.org/drawingml/2006/main" xmlns:r="http://schemas.openxmlformats.org/officeDocument/2006/relationships" xmlns:p="http://schemas.openxmlformats.org/presentationml/2006/main">
+  <p:cSld>
+    <p:spTree>
+      <p:nvGrpSpPr>
+        <p:cNvPr id="1" name=""/>
+        <p:cNvGrpSpPr/>
+        <p:nvPr/>
+      </p:nvGrpSpPr>
+      <p:grpSpPr>
+        <a:xfrm>
+          <a:off x="0" y="0"/>
+          <a:ext cx="0" cy="0"/>
+          <a:chOff x="0" y="0"/>
+          <a:chExt cx="0" cy="0"/>
+        </a:xfrm>
+      </p:grpSpPr>
+      <p:sp>
+        <p:nvSpPr>
+          <p:cNvPr id="4" name="TextBox 3"/>
+          <p:cNvSpPr txBox="1"/>
+          <p:nvPr/>
+        </p:nvSpPr>
+        <p:spPr>
+          <a:xfrm>
+            <a:off x="275549" y="191702"/>
+            <a:ext cx="6898107" cy="553998"/>
+          </a:xfrm>
+          <a:prstGeom prst="rect">
+            <a:avLst/>
+          </a:prstGeom>
+          <a:noFill/>
+        </p:spPr>
+        <p:txBody>
+          <a:bodyPr wrap="none" rtlCol="0">
+            <a:spAutoFit/>
+          </a:bodyPr>
+          <a:lstStyle/>
+          <a:p>
+            <a:r>
+              <a:rPr lang="en-US" sz="3000" b="1" dirty="0">
+                <a:solidFill>
+                  <a:prstClr val="black"/>
+                </a:solidFill>
+                <a:latin typeface="Times New Roman"/>
+                <a:cs typeface="Times New Roman"/>
+              </a:rPr>
+              <a:t>Diversity &amp; Inclusion: Stereotype Threat</a:t>
+            </a:r>
+            <a:endParaRPr lang="en-US" sz="2400" b="1" dirty="0">
+              <a:solidFill>
+                <a:prstClr val="black"/>
+              </a:solidFill>
+              <a:latin typeface="Times New Roman"/>
+              <a:cs typeface="Times New Roman"/>
+            </a:endParaRPr>
+          </a:p>
+        </p:txBody>
+      </p:sp>
+      <p:sp>
+        <p:nvSpPr>
+          <p:cNvPr id="6" name="TextBox 5">
+            <a:extLst>
+              <a:ext uri="{FF2B5EF4-FFF2-40B4-BE49-F238E27FC236}">
+                <a16:creationId xmlns:a16="http://schemas.microsoft.com/office/drawing/2014/main" id="{878A97EC-2834-8447-A6B8-2F5335C4C2C1}"/>
+              </a:ext>
+            </a:extLst>
+          </p:cNvPr>
+          <p:cNvSpPr txBox="1"/>
+          <p:nvPr/>
+        </p:nvSpPr>
+        <p:spPr>
+          <a:xfrm>
+            <a:off x="539603" y="945629"/>
+            <a:ext cx="8355015" cy="3662541"/>
+          </a:xfrm>
+          <a:prstGeom prst="rect">
+            <a:avLst/>
+          </a:prstGeom>
+          <a:noFill/>
+        </p:spPr>
+        <p:txBody>
+          <a:bodyPr wrap="square" rtlCol="0">
+            <a:spAutoFit/>
+          </a:bodyPr>
+          <a:lstStyle/>
+          <a:p>
+            <a:pPr marL="342900" indent="-342900">
+              <a:buFont typeface="Arial" panose="020B0604020202020204" pitchFamily="34" charset="0"/>
+              <a:buChar char="•"/>
+            </a:pPr>
+            <a:r>
+              <a:rPr lang="en-US" sz="2400" dirty="0">
+                <a:latin typeface="Times New Roman" panose="02020603050405020304" pitchFamily="18" charset="0"/>
+                <a:ea typeface="MS Mincho" panose="02020609040205080304" pitchFamily="49" charset="-128"/>
+                <a:cs typeface="Times New Roman" panose="02020603050405020304" pitchFamily="18" charset="0"/>
+              </a:rPr>
+              <a:t>Resources:</a:t>
+            </a:r>
+          </a:p>
+          <a:p>
+            <a:pPr marL="914400" lvl="1" indent="-457200">
+              <a:buFont typeface="Arial" panose="020B0604020202020204" pitchFamily="34" charset="0"/>
+              <a:buChar char="•"/>
+            </a:pPr>
+            <a:r>
+              <a:rPr lang="en-US" sz="2000" dirty="0">
+                <a:latin typeface="Times New Roman" panose="02020603050405020304" pitchFamily="18" charset="0"/>
+                <a:ea typeface="MS Mincho" panose="02020609040205080304" pitchFamily="49" charset="-128"/>
+                <a:cs typeface="Times New Roman" panose="02020603050405020304" pitchFamily="18" charset="0"/>
+                <a:hlinkClick r:id="rId2"/>
+              </a:rPr>
+              <a:t>https://diversity.arizona.edu/sites/default/files/stereotype_threat_overview.pdf</a:t>
+            </a:r>
+            <a:endParaRPr lang="en-US" sz="2000" dirty="0">
+              <a:latin typeface="Times New Roman" panose="02020603050405020304" pitchFamily="18" charset="0"/>
+              <a:ea typeface="MS Mincho" panose="02020609040205080304" pitchFamily="49" charset="-128"/>
+              <a:cs typeface="Times New Roman" panose="02020603050405020304" pitchFamily="18" charset="0"/>
+            </a:endParaRPr>
+          </a:p>
+          <a:p>
+            <a:pPr marL="457200" indent="-457200">
+              <a:buFont typeface="Arial" panose="020B0604020202020204" pitchFamily="34" charset="0"/>
+              <a:buChar char="•"/>
+            </a:pPr>
+            <a:endParaRPr lang="en-US" sz="800" dirty="0">
+              <a:latin typeface="Times New Roman" panose="02020603050405020304" pitchFamily="18" charset="0"/>
+              <a:ea typeface="MS Mincho" panose="02020609040205080304" pitchFamily="49" charset="-128"/>
+              <a:cs typeface="Times New Roman" panose="02020603050405020304" pitchFamily="18" charset="0"/>
+            </a:endParaRPr>
+          </a:p>
+          <a:p>
+            <a:pPr marL="457200" indent="-457200">
+              <a:buFont typeface="Arial" panose="020B0604020202020204" pitchFamily="34" charset="0"/>
+              <a:buChar char="•"/>
+            </a:pPr>
+            <a:r>
+              <a:rPr lang="en-US" sz="2400" dirty="0">
+                <a:latin typeface="Times New Roman" panose="02020603050405020304" pitchFamily="18" charset="0"/>
+                <a:ea typeface="MS Mincho" panose="02020609040205080304" pitchFamily="49" charset="-128"/>
+                <a:cs typeface="Times New Roman" panose="02020603050405020304" pitchFamily="18" charset="0"/>
+              </a:rPr>
+              <a:t>Q1: What is stereotype threat and in what kind of situations has it been observed / studied?</a:t>
+            </a:r>
+          </a:p>
+          <a:p>
+            <a:pPr marL="457200" indent="-457200">
+              <a:buFont typeface="Arial" panose="020B0604020202020204" pitchFamily="34" charset="0"/>
+              <a:buChar char="•"/>
+            </a:pPr>
+            <a:endParaRPr lang="en-US" sz="800" dirty="0">
+              <a:latin typeface="Times New Roman" panose="02020603050405020304" pitchFamily="18" charset="0"/>
+              <a:ea typeface="MS Mincho" panose="02020609040205080304" pitchFamily="49" charset="-128"/>
+              <a:cs typeface="Times New Roman" panose="02020603050405020304" pitchFamily="18" charset="0"/>
+            </a:endParaRPr>
+          </a:p>
+          <a:p>
+            <a:pPr marL="457200" indent="-457200">
+              <a:buFont typeface="Arial" panose="020B0604020202020204" pitchFamily="34" charset="0"/>
+              <a:buChar char="•"/>
+            </a:pPr>
+            <a:r>
+              <a:rPr lang="en-US" sz="2400" dirty="0">
+                <a:latin typeface="Times New Roman" panose="02020603050405020304" pitchFamily="18" charset="0"/>
+                <a:ea typeface="MS Mincho" panose="02020609040205080304" pitchFamily="49" charset="-128"/>
+                <a:cs typeface="Times New Roman" panose="02020603050405020304" pitchFamily="18" charset="0"/>
+              </a:rPr>
+              <a:t>Q2: How does stereotype threat impact upon an individual’s performance as a physicist?</a:t>
+            </a:r>
+          </a:p>
+          <a:p>
+            <a:pPr marL="457200" indent="-457200">
+              <a:buFont typeface="Arial" panose="020B0604020202020204" pitchFamily="34" charset="0"/>
+              <a:buChar char="•"/>
+            </a:pPr>
+            <a:endParaRPr lang="en-US" sz="800" dirty="0">
+              <a:latin typeface="Times New Roman" panose="02020603050405020304" pitchFamily="18" charset="0"/>
+              <a:ea typeface="MS Mincho" panose="02020609040205080304" pitchFamily="49" charset="-128"/>
+              <a:cs typeface="Times New Roman" panose="02020603050405020304" pitchFamily="18" charset="0"/>
+            </a:endParaRPr>
+          </a:p>
+          <a:p>
+            <a:pPr marL="457200" indent="-457200">
+              <a:buFont typeface="Arial" panose="020B0604020202020204" pitchFamily="34" charset="0"/>
+              <a:buChar char="•"/>
+            </a:pPr>
+            <a:r>
+              <a:rPr lang="en-US" sz="2400" dirty="0">
+                <a:latin typeface="Times New Roman" panose="02020603050405020304" pitchFamily="18" charset="0"/>
+                <a:ea typeface="MS Mincho" panose="02020609040205080304" pitchFamily="49" charset="-128"/>
+                <a:cs typeface="Times New Roman" panose="02020603050405020304" pitchFamily="18" charset="0"/>
+              </a:rPr>
+              <a:t>Q3: What can be done to minimize stereotype threat within the physics department and the physics community?</a:t>
+            </a:r>
+          </a:p>
+        </p:txBody>
+      </p:sp>
+    </p:spTree>
+    <p:extLst>
+      <p:ext uri="{BB962C8B-B14F-4D97-AF65-F5344CB8AC3E}">
+        <p14:creationId xmlns:p14="http://schemas.microsoft.com/office/powerpoint/2010/main" val="3095473469"/>
+      </p:ext>
+    </p:extLst>
+  </p:cSld>
+  <p:clrMapOvr>
+    <a:masterClrMapping/>
+  </p:clrMapOvr>
+</p:sld>
+</file>
+
+<file path=ppt/slides/slide16.xml><?xml version="1.0" encoding="utf-8"?>
+<p:sld xmlns:a="http://schemas.openxmlformats.org/drawingml/2006/main" xmlns:r="http://schemas.openxmlformats.org/officeDocument/2006/relationships" xmlns:p="http://schemas.openxmlformats.org/presentationml/2006/main">
+  <p:cSld>
+    <p:spTree>
+      <p:nvGrpSpPr>
+        <p:cNvPr id="1" name=""/>
+        <p:cNvGrpSpPr/>
+        <p:nvPr/>
+      </p:nvGrpSpPr>
+      <p:grpSpPr>
+        <a:xfrm>
+          <a:off x="0" y="0"/>
+          <a:ext cx="0" cy="0"/>
+          <a:chOff x="0" y="0"/>
+          <a:chExt cx="0" cy="0"/>
+        </a:xfrm>
+      </p:grpSpPr>
+      <p:sp>
+        <p:nvSpPr>
+          <p:cNvPr id="4" name="TextBox 3"/>
+          <p:cNvSpPr txBox="1"/>
+          <p:nvPr/>
+        </p:nvSpPr>
+        <p:spPr>
+          <a:xfrm>
+            <a:off x="275549" y="191702"/>
+            <a:ext cx="7201587" cy="553998"/>
+          </a:xfrm>
+          <a:prstGeom prst="rect">
+            <a:avLst/>
+          </a:prstGeom>
+          <a:noFill/>
+        </p:spPr>
+        <p:txBody>
+          <a:bodyPr wrap="none" rtlCol="0">
+            <a:spAutoFit/>
+          </a:bodyPr>
+          <a:lstStyle/>
+          <a:p>
+            <a:r>
+              <a:rPr lang="en-US" sz="3000" b="1" dirty="0">
+                <a:solidFill>
+                  <a:prstClr val="black"/>
+                </a:solidFill>
+                <a:latin typeface="Times New Roman"/>
+                <a:cs typeface="Times New Roman"/>
+              </a:rPr>
+              <a:t>Diversity &amp; Inclusion: Imposter Syndrome</a:t>
+            </a:r>
+            <a:endParaRPr lang="en-US" sz="2400" b="1" dirty="0">
+              <a:solidFill>
+                <a:prstClr val="black"/>
+              </a:solidFill>
+              <a:latin typeface="Times New Roman"/>
+              <a:cs typeface="Times New Roman"/>
+            </a:endParaRPr>
+          </a:p>
+        </p:txBody>
+      </p:sp>
+      <p:sp>
+        <p:nvSpPr>
+          <p:cNvPr id="6" name="TextBox 5">
+            <a:extLst>
+              <a:ext uri="{FF2B5EF4-FFF2-40B4-BE49-F238E27FC236}">
+                <a16:creationId xmlns:a16="http://schemas.microsoft.com/office/drawing/2014/main" id="{878A97EC-2834-8447-A6B8-2F5335C4C2C1}"/>
+              </a:ext>
+            </a:extLst>
+          </p:cNvPr>
+          <p:cNvSpPr txBox="1"/>
+          <p:nvPr/>
+        </p:nvSpPr>
+        <p:spPr>
+          <a:xfrm>
+            <a:off x="539603" y="945629"/>
+            <a:ext cx="8355015" cy="3354765"/>
+          </a:xfrm>
+          <a:prstGeom prst="rect">
+            <a:avLst/>
+          </a:prstGeom>
+          <a:noFill/>
+        </p:spPr>
+        <p:txBody>
+          <a:bodyPr wrap="square" rtlCol="0">
+            <a:spAutoFit/>
+          </a:bodyPr>
+          <a:lstStyle/>
+          <a:p>
+            <a:pPr marL="342900" indent="-342900">
+              <a:buFont typeface="Arial" panose="020B0604020202020204" pitchFamily="34" charset="0"/>
+              <a:buChar char="•"/>
+            </a:pPr>
+            <a:r>
+              <a:rPr lang="en-US" sz="2400" dirty="0">
+                <a:latin typeface="Times New Roman" panose="02020603050405020304" pitchFamily="18" charset="0"/>
+                <a:ea typeface="MS Mincho" panose="02020609040205080304" pitchFamily="49" charset="-128"/>
+                <a:cs typeface="Times New Roman" panose="02020603050405020304" pitchFamily="18" charset="0"/>
+              </a:rPr>
+              <a:t>Resources:</a:t>
+            </a:r>
+          </a:p>
+          <a:p>
+            <a:pPr marL="914400" lvl="1" indent="-457200">
+              <a:buFont typeface="Arial" panose="020B0604020202020204" pitchFamily="34" charset="0"/>
+              <a:buChar char="•"/>
+            </a:pPr>
+            <a:r>
+              <a:rPr lang="en-US" sz="2000" dirty="0">
+                <a:latin typeface="Times New Roman" panose="02020603050405020304" pitchFamily="18" charset="0"/>
+                <a:ea typeface="MS Mincho" panose="02020609040205080304" pitchFamily="49" charset="-128"/>
+                <a:cs typeface="Times New Roman" panose="02020603050405020304" pitchFamily="18" charset="0"/>
+                <a:hlinkClick r:id="rId2"/>
+              </a:rPr>
+              <a:t>https://www.tci-thaijo.org/index.php/IJBS/article/view/521</a:t>
+            </a:r>
+            <a:endParaRPr lang="en-US" sz="2000" dirty="0">
+              <a:latin typeface="Times New Roman" panose="02020603050405020304" pitchFamily="18" charset="0"/>
+              <a:ea typeface="MS Mincho" panose="02020609040205080304" pitchFamily="49" charset="-128"/>
+              <a:cs typeface="Times New Roman" panose="02020603050405020304" pitchFamily="18" charset="0"/>
+            </a:endParaRPr>
+          </a:p>
+          <a:p>
+            <a:pPr marL="457200" indent="-457200">
+              <a:buFont typeface="Arial" panose="020B0604020202020204" pitchFamily="34" charset="0"/>
+              <a:buChar char="•"/>
+            </a:pPr>
+            <a:endParaRPr lang="en-US" sz="800" dirty="0">
+              <a:latin typeface="Times New Roman" panose="02020603050405020304" pitchFamily="18" charset="0"/>
+              <a:ea typeface="MS Mincho" panose="02020609040205080304" pitchFamily="49" charset="-128"/>
+              <a:cs typeface="Times New Roman" panose="02020603050405020304" pitchFamily="18" charset="0"/>
+            </a:endParaRPr>
+          </a:p>
+          <a:p>
+            <a:pPr marL="457200" indent="-457200">
+              <a:buFont typeface="Arial" panose="020B0604020202020204" pitchFamily="34" charset="0"/>
+              <a:buChar char="•"/>
+            </a:pPr>
+            <a:r>
+              <a:rPr lang="en-US" sz="2400" dirty="0">
+                <a:latin typeface="Times New Roman" panose="02020603050405020304" pitchFamily="18" charset="0"/>
+                <a:ea typeface="MS Mincho" panose="02020609040205080304" pitchFamily="49" charset="-128"/>
+                <a:cs typeface="Times New Roman" panose="02020603050405020304" pitchFamily="18" charset="0"/>
+              </a:rPr>
+              <a:t>Q1: What is imposter syndrome and in what kind of situations has it been observed / studied?</a:t>
+            </a:r>
+          </a:p>
+          <a:p>
+            <a:pPr marL="457200" indent="-457200">
+              <a:buFont typeface="Arial" panose="020B0604020202020204" pitchFamily="34" charset="0"/>
+              <a:buChar char="•"/>
+            </a:pPr>
+            <a:endParaRPr lang="en-US" sz="800" dirty="0">
+              <a:latin typeface="Times New Roman" panose="02020603050405020304" pitchFamily="18" charset="0"/>
+              <a:ea typeface="MS Mincho" panose="02020609040205080304" pitchFamily="49" charset="-128"/>
+              <a:cs typeface="Times New Roman" panose="02020603050405020304" pitchFamily="18" charset="0"/>
+            </a:endParaRPr>
+          </a:p>
+          <a:p>
+            <a:pPr marL="457200" indent="-457200">
+              <a:buFont typeface="Arial" panose="020B0604020202020204" pitchFamily="34" charset="0"/>
+              <a:buChar char="•"/>
+            </a:pPr>
+            <a:r>
+              <a:rPr lang="en-US" sz="2400" dirty="0">
+                <a:latin typeface="Times New Roman" panose="02020603050405020304" pitchFamily="18" charset="0"/>
+                <a:ea typeface="MS Mincho" panose="02020609040205080304" pitchFamily="49" charset="-128"/>
+                <a:cs typeface="Times New Roman" panose="02020603050405020304" pitchFamily="18" charset="0"/>
+              </a:rPr>
+              <a:t>Q2: How does imposter syndrome impact upon an individual’s performance as a physicist?</a:t>
+            </a:r>
+          </a:p>
+          <a:p>
+            <a:pPr marL="457200" indent="-457200">
+              <a:buFont typeface="Arial" panose="020B0604020202020204" pitchFamily="34" charset="0"/>
+              <a:buChar char="•"/>
+            </a:pPr>
+            <a:endParaRPr lang="en-US" sz="800" dirty="0">
+              <a:latin typeface="Times New Roman" panose="02020603050405020304" pitchFamily="18" charset="0"/>
+              <a:ea typeface="MS Mincho" panose="02020609040205080304" pitchFamily="49" charset="-128"/>
+              <a:cs typeface="Times New Roman" panose="02020603050405020304" pitchFamily="18" charset="0"/>
+            </a:endParaRPr>
+          </a:p>
+          <a:p>
+            <a:pPr marL="457200" indent="-457200">
+              <a:buFont typeface="Arial" panose="020B0604020202020204" pitchFamily="34" charset="0"/>
+              <a:buChar char="•"/>
+            </a:pPr>
+            <a:r>
+              <a:rPr lang="en-US" sz="2400" dirty="0">
+                <a:latin typeface="Times New Roman" panose="02020603050405020304" pitchFamily="18" charset="0"/>
+                <a:ea typeface="MS Mincho" panose="02020609040205080304" pitchFamily="49" charset="-128"/>
+                <a:cs typeface="Times New Roman" panose="02020603050405020304" pitchFamily="18" charset="0"/>
+              </a:rPr>
+              <a:t>Q3: What can an individual do to minimize their own imposter syndrome and/or support individuals with imposter syndrome?</a:t>
+            </a:r>
+          </a:p>
+        </p:txBody>
+      </p:sp>
+    </p:spTree>
+    <p:extLst>
+      <p:ext uri="{BB962C8B-B14F-4D97-AF65-F5344CB8AC3E}">
+        <p14:creationId xmlns:p14="http://schemas.microsoft.com/office/powerpoint/2010/main" val="3537580524"/>
+      </p:ext>
+    </p:extLst>
+  </p:cSld>
+  <p:clrMapOvr>
+    <a:masterClrMapping/>
+  </p:clrMapOvr>
+</p:sld>
+</file>
+
+<file path=ppt/slides/slide17.xml><?xml version="1.0" encoding="utf-8"?>
+<p:sld xmlns:a="http://schemas.openxmlformats.org/drawingml/2006/main" xmlns:r="http://schemas.openxmlformats.org/officeDocument/2006/relationships" xmlns:p="http://schemas.openxmlformats.org/presentationml/2006/main">
+  <p:cSld>
+    <p:spTree>
+      <p:nvGrpSpPr>
+        <p:cNvPr id="1" name=""/>
+        <p:cNvGrpSpPr/>
+        <p:nvPr/>
+      </p:nvGrpSpPr>
+      <p:grpSpPr>
+        <a:xfrm>
+          <a:off x="0" y="0"/>
+          <a:ext cx="0" cy="0"/>
+          <a:chOff x="0" y="0"/>
+          <a:chExt cx="0" cy="0"/>
+        </a:xfrm>
+      </p:grpSpPr>
+      <p:sp>
+        <p:nvSpPr>
+          <p:cNvPr id="4" name="TextBox 3"/>
+          <p:cNvSpPr txBox="1"/>
+          <p:nvPr/>
+        </p:nvSpPr>
+        <p:spPr>
+          <a:xfrm>
+            <a:off x="275549" y="191702"/>
+            <a:ext cx="8682185" cy="553998"/>
+          </a:xfrm>
+          <a:prstGeom prst="rect">
+            <a:avLst/>
+          </a:prstGeom>
+          <a:noFill/>
+        </p:spPr>
+        <p:txBody>
+          <a:bodyPr wrap="none" rtlCol="0">
+            <a:spAutoFit/>
+          </a:bodyPr>
+          <a:lstStyle/>
+          <a:p>
+            <a:r>
+              <a:rPr lang="en-US" sz="3000" b="1" dirty="0">
+                <a:solidFill>
+                  <a:prstClr val="black"/>
+                </a:solidFill>
+                <a:latin typeface="Times New Roman"/>
+                <a:cs typeface="Times New Roman"/>
+              </a:rPr>
+              <a:t>Diversity &amp; Inclusion: Harassment / Discrimination</a:t>
+            </a:r>
+            <a:endParaRPr lang="en-US" sz="2400" b="1" dirty="0">
+              <a:solidFill>
+                <a:prstClr val="black"/>
+              </a:solidFill>
+              <a:latin typeface="Times New Roman"/>
+              <a:cs typeface="Times New Roman"/>
+            </a:endParaRPr>
+          </a:p>
+        </p:txBody>
+      </p:sp>
+      <p:sp>
+        <p:nvSpPr>
+          <p:cNvPr id="6" name="TextBox 5">
+            <a:extLst>
+              <a:ext uri="{FF2B5EF4-FFF2-40B4-BE49-F238E27FC236}">
+                <a16:creationId xmlns:a16="http://schemas.microsoft.com/office/drawing/2014/main" id="{878A97EC-2834-8447-A6B8-2F5335C4C2C1}"/>
+              </a:ext>
+            </a:extLst>
+          </p:cNvPr>
+          <p:cNvSpPr txBox="1"/>
+          <p:nvPr/>
+        </p:nvSpPr>
+        <p:spPr>
+          <a:xfrm>
+            <a:off x="539603" y="945629"/>
+            <a:ext cx="8355015" cy="4278094"/>
+          </a:xfrm>
+          <a:prstGeom prst="rect">
+            <a:avLst/>
+          </a:prstGeom>
+          <a:noFill/>
+        </p:spPr>
+        <p:txBody>
+          <a:bodyPr wrap="square" rtlCol="0">
+            <a:spAutoFit/>
+          </a:bodyPr>
+          <a:lstStyle/>
+          <a:p>
+            <a:pPr marL="342900" indent="-342900">
+              <a:buFont typeface="Arial" panose="020B0604020202020204" pitchFamily="34" charset="0"/>
+              <a:buChar char="•"/>
+            </a:pPr>
+            <a:r>
+              <a:rPr lang="en-US" sz="2400" dirty="0">
+                <a:latin typeface="Times New Roman" panose="02020603050405020304" pitchFamily="18" charset="0"/>
+                <a:ea typeface="MS Mincho" panose="02020609040205080304" pitchFamily="49" charset="-128"/>
+                <a:cs typeface="Times New Roman" panose="02020603050405020304" pitchFamily="18" charset="0"/>
+              </a:rPr>
+              <a:t>Resources:</a:t>
+            </a:r>
+          </a:p>
+          <a:p>
+            <a:pPr marL="914400" lvl="1" indent="-457200">
+              <a:buFont typeface="Arial" panose="020B0604020202020204" pitchFamily="34" charset="0"/>
+              <a:buChar char="•"/>
+            </a:pPr>
+            <a:r>
+              <a:rPr lang="en-US" sz="2000" dirty="0">
+                <a:latin typeface="Times New Roman" panose="02020603050405020304" pitchFamily="18" charset="0"/>
+                <a:ea typeface="MS Mincho" panose="02020609040205080304" pitchFamily="49" charset="-128"/>
+                <a:cs typeface="Times New Roman" panose="02020603050405020304" pitchFamily="18" charset="0"/>
+                <a:hlinkClick r:id="rId2"/>
+              </a:rPr>
+              <a:t>https://i-sight.com/resources/11-types-of-workplace-harassment-and-how-to-stop-them/</a:t>
+            </a:r>
+            <a:endParaRPr lang="en-US" sz="2000" dirty="0">
+              <a:latin typeface="Times New Roman" panose="02020603050405020304" pitchFamily="18" charset="0"/>
+              <a:ea typeface="MS Mincho" panose="02020609040205080304" pitchFamily="49" charset="-128"/>
+              <a:cs typeface="Times New Roman" panose="02020603050405020304" pitchFamily="18" charset="0"/>
+            </a:endParaRPr>
+          </a:p>
+          <a:p>
+            <a:pPr marL="914400" lvl="1" indent="-457200">
+              <a:buFont typeface="Arial" panose="020B0604020202020204" pitchFamily="34" charset="0"/>
+              <a:buChar char="•"/>
+            </a:pPr>
+            <a:r>
+              <a:rPr lang="en-US" sz="2000" dirty="0">
+                <a:latin typeface="Times New Roman" panose="02020603050405020304" pitchFamily="18" charset="0"/>
+                <a:ea typeface="MS Mincho" panose="02020609040205080304" pitchFamily="49" charset="-128"/>
+                <a:cs typeface="Times New Roman" panose="02020603050405020304" pitchFamily="18" charset="0"/>
+                <a:hlinkClick r:id="rId3"/>
+              </a:rPr>
+              <a:t>https://www.projectcallisto.org</a:t>
+            </a:r>
+            <a:endParaRPr lang="en-US" sz="2000" dirty="0">
+              <a:latin typeface="Times New Roman" panose="02020603050405020304" pitchFamily="18" charset="0"/>
+              <a:ea typeface="MS Mincho" panose="02020609040205080304" pitchFamily="49" charset="-128"/>
+              <a:cs typeface="Times New Roman" panose="02020603050405020304" pitchFamily="18" charset="0"/>
+            </a:endParaRPr>
+          </a:p>
+          <a:p>
+            <a:pPr marL="914400" lvl="1" indent="-457200">
+              <a:buFont typeface="Arial" panose="020B0604020202020204" pitchFamily="34" charset="0"/>
+              <a:buChar char="•"/>
+            </a:pPr>
+            <a:r>
+              <a:rPr lang="en-US" sz="2000" dirty="0">
+                <a:latin typeface="Times New Roman" panose="02020603050405020304" pitchFamily="18" charset="0"/>
+                <a:ea typeface="MS Mincho" panose="02020609040205080304" pitchFamily="49" charset="-128"/>
+                <a:cs typeface="Times New Roman" panose="02020603050405020304" pitchFamily="18" charset="0"/>
+                <a:hlinkClick r:id="rId4"/>
+              </a:rPr>
+              <a:t>https://haven.gwu.edu</a:t>
+            </a:r>
+            <a:endParaRPr lang="en-US" sz="2000" dirty="0">
+              <a:latin typeface="Times New Roman" panose="02020603050405020304" pitchFamily="18" charset="0"/>
+              <a:ea typeface="MS Mincho" panose="02020609040205080304" pitchFamily="49" charset="-128"/>
+              <a:cs typeface="Times New Roman" panose="02020603050405020304" pitchFamily="18" charset="0"/>
+            </a:endParaRPr>
+          </a:p>
+          <a:p>
+            <a:pPr marL="914400" lvl="1" indent="-457200">
+              <a:buFont typeface="Arial" panose="020B0604020202020204" pitchFamily="34" charset="0"/>
+              <a:buChar char="•"/>
+            </a:pPr>
+            <a:endParaRPr lang="en-US" sz="800" dirty="0">
+              <a:latin typeface="Times New Roman" panose="02020603050405020304" pitchFamily="18" charset="0"/>
+              <a:ea typeface="MS Mincho" panose="02020609040205080304" pitchFamily="49" charset="-128"/>
+              <a:cs typeface="Times New Roman" panose="02020603050405020304" pitchFamily="18" charset="0"/>
+            </a:endParaRPr>
+          </a:p>
+          <a:p>
+            <a:pPr marL="457200" indent="-457200">
+              <a:buFont typeface="Arial" panose="020B0604020202020204" pitchFamily="34" charset="0"/>
+              <a:buChar char="•"/>
+            </a:pPr>
+            <a:r>
+              <a:rPr lang="en-US" sz="2400" dirty="0">
+                <a:latin typeface="Times New Roman" panose="02020603050405020304" pitchFamily="18" charset="0"/>
+                <a:ea typeface="MS Mincho" panose="02020609040205080304" pitchFamily="49" charset="-128"/>
+                <a:cs typeface="Times New Roman" panose="02020603050405020304" pitchFamily="18" charset="0"/>
+              </a:rPr>
+              <a:t>Q1: What types of harassment can occur in the professional physics environment?</a:t>
+            </a:r>
+          </a:p>
+          <a:p>
+            <a:pPr marL="457200" indent="-457200">
+              <a:buFont typeface="Arial" panose="020B0604020202020204" pitchFamily="34" charset="0"/>
+              <a:buChar char="•"/>
+            </a:pPr>
+            <a:endParaRPr lang="en-US" sz="800" dirty="0">
+              <a:latin typeface="Times New Roman" panose="02020603050405020304" pitchFamily="18" charset="0"/>
+              <a:ea typeface="MS Mincho" panose="02020609040205080304" pitchFamily="49" charset="-128"/>
+              <a:cs typeface="Times New Roman" panose="02020603050405020304" pitchFamily="18" charset="0"/>
+            </a:endParaRPr>
+          </a:p>
+          <a:p>
+            <a:pPr marL="457200" indent="-457200">
+              <a:buFont typeface="Arial" panose="020B0604020202020204" pitchFamily="34" charset="0"/>
+              <a:buChar char="•"/>
+            </a:pPr>
+            <a:r>
+              <a:rPr lang="en-US" sz="2400" dirty="0">
+                <a:latin typeface="Times New Roman" panose="02020603050405020304" pitchFamily="18" charset="0"/>
+                <a:ea typeface="MS Mincho" panose="02020609040205080304" pitchFamily="49" charset="-128"/>
+                <a:cs typeface="Times New Roman" panose="02020603050405020304" pitchFamily="18" charset="0"/>
+              </a:rPr>
+              <a:t>Q2: What steps can individuals and the community take to minimize the incidence of harassment?</a:t>
+            </a:r>
+          </a:p>
+          <a:p>
+            <a:pPr marL="457200" indent="-457200">
+              <a:buFont typeface="Arial" panose="020B0604020202020204" pitchFamily="34" charset="0"/>
+              <a:buChar char="•"/>
+            </a:pPr>
+            <a:endParaRPr lang="en-US" sz="800" dirty="0">
+              <a:latin typeface="Times New Roman" panose="02020603050405020304" pitchFamily="18" charset="0"/>
+              <a:ea typeface="MS Mincho" panose="02020609040205080304" pitchFamily="49" charset="-128"/>
+              <a:cs typeface="Times New Roman" panose="02020603050405020304" pitchFamily="18" charset="0"/>
+            </a:endParaRPr>
+          </a:p>
+          <a:p>
+            <a:pPr marL="457200" indent="-457200">
+              <a:buFont typeface="Arial" panose="020B0604020202020204" pitchFamily="34" charset="0"/>
+              <a:buChar char="•"/>
+            </a:pPr>
+            <a:r>
+              <a:rPr lang="en-US" sz="2400" dirty="0">
+                <a:latin typeface="Times New Roman" panose="02020603050405020304" pitchFamily="18" charset="0"/>
+                <a:ea typeface="MS Mincho" panose="02020609040205080304" pitchFamily="49" charset="-128"/>
+                <a:cs typeface="Times New Roman" panose="02020603050405020304" pitchFamily="18" charset="0"/>
+              </a:rPr>
+              <a:t>Q3: How can individuals react to minimize harm in situations where harassment has occurred or is occurring?</a:t>
+            </a:r>
+          </a:p>
+        </p:txBody>
+      </p:sp>
+    </p:spTree>
+    <p:extLst>
+      <p:ext uri="{BB962C8B-B14F-4D97-AF65-F5344CB8AC3E}">
+        <p14:creationId xmlns:p14="http://schemas.microsoft.com/office/powerpoint/2010/main" val="4106925271"/>
+      </p:ext>
+    </p:extLst>
+  </p:cSld>
+  <p:clrMapOvr>
+    <a:masterClrMapping/>
+  </p:clrMapOvr>
+</p:sld>
+</file>
+
+<file path=ppt/slides/slide18.xml><?xml version="1.0" encoding="utf-8"?>
+<p:sld xmlns:a="http://schemas.openxmlformats.org/drawingml/2006/main" xmlns:r="http://schemas.openxmlformats.org/officeDocument/2006/relationships" xmlns:p="http://schemas.openxmlformats.org/presentationml/2006/main">
+  <p:cSld>
+    <p:spTree>
+      <p:nvGrpSpPr>
+        <p:cNvPr id="1" name=""/>
+        <p:cNvGrpSpPr/>
+        <p:nvPr/>
+      </p:nvGrpSpPr>
+      <p:grpSpPr>
+        <a:xfrm>
+          <a:off x="0" y="0"/>
+          <a:ext cx="0" cy="0"/>
+          <a:chOff x="0" y="0"/>
+          <a:chExt cx="0" cy="0"/>
+        </a:xfrm>
+      </p:grpSpPr>
+      <p:sp>
+        <p:nvSpPr>
+          <p:cNvPr id="4" name="TextBox 3"/>
+          <p:cNvSpPr txBox="1"/>
+          <p:nvPr/>
+        </p:nvSpPr>
+        <p:spPr>
+          <a:xfrm>
+            <a:off x="275549" y="191702"/>
+            <a:ext cx="6644768" cy="553998"/>
+          </a:xfrm>
+          <a:prstGeom prst="rect">
+            <a:avLst/>
+          </a:prstGeom>
+          <a:noFill/>
+        </p:spPr>
+        <p:txBody>
+          <a:bodyPr wrap="none" rtlCol="0">
+            <a:spAutoFit/>
+          </a:bodyPr>
+          <a:lstStyle/>
+          <a:p>
+            <a:r>
+              <a:rPr lang="en-US" sz="3000" b="1" dirty="0">
+                <a:solidFill>
+                  <a:prstClr val="black"/>
+                </a:solidFill>
+                <a:latin typeface="Times New Roman"/>
+                <a:cs typeface="Times New Roman"/>
+              </a:rPr>
+              <a:t>Diversity &amp; Inclusion: LGBTQ+ Status</a:t>
+            </a:r>
+            <a:endParaRPr lang="en-US" sz="2400" b="1" dirty="0">
+              <a:solidFill>
+                <a:prstClr val="black"/>
+              </a:solidFill>
+              <a:latin typeface="Times New Roman"/>
+              <a:cs typeface="Times New Roman"/>
+            </a:endParaRPr>
+          </a:p>
+        </p:txBody>
+      </p:sp>
+      <p:sp>
+        <p:nvSpPr>
+          <p:cNvPr id="6" name="TextBox 5">
+            <a:extLst>
+              <a:ext uri="{FF2B5EF4-FFF2-40B4-BE49-F238E27FC236}">
+                <a16:creationId xmlns:a16="http://schemas.microsoft.com/office/drawing/2014/main" id="{878A97EC-2834-8447-A6B8-2F5335C4C2C1}"/>
+              </a:ext>
+            </a:extLst>
+          </p:cNvPr>
+          <p:cNvSpPr txBox="1"/>
+          <p:nvPr/>
+        </p:nvSpPr>
+        <p:spPr>
+          <a:xfrm>
+            <a:off x="539603" y="945629"/>
+            <a:ext cx="8355015" cy="3724096"/>
+          </a:xfrm>
+          <a:prstGeom prst="rect">
+            <a:avLst/>
+          </a:prstGeom>
+          <a:noFill/>
+        </p:spPr>
+        <p:txBody>
+          <a:bodyPr wrap="square" rtlCol="0">
+            <a:spAutoFit/>
+          </a:bodyPr>
+          <a:lstStyle/>
+          <a:p>
+            <a:pPr marL="342900" indent="-342900">
+              <a:buFont typeface="Arial" panose="020B0604020202020204" pitchFamily="34" charset="0"/>
+              <a:buChar char="•"/>
+            </a:pPr>
+            <a:r>
+              <a:rPr lang="en-US" sz="2400" dirty="0">
+                <a:latin typeface="Times New Roman" panose="02020603050405020304" pitchFamily="18" charset="0"/>
+                <a:ea typeface="MS Mincho" panose="02020609040205080304" pitchFamily="49" charset="-128"/>
+                <a:cs typeface="Times New Roman" panose="02020603050405020304" pitchFamily="18" charset="0"/>
+              </a:rPr>
+              <a:t>Resources:</a:t>
+            </a:r>
+          </a:p>
+          <a:p>
+            <a:pPr marL="914400" lvl="1" indent="-457200">
+              <a:buFont typeface="Arial" panose="020B0604020202020204" pitchFamily="34" charset="0"/>
+              <a:buChar char="•"/>
+            </a:pPr>
+            <a:r>
+              <a:rPr lang="en-US" sz="2000" dirty="0">
+                <a:latin typeface="Times New Roman" panose="02020603050405020304" pitchFamily="18" charset="0"/>
+                <a:ea typeface="MS Mincho" panose="02020609040205080304" pitchFamily="49" charset="-128"/>
+                <a:cs typeface="Times New Roman" panose="02020603050405020304" pitchFamily="18" charset="0"/>
+                <a:hlinkClick r:id="rId2"/>
+              </a:rPr>
+              <a:t>https://www.aps.org/programs/lgbt/index.cfm</a:t>
+            </a:r>
+            <a:endParaRPr lang="en-US" sz="2000" dirty="0">
+              <a:latin typeface="Times New Roman" panose="02020603050405020304" pitchFamily="18" charset="0"/>
+              <a:ea typeface="MS Mincho" panose="02020609040205080304" pitchFamily="49" charset="-128"/>
+              <a:cs typeface="Times New Roman" panose="02020603050405020304" pitchFamily="18" charset="0"/>
+            </a:endParaRPr>
+          </a:p>
+          <a:p>
+            <a:pPr marL="914400" lvl="1" indent="-457200">
+              <a:buFont typeface="Arial" panose="020B0604020202020204" pitchFamily="34" charset="0"/>
+              <a:buChar char="•"/>
+            </a:pPr>
+            <a:endParaRPr lang="en-US" sz="800" dirty="0">
+              <a:latin typeface="Times New Roman" panose="02020603050405020304" pitchFamily="18" charset="0"/>
+              <a:ea typeface="MS Mincho" panose="02020609040205080304" pitchFamily="49" charset="-128"/>
+              <a:cs typeface="Times New Roman" panose="02020603050405020304" pitchFamily="18" charset="0"/>
+            </a:endParaRPr>
+          </a:p>
+          <a:p>
+            <a:pPr marL="457200" indent="-457200">
+              <a:buFont typeface="Arial" panose="020B0604020202020204" pitchFamily="34" charset="0"/>
+              <a:buChar char="•"/>
+            </a:pPr>
+            <a:r>
+              <a:rPr lang="en-US" sz="2400" dirty="0">
+                <a:latin typeface="Times New Roman" panose="02020603050405020304" pitchFamily="18" charset="0"/>
+                <a:ea typeface="MS Mincho" panose="02020609040205080304" pitchFamily="49" charset="-128"/>
+                <a:cs typeface="Times New Roman" panose="02020603050405020304" pitchFamily="18" charset="0"/>
+              </a:rPr>
+              <a:t>Q1: What hurdles do LGBTQ+ individuals face within the physics community?</a:t>
+            </a:r>
+          </a:p>
+          <a:p>
+            <a:pPr marL="457200" indent="-457200">
+              <a:buFont typeface="Arial" panose="020B0604020202020204" pitchFamily="34" charset="0"/>
+              <a:buChar char="•"/>
+            </a:pPr>
+            <a:endParaRPr lang="en-US" sz="800" dirty="0">
+              <a:latin typeface="Times New Roman" panose="02020603050405020304" pitchFamily="18" charset="0"/>
+              <a:ea typeface="MS Mincho" panose="02020609040205080304" pitchFamily="49" charset="-128"/>
+              <a:cs typeface="Times New Roman" panose="02020603050405020304" pitchFamily="18" charset="0"/>
+            </a:endParaRPr>
+          </a:p>
+          <a:p>
+            <a:pPr marL="457200" indent="-457200">
+              <a:buFont typeface="Arial" panose="020B0604020202020204" pitchFamily="34" charset="0"/>
+              <a:buChar char="•"/>
+            </a:pPr>
+            <a:r>
+              <a:rPr lang="en-US" sz="2400" dirty="0">
+                <a:latin typeface="Times New Roman" panose="02020603050405020304" pitchFamily="18" charset="0"/>
+                <a:ea typeface="MS Mincho" panose="02020609040205080304" pitchFamily="49" charset="-128"/>
+                <a:cs typeface="Times New Roman" panose="02020603050405020304" pitchFamily="18" charset="0"/>
+              </a:rPr>
+              <a:t>Q2: What hurdles do LGBTQ+ individuals face within the university environment?</a:t>
+            </a:r>
+          </a:p>
+          <a:p>
+            <a:pPr marL="457200" indent="-457200">
+              <a:buFont typeface="Arial" panose="020B0604020202020204" pitchFamily="34" charset="0"/>
+              <a:buChar char="•"/>
+            </a:pPr>
+            <a:endParaRPr lang="en-US" sz="800" dirty="0">
+              <a:latin typeface="Times New Roman" panose="02020603050405020304" pitchFamily="18" charset="0"/>
+              <a:ea typeface="MS Mincho" panose="02020609040205080304" pitchFamily="49" charset="-128"/>
+              <a:cs typeface="Times New Roman" panose="02020603050405020304" pitchFamily="18" charset="0"/>
+            </a:endParaRPr>
+          </a:p>
+          <a:p>
+            <a:pPr marL="457200" indent="-457200">
+              <a:buFont typeface="Arial" panose="020B0604020202020204" pitchFamily="34" charset="0"/>
+              <a:buChar char="•"/>
+            </a:pPr>
+            <a:r>
+              <a:rPr lang="en-US" sz="2400" dirty="0">
+                <a:latin typeface="Times New Roman" panose="02020603050405020304" pitchFamily="18" charset="0"/>
+                <a:ea typeface="MS Mincho" panose="02020609040205080304" pitchFamily="49" charset="-128"/>
+                <a:cs typeface="Times New Roman" panose="02020603050405020304" pitchFamily="18" charset="0"/>
+              </a:rPr>
+              <a:t>Q3: What can be done to improve inclusion of LGBTQ+ individuals within the physics department and the physics community?</a:t>
+            </a:r>
+          </a:p>
+        </p:txBody>
+      </p:sp>
+    </p:spTree>
+    <p:extLst>
+      <p:ext uri="{BB962C8B-B14F-4D97-AF65-F5344CB8AC3E}">
+        <p14:creationId xmlns:p14="http://schemas.microsoft.com/office/powerpoint/2010/main" val="602537703"/>
+      </p:ext>
+    </p:extLst>
+  </p:cSld>
+  <p:clrMapOvr>
+    <a:masterClrMapping/>
+  </p:clrMapOvr>
+</p:sld>
+</file>
+
+<file path=ppt/slides/slide19.xml><?xml version="1.0" encoding="utf-8"?>
+<p:sld xmlns:a="http://schemas.openxmlformats.org/drawingml/2006/main" xmlns:r="http://schemas.openxmlformats.org/officeDocument/2006/relationships" xmlns:p="http://schemas.openxmlformats.org/presentationml/2006/main">
+  <p:cSld>
+    <p:spTree>
+      <p:nvGrpSpPr>
+        <p:cNvPr id="1" name=""/>
+        <p:cNvGrpSpPr/>
+        <p:nvPr/>
+      </p:nvGrpSpPr>
+      <p:grpSpPr>
+        <a:xfrm>
+          <a:off x="0" y="0"/>
+          <a:ext cx="0" cy="0"/>
+          <a:chOff x="0" y="0"/>
+          <a:chExt cx="0" cy="0"/>
+        </a:xfrm>
+      </p:grpSpPr>
+      <p:sp>
+        <p:nvSpPr>
+          <p:cNvPr id="4" name="TextBox 3"/>
+          <p:cNvSpPr txBox="1"/>
+          <p:nvPr/>
+        </p:nvSpPr>
+        <p:spPr>
+          <a:xfrm>
+            <a:off x="275549" y="191702"/>
+            <a:ext cx="7750840" cy="553998"/>
+          </a:xfrm>
+          <a:prstGeom prst="rect">
+            <a:avLst/>
+          </a:prstGeom>
+          <a:noFill/>
+        </p:spPr>
+        <p:txBody>
+          <a:bodyPr wrap="none" rtlCol="0">
+            <a:spAutoFit/>
+          </a:bodyPr>
+          <a:lstStyle/>
+          <a:p>
+            <a:r>
+              <a:rPr lang="en-US" sz="3000" b="1" dirty="0">
+                <a:solidFill>
+                  <a:prstClr val="black"/>
+                </a:solidFill>
+                <a:latin typeface="Times New Roman"/>
+                <a:cs typeface="Times New Roman"/>
+              </a:rPr>
+              <a:t>Diversity &amp; Inclusion: Caring Responsibilities</a:t>
+            </a:r>
+            <a:endParaRPr lang="en-US" sz="2400" b="1" dirty="0">
+              <a:solidFill>
+                <a:prstClr val="black"/>
+              </a:solidFill>
+              <a:latin typeface="Times New Roman"/>
+              <a:cs typeface="Times New Roman"/>
+            </a:endParaRPr>
+          </a:p>
+        </p:txBody>
+      </p:sp>
+      <p:sp>
+        <p:nvSpPr>
+          <p:cNvPr id="6" name="TextBox 5">
+            <a:extLst>
+              <a:ext uri="{FF2B5EF4-FFF2-40B4-BE49-F238E27FC236}">
+                <a16:creationId xmlns:a16="http://schemas.microsoft.com/office/drawing/2014/main" id="{878A97EC-2834-8447-A6B8-2F5335C4C2C1}"/>
+              </a:ext>
+            </a:extLst>
+          </p:cNvPr>
+          <p:cNvSpPr txBox="1"/>
+          <p:nvPr/>
+        </p:nvSpPr>
+        <p:spPr>
+          <a:xfrm>
+            <a:off x="539603" y="945629"/>
+            <a:ext cx="8355015" cy="3970318"/>
+          </a:xfrm>
+          <a:prstGeom prst="rect">
+            <a:avLst/>
+          </a:prstGeom>
+          <a:noFill/>
+        </p:spPr>
+        <p:txBody>
+          <a:bodyPr wrap="square" rtlCol="0">
+            <a:spAutoFit/>
+          </a:bodyPr>
+          <a:lstStyle/>
+          <a:p>
+            <a:pPr marL="342900" indent="-342900">
+              <a:buFont typeface="Arial" panose="020B0604020202020204" pitchFamily="34" charset="0"/>
+              <a:buChar char="•"/>
+            </a:pPr>
+            <a:r>
+              <a:rPr lang="en-US" sz="2400" dirty="0">
+                <a:latin typeface="Times New Roman" panose="02020603050405020304" pitchFamily="18" charset="0"/>
+                <a:ea typeface="MS Mincho" panose="02020609040205080304" pitchFamily="49" charset="-128"/>
+                <a:cs typeface="Times New Roman" panose="02020603050405020304" pitchFamily="18" charset="0"/>
+              </a:rPr>
+              <a:t>Resources:</a:t>
+            </a:r>
+          </a:p>
+          <a:p>
+            <a:pPr marL="914400" lvl="1" indent="-457200">
+              <a:buFont typeface="Arial" panose="020B0604020202020204" pitchFamily="34" charset="0"/>
+              <a:buChar char="•"/>
+            </a:pPr>
+            <a:r>
+              <a:rPr lang="en-US" sz="2000" dirty="0">
+                <a:latin typeface="Times New Roman" panose="02020603050405020304" pitchFamily="18" charset="0"/>
+                <a:ea typeface="MS Mincho" panose="02020609040205080304" pitchFamily="49" charset="-128"/>
+                <a:cs typeface="Times New Roman" panose="02020603050405020304" pitchFamily="18" charset="0"/>
+                <a:hlinkClick r:id="rId2"/>
+              </a:rPr>
+              <a:t>https://www.oecd.org/els/health-systems/47884865.pdf</a:t>
+            </a:r>
+            <a:endParaRPr lang="en-US" sz="2000" dirty="0">
+              <a:latin typeface="Times New Roman" panose="02020603050405020304" pitchFamily="18" charset="0"/>
+              <a:ea typeface="MS Mincho" panose="02020609040205080304" pitchFamily="49" charset="-128"/>
+              <a:cs typeface="Times New Roman" panose="02020603050405020304" pitchFamily="18" charset="0"/>
+            </a:endParaRPr>
+          </a:p>
+          <a:p>
+            <a:pPr marL="914400" lvl="1" indent="-457200">
+              <a:buFont typeface="Arial" panose="020B0604020202020204" pitchFamily="34" charset="0"/>
+              <a:buChar char="•"/>
+            </a:pPr>
+            <a:r>
+              <a:rPr lang="en-US" sz="2000" dirty="0">
+                <a:latin typeface="Times New Roman" panose="02020603050405020304" pitchFamily="18" charset="0"/>
+                <a:ea typeface="MS Mincho" panose="02020609040205080304" pitchFamily="49" charset="-128"/>
+                <a:cs typeface="Times New Roman" panose="02020603050405020304" pitchFamily="18" charset="0"/>
+                <a:hlinkClick r:id="rId3"/>
+              </a:rPr>
+              <a:t>https://www.theguardian.com/lifeandstyle/parents-and-parenting+money/work-and-careers</a:t>
+            </a:r>
+            <a:endParaRPr lang="en-US" sz="2000" dirty="0">
+              <a:latin typeface="Times New Roman" panose="02020603050405020304" pitchFamily="18" charset="0"/>
+              <a:ea typeface="MS Mincho" panose="02020609040205080304" pitchFamily="49" charset="-128"/>
+              <a:cs typeface="Times New Roman" panose="02020603050405020304" pitchFamily="18" charset="0"/>
+            </a:endParaRPr>
+          </a:p>
+          <a:p>
+            <a:pPr marL="914400" lvl="1" indent="-457200">
+              <a:buFont typeface="Arial" panose="020B0604020202020204" pitchFamily="34" charset="0"/>
+              <a:buChar char="•"/>
+            </a:pPr>
+            <a:endParaRPr lang="en-US" sz="800" dirty="0">
+              <a:latin typeface="Times New Roman" panose="02020603050405020304" pitchFamily="18" charset="0"/>
+              <a:ea typeface="MS Mincho" panose="02020609040205080304" pitchFamily="49" charset="-128"/>
+              <a:cs typeface="Times New Roman" panose="02020603050405020304" pitchFamily="18" charset="0"/>
+            </a:endParaRPr>
+          </a:p>
+          <a:p>
+            <a:pPr marL="457200" indent="-457200">
+              <a:buFont typeface="Arial" panose="020B0604020202020204" pitchFamily="34" charset="0"/>
+              <a:buChar char="•"/>
+            </a:pPr>
+            <a:r>
+              <a:rPr lang="en-US" sz="2400" dirty="0">
+                <a:latin typeface="Times New Roman" panose="02020603050405020304" pitchFamily="18" charset="0"/>
+                <a:ea typeface="MS Mincho" panose="02020609040205080304" pitchFamily="49" charset="-128"/>
+                <a:cs typeface="Times New Roman" panose="02020603050405020304" pitchFamily="18" charset="0"/>
+              </a:rPr>
+              <a:t>Q1: What issues are there for parents in the physics community?</a:t>
+            </a:r>
+          </a:p>
+          <a:p>
+            <a:pPr marL="457200" indent="-457200">
+              <a:buFont typeface="Arial" panose="020B0604020202020204" pitchFamily="34" charset="0"/>
+              <a:buChar char="•"/>
+            </a:pPr>
+            <a:endParaRPr lang="en-US" sz="800" dirty="0">
+              <a:latin typeface="Times New Roman" panose="02020603050405020304" pitchFamily="18" charset="0"/>
+              <a:ea typeface="MS Mincho" panose="02020609040205080304" pitchFamily="49" charset="-128"/>
+              <a:cs typeface="Times New Roman" panose="02020603050405020304" pitchFamily="18" charset="0"/>
+            </a:endParaRPr>
+          </a:p>
+          <a:p>
+            <a:pPr marL="457200" indent="-457200">
+              <a:buFont typeface="Arial" panose="020B0604020202020204" pitchFamily="34" charset="0"/>
+              <a:buChar char="•"/>
+            </a:pPr>
+            <a:r>
+              <a:rPr lang="en-US" sz="2400" dirty="0">
+                <a:latin typeface="Times New Roman" panose="02020603050405020304" pitchFamily="18" charset="0"/>
+                <a:ea typeface="MS Mincho" panose="02020609040205080304" pitchFamily="49" charset="-128"/>
+                <a:cs typeface="Times New Roman" panose="02020603050405020304" pitchFamily="18" charset="0"/>
+              </a:rPr>
+              <a:t>Q2: What issues are there for </a:t>
+            </a:r>
+            <a:r>
+              <a:rPr lang="en-US" sz="2400" dirty="0" err="1">
+                <a:latin typeface="Times New Roman" panose="02020603050405020304" pitchFamily="18" charset="0"/>
+                <a:ea typeface="MS Mincho" panose="02020609040205080304" pitchFamily="49" charset="-128"/>
+                <a:cs typeface="Times New Roman" panose="02020603050405020304" pitchFamily="18" charset="0"/>
+              </a:rPr>
+              <a:t>carers</a:t>
+            </a:r>
+            <a:r>
+              <a:rPr lang="en-US" sz="2400" dirty="0">
+                <a:latin typeface="Times New Roman" panose="02020603050405020304" pitchFamily="18" charset="0"/>
+                <a:ea typeface="MS Mincho" panose="02020609040205080304" pitchFamily="49" charset="-128"/>
+                <a:cs typeface="Times New Roman" panose="02020603050405020304" pitchFamily="18" charset="0"/>
+              </a:rPr>
+              <a:t> in the physics community?</a:t>
+            </a:r>
+          </a:p>
+          <a:p>
+            <a:pPr marL="457200" indent="-457200">
+              <a:buFont typeface="Arial" panose="020B0604020202020204" pitchFamily="34" charset="0"/>
+              <a:buChar char="•"/>
+            </a:pPr>
+            <a:endParaRPr lang="en-US" sz="800" dirty="0">
+              <a:latin typeface="Times New Roman" panose="02020603050405020304" pitchFamily="18" charset="0"/>
+              <a:ea typeface="MS Mincho" panose="02020609040205080304" pitchFamily="49" charset="-128"/>
+              <a:cs typeface="Times New Roman" panose="02020603050405020304" pitchFamily="18" charset="0"/>
+            </a:endParaRPr>
+          </a:p>
+          <a:p>
+            <a:pPr marL="457200" indent="-457200">
+              <a:buFont typeface="Arial" panose="020B0604020202020204" pitchFamily="34" charset="0"/>
+              <a:buChar char="•"/>
+            </a:pPr>
+            <a:r>
+              <a:rPr lang="en-US" sz="2400" dirty="0">
+                <a:latin typeface="Times New Roman" panose="02020603050405020304" pitchFamily="18" charset="0"/>
+                <a:ea typeface="MS Mincho" panose="02020609040205080304" pitchFamily="49" charset="-128"/>
+                <a:cs typeface="Times New Roman" panose="02020603050405020304" pitchFamily="18" charset="0"/>
+              </a:rPr>
+              <a:t>Q3: What can be done to make life easier for parents and/or </a:t>
+            </a:r>
+            <a:r>
+              <a:rPr lang="en-US" sz="2400" dirty="0" err="1">
+                <a:latin typeface="Times New Roman" panose="02020603050405020304" pitchFamily="18" charset="0"/>
+                <a:ea typeface="MS Mincho" panose="02020609040205080304" pitchFamily="49" charset="-128"/>
+                <a:cs typeface="Times New Roman" panose="02020603050405020304" pitchFamily="18" charset="0"/>
+              </a:rPr>
+              <a:t>carers</a:t>
+            </a:r>
+            <a:r>
+              <a:rPr lang="en-US" sz="2400" dirty="0">
+                <a:latin typeface="Times New Roman" panose="02020603050405020304" pitchFamily="18" charset="0"/>
+                <a:ea typeface="MS Mincho" panose="02020609040205080304" pitchFamily="49" charset="-128"/>
+                <a:cs typeface="Times New Roman" panose="02020603050405020304" pitchFamily="18" charset="0"/>
+              </a:rPr>
+              <a:t> within the physics department and the physics community?</a:t>
+            </a:r>
+          </a:p>
+        </p:txBody>
+      </p:sp>
+    </p:spTree>
+    <p:extLst>
+      <p:ext uri="{BB962C8B-B14F-4D97-AF65-F5344CB8AC3E}">
+        <p14:creationId xmlns:p14="http://schemas.microsoft.com/office/powerpoint/2010/main" val="3191451211"/>
       </p:ext>
     </p:extLst>
   </p:cSld>
@@ -4943,1470 +7442,383 @@
   <p:clrMapOvr>
     <a:masterClrMapping/>
   </p:clrMapOvr>
+  <p:timing>
+    <p:tnLst>
+      <p:par>
+        <p:cTn id="1" dur="indefinite" restart="never" nodeType="tmRoot">
+          <p:childTnLst>
+            <p:seq concurrent="1" nextAc="seek">
+              <p:cTn id="2" dur="indefinite" nodeType="mainSeq">
+                <p:childTnLst>
+                  <p:par>
+                    <p:cTn id="3" fill="hold">
+                      <p:stCondLst>
+                        <p:cond delay="indefinite"/>
+                      </p:stCondLst>
+                      <p:childTnLst>
+                        <p:par>
+                          <p:cTn id="4" fill="hold">
+                            <p:stCondLst>
+                              <p:cond delay="0"/>
+                            </p:stCondLst>
+                            <p:childTnLst>
+                              <p:par>
+                                <p:cTn id="5" presetID="1" presetClass="entr" presetSubtype="0" fill="hold" nodeType="clickEffect">
+                                  <p:stCondLst>
+                                    <p:cond delay="0"/>
+                                  </p:stCondLst>
+                                  <p:childTnLst>
+                                    <p:set>
+                                      <p:cBhvr>
+                                        <p:cTn id="6" dur="1" fill="hold">
+                                          <p:stCondLst>
+                                            <p:cond delay="0"/>
+                                          </p:stCondLst>
+                                        </p:cTn>
+                                        <p:tgtEl>
+                                          <p:spTgt spid="6">
+                                            <p:txEl>
+                                              <p:pRg st="0" end="0"/>
+                                            </p:txEl>
+                                          </p:spTgt>
+                                        </p:tgtEl>
+                                        <p:attrNameLst>
+                                          <p:attrName>style.visibility</p:attrName>
+                                        </p:attrNameLst>
+                                      </p:cBhvr>
+                                      <p:to>
+                                        <p:strVal val="visible"/>
+                                      </p:to>
+                                    </p:set>
+                                  </p:childTnLst>
+                                </p:cTn>
+                              </p:par>
+                            </p:childTnLst>
+                          </p:cTn>
+                        </p:par>
+                      </p:childTnLst>
+                    </p:cTn>
+                  </p:par>
+                  <p:par>
+                    <p:cTn id="7" fill="hold">
+                      <p:stCondLst>
+                        <p:cond delay="indefinite"/>
+                      </p:stCondLst>
+                      <p:childTnLst>
+                        <p:par>
+                          <p:cTn id="8" fill="hold">
+                            <p:stCondLst>
+                              <p:cond delay="0"/>
+                            </p:stCondLst>
+                            <p:childTnLst>
+                              <p:par>
+                                <p:cTn id="9" presetID="1" presetClass="entr" presetSubtype="0" fill="hold" nodeType="clickEffect">
+                                  <p:stCondLst>
+                                    <p:cond delay="0"/>
+                                  </p:stCondLst>
+                                  <p:childTnLst>
+                                    <p:set>
+                                      <p:cBhvr>
+                                        <p:cTn id="10" dur="1" fill="hold">
+                                          <p:stCondLst>
+                                            <p:cond delay="0"/>
+                                          </p:stCondLst>
+                                        </p:cTn>
+                                        <p:tgtEl>
+                                          <p:spTgt spid="6">
+                                            <p:txEl>
+                                              <p:pRg st="2" end="2"/>
+                                            </p:txEl>
+                                          </p:spTgt>
+                                        </p:tgtEl>
+                                        <p:attrNameLst>
+                                          <p:attrName>style.visibility</p:attrName>
+                                        </p:attrNameLst>
+                                      </p:cBhvr>
+                                      <p:to>
+                                        <p:strVal val="visible"/>
+                                      </p:to>
+                                    </p:set>
+                                  </p:childTnLst>
+                                </p:cTn>
+                              </p:par>
+                            </p:childTnLst>
+                          </p:cTn>
+                        </p:par>
+                      </p:childTnLst>
+                    </p:cTn>
+                  </p:par>
+                  <p:par>
+                    <p:cTn id="11" fill="hold">
+                      <p:stCondLst>
+                        <p:cond delay="indefinite"/>
+                      </p:stCondLst>
+                      <p:childTnLst>
+                        <p:par>
+                          <p:cTn id="12" fill="hold">
+                            <p:stCondLst>
+                              <p:cond delay="0"/>
+                            </p:stCondLst>
+                            <p:childTnLst>
+                              <p:par>
+                                <p:cTn id="13" presetID="1" presetClass="entr" presetSubtype="0" fill="hold" nodeType="clickEffect">
+                                  <p:stCondLst>
+                                    <p:cond delay="0"/>
+                                  </p:stCondLst>
+                                  <p:childTnLst>
+                                    <p:set>
+                                      <p:cBhvr>
+                                        <p:cTn id="14" dur="1" fill="hold">
+                                          <p:stCondLst>
+                                            <p:cond delay="0"/>
+                                          </p:stCondLst>
+                                        </p:cTn>
+                                        <p:tgtEl>
+                                          <p:spTgt spid="6">
+                                            <p:txEl>
+                                              <p:pRg st="4" end="4"/>
+                                            </p:txEl>
+                                          </p:spTgt>
+                                        </p:tgtEl>
+                                        <p:attrNameLst>
+                                          <p:attrName>style.visibility</p:attrName>
+                                        </p:attrNameLst>
+                                      </p:cBhvr>
+                                      <p:to>
+                                        <p:strVal val="visible"/>
+                                      </p:to>
+                                    </p:set>
+                                  </p:childTnLst>
+                                </p:cTn>
+                              </p:par>
+                            </p:childTnLst>
+                          </p:cTn>
+                        </p:par>
+                      </p:childTnLst>
+                    </p:cTn>
+                  </p:par>
+                  <p:par>
+                    <p:cTn id="15" fill="hold">
+                      <p:stCondLst>
+                        <p:cond delay="indefinite"/>
+                      </p:stCondLst>
+                      <p:childTnLst>
+                        <p:par>
+                          <p:cTn id="16" fill="hold">
+                            <p:stCondLst>
+                              <p:cond delay="0"/>
+                            </p:stCondLst>
+                            <p:childTnLst>
+                              <p:par>
+                                <p:cTn id="17" presetID="1" presetClass="entr" presetSubtype="0" fill="hold" nodeType="clickEffect">
+                                  <p:stCondLst>
+                                    <p:cond delay="0"/>
+                                  </p:stCondLst>
+                                  <p:childTnLst>
+                                    <p:set>
+                                      <p:cBhvr>
+                                        <p:cTn id="18" dur="1" fill="hold">
+                                          <p:stCondLst>
+                                            <p:cond delay="0"/>
+                                          </p:stCondLst>
+                                        </p:cTn>
+                                        <p:tgtEl>
+                                          <p:spTgt spid="6">
+                                            <p:txEl>
+                                              <p:pRg st="6" end="6"/>
+                                            </p:txEl>
+                                          </p:spTgt>
+                                        </p:tgtEl>
+                                        <p:attrNameLst>
+                                          <p:attrName>style.visibility</p:attrName>
+                                        </p:attrNameLst>
+                                      </p:cBhvr>
+                                      <p:to>
+                                        <p:strVal val="visible"/>
+                                      </p:to>
+                                    </p:set>
+                                  </p:childTnLst>
+                                </p:cTn>
+                              </p:par>
+                            </p:childTnLst>
+                          </p:cTn>
+                        </p:par>
+                      </p:childTnLst>
+                    </p:cTn>
+                  </p:par>
+                  <p:par>
+                    <p:cTn id="19" fill="hold">
+                      <p:stCondLst>
+                        <p:cond delay="indefinite"/>
+                      </p:stCondLst>
+                      <p:childTnLst>
+                        <p:par>
+                          <p:cTn id="20" fill="hold">
+                            <p:stCondLst>
+                              <p:cond delay="0"/>
+                            </p:stCondLst>
+                            <p:childTnLst>
+                              <p:par>
+                                <p:cTn id="21" presetID="1" presetClass="entr" presetSubtype="0" fill="hold" nodeType="clickEffect">
+                                  <p:stCondLst>
+                                    <p:cond delay="0"/>
+                                  </p:stCondLst>
+                                  <p:childTnLst>
+                                    <p:set>
+                                      <p:cBhvr>
+                                        <p:cTn id="22" dur="1" fill="hold">
+                                          <p:stCondLst>
+                                            <p:cond delay="0"/>
+                                          </p:stCondLst>
+                                        </p:cTn>
+                                        <p:tgtEl>
+                                          <p:spTgt spid="6">
+                                            <p:txEl>
+                                              <p:pRg st="8" end="8"/>
+                                            </p:txEl>
+                                          </p:spTgt>
+                                        </p:tgtEl>
+                                        <p:attrNameLst>
+                                          <p:attrName>style.visibility</p:attrName>
+                                        </p:attrNameLst>
+                                      </p:cBhvr>
+                                      <p:to>
+                                        <p:strVal val="visible"/>
+                                      </p:to>
+                                    </p:set>
+                                  </p:childTnLst>
+                                </p:cTn>
+                              </p:par>
+                            </p:childTnLst>
+                          </p:cTn>
+                        </p:par>
+                      </p:childTnLst>
+                    </p:cTn>
+                  </p:par>
+                  <p:par>
+                    <p:cTn id="23" fill="hold">
+                      <p:stCondLst>
+                        <p:cond delay="indefinite"/>
+                      </p:stCondLst>
+                      <p:childTnLst>
+                        <p:par>
+                          <p:cTn id="24" fill="hold">
+                            <p:stCondLst>
+                              <p:cond delay="0"/>
+                            </p:stCondLst>
+                            <p:childTnLst>
+                              <p:par>
+                                <p:cTn id="25" presetID="1" presetClass="entr" presetSubtype="0" fill="hold" nodeType="clickEffect">
+                                  <p:stCondLst>
+                                    <p:cond delay="0"/>
+                                  </p:stCondLst>
+                                  <p:childTnLst>
+                                    <p:set>
+                                      <p:cBhvr>
+                                        <p:cTn id="26" dur="1" fill="hold">
+                                          <p:stCondLst>
+                                            <p:cond delay="0"/>
+                                          </p:stCondLst>
+                                        </p:cTn>
+                                        <p:tgtEl>
+                                          <p:spTgt spid="6">
+                                            <p:txEl>
+                                              <p:pRg st="10" end="10"/>
+                                            </p:txEl>
+                                          </p:spTgt>
+                                        </p:tgtEl>
+                                        <p:attrNameLst>
+                                          <p:attrName>style.visibility</p:attrName>
+                                        </p:attrNameLst>
+                                      </p:cBhvr>
+                                      <p:to>
+                                        <p:strVal val="visible"/>
+                                      </p:to>
+                                    </p:set>
+                                  </p:childTnLst>
+                                </p:cTn>
+                              </p:par>
+                            </p:childTnLst>
+                          </p:cTn>
+                        </p:par>
+                      </p:childTnLst>
+                    </p:cTn>
+                  </p:par>
+                  <p:par>
+                    <p:cTn id="27" fill="hold">
+                      <p:stCondLst>
+                        <p:cond delay="indefinite"/>
+                      </p:stCondLst>
+                      <p:childTnLst>
+                        <p:par>
+                          <p:cTn id="28" fill="hold">
+                            <p:stCondLst>
+                              <p:cond delay="0"/>
+                            </p:stCondLst>
+                            <p:childTnLst>
+                              <p:par>
+                                <p:cTn id="29" presetID="1" presetClass="entr" presetSubtype="0" fill="hold" nodeType="clickEffect">
+                                  <p:stCondLst>
+                                    <p:cond delay="0"/>
+                                  </p:stCondLst>
+                                  <p:childTnLst>
+                                    <p:set>
+                                      <p:cBhvr>
+                                        <p:cTn id="30" dur="1" fill="hold">
+                                          <p:stCondLst>
+                                            <p:cond delay="0"/>
+                                          </p:stCondLst>
+                                        </p:cTn>
+                                        <p:tgtEl>
+                                          <p:spTgt spid="6">
+                                            <p:txEl>
+                                              <p:pRg st="12" end="12"/>
+                                            </p:txEl>
+                                          </p:spTgt>
+                                        </p:tgtEl>
+                                        <p:attrNameLst>
+                                          <p:attrName>style.visibility</p:attrName>
+                                        </p:attrNameLst>
+                                      </p:cBhvr>
+                                      <p:to>
+                                        <p:strVal val="visible"/>
+                                      </p:to>
+                                    </p:set>
+                                  </p:childTnLst>
+                                </p:cTn>
+                              </p:par>
+                            </p:childTnLst>
+                          </p:cTn>
+                        </p:par>
+                      </p:childTnLst>
+                    </p:cTn>
+                  </p:par>
+                </p:childTnLst>
+              </p:cTn>
+              <p:prevCondLst>
+                <p:cond evt="onPrev" delay="0">
+                  <p:tgtEl>
+                    <p:sldTgt/>
+                  </p:tgtEl>
+                </p:cond>
+              </p:prevCondLst>
+              <p:nextCondLst>
+                <p:cond evt="onNext" delay="0">
+                  <p:tgtEl>
+                    <p:sldTgt/>
+                  </p:tgtEl>
+                </p:cond>
+              </p:nextCondLst>
+            </p:seq>
+          </p:childTnLst>
+        </p:cTn>
+      </p:par>
+    </p:tnLst>
+  </p:timing>
 </p:sld>
 </file>
 
-<file path=ppt/slides/slide3.xml><?xml version="1.0" encoding="utf-8"?>
-<p:sld xmlns:a="http://schemas.openxmlformats.org/drawingml/2006/main" xmlns:r="http://schemas.openxmlformats.org/officeDocument/2006/relationships" xmlns:p="http://schemas.openxmlformats.org/presentationml/2006/main">
-  <p:cSld>
-    <p:spTree>
-      <p:nvGrpSpPr>
-        <p:cNvPr id="1" name=""/>
-        <p:cNvGrpSpPr/>
-        <p:nvPr/>
-      </p:nvGrpSpPr>
-      <p:grpSpPr>
-        <a:xfrm>
-          <a:off x="0" y="0"/>
-          <a:ext cx="0" cy="0"/>
-          <a:chOff x="0" y="0"/>
-          <a:chExt cx="0" cy="0"/>
-        </a:xfrm>
-      </p:grpSpPr>
-      <p:sp>
-        <p:nvSpPr>
-          <p:cNvPr id="4" name="TextBox 3"/>
-          <p:cNvSpPr txBox="1"/>
-          <p:nvPr/>
-        </p:nvSpPr>
-        <p:spPr>
-          <a:xfrm>
-            <a:off x="275549" y="191702"/>
-            <a:ext cx="6290505" cy="553998"/>
-          </a:xfrm>
-          <a:prstGeom prst="rect">
-            <a:avLst/>
-          </a:prstGeom>
-          <a:noFill/>
-        </p:spPr>
-        <p:txBody>
-          <a:bodyPr wrap="none" rtlCol="0">
-            <a:spAutoFit/>
-          </a:bodyPr>
-          <a:lstStyle/>
-          <a:p>
-            <a:r>
-              <a:rPr lang="en-US" sz="3000" b="1" dirty="0">
-                <a:solidFill>
-                  <a:prstClr val="black"/>
-                </a:solidFill>
-                <a:latin typeface="Times New Roman"/>
-                <a:cs typeface="Times New Roman"/>
-              </a:rPr>
-              <a:t>Diversity &amp; Inclusion  </a:t>
-            </a:r>
-            <a:r>
-              <a:rPr lang="en-US" sz="2400" dirty="0">
-                <a:solidFill>
-                  <a:prstClr val="black"/>
-                </a:solidFill>
-                <a:latin typeface="Times New Roman"/>
-                <a:cs typeface="Times New Roman"/>
-              </a:rPr>
-              <a:t>(</a:t>
-            </a:r>
-            <a:r>
-              <a:rPr lang="en-US" sz="2400" i="1" dirty="0">
-                <a:solidFill>
-                  <a:prstClr val="black"/>
-                </a:solidFill>
-                <a:latin typeface="Times New Roman"/>
-                <a:cs typeface="Times New Roman"/>
-              </a:rPr>
-              <a:t>Class discussions</a:t>
-            </a:r>
-            <a:r>
-              <a:rPr lang="en-US" sz="2400" dirty="0">
-                <a:solidFill>
-                  <a:prstClr val="black"/>
-                </a:solidFill>
-                <a:latin typeface="Times New Roman"/>
-                <a:cs typeface="Times New Roman"/>
-              </a:rPr>
-              <a:t>)</a:t>
-            </a:r>
-            <a:endParaRPr lang="en-US" sz="2400" b="1" dirty="0">
-              <a:solidFill>
-                <a:prstClr val="black"/>
-              </a:solidFill>
-              <a:latin typeface="Times New Roman"/>
-              <a:cs typeface="Times New Roman"/>
-            </a:endParaRPr>
-          </a:p>
-        </p:txBody>
-      </p:sp>
-      <p:sp>
-        <p:nvSpPr>
-          <p:cNvPr id="6" name="TextBox 5">
-            <a:extLst>
-              <a:ext uri="{FF2B5EF4-FFF2-40B4-BE49-F238E27FC236}">
-                <a16:creationId xmlns:a16="http://schemas.microsoft.com/office/drawing/2014/main" id="{878A97EC-2834-8447-A6B8-2F5335C4C2C1}"/>
-              </a:ext>
-            </a:extLst>
-          </p:cNvPr>
-          <p:cNvSpPr txBox="1"/>
-          <p:nvPr/>
-        </p:nvSpPr>
-        <p:spPr>
-          <a:xfrm>
-            <a:off x="539603" y="945629"/>
-            <a:ext cx="8355015" cy="4893647"/>
-          </a:xfrm>
-          <a:prstGeom prst="rect">
-            <a:avLst/>
-          </a:prstGeom>
-          <a:noFill/>
-        </p:spPr>
-        <p:txBody>
-          <a:bodyPr wrap="square" rtlCol="0">
-            <a:spAutoFit/>
-          </a:bodyPr>
-          <a:lstStyle/>
-          <a:p>
-            <a:pPr marL="342900" indent="-342900">
-              <a:buFont typeface="Arial" panose="020B0604020202020204" pitchFamily="34" charset="0"/>
-              <a:buChar char="•"/>
-            </a:pPr>
-            <a:r>
-              <a:rPr lang="en-US" sz="2400" dirty="0">
-                <a:latin typeface="Times New Roman" panose="02020603050405020304" pitchFamily="18" charset="0"/>
-                <a:ea typeface="MS Mincho" panose="02020609040205080304" pitchFamily="49" charset="-128"/>
-                <a:cs typeface="Times New Roman" panose="02020603050405020304" pitchFamily="18" charset="0"/>
-              </a:rPr>
-              <a:t>Discussion topics:</a:t>
-            </a:r>
-          </a:p>
-          <a:p>
-            <a:pPr marL="914400" lvl="1" indent="-457200">
-              <a:buFont typeface="Arial" panose="020B0604020202020204" pitchFamily="34" charset="0"/>
-              <a:buChar char="•"/>
-            </a:pPr>
-            <a:r>
-              <a:rPr lang="en-US" sz="2200" dirty="0">
-                <a:latin typeface="Times New Roman" panose="02020603050405020304" pitchFamily="18" charset="0"/>
-                <a:ea typeface="MS Mincho" panose="02020609040205080304" pitchFamily="49" charset="-128"/>
-                <a:cs typeface="Times New Roman" panose="02020603050405020304" pitchFamily="18" charset="0"/>
-              </a:rPr>
-              <a:t>Group 1: Stereotype Threat</a:t>
-            </a:r>
-          </a:p>
-          <a:p>
-            <a:pPr marL="914400" lvl="1" indent="-457200">
-              <a:buFont typeface="Arial" panose="020B0604020202020204" pitchFamily="34" charset="0"/>
-              <a:buChar char="•"/>
-            </a:pPr>
-            <a:r>
-              <a:rPr lang="en-US" sz="2200" dirty="0">
-                <a:latin typeface="Times New Roman" panose="02020603050405020304" pitchFamily="18" charset="0"/>
-                <a:ea typeface="MS Mincho" panose="02020609040205080304" pitchFamily="49" charset="-128"/>
-                <a:cs typeface="Times New Roman" panose="02020603050405020304" pitchFamily="18" charset="0"/>
-              </a:rPr>
-              <a:t>Group 2: Imposter Syndrome</a:t>
-            </a:r>
-          </a:p>
-          <a:p>
-            <a:pPr marL="914400" lvl="1" indent="-457200">
-              <a:buFont typeface="Arial" panose="020B0604020202020204" pitchFamily="34" charset="0"/>
-              <a:buChar char="•"/>
-            </a:pPr>
-            <a:r>
-              <a:rPr lang="en-US" sz="2200" dirty="0">
-                <a:latin typeface="Times New Roman" panose="02020603050405020304" pitchFamily="18" charset="0"/>
-                <a:ea typeface="MS Mincho" panose="02020609040205080304" pitchFamily="49" charset="-128"/>
-                <a:cs typeface="Times New Roman" panose="02020603050405020304" pitchFamily="18" charset="0"/>
-              </a:rPr>
-              <a:t>Group 3: Harassment / Discrimination</a:t>
-            </a:r>
-          </a:p>
-          <a:p>
-            <a:pPr marL="914400" lvl="1" indent="-457200">
-              <a:buFont typeface="Arial" panose="020B0604020202020204" pitchFamily="34" charset="0"/>
-              <a:buChar char="•"/>
-            </a:pPr>
-            <a:r>
-              <a:rPr lang="en-US" sz="2200" dirty="0">
-                <a:latin typeface="Times New Roman" panose="02020603050405020304" pitchFamily="18" charset="0"/>
-                <a:ea typeface="MS Mincho" panose="02020609040205080304" pitchFamily="49" charset="-128"/>
-                <a:cs typeface="Times New Roman" panose="02020603050405020304" pitchFamily="18" charset="0"/>
-              </a:rPr>
-              <a:t>Group 4: LGBTQ+ Status</a:t>
-            </a:r>
-          </a:p>
-          <a:p>
-            <a:pPr marL="914400" lvl="1" indent="-457200">
-              <a:buFont typeface="Arial" panose="020B0604020202020204" pitchFamily="34" charset="0"/>
-              <a:buChar char="•"/>
-            </a:pPr>
-            <a:r>
-              <a:rPr lang="en-US" sz="2200" dirty="0">
-                <a:latin typeface="Times New Roman" panose="02020603050405020304" pitchFamily="18" charset="0"/>
-                <a:ea typeface="MS Mincho" panose="02020609040205080304" pitchFamily="49" charset="-128"/>
-                <a:cs typeface="Times New Roman" panose="02020603050405020304" pitchFamily="18" charset="0"/>
-              </a:rPr>
-              <a:t>Group 5: Caring / Parenting Responsibilities</a:t>
-            </a:r>
-          </a:p>
-          <a:p>
-            <a:pPr marL="914400" lvl="1" indent="-457200">
-              <a:buFont typeface="Arial" panose="020B0604020202020204" pitchFamily="34" charset="0"/>
-              <a:buChar char="•"/>
-            </a:pPr>
-            <a:r>
-              <a:rPr lang="en-US" sz="2200" dirty="0">
-                <a:latin typeface="Times New Roman" panose="02020603050405020304" pitchFamily="18" charset="0"/>
-                <a:ea typeface="MS Mincho" panose="02020609040205080304" pitchFamily="49" charset="-128"/>
-                <a:cs typeface="Times New Roman" panose="02020603050405020304" pitchFamily="18" charset="0"/>
-              </a:rPr>
-              <a:t>Group 6: Socio-economic Disadvantage</a:t>
-            </a:r>
-          </a:p>
-          <a:p>
-            <a:pPr marL="914400" lvl="1" indent="-457200">
-              <a:buFont typeface="Arial" panose="020B0604020202020204" pitchFamily="34" charset="0"/>
-              <a:buChar char="•"/>
-            </a:pPr>
-            <a:r>
-              <a:rPr lang="en-US" sz="2200" dirty="0">
-                <a:latin typeface="Times New Roman" panose="02020603050405020304" pitchFamily="18" charset="0"/>
-                <a:ea typeface="MS Mincho" panose="02020609040205080304" pitchFamily="49" charset="-128"/>
-                <a:cs typeface="Times New Roman" panose="02020603050405020304" pitchFamily="18" charset="0"/>
-              </a:rPr>
-              <a:t>Group 7: Visible / Invisible Disabilities</a:t>
-            </a:r>
-          </a:p>
-          <a:p>
-            <a:pPr marL="457200" indent="-457200">
-              <a:buFont typeface="Arial" panose="020B0604020202020204" pitchFamily="34" charset="0"/>
-              <a:buChar char="•"/>
-            </a:pPr>
-            <a:endParaRPr lang="en-US" sz="800" dirty="0">
-              <a:latin typeface="Times New Roman" panose="02020603050405020304" pitchFamily="18" charset="0"/>
-              <a:ea typeface="MS Mincho" panose="02020609040205080304" pitchFamily="49" charset="-128"/>
-              <a:cs typeface="Times New Roman" panose="02020603050405020304" pitchFamily="18" charset="0"/>
-            </a:endParaRPr>
-          </a:p>
-          <a:p>
-            <a:pPr marL="457200" indent="-457200">
-              <a:buFont typeface="Arial" panose="020B0604020202020204" pitchFamily="34" charset="0"/>
-              <a:buChar char="•"/>
-            </a:pPr>
-            <a:r>
-              <a:rPr lang="en-US" sz="2200" dirty="0">
-                <a:latin typeface="Times New Roman" panose="02020603050405020304" pitchFamily="18" charset="0"/>
-                <a:ea typeface="MS Mincho" panose="02020609040205080304" pitchFamily="49" charset="-128"/>
-                <a:cs typeface="Times New Roman" panose="02020603050405020304" pitchFamily="18" charset="0"/>
-              </a:rPr>
-              <a:t>Every group of 3 students gets resources and 3 questions for 1 topic</a:t>
-            </a:r>
-          </a:p>
-          <a:p>
-            <a:pPr marL="457200" indent="-457200">
-              <a:buFont typeface="Arial" panose="020B0604020202020204" pitchFamily="34" charset="0"/>
-              <a:buChar char="•"/>
-            </a:pPr>
-            <a:endParaRPr lang="en-US" sz="800" dirty="0">
-              <a:latin typeface="Times New Roman" panose="02020603050405020304" pitchFamily="18" charset="0"/>
-              <a:ea typeface="MS Mincho" panose="02020609040205080304" pitchFamily="49" charset="-128"/>
-              <a:cs typeface="Times New Roman" panose="02020603050405020304" pitchFamily="18" charset="0"/>
-            </a:endParaRPr>
-          </a:p>
-          <a:p>
-            <a:pPr marL="457200" indent="-457200">
-              <a:buFont typeface="Arial" panose="020B0604020202020204" pitchFamily="34" charset="0"/>
-              <a:buChar char="•"/>
-            </a:pPr>
-            <a:r>
-              <a:rPr lang="en-US" sz="2200" dirty="0">
-                <a:latin typeface="Times New Roman" panose="02020603050405020304" pitchFamily="18" charset="0"/>
-                <a:ea typeface="MS Mincho" panose="02020609040205080304" pitchFamily="49" charset="-128"/>
-                <a:cs typeface="Times New Roman" panose="02020603050405020304" pitchFamily="18" charset="0"/>
-              </a:rPr>
-              <a:t>Given resources are to be used as reference material, but more resources can be explored (and shared with the instructor / class)</a:t>
-            </a:r>
-          </a:p>
-          <a:p>
-            <a:pPr marL="457200" indent="-457200">
-              <a:buFont typeface="Arial" panose="020B0604020202020204" pitchFamily="34" charset="0"/>
-              <a:buChar char="•"/>
-            </a:pPr>
-            <a:endParaRPr lang="en-US" sz="800" dirty="0">
-              <a:latin typeface="Times New Roman" panose="02020603050405020304" pitchFamily="18" charset="0"/>
-              <a:ea typeface="MS Mincho" panose="02020609040205080304" pitchFamily="49" charset="-128"/>
-              <a:cs typeface="Times New Roman" panose="02020603050405020304" pitchFamily="18" charset="0"/>
-            </a:endParaRPr>
-          </a:p>
-          <a:p>
-            <a:pPr marL="457200" indent="-457200">
-              <a:buFont typeface="Arial" panose="020B0604020202020204" pitchFamily="34" charset="0"/>
-              <a:buChar char="•"/>
-            </a:pPr>
-            <a:r>
-              <a:rPr lang="en-US" sz="2200" dirty="0">
-                <a:latin typeface="Times New Roman" panose="02020603050405020304" pitchFamily="18" charset="0"/>
-                <a:ea typeface="MS Mincho" panose="02020609040205080304" pitchFamily="49" charset="-128"/>
-                <a:cs typeface="Times New Roman" panose="02020603050405020304" pitchFamily="18" charset="0"/>
-              </a:rPr>
-              <a:t>Every student should be prepared to answer 1 question, and the group has to answer all 3 questions for their topic</a:t>
-            </a:r>
-          </a:p>
-        </p:txBody>
-      </p:sp>
-    </p:spTree>
-    <p:extLst>
-      <p:ext uri="{BB962C8B-B14F-4D97-AF65-F5344CB8AC3E}">
-        <p14:creationId xmlns:p14="http://schemas.microsoft.com/office/powerpoint/2010/main" val="159186170"/>
-      </p:ext>
-    </p:extLst>
-  </p:cSld>
-  <p:clrMapOvr>
-    <a:masterClrMapping/>
-  </p:clrMapOvr>
-</p:sld>
-</file>
-
-<file path=ppt/slides/slide4.xml><?xml version="1.0" encoding="utf-8"?>
-<p:sld xmlns:a="http://schemas.openxmlformats.org/drawingml/2006/main" xmlns:r="http://schemas.openxmlformats.org/officeDocument/2006/relationships" xmlns:p="http://schemas.openxmlformats.org/presentationml/2006/main">
-  <p:cSld>
-    <p:spTree>
-      <p:nvGrpSpPr>
-        <p:cNvPr id="1" name=""/>
-        <p:cNvGrpSpPr/>
-        <p:nvPr/>
-      </p:nvGrpSpPr>
-      <p:grpSpPr>
-        <a:xfrm>
-          <a:off x="0" y="0"/>
-          <a:ext cx="0" cy="0"/>
-          <a:chOff x="0" y="0"/>
-          <a:chExt cx="0" cy="0"/>
-        </a:xfrm>
-      </p:grpSpPr>
-      <p:sp>
-        <p:nvSpPr>
-          <p:cNvPr id="4" name="TextBox 3"/>
-          <p:cNvSpPr txBox="1"/>
-          <p:nvPr/>
-        </p:nvSpPr>
-        <p:spPr>
-          <a:xfrm>
-            <a:off x="275549" y="191702"/>
-            <a:ext cx="6898107" cy="553998"/>
-          </a:xfrm>
-          <a:prstGeom prst="rect">
-            <a:avLst/>
-          </a:prstGeom>
-          <a:noFill/>
-        </p:spPr>
-        <p:txBody>
-          <a:bodyPr wrap="none" rtlCol="0">
-            <a:spAutoFit/>
-          </a:bodyPr>
-          <a:lstStyle/>
-          <a:p>
-            <a:r>
-              <a:rPr lang="en-US" sz="3000" b="1" dirty="0">
-                <a:solidFill>
-                  <a:prstClr val="black"/>
-                </a:solidFill>
-                <a:latin typeface="Times New Roman"/>
-                <a:cs typeface="Times New Roman"/>
-              </a:rPr>
-              <a:t>Diversity &amp; Inclusion: Stereotype Threat</a:t>
-            </a:r>
-            <a:endParaRPr lang="en-US" sz="2400" b="1" dirty="0">
-              <a:solidFill>
-                <a:prstClr val="black"/>
-              </a:solidFill>
-              <a:latin typeface="Times New Roman"/>
-              <a:cs typeface="Times New Roman"/>
-            </a:endParaRPr>
-          </a:p>
-        </p:txBody>
-      </p:sp>
-      <p:sp>
-        <p:nvSpPr>
-          <p:cNvPr id="6" name="TextBox 5">
-            <a:extLst>
-              <a:ext uri="{FF2B5EF4-FFF2-40B4-BE49-F238E27FC236}">
-                <a16:creationId xmlns:a16="http://schemas.microsoft.com/office/drawing/2014/main" id="{878A97EC-2834-8447-A6B8-2F5335C4C2C1}"/>
-              </a:ext>
-            </a:extLst>
-          </p:cNvPr>
-          <p:cNvSpPr txBox="1"/>
-          <p:nvPr/>
-        </p:nvSpPr>
-        <p:spPr>
-          <a:xfrm>
-            <a:off x="539603" y="945629"/>
-            <a:ext cx="8355015" cy="3662541"/>
-          </a:xfrm>
-          <a:prstGeom prst="rect">
-            <a:avLst/>
-          </a:prstGeom>
-          <a:noFill/>
-        </p:spPr>
-        <p:txBody>
-          <a:bodyPr wrap="square" rtlCol="0">
-            <a:spAutoFit/>
-          </a:bodyPr>
-          <a:lstStyle/>
-          <a:p>
-            <a:pPr marL="342900" indent="-342900">
-              <a:buFont typeface="Arial" panose="020B0604020202020204" pitchFamily="34" charset="0"/>
-              <a:buChar char="•"/>
-            </a:pPr>
-            <a:r>
-              <a:rPr lang="en-US" sz="2400" dirty="0">
-                <a:latin typeface="Times New Roman" panose="02020603050405020304" pitchFamily="18" charset="0"/>
-                <a:ea typeface="MS Mincho" panose="02020609040205080304" pitchFamily="49" charset="-128"/>
-                <a:cs typeface="Times New Roman" panose="02020603050405020304" pitchFamily="18" charset="0"/>
-              </a:rPr>
-              <a:t>Resources:</a:t>
-            </a:r>
-          </a:p>
-          <a:p>
-            <a:pPr marL="914400" lvl="1" indent="-457200">
-              <a:buFont typeface="Arial" panose="020B0604020202020204" pitchFamily="34" charset="0"/>
-              <a:buChar char="•"/>
-            </a:pPr>
-            <a:r>
-              <a:rPr lang="en-US" sz="2000" dirty="0">
-                <a:latin typeface="Times New Roman" panose="02020603050405020304" pitchFamily="18" charset="0"/>
-                <a:ea typeface="MS Mincho" panose="02020609040205080304" pitchFamily="49" charset="-128"/>
-                <a:cs typeface="Times New Roman" panose="02020603050405020304" pitchFamily="18" charset="0"/>
-                <a:hlinkClick r:id="rId2"/>
-              </a:rPr>
-              <a:t>https://diversity.arizona.edu/sites/default/files/stereotype_threat_overview.pdf</a:t>
-            </a:r>
-            <a:endParaRPr lang="en-US" sz="2000" dirty="0">
-              <a:latin typeface="Times New Roman" panose="02020603050405020304" pitchFamily="18" charset="0"/>
-              <a:ea typeface="MS Mincho" panose="02020609040205080304" pitchFamily="49" charset="-128"/>
-              <a:cs typeface="Times New Roman" panose="02020603050405020304" pitchFamily="18" charset="0"/>
-            </a:endParaRPr>
-          </a:p>
-          <a:p>
-            <a:pPr marL="457200" indent="-457200">
-              <a:buFont typeface="Arial" panose="020B0604020202020204" pitchFamily="34" charset="0"/>
-              <a:buChar char="•"/>
-            </a:pPr>
-            <a:endParaRPr lang="en-US" sz="800" dirty="0">
-              <a:latin typeface="Times New Roman" panose="02020603050405020304" pitchFamily="18" charset="0"/>
-              <a:ea typeface="MS Mincho" panose="02020609040205080304" pitchFamily="49" charset="-128"/>
-              <a:cs typeface="Times New Roman" panose="02020603050405020304" pitchFamily="18" charset="0"/>
-            </a:endParaRPr>
-          </a:p>
-          <a:p>
-            <a:pPr marL="457200" indent="-457200">
-              <a:buFont typeface="Arial" panose="020B0604020202020204" pitchFamily="34" charset="0"/>
-              <a:buChar char="•"/>
-            </a:pPr>
-            <a:r>
-              <a:rPr lang="en-US" sz="2400" dirty="0">
-                <a:latin typeface="Times New Roman" panose="02020603050405020304" pitchFamily="18" charset="0"/>
-                <a:ea typeface="MS Mincho" panose="02020609040205080304" pitchFamily="49" charset="-128"/>
-                <a:cs typeface="Times New Roman" panose="02020603050405020304" pitchFamily="18" charset="0"/>
-              </a:rPr>
-              <a:t>Q1: What is stereotype threat and in what kind of situations has it been observed / studied?</a:t>
-            </a:r>
-          </a:p>
-          <a:p>
-            <a:pPr marL="457200" indent="-457200">
-              <a:buFont typeface="Arial" panose="020B0604020202020204" pitchFamily="34" charset="0"/>
-              <a:buChar char="•"/>
-            </a:pPr>
-            <a:endParaRPr lang="en-US" sz="800" dirty="0">
-              <a:latin typeface="Times New Roman" panose="02020603050405020304" pitchFamily="18" charset="0"/>
-              <a:ea typeface="MS Mincho" panose="02020609040205080304" pitchFamily="49" charset="-128"/>
-              <a:cs typeface="Times New Roman" panose="02020603050405020304" pitchFamily="18" charset="0"/>
-            </a:endParaRPr>
-          </a:p>
-          <a:p>
-            <a:pPr marL="457200" indent="-457200">
-              <a:buFont typeface="Arial" panose="020B0604020202020204" pitchFamily="34" charset="0"/>
-              <a:buChar char="•"/>
-            </a:pPr>
-            <a:r>
-              <a:rPr lang="en-US" sz="2400" dirty="0">
-                <a:latin typeface="Times New Roman" panose="02020603050405020304" pitchFamily="18" charset="0"/>
-                <a:ea typeface="MS Mincho" panose="02020609040205080304" pitchFamily="49" charset="-128"/>
-                <a:cs typeface="Times New Roman" panose="02020603050405020304" pitchFamily="18" charset="0"/>
-              </a:rPr>
-              <a:t>Q2: How does stereotype threat impact upon an individual’s performance as a physicist?</a:t>
-            </a:r>
-          </a:p>
-          <a:p>
-            <a:pPr marL="457200" indent="-457200">
-              <a:buFont typeface="Arial" panose="020B0604020202020204" pitchFamily="34" charset="0"/>
-              <a:buChar char="•"/>
-            </a:pPr>
-            <a:endParaRPr lang="en-US" sz="800" dirty="0">
-              <a:latin typeface="Times New Roman" panose="02020603050405020304" pitchFamily="18" charset="0"/>
-              <a:ea typeface="MS Mincho" panose="02020609040205080304" pitchFamily="49" charset="-128"/>
-              <a:cs typeface="Times New Roman" panose="02020603050405020304" pitchFamily="18" charset="0"/>
-            </a:endParaRPr>
-          </a:p>
-          <a:p>
-            <a:pPr marL="457200" indent="-457200">
-              <a:buFont typeface="Arial" panose="020B0604020202020204" pitchFamily="34" charset="0"/>
-              <a:buChar char="•"/>
-            </a:pPr>
-            <a:r>
-              <a:rPr lang="en-US" sz="2400" dirty="0">
-                <a:latin typeface="Times New Roman" panose="02020603050405020304" pitchFamily="18" charset="0"/>
-                <a:ea typeface="MS Mincho" panose="02020609040205080304" pitchFamily="49" charset="-128"/>
-                <a:cs typeface="Times New Roman" panose="02020603050405020304" pitchFamily="18" charset="0"/>
-              </a:rPr>
-              <a:t>Q3: What can be done to minimize stereotype threat within the physics department and the physics community?</a:t>
-            </a:r>
-          </a:p>
-        </p:txBody>
-      </p:sp>
-    </p:spTree>
-    <p:extLst>
-      <p:ext uri="{BB962C8B-B14F-4D97-AF65-F5344CB8AC3E}">
-        <p14:creationId xmlns:p14="http://schemas.microsoft.com/office/powerpoint/2010/main" val="3095473469"/>
-      </p:ext>
-    </p:extLst>
-  </p:cSld>
-  <p:clrMapOvr>
-    <a:masterClrMapping/>
-  </p:clrMapOvr>
-</p:sld>
-</file>
-
-<file path=ppt/slides/slide5.xml><?xml version="1.0" encoding="utf-8"?>
-<p:sld xmlns:a="http://schemas.openxmlformats.org/drawingml/2006/main" xmlns:r="http://schemas.openxmlformats.org/officeDocument/2006/relationships" xmlns:p="http://schemas.openxmlformats.org/presentationml/2006/main">
-  <p:cSld>
-    <p:spTree>
-      <p:nvGrpSpPr>
-        <p:cNvPr id="1" name=""/>
-        <p:cNvGrpSpPr/>
-        <p:nvPr/>
-      </p:nvGrpSpPr>
-      <p:grpSpPr>
-        <a:xfrm>
-          <a:off x="0" y="0"/>
-          <a:ext cx="0" cy="0"/>
-          <a:chOff x="0" y="0"/>
-          <a:chExt cx="0" cy="0"/>
-        </a:xfrm>
-      </p:grpSpPr>
-      <p:sp>
-        <p:nvSpPr>
-          <p:cNvPr id="4" name="TextBox 3"/>
-          <p:cNvSpPr txBox="1"/>
-          <p:nvPr/>
-        </p:nvSpPr>
-        <p:spPr>
-          <a:xfrm>
-            <a:off x="275549" y="191702"/>
-            <a:ext cx="7201587" cy="553998"/>
-          </a:xfrm>
-          <a:prstGeom prst="rect">
-            <a:avLst/>
-          </a:prstGeom>
-          <a:noFill/>
-        </p:spPr>
-        <p:txBody>
-          <a:bodyPr wrap="none" rtlCol="0">
-            <a:spAutoFit/>
-          </a:bodyPr>
-          <a:lstStyle/>
-          <a:p>
-            <a:r>
-              <a:rPr lang="en-US" sz="3000" b="1" dirty="0">
-                <a:solidFill>
-                  <a:prstClr val="black"/>
-                </a:solidFill>
-                <a:latin typeface="Times New Roman"/>
-                <a:cs typeface="Times New Roman"/>
-              </a:rPr>
-              <a:t>Diversity &amp; Inclusion: Imposter Syndrome</a:t>
-            </a:r>
-            <a:endParaRPr lang="en-US" sz="2400" b="1" dirty="0">
-              <a:solidFill>
-                <a:prstClr val="black"/>
-              </a:solidFill>
-              <a:latin typeface="Times New Roman"/>
-              <a:cs typeface="Times New Roman"/>
-            </a:endParaRPr>
-          </a:p>
-        </p:txBody>
-      </p:sp>
-      <p:sp>
-        <p:nvSpPr>
-          <p:cNvPr id="6" name="TextBox 5">
-            <a:extLst>
-              <a:ext uri="{FF2B5EF4-FFF2-40B4-BE49-F238E27FC236}">
-                <a16:creationId xmlns:a16="http://schemas.microsoft.com/office/drawing/2014/main" id="{878A97EC-2834-8447-A6B8-2F5335C4C2C1}"/>
-              </a:ext>
-            </a:extLst>
-          </p:cNvPr>
-          <p:cNvSpPr txBox="1"/>
-          <p:nvPr/>
-        </p:nvSpPr>
-        <p:spPr>
-          <a:xfrm>
-            <a:off x="539603" y="945629"/>
-            <a:ext cx="8355015" cy="3354765"/>
-          </a:xfrm>
-          <a:prstGeom prst="rect">
-            <a:avLst/>
-          </a:prstGeom>
-          <a:noFill/>
-        </p:spPr>
-        <p:txBody>
-          <a:bodyPr wrap="square" rtlCol="0">
-            <a:spAutoFit/>
-          </a:bodyPr>
-          <a:lstStyle/>
-          <a:p>
-            <a:pPr marL="342900" indent="-342900">
-              <a:buFont typeface="Arial" panose="020B0604020202020204" pitchFamily="34" charset="0"/>
-              <a:buChar char="•"/>
-            </a:pPr>
-            <a:r>
-              <a:rPr lang="en-US" sz="2400" dirty="0">
-                <a:latin typeface="Times New Roman" panose="02020603050405020304" pitchFamily="18" charset="0"/>
-                <a:ea typeface="MS Mincho" panose="02020609040205080304" pitchFamily="49" charset="-128"/>
-                <a:cs typeface="Times New Roman" panose="02020603050405020304" pitchFamily="18" charset="0"/>
-              </a:rPr>
-              <a:t>Resources:</a:t>
-            </a:r>
-          </a:p>
-          <a:p>
-            <a:pPr marL="914400" lvl="1" indent="-457200">
-              <a:buFont typeface="Arial" panose="020B0604020202020204" pitchFamily="34" charset="0"/>
-              <a:buChar char="•"/>
-            </a:pPr>
-            <a:r>
-              <a:rPr lang="en-US" sz="2000" dirty="0">
-                <a:latin typeface="Times New Roman" panose="02020603050405020304" pitchFamily="18" charset="0"/>
-                <a:ea typeface="MS Mincho" panose="02020609040205080304" pitchFamily="49" charset="-128"/>
-                <a:cs typeface="Times New Roman" panose="02020603050405020304" pitchFamily="18" charset="0"/>
-                <a:hlinkClick r:id="rId2"/>
-              </a:rPr>
-              <a:t>https://www.tci-thaijo.org/index.php/IJBS/article/view/521</a:t>
-            </a:r>
-            <a:endParaRPr lang="en-US" sz="2000" dirty="0">
-              <a:latin typeface="Times New Roman" panose="02020603050405020304" pitchFamily="18" charset="0"/>
-              <a:ea typeface="MS Mincho" panose="02020609040205080304" pitchFamily="49" charset="-128"/>
-              <a:cs typeface="Times New Roman" panose="02020603050405020304" pitchFamily="18" charset="0"/>
-            </a:endParaRPr>
-          </a:p>
-          <a:p>
-            <a:pPr marL="457200" indent="-457200">
-              <a:buFont typeface="Arial" panose="020B0604020202020204" pitchFamily="34" charset="0"/>
-              <a:buChar char="•"/>
-            </a:pPr>
-            <a:endParaRPr lang="en-US" sz="800" dirty="0">
-              <a:latin typeface="Times New Roman" panose="02020603050405020304" pitchFamily="18" charset="0"/>
-              <a:ea typeface="MS Mincho" panose="02020609040205080304" pitchFamily="49" charset="-128"/>
-              <a:cs typeface="Times New Roman" panose="02020603050405020304" pitchFamily="18" charset="0"/>
-            </a:endParaRPr>
-          </a:p>
-          <a:p>
-            <a:pPr marL="457200" indent="-457200">
-              <a:buFont typeface="Arial" panose="020B0604020202020204" pitchFamily="34" charset="0"/>
-              <a:buChar char="•"/>
-            </a:pPr>
-            <a:r>
-              <a:rPr lang="en-US" sz="2400" dirty="0">
-                <a:latin typeface="Times New Roman" panose="02020603050405020304" pitchFamily="18" charset="0"/>
-                <a:ea typeface="MS Mincho" panose="02020609040205080304" pitchFamily="49" charset="-128"/>
-                <a:cs typeface="Times New Roman" panose="02020603050405020304" pitchFamily="18" charset="0"/>
-              </a:rPr>
-              <a:t>Q1: What is imposter syndrome and in what kind of situations has it been observed / studied?</a:t>
-            </a:r>
-          </a:p>
-          <a:p>
-            <a:pPr marL="457200" indent="-457200">
-              <a:buFont typeface="Arial" panose="020B0604020202020204" pitchFamily="34" charset="0"/>
-              <a:buChar char="•"/>
-            </a:pPr>
-            <a:endParaRPr lang="en-US" sz="800" dirty="0">
-              <a:latin typeface="Times New Roman" panose="02020603050405020304" pitchFamily="18" charset="0"/>
-              <a:ea typeface="MS Mincho" panose="02020609040205080304" pitchFamily="49" charset="-128"/>
-              <a:cs typeface="Times New Roman" panose="02020603050405020304" pitchFamily="18" charset="0"/>
-            </a:endParaRPr>
-          </a:p>
-          <a:p>
-            <a:pPr marL="457200" indent="-457200">
-              <a:buFont typeface="Arial" panose="020B0604020202020204" pitchFamily="34" charset="0"/>
-              <a:buChar char="•"/>
-            </a:pPr>
-            <a:r>
-              <a:rPr lang="en-US" sz="2400" dirty="0">
-                <a:latin typeface="Times New Roman" panose="02020603050405020304" pitchFamily="18" charset="0"/>
-                <a:ea typeface="MS Mincho" panose="02020609040205080304" pitchFamily="49" charset="-128"/>
-                <a:cs typeface="Times New Roman" panose="02020603050405020304" pitchFamily="18" charset="0"/>
-              </a:rPr>
-              <a:t>Q2: How does imposter syndrome impact upon an individual’s performance as a physicist?</a:t>
-            </a:r>
-          </a:p>
-          <a:p>
-            <a:pPr marL="457200" indent="-457200">
-              <a:buFont typeface="Arial" panose="020B0604020202020204" pitchFamily="34" charset="0"/>
-              <a:buChar char="•"/>
-            </a:pPr>
-            <a:endParaRPr lang="en-US" sz="800" dirty="0">
-              <a:latin typeface="Times New Roman" panose="02020603050405020304" pitchFamily="18" charset="0"/>
-              <a:ea typeface="MS Mincho" panose="02020609040205080304" pitchFamily="49" charset="-128"/>
-              <a:cs typeface="Times New Roman" panose="02020603050405020304" pitchFamily="18" charset="0"/>
-            </a:endParaRPr>
-          </a:p>
-          <a:p>
-            <a:pPr marL="457200" indent="-457200">
-              <a:buFont typeface="Arial" panose="020B0604020202020204" pitchFamily="34" charset="0"/>
-              <a:buChar char="•"/>
-            </a:pPr>
-            <a:r>
-              <a:rPr lang="en-US" sz="2400" dirty="0">
-                <a:latin typeface="Times New Roman" panose="02020603050405020304" pitchFamily="18" charset="0"/>
-                <a:ea typeface="MS Mincho" panose="02020609040205080304" pitchFamily="49" charset="-128"/>
-                <a:cs typeface="Times New Roman" panose="02020603050405020304" pitchFamily="18" charset="0"/>
-              </a:rPr>
-              <a:t>Q3: What can an individual do to minimize their own imposter syndrome and/or support individuals with imposter syndrome?</a:t>
-            </a:r>
-          </a:p>
-        </p:txBody>
-      </p:sp>
-    </p:spTree>
-    <p:extLst>
-      <p:ext uri="{BB962C8B-B14F-4D97-AF65-F5344CB8AC3E}">
-        <p14:creationId xmlns:p14="http://schemas.microsoft.com/office/powerpoint/2010/main" val="3537580524"/>
-      </p:ext>
-    </p:extLst>
-  </p:cSld>
-  <p:clrMapOvr>
-    <a:masterClrMapping/>
-  </p:clrMapOvr>
-</p:sld>
-</file>
-
-<file path=ppt/slides/slide6.xml><?xml version="1.0" encoding="utf-8"?>
-<p:sld xmlns:a="http://schemas.openxmlformats.org/drawingml/2006/main" xmlns:r="http://schemas.openxmlformats.org/officeDocument/2006/relationships" xmlns:p="http://schemas.openxmlformats.org/presentationml/2006/main">
-  <p:cSld>
-    <p:spTree>
-      <p:nvGrpSpPr>
-        <p:cNvPr id="1" name=""/>
-        <p:cNvGrpSpPr/>
-        <p:nvPr/>
-      </p:nvGrpSpPr>
-      <p:grpSpPr>
-        <a:xfrm>
-          <a:off x="0" y="0"/>
-          <a:ext cx="0" cy="0"/>
-          <a:chOff x="0" y="0"/>
-          <a:chExt cx="0" cy="0"/>
-        </a:xfrm>
-      </p:grpSpPr>
-      <p:sp>
-        <p:nvSpPr>
-          <p:cNvPr id="4" name="TextBox 3"/>
-          <p:cNvSpPr txBox="1"/>
-          <p:nvPr/>
-        </p:nvSpPr>
-        <p:spPr>
-          <a:xfrm>
-            <a:off x="275549" y="191702"/>
-            <a:ext cx="8682185" cy="553998"/>
-          </a:xfrm>
-          <a:prstGeom prst="rect">
-            <a:avLst/>
-          </a:prstGeom>
-          <a:noFill/>
-        </p:spPr>
-        <p:txBody>
-          <a:bodyPr wrap="none" rtlCol="0">
-            <a:spAutoFit/>
-          </a:bodyPr>
-          <a:lstStyle/>
-          <a:p>
-            <a:r>
-              <a:rPr lang="en-US" sz="3000" b="1" dirty="0">
-                <a:solidFill>
-                  <a:prstClr val="black"/>
-                </a:solidFill>
-                <a:latin typeface="Times New Roman"/>
-                <a:cs typeface="Times New Roman"/>
-              </a:rPr>
-              <a:t>Diversity &amp; Inclusion: Harassment / Discrimination</a:t>
-            </a:r>
-            <a:endParaRPr lang="en-US" sz="2400" b="1" dirty="0">
-              <a:solidFill>
-                <a:prstClr val="black"/>
-              </a:solidFill>
-              <a:latin typeface="Times New Roman"/>
-              <a:cs typeface="Times New Roman"/>
-            </a:endParaRPr>
-          </a:p>
-        </p:txBody>
-      </p:sp>
-      <p:sp>
-        <p:nvSpPr>
-          <p:cNvPr id="6" name="TextBox 5">
-            <a:extLst>
-              <a:ext uri="{FF2B5EF4-FFF2-40B4-BE49-F238E27FC236}">
-                <a16:creationId xmlns:a16="http://schemas.microsoft.com/office/drawing/2014/main" id="{878A97EC-2834-8447-A6B8-2F5335C4C2C1}"/>
-              </a:ext>
-            </a:extLst>
-          </p:cNvPr>
-          <p:cNvSpPr txBox="1"/>
-          <p:nvPr/>
-        </p:nvSpPr>
-        <p:spPr>
-          <a:xfrm>
-            <a:off x="539603" y="945629"/>
-            <a:ext cx="8355015" cy="4278094"/>
-          </a:xfrm>
-          <a:prstGeom prst="rect">
-            <a:avLst/>
-          </a:prstGeom>
-          <a:noFill/>
-        </p:spPr>
-        <p:txBody>
-          <a:bodyPr wrap="square" rtlCol="0">
-            <a:spAutoFit/>
-          </a:bodyPr>
-          <a:lstStyle/>
-          <a:p>
-            <a:pPr marL="342900" indent="-342900">
-              <a:buFont typeface="Arial" panose="020B0604020202020204" pitchFamily="34" charset="0"/>
-              <a:buChar char="•"/>
-            </a:pPr>
-            <a:r>
-              <a:rPr lang="en-US" sz="2400" dirty="0">
-                <a:latin typeface="Times New Roman" panose="02020603050405020304" pitchFamily="18" charset="0"/>
-                <a:ea typeface="MS Mincho" panose="02020609040205080304" pitchFamily="49" charset="-128"/>
-                <a:cs typeface="Times New Roman" panose="02020603050405020304" pitchFamily="18" charset="0"/>
-              </a:rPr>
-              <a:t>Resources:</a:t>
-            </a:r>
-          </a:p>
-          <a:p>
-            <a:pPr marL="914400" lvl="1" indent="-457200">
-              <a:buFont typeface="Arial" panose="020B0604020202020204" pitchFamily="34" charset="0"/>
-              <a:buChar char="•"/>
-            </a:pPr>
-            <a:r>
-              <a:rPr lang="en-US" sz="2000" dirty="0">
-                <a:latin typeface="Times New Roman" panose="02020603050405020304" pitchFamily="18" charset="0"/>
-                <a:ea typeface="MS Mincho" panose="02020609040205080304" pitchFamily="49" charset="-128"/>
-                <a:cs typeface="Times New Roman" panose="02020603050405020304" pitchFamily="18" charset="0"/>
-                <a:hlinkClick r:id="rId2"/>
-              </a:rPr>
-              <a:t>https://i-sight.com/resources/11-types-of-workplace-harassment-and-how-to-stop-them/</a:t>
-            </a:r>
-            <a:endParaRPr lang="en-US" sz="2000" dirty="0">
-              <a:latin typeface="Times New Roman" panose="02020603050405020304" pitchFamily="18" charset="0"/>
-              <a:ea typeface="MS Mincho" panose="02020609040205080304" pitchFamily="49" charset="-128"/>
-              <a:cs typeface="Times New Roman" panose="02020603050405020304" pitchFamily="18" charset="0"/>
-            </a:endParaRPr>
-          </a:p>
-          <a:p>
-            <a:pPr marL="914400" lvl="1" indent="-457200">
-              <a:buFont typeface="Arial" panose="020B0604020202020204" pitchFamily="34" charset="0"/>
-              <a:buChar char="•"/>
-            </a:pPr>
-            <a:r>
-              <a:rPr lang="en-US" sz="2000" dirty="0">
-                <a:latin typeface="Times New Roman" panose="02020603050405020304" pitchFamily="18" charset="0"/>
-                <a:ea typeface="MS Mincho" panose="02020609040205080304" pitchFamily="49" charset="-128"/>
-                <a:cs typeface="Times New Roman" panose="02020603050405020304" pitchFamily="18" charset="0"/>
-                <a:hlinkClick r:id="rId3"/>
-              </a:rPr>
-              <a:t>https://www.projectcallisto.org</a:t>
-            </a:r>
-            <a:endParaRPr lang="en-US" sz="2000" dirty="0">
-              <a:latin typeface="Times New Roman" panose="02020603050405020304" pitchFamily="18" charset="0"/>
-              <a:ea typeface="MS Mincho" panose="02020609040205080304" pitchFamily="49" charset="-128"/>
-              <a:cs typeface="Times New Roman" panose="02020603050405020304" pitchFamily="18" charset="0"/>
-            </a:endParaRPr>
-          </a:p>
-          <a:p>
-            <a:pPr marL="914400" lvl="1" indent="-457200">
-              <a:buFont typeface="Arial" panose="020B0604020202020204" pitchFamily="34" charset="0"/>
-              <a:buChar char="•"/>
-            </a:pPr>
-            <a:r>
-              <a:rPr lang="en-US" sz="2000" dirty="0">
-                <a:latin typeface="Times New Roman" panose="02020603050405020304" pitchFamily="18" charset="0"/>
-                <a:ea typeface="MS Mincho" panose="02020609040205080304" pitchFamily="49" charset="-128"/>
-                <a:cs typeface="Times New Roman" panose="02020603050405020304" pitchFamily="18" charset="0"/>
-                <a:hlinkClick r:id="rId4"/>
-              </a:rPr>
-              <a:t>https://haven.gwu.edu</a:t>
-            </a:r>
-            <a:endParaRPr lang="en-US" sz="2000" dirty="0">
-              <a:latin typeface="Times New Roman" panose="02020603050405020304" pitchFamily="18" charset="0"/>
-              <a:ea typeface="MS Mincho" panose="02020609040205080304" pitchFamily="49" charset="-128"/>
-              <a:cs typeface="Times New Roman" panose="02020603050405020304" pitchFamily="18" charset="0"/>
-            </a:endParaRPr>
-          </a:p>
-          <a:p>
-            <a:pPr marL="914400" lvl="1" indent="-457200">
-              <a:buFont typeface="Arial" panose="020B0604020202020204" pitchFamily="34" charset="0"/>
-              <a:buChar char="•"/>
-            </a:pPr>
-            <a:endParaRPr lang="en-US" sz="800" dirty="0">
-              <a:latin typeface="Times New Roman" panose="02020603050405020304" pitchFamily="18" charset="0"/>
-              <a:ea typeface="MS Mincho" panose="02020609040205080304" pitchFamily="49" charset="-128"/>
-              <a:cs typeface="Times New Roman" panose="02020603050405020304" pitchFamily="18" charset="0"/>
-            </a:endParaRPr>
-          </a:p>
-          <a:p>
-            <a:pPr marL="457200" indent="-457200">
-              <a:buFont typeface="Arial" panose="020B0604020202020204" pitchFamily="34" charset="0"/>
-              <a:buChar char="•"/>
-            </a:pPr>
-            <a:r>
-              <a:rPr lang="en-US" sz="2400" dirty="0">
-                <a:latin typeface="Times New Roman" panose="02020603050405020304" pitchFamily="18" charset="0"/>
-                <a:ea typeface="MS Mincho" panose="02020609040205080304" pitchFamily="49" charset="-128"/>
-                <a:cs typeface="Times New Roman" panose="02020603050405020304" pitchFamily="18" charset="0"/>
-              </a:rPr>
-              <a:t>Q1: What types of harassment can occur in the professional physics environment?</a:t>
-            </a:r>
-          </a:p>
-          <a:p>
-            <a:pPr marL="457200" indent="-457200">
-              <a:buFont typeface="Arial" panose="020B0604020202020204" pitchFamily="34" charset="0"/>
-              <a:buChar char="•"/>
-            </a:pPr>
-            <a:endParaRPr lang="en-US" sz="800" dirty="0">
-              <a:latin typeface="Times New Roman" panose="02020603050405020304" pitchFamily="18" charset="0"/>
-              <a:ea typeface="MS Mincho" panose="02020609040205080304" pitchFamily="49" charset="-128"/>
-              <a:cs typeface="Times New Roman" panose="02020603050405020304" pitchFamily="18" charset="0"/>
-            </a:endParaRPr>
-          </a:p>
-          <a:p>
-            <a:pPr marL="457200" indent="-457200">
-              <a:buFont typeface="Arial" panose="020B0604020202020204" pitchFamily="34" charset="0"/>
-              <a:buChar char="•"/>
-            </a:pPr>
-            <a:r>
-              <a:rPr lang="en-US" sz="2400" dirty="0">
-                <a:latin typeface="Times New Roman" panose="02020603050405020304" pitchFamily="18" charset="0"/>
-                <a:ea typeface="MS Mincho" panose="02020609040205080304" pitchFamily="49" charset="-128"/>
-                <a:cs typeface="Times New Roman" panose="02020603050405020304" pitchFamily="18" charset="0"/>
-              </a:rPr>
-              <a:t>Q2: What steps can individuals and the community take to minimize the incidence of harassment?</a:t>
-            </a:r>
-          </a:p>
-          <a:p>
-            <a:pPr marL="457200" indent="-457200">
-              <a:buFont typeface="Arial" panose="020B0604020202020204" pitchFamily="34" charset="0"/>
-              <a:buChar char="•"/>
-            </a:pPr>
-            <a:endParaRPr lang="en-US" sz="800" dirty="0">
-              <a:latin typeface="Times New Roman" panose="02020603050405020304" pitchFamily="18" charset="0"/>
-              <a:ea typeface="MS Mincho" panose="02020609040205080304" pitchFamily="49" charset="-128"/>
-              <a:cs typeface="Times New Roman" panose="02020603050405020304" pitchFamily="18" charset="0"/>
-            </a:endParaRPr>
-          </a:p>
-          <a:p>
-            <a:pPr marL="457200" indent="-457200">
-              <a:buFont typeface="Arial" panose="020B0604020202020204" pitchFamily="34" charset="0"/>
-              <a:buChar char="•"/>
-            </a:pPr>
-            <a:r>
-              <a:rPr lang="en-US" sz="2400" dirty="0">
-                <a:latin typeface="Times New Roman" panose="02020603050405020304" pitchFamily="18" charset="0"/>
-                <a:ea typeface="MS Mincho" panose="02020609040205080304" pitchFamily="49" charset="-128"/>
-                <a:cs typeface="Times New Roman" panose="02020603050405020304" pitchFamily="18" charset="0"/>
-              </a:rPr>
-              <a:t>Q3: How can individuals react to minimize harm in situations where harassment has occurred or is occurring?</a:t>
-            </a:r>
-          </a:p>
-        </p:txBody>
-      </p:sp>
-    </p:spTree>
-    <p:extLst>
-      <p:ext uri="{BB962C8B-B14F-4D97-AF65-F5344CB8AC3E}">
-        <p14:creationId xmlns:p14="http://schemas.microsoft.com/office/powerpoint/2010/main" val="4106925271"/>
-      </p:ext>
-    </p:extLst>
-  </p:cSld>
-  <p:clrMapOvr>
-    <a:masterClrMapping/>
-  </p:clrMapOvr>
-</p:sld>
-</file>
-
-<file path=ppt/slides/slide7.xml><?xml version="1.0" encoding="utf-8"?>
-<p:sld xmlns:a="http://schemas.openxmlformats.org/drawingml/2006/main" xmlns:r="http://schemas.openxmlformats.org/officeDocument/2006/relationships" xmlns:p="http://schemas.openxmlformats.org/presentationml/2006/main">
-  <p:cSld>
-    <p:spTree>
-      <p:nvGrpSpPr>
-        <p:cNvPr id="1" name=""/>
-        <p:cNvGrpSpPr/>
-        <p:nvPr/>
-      </p:nvGrpSpPr>
-      <p:grpSpPr>
-        <a:xfrm>
-          <a:off x="0" y="0"/>
-          <a:ext cx="0" cy="0"/>
-          <a:chOff x="0" y="0"/>
-          <a:chExt cx="0" cy="0"/>
-        </a:xfrm>
-      </p:grpSpPr>
-      <p:sp>
-        <p:nvSpPr>
-          <p:cNvPr id="4" name="TextBox 3"/>
-          <p:cNvSpPr txBox="1"/>
-          <p:nvPr/>
-        </p:nvSpPr>
-        <p:spPr>
-          <a:xfrm>
-            <a:off x="275549" y="191702"/>
-            <a:ext cx="6644768" cy="553998"/>
-          </a:xfrm>
-          <a:prstGeom prst="rect">
-            <a:avLst/>
-          </a:prstGeom>
-          <a:noFill/>
-        </p:spPr>
-        <p:txBody>
-          <a:bodyPr wrap="none" rtlCol="0">
-            <a:spAutoFit/>
-          </a:bodyPr>
-          <a:lstStyle/>
-          <a:p>
-            <a:r>
-              <a:rPr lang="en-US" sz="3000" b="1" dirty="0">
-                <a:solidFill>
-                  <a:prstClr val="black"/>
-                </a:solidFill>
-                <a:latin typeface="Times New Roman"/>
-                <a:cs typeface="Times New Roman"/>
-              </a:rPr>
-              <a:t>Diversity &amp; Inclusion: LGBTQ+ Status</a:t>
-            </a:r>
-            <a:endParaRPr lang="en-US" sz="2400" b="1" dirty="0">
-              <a:solidFill>
-                <a:prstClr val="black"/>
-              </a:solidFill>
-              <a:latin typeface="Times New Roman"/>
-              <a:cs typeface="Times New Roman"/>
-            </a:endParaRPr>
-          </a:p>
-        </p:txBody>
-      </p:sp>
-      <p:sp>
-        <p:nvSpPr>
-          <p:cNvPr id="6" name="TextBox 5">
-            <a:extLst>
-              <a:ext uri="{FF2B5EF4-FFF2-40B4-BE49-F238E27FC236}">
-                <a16:creationId xmlns:a16="http://schemas.microsoft.com/office/drawing/2014/main" id="{878A97EC-2834-8447-A6B8-2F5335C4C2C1}"/>
-              </a:ext>
-            </a:extLst>
-          </p:cNvPr>
-          <p:cNvSpPr txBox="1"/>
-          <p:nvPr/>
-        </p:nvSpPr>
-        <p:spPr>
-          <a:xfrm>
-            <a:off x="539603" y="945629"/>
-            <a:ext cx="8355015" cy="3724096"/>
-          </a:xfrm>
-          <a:prstGeom prst="rect">
-            <a:avLst/>
-          </a:prstGeom>
-          <a:noFill/>
-        </p:spPr>
-        <p:txBody>
-          <a:bodyPr wrap="square" rtlCol="0">
-            <a:spAutoFit/>
-          </a:bodyPr>
-          <a:lstStyle/>
-          <a:p>
-            <a:pPr marL="342900" indent="-342900">
-              <a:buFont typeface="Arial" panose="020B0604020202020204" pitchFamily="34" charset="0"/>
-              <a:buChar char="•"/>
-            </a:pPr>
-            <a:r>
-              <a:rPr lang="en-US" sz="2400" dirty="0">
-                <a:latin typeface="Times New Roman" panose="02020603050405020304" pitchFamily="18" charset="0"/>
-                <a:ea typeface="MS Mincho" panose="02020609040205080304" pitchFamily="49" charset="-128"/>
-                <a:cs typeface="Times New Roman" panose="02020603050405020304" pitchFamily="18" charset="0"/>
-              </a:rPr>
-              <a:t>Resources:</a:t>
-            </a:r>
-          </a:p>
-          <a:p>
-            <a:pPr marL="914400" lvl="1" indent="-457200">
-              <a:buFont typeface="Arial" panose="020B0604020202020204" pitchFamily="34" charset="0"/>
-              <a:buChar char="•"/>
-            </a:pPr>
-            <a:r>
-              <a:rPr lang="en-US" sz="2000" dirty="0">
-                <a:latin typeface="Times New Roman" panose="02020603050405020304" pitchFamily="18" charset="0"/>
-                <a:ea typeface="MS Mincho" panose="02020609040205080304" pitchFamily="49" charset="-128"/>
-                <a:cs typeface="Times New Roman" panose="02020603050405020304" pitchFamily="18" charset="0"/>
-                <a:hlinkClick r:id="rId2"/>
-              </a:rPr>
-              <a:t>https://www.aps.org/programs/lgbt/index.cfm</a:t>
-            </a:r>
-            <a:endParaRPr lang="en-US" sz="2000" dirty="0">
-              <a:latin typeface="Times New Roman" panose="02020603050405020304" pitchFamily="18" charset="0"/>
-              <a:ea typeface="MS Mincho" panose="02020609040205080304" pitchFamily="49" charset="-128"/>
-              <a:cs typeface="Times New Roman" panose="02020603050405020304" pitchFamily="18" charset="0"/>
-            </a:endParaRPr>
-          </a:p>
-          <a:p>
-            <a:pPr marL="914400" lvl="1" indent="-457200">
-              <a:buFont typeface="Arial" panose="020B0604020202020204" pitchFamily="34" charset="0"/>
-              <a:buChar char="•"/>
-            </a:pPr>
-            <a:endParaRPr lang="en-US" sz="800" dirty="0">
-              <a:latin typeface="Times New Roman" panose="02020603050405020304" pitchFamily="18" charset="0"/>
-              <a:ea typeface="MS Mincho" panose="02020609040205080304" pitchFamily="49" charset="-128"/>
-              <a:cs typeface="Times New Roman" panose="02020603050405020304" pitchFamily="18" charset="0"/>
-            </a:endParaRPr>
-          </a:p>
-          <a:p>
-            <a:pPr marL="457200" indent="-457200">
-              <a:buFont typeface="Arial" panose="020B0604020202020204" pitchFamily="34" charset="0"/>
-              <a:buChar char="•"/>
-            </a:pPr>
-            <a:r>
-              <a:rPr lang="en-US" sz="2400" dirty="0">
-                <a:latin typeface="Times New Roman" panose="02020603050405020304" pitchFamily="18" charset="0"/>
-                <a:ea typeface="MS Mincho" panose="02020609040205080304" pitchFamily="49" charset="-128"/>
-                <a:cs typeface="Times New Roman" panose="02020603050405020304" pitchFamily="18" charset="0"/>
-              </a:rPr>
-              <a:t>Q1: What hurdles do LGBTQ+ individuals face within the physics community?</a:t>
-            </a:r>
-          </a:p>
-          <a:p>
-            <a:pPr marL="457200" indent="-457200">
-              <a:buFont typeface="Arial" panose="020B0604020202020204" pitchFamily="34" charset="0"/>
-              <a:buChar char="•"/>
-            </a:pPr>
-            <a:endParaRPr lang="en-US" sz="800" dirty="0">
-              <a:latin typeface="Times New Roman" panose="02020603050405020304" pitchFamily="18" charset="0"/>
-              <a:ea typeface="MS Mincho" panose="02020609040205080304" pitchFamily="49" charset="-128"/>
-              <a:cs typeface="Times New Roman" panose="02020603050405020304" pitchFamily="18" charset="0"/>
-            </a:endParaRPr>
-          </a:p>
-          <a:p>
-            <a:pPr marL="457200" indent="-457200">
-              <a:buFont typeface="Arial" panose="020B0604020202020204" pitchFamily="34" charset="0"/>
-              <a:buChar char="•"/>
-            </a:pPr>
-            <a:r>
-              <a:rPr lang="en-US" sz="2400" dirty="0">
-                <a:latin typeface="Times New Roman" panose="02020603050405020304" pitchFamily="18" charset="0"/>
-                <a:ea typeface="MS Mincho" panose="02020609040205080304" pitchFamily="49" charset="-128"/>
-                <a:cs typeface="Times New Roman" panose="02020603050405020304" pitchFamily="18" charset="0"/>
-              </a:rPr>
-              <a:t>Q2: What hurdles do LGBTQ+ individuals face within the university environment?</a:t>
-            </a:r>
-          </a:p>
-          <a:p>
-            <a:pPr marL="457200" indent="-457200">
-              <a:buFont typeface="Arial" panose="020B0604020202020204" pitchFamily="34" charset="0"/>
-              <a:buChar char="•"/>
-            </a:pPr>
-            <a:endParaRPr lang="en-US" sz="800" dirty="0">
-              <a:latin typeface="Times New Roman" panose="02020603050405020304" pitchFamily="18" charset="0"/>
-              <a:ea typeface="MS Mincho" panose="02020609040205080304" pitchFamily="49" charset="-128"/>
-              <a:cs typeface="Times New Roman" panose="02020603050405020304" pitchFamily="18" charset="0"/>
-            </a:endParaRPr>
-          </a:p>
-          <a:p>
-            <a:pPr marL="457200" indent="-457200">
-              <a:buFont typeface="Arial" panose="020B0604020202020204" pitchFamily="34" charset="0"/>
-              <a:buChar char="•"/>
-            </a:pPr>
-            <a:r>
-              <a:rPr lang="en-US" sz="2400" dirty="0">
-                <a:latin typeface="Times New Roman" panose="02020603050405020304" pitchFamily="18" charset="0"/>
-                <a:ea typeface="MS Mincho" panose="02020609040205080304" pitchFamily="49" charset="-128"/>
-                <a:cs typeface="Times New Roman" panose="02020603050405020304" pitchFamily="18" charset="0"/>
-              </a:rPr>
-              <a:t>Q3: What can be done to improve inclusion of LGBTQ+ individuals within the physics department and the physics community?</a:t>
-            </a:r>
-          </a:p>
-        </p:txBody>
-      </p:sp>
-    </p:spTree>
-    <p:extLst>
-      <p:ext uri="{BB962C8B-B14F-4D97-AF65-F5344CB8AC3E}">
-        <p14:creationId xmlns:p14="http://schemas.microsoft.com/office/powerpoint/2010/main" val="602537703"/>
-      </p:ext>
-    </p:extLst>
-  </p:cSld>
-  <p:clrMapOvr>
-    <a:masterClrMapping/>
-  </p:clrMapOvr>
-</p:sld>
-</file>
-
-<file path=ppt/slides/slide8.xml><?xml version="1.0" encoding="utf-8"?>
-<p:sld xmlns:a="http://schemas.openxmlformats.org/drawingml/2006/main" xmlns:r="http://schemas.openxmlformats.org/officeDocument/2006/relationships" xmlns:p="http://schemas.openxmlformats.org/presentationml/2006/main">
-  <p:cSld>
-    <p:spTree>
-      <p:nvGrpSpPr>
-        <p:cNvPr id="1" name=""/>
-        <p:cNvGrpSpPr/>
-        <p:nvPr/>
-      </p:nvGrpSpPr>
-      <p:grpSpPr>
-        <a:xfrm>
-          <a:off x="0" y="0"/>
-          <a:ext cx="0" cy="0"/>
-          <a:chOff x="0" y="0"/>
-          <a:chExt cx="0" cy="0"/>
-        </a:xfrm>
-      </p:grpSpPr>
-      <p:sp>
-        <p:nvSpPr>
-          <p:cNvPr id="4" name="TextBox 3"/>
-          <p:cNvSpPr txBox="1"/>
-          <p:nvPr/>
-        </p:nvSpPr>
-        <p:spPr>
-          <a:xfrm>
-            <a:off x="275549" y="191702"/>
-            <a:ext cx="7750840" cy="553998"/>
-          </a:xfrm>
-          <a:prstGeom prst="rect">
-            <a:avLst/>
-          </a:prstGeom>
-          <a:noFill/>
-        </p:spPr>
-        <p:txBody>
-          <a:bodyPr wrap="none" rtlCol="0">
-            <a:spAutoFit/>
-          </a:bodyPr>
-          <a:lstStyle/>
-          <a:p>
-            <a:r>
-              <a:rPr lang="en-US" sz="3000" b="1" dirty="0">
-                <a:solidFill>
-                  <a:prstClr val="black"/>
-                </a:solidFill>
-                <a:latin typeface="Times New Roman"/>
-                <a:cs typeface="Times New Roman"/>
-              </a:rPr>
-              <a:t>Diversity &amp; Inclusion: Caring Responsibilities</a:t>
-            </a:r>
-            <a:endParaRPr lang="en-US" sz="2400" b="1" dirty="0">
-              <a:solidFill>
-                <a:prstClr val="black"/>
-              </a:solidFill>
-              <a:latin typeface="Times New Roman"/>
-              <a:cs typeface="Times New Roman"/>
-            </a:endParaRPr>
-          </a:p>
-        </p:txBody>
-      </p:sp>
-      <p:sp>
-        <p:nvSpPr>
-          <p:cNvPr id="6" name="TextBox 5">
-            <a:extLst>
-              <a:ext uri="{FF2B5EF4-FFF2-40B4-BE49-F238E27FC236}">
-                <a16:creationId xmlns:a16="http://schemas.microsoft.com/office/drawing/2014/main" id="{878A97EC-2834-8447-A6B8-2F5335C4C2C1}"/>
-              </a:ext>
-            </a:extLst>
-          </p:cNvPr>
-          <p:cNvSpPr txBox="1"/>
-          <p:nvPr/>
-        </p:nvSpPr>
-        <p:spPr>
-          <a:xfrm>
-            <a:off x="539603" y="945629"/>
-            <a:ext cx="8355015" cy="3970318"/>
-          </a:xfrm>
-          <a:prstGeom prst="rect">
-            <a:avLst/>
-          </a:prstGeom>
-          <a:noFill/>
-        </p:spPr>
-        <p:txBody>
-          <a:bodyPr wrap="square" rtlCol="0">
-            <a:spAutoFit/>
-          </a:bodyPr>
-          <a:lstStyle/>
-          <a:p>
-            <a:pPr marL="342900" indent="-342900">
-              <a:buFont typeface="Arial" panose="020B0604020202020204" pitchFamily="34" charset="0"/>
-              <a:buChar char="•"/>
-            </a:pPr>
-            <a:r>
-              <a:rPr lang="en-US" sz="2400" dirty="0">
-                <a:latin typeface="Times New Roman" panose="02020603050405020304" pitchFamily="18" charset="0"/>
-                <a:ea typeface="MS Mincho" panose="02020609040205080304" pitchFamily="49" charset="-128"/>
-                <a:cs typeface="Times New Roman" panose="02020603050405020304" pitchFamily="18" charset="0"/>
-              </a:rPr>
-              <a:t>Resources:</a:t>
-            </a:r>
-          </a:p>
-          <a:p>
-            <a:pPr marL="914400" lvl="1" indent="-457200">
-              <a:buFont typeface="Arial" panose="020B0604020202020204" pitchFamily="34" charset="0"/>
-              <a:buChar char="•"/>
-            </a:pPr>
-            <a:r>
-              <a:rPr lang="en-US" sz="2000" dirty="0">
-                <a:latin typeface="Times New Roman" panose="02020603050405020304" pitchFamily="18" charset="0"/>
-                <a:ea typeface="MS Mincho" panose="02020609040205080304" pitchFamily="49" charset="-128"/>
-                <a:cs typeface="Times New Roman" panose="02020603050405020304" pitchFamily="18" charset="0"/>
-                <a:hlinkClick r:id="rId2"/>
-              </a:rPr>
-              <a:t>https://www.oecd.org/els/health-systems/47884865.pdf</a:t>
-            </a:r>
-            <a:endParaRPr lang="en-US" sz="2000" dirty="0">
-              <a:latin typeface="Times New Roman" panose="02020603050405020304" pitchFamily="18" charset="0"/>
-              <a:ea typeface="MS Mincho" panose="02020609040205080304" pitchFamily="49" charset="-128"/>
-              <a:cs typeface="Times New Roman" panose="02020603050405020304" pitchFamily="18" charset="0"/>
-            </a:endParaRPr>
-          </a:p>
-          <a:p>
-            <a:pPr marL="914400" lvl="1" indent="-457200">
-              <a:buFont typeface="Arial" panose="020B0604020202020204" pitchFamily="34" charset="0"/>
-              <a:buChar char="•"/>
-            </a:pPr>
-            <a:r>
-              <a:rPr lang="en-US" sz="2000" dirty="0">
-                <a:latin typeface="Times New Roman" panose="02020603050405020304" pitchFamily="18" charset="0"/>
-                <a:ea typeface="MS Mincho" panose="02020609040205080304" pitchFamily="49" charset="-128"/>
-                <a:cs typeface="Times New Roman" panose="02020603050405020304" pitchFamily="18" charset="0"/>
-                <a:hlinkClick r:id="rId3"/>
-              </a:rPr>
-              <a:t>https://www.theguardian.com/lifeandstyle/parents-and-parenting+money/work-and-careers</a:t>
-            </a:r>
-            <a:endParaRPr lang="en-US" sz="2000" dirty="0">
-              <a:latin typeface="Times New Roman" panose="02020603050405020304" pitchFamily="18" charset="0"/>
-              <a:ea typeface="MS Mincho" panose="02020609040205080304" pitchFamily="49" charset="-128"/>
-              <a:cs typeface="Times New Roman" panose="02020603050405020304" pitchFamily="18" charset="0"/>
-            </a:endParaRPr>
-          </a:p>
-          <a:p>
-            <a:pPr marL="914400" lvl="1" indent="-457200">
-              <a:buFont typeface="Arial" panose="020B0604020202020204" pitchFamily="34" charset="0"/>
-              <a:buChar char="•"/>
-            </a:pPr>
-            <a:endParaRPr lang="en-US" sz="800" dirty="0">
-              <a:latin typeface="Times New Roman" panose="02020603050405020304" pitchFamily="18" charset="0"/>
-              <a:ea typeface="MS Mincho" panose="02020609040205080304" pitchFamily="49" charset="-128"/>
-              <a:cs typeface="Times New Roman" panose="02020603050405020304" pitchFamily="18" charset="0"/>
-            </a:endParaRPr>
-          </a:p>
-          <a:p>
-            <a:pPr marL="457200" indent="-457200">
-              <a:buFont typeface="Arial" panose="020B0604020202020204" pitchFamily="34" charset="0"/>
-              <a:buChar char="•"/>
-            </a:pPr>
-            <a:r>
-              <a:rPr lang="en-US" sz="2400" dirty="0">
-                <a:latin typeface="Times New Roman" panose="02020603050405020304" pitchFamily="18" charset="0"/>
-                <a:ea typeface="MS Mincho" panose="02020609040205080304" pitchFamily="49" charset="-128"/>
-                <a:cs typeface="Times New Roman" panose="02020603050405020304" pitchFamily="18" charset="0"/>
-              </a:rPr>
-              <a:t>Q1: What issues are there for parents in the physics community?</a:t>
-            </a:r>
-          </a:p>
-          <a:p>
-            <a:pPr marL="457200" indent="-457200">
-              <a:buFont typeface="Arial" panose="020B0604020202020204" pitchFamily="34" charset="0"/>
-              <a:buChar char="•"/>
-            </a:pPr>
-            <a:endParaRPr lang="en-US" sz="800" dirty="0">
-              <a:latin typeface="Times New Roman" panose="02020603050405020304" pitchFamily="18" charset="0"/>
-              <a:ea typeface="MS Mincho" panose="02020609040205080304" pitchFamily="49" charset="-128"/>
-              <a:cs typeface="Times New Roman" panose="02020603050405020304" pitchFamily="18" charset="0"/>
-            </a:endParaRPr>
-          </a:p>
-          <a:p>
-            <a:pPr marL="457200" indent="-457200">
-              <a:buFont typeface="Arial" panose="020B0604020202020204" pitchFamily="34" charset="0"/>
-              <a:buChar char="•"/>
-            </a:pPr>
-            <a:r>
-              <a:rPr lang="en-US" sz="2400" dirty="0">
-                <a:latin typeface="Times New Roman" panose="02020603050405020304" pitchFamily="18" charset="0"/>
-                <a:ea typeface="MS Mincho" panose="02020609040205080304" pitchFamily="49" charset="-128"/>
-                <a:cs typeface="Times New Roman" panose="02020603050405020304" pitchFamily="18" charset="0"/>
-              </a:rPr>
-              <a:t>Q2: What issues are there for </a:t>
-            </a:r>
-            <a:r>
-              <a:rPr lang="en-US" sz="2400" dirty="0" err="1">
-                <a:latin typeface="Times New Roman" panose="02020603050405020304" pitchFamily="18" charset="0"/>
-                <a:ea typeface="MS Mincho" panose="02020609040205080304" pitchFamily="49" charset="-128"/>
-                <a:cs typeface="Times New Roman" panose="02020603050405020304" pitchFamily="18" charset="0"/>
-              </a:rPr>
-              <a:t>carers</a:t>
-            </a:r>
-            <a:r>
-              <a:rPr lang="en-US" sz="2400" dirty="0">
-                <a:latin typeface="Times New Roman" panose="02020603050405020304" pitchFamily="18" charset="0"/>
-                <a:ea typeface="MS Mincho" panose="02020609040205080304" pitchFamily="49" charset="-128"/>
-                <a:cs typeface="Times New Roman" panose="02020603050405020304" pitchFamily="18" charset="0"/>
-              </a:rPr>
-              <a:t> in the physics community?</a:t>
-            </a:r>
-          </a:p>
-          <a:p>
-            <a:pPr marL="457200" indent="-457200">
-              <a:buFont typeface="Arial" panose="020B0604020202020204" pitchFamily="34" charset="0"/>
-              <a:buChar char="•"/>
-            </a:pPr>
-            <a:endParaRPr lang="en-US" sz="800" dirty="0">
-              <a:latin typeface="Times New Roman" panose="02020603050405020304" pitchFamily="18" charset="0"/>
-              <a:ea typeface="MS Mincho" panose="02020609040205080304" pitchFamily="49" charset="-128"/>
-              <a:cs typeface="Times New Roman" panose="02020603050405020304" pitchFamily="18" charset="0"/>
-            </a:endParaRPr>
-          </a:p>
-          <a:p>
-            <a:pPr marL="457200" indent="-457200">
-              <a:buFont typeface="Arial" panose="020B0604020202020204" pitchFamily="34" charset="0"/>
-              <a:buChar char="•"/>
-            </a:pPr>
-            <a:r>
-              <a:rPr lang="en-US" sz="2400" dirty="0">
-                <a:latin typeface="Times New Roman" panose="02020603050405020304" pitchFamily="18" charset="0"/>
-                <a:ea typeface="MS Mincho" panose="02020609040205080304" pitchFamily="49" charset="-128"/>
-                <a:cs typeface="Times New Roman" panose="02020603050405020304" pitchFamily="18" charset="0"/>
-              </a:rPr>
-              <a:t>Q3: What can be done to make life easier for parents and/or </a:t>
-            </a:r>
-            <a:r>
-              <a:rPr lang="en-US" sz="2400" dirty="0" err="1">
-                <a:latin typeface="Times New Roman" panose="02020603050405020304" pitchFamily="18" charset="0"/>
-                <a:ea typeface="MS Mincho" panose="02020609040205080304" pitchFamily="49" charset="-128"/>
-                <a:cs typeface="Times New Roman" panose="02020603050405020304" pitchFamily="18" charset="0"/>
-              </a:rPr>
-              <a:t>carers</a:t>
-            </a:r>
-            <a:r>
-              <a:rPr lang="en-US" sz="2400" dirty="0">
-                <a:latin typeface="Times New Roman" panose="02020603050405020304" pitchFamily="18" charset="0"/>
-                <a:ea typeface="MS Mincho" panose="02020609040205080304" pitchFamily="49" charset="-128"/>
-                <a:cs typeface="Times New Roman" panose="02020603050405020304" pitchFamily="18" charset="0"/>
-              </a:rPr>
-              <a:t> within the physics department and the physics community?</a:t>
-            </a:r>
-          </a:p>
-        </p:txBody>
-      </p:sp>
-    </p:spTree>
-    <p:extLst>
-      <p:ext uri="{BB962C8B-B14F-4D97-AF65-F5344CB8AC3E}">
-        <p14:creationId xmlns:p14="http://schemas.microsoft.com/office/powerpoint/2010/main" val="3191451211"/>
-      </p:ext>
-    </p:extLst>
-  </p:cSld>
-  <p:clrMapOvr>
-    <a:masterClrMapping/>
-  </p:clrMapOvr>
-</p:sld>
-</file>
-
-<file path=ppt/slides/slide9.xml><?xml version="1.0" encoding="utf-8"?>
+<file path=ppt/slides/slide20.xml><?xml version="1.0" encoding="utf-8"?>
 <p:sld xmlns:a="http://schemas.openxmlformats.org/drawingml/2006/main" xmlns:r="http://schemas.openxmlformats.org/officeDocument/2006/relationships" xmlns:p="http://schemas.openxmlformats.org/presentationml/2006/main">
   <p:cSld>
     <p:spTree>
@@ -6607,6 +8019,3245 @@
     <p:extLst>
       <p:ext uri="{BB962C8B-B14F-4D97-AF65-F5344CB8AC3E}">
         <p14:creationId xmlns:p14="http://schemas.microsoft.com/office/powerpoint/2010/main" val="1652601616"/>
+      </p:ext>
+    </p:extLst>
+  </p:cSld>
+  <p:clrMapOvr>
+    <a:masterClrMapping/>
+  </p:clrMapOvr>
+</p:sld>
+</file>
+
+<file path=ppt/slides/slide21.xml><?xml version="1.0" encoding="utf-8"?>
+<p:sld xmlns:a="http://schemas.openxmlformats.org/drawingml/2006/main" xmlns:r="http://schemas.openxmlformats.org/officeDocument/2006/relationships" xmlns:p="http://schemas.openxmlformats.org/presentationml/2006/main">
+  <p:cSld>
+    <p:spTree>
+      <p:nvGrpSpPr>
+        <p:cNvPr id="1" name=""/>
+        <p:cNvGrpSpPr/>
+        <p:nvPr/>
+      </p:nvGrpSpPr>
+      <p:grpSpPr>
+        <a:xfrm>
+          <a:off x="0" y="0"/>
+          <a:ext cx="0" cy="0"/>
+          <a:chOff x="0" y="0"/>
+          <a:chExt cx="0" cy="0"/>
+        </a:xfrm>
+      </p:grpSpPr>
+      <p:sp>
+        <p:nvSpPr>
+          <p:cNvPr id="4" name="TextBox 3"/>
+          <p:cNvSpPr txBox="1"/>
+          <p:nvPr/>
+        </p:nvSpPr>
+        <p:spPr>
+          <a:xfrm>
+            <a:off x="275549" y="191702"/>
+            <a:ext cx="8672182" cy="553998"/>
+          </a:xfrm>
+          <a:prstGeom prst="rect">
+            <a:avLst/>
+          </a:prstGeom>
+          <a:noFill/>
+        </p:spPr>
+        <p:txBody>
+          <a:bodyPr wrap="none" rtlCol="0">
+            <a:spAutoFit/>
+          </a:bodyPr>
+          <a:lstStyle/>
+          <a:p>
+            <a:r>
+              <a:rPr lang="en-US" sz="3000" b="1" dirty="0">
+                <a:solidFill>
+                  <a:prstClr val="black"/>
+                </a:solidFill>
+                <a:latin typeface="Times New Roman"/>
+                <a:cs typeface="Times New Roman"/>
+              </a:rPr>
+              <a:t>Diversity &amp; Inclusion: Visible / Invisible Disabilities</a:t>
+            </a:r>
+            <a:endParaRPr lang="en-US" sz="2400" b="1" dirty="0">
+              <a:solidFill>
+                <a:prstClr val="black"/>
+              </a:solidFill>
+              <a:latin typeface="Times New Roman"/>
+              <a:cs typeface="Times New Roman"/>
+            </a:endParaRPr>
+          </a:p>
+        </p:txBody>
+      </p:sp>
+      <p:sp>
+        <p:nvSpPr>
+          <p:cNvPr id="6" name="TextBox 5">
+            <a:extLst>
+              <a:ext uri="{FF2B5EF4-FFF2-40B4-BE49-F238E27FC236}">
+                <a16:creationId xmlns:a16="http://schemas.microsoft.com/office/drawing/2014/main" id="{878A97EC-2834-8447-A6B8-2F5335C4C2C1}"/>
+              </a:ext>
+            </a:extLst>
+          </p:cNvPr>
+          <p:cNvSpPr txBox="1"/>
+          <p:nvPr/>
+        </p:nvSpPr>
+        <p:spPr>
+          <a:xfrm>
+            <a:off x="539603" y="945629"/>
+            <a:ext cx="8355015" cy="5386090"/>
+          </a:xfrm>
+          <a:prstGeom prst="rect">
+            <a:avLst/>
+          </a:prstGeom>
+          <a:noFill/>
+        </p:spPr>
+        <p:txBody>
+          <a:bodyPr wrap="square" rtlCol="0">
+            <a:spAutoFit/>
+          </a:bodyPr>
+          <a:lstStyle/>
+          <a:p>
+            <a:pPr marL="342900" indent="-342900">
+              <a:buFont typeface="Arial" panose="020B0604020202020204" pitchFamily="34" charset="0"/>
+              <a:buChar char="•"/>
+            </a:pPr>
+            <a:r>
+              <a:rPr lang="en-US" sz="2400" dirty="0">
+                <a:latin typeface="Times New Roman" panose="02020603050405020304" pitchFamily="18" charset="0"/>
+                <a:ea typeface="MS Mincho" panose="02020609040205080304" pitchFamily="49" charset="-128"/>
+                <a:cs typeface="Times New Roman" panose="02020603050405020304" pitchFamily="18" charset="0"/>
+              </a:rPr>
+              <a:t>Resources:</a:t>
+            </a:r>
+          </a:p>
+          <a:p>
+            <a:pPr marL="914400" lvl="1" indent="-457200">
+              <a:buFont typeface="Arial" panose="020B0604020202020204" pitchFamily="34" charset="0"/>
+              <a:buChar char="•"/>
+            </a:pPr>
+            <a:r>
+              <a:rPr lang="en-US" sz="2000" dirty="0">
+                <a:latin typeface="Times New Roman" panose="02020603050405020304" pitchFamily="18" charset="0"/>
+                <a:ea typeface="MS Mincho" panose="02020609040205080304" pitchFamily="49" charset="-128"/>
+                <a:cs typeface="Times New Roman" panose="02020603050405020304" pitchFamily="18" charset="0"/>
+                <a:hlinkClick r:id="rId2"/>
+              </a:rPr>
+              <a:t>http://www.iop.org/publications/iop/2008/file_42866.pdf</a:t>
+            </a:r>
+            <a:endParaRPr lang="en-US" sz="2000" dirty="0">
+              <a:latin typeface="Times New Roman" panose="02020603050405020304" pitchFamily="18" charset="0"/>
+              <a:ea typeface="MS Mincho" panose="02020609040205080304" pitchFamily="49" charset="-128"/>
+              <a:cs typeface="Times New Roman" panose="02020603050405020304" pitchFamily="18" charset="0"/>
+            </a:endParaRPr>
+          </a:p>
+          <a:p>
+            <a:pPr marL="914400" lvl="1" indent="-457200">
+              <a:buFont typeface="Arial" panose="020B0604020202020204" pitchFamily="34" charset="0"/>
+              <a:buChar char="•"/>
+            </a:pPr>
+            <a:r>
+              <a:rPr lang="en-US" sz="2000" dirty="0">
+                <a:latin typeface="Times New Roman" panose="02020603050405020304" pitchFamily="18" charset="0"/>
+                <a:ea typeface="MS Mincho" panose="02020609040205080304" pitchFamily="49" charset="-128"/>
+                <a:cs typeface="Times New Roman" panose="02020603050405020304" pitchFamily="18" charset="0"/>
+                <a:hlinkClick r:id="rId3"/>
+              </a:rPr>
+              <a:t>https://www.symmetrymagazine.org/article/approaching-disability-like-a-scientist</a:t>
+            </a:r>
+            <a:endParaRPr lang="en-US" sz="2000" dirty="0">
+              <a:latin typeface="Times New Roman" panose="02020603050405020304" pitchFamily="18" charset="0"/>
+              <a:ea typeface="MS Mincho" panose="02020609040205080304" pitchFamily="49" charset="-128"/>
+              <a:cs typeface="Times New Roman" panose="02020603050405020304" pitchFamily="18" charset="0"/>
+            </a:endParaRPr>
+          </a:p>
+          <a:p>
+            <a:pPr marL="914400" lvl="1" indent="-457200">
+              <a:buFont typeface="Arial" panose="020B0604020202020204" pitchFamily="34" charset="0"/>
+              <a:buChar char="•"/>
+            </a:pPr>
+            <a:r>
+              <a:rPr lang="en-US" sz="2000" dirty="0">
+                <a:latin typeface="Times New Roman" panose="02020603050405020304" pitchFamily="18" charset="0"/>
+                <a:ea typeface="MS Mincho" panose="02020609040205080304" pitchFamily="49" charset="-128"/>
+                <a:cs typeface="Times New Roman" panose="02020603050405020304" pitchFamily="18" charset="0"/>
+                <a:hlinkClick r:id="rId4"/>
+              </a:rPr>
+              <a:t>https://healthcenter.gwu.edu/counseling-and-psychological-services</a:t>
+            </a:r>
+            <a:endParaRPr lang="en-US" sz="2000" dirty="0">
+              <a:latin typeface="Times New Roman" panose="02020603050405020304" pitchFamily="18" charset="0"/>
+              <a:ea typeface="MS Mincho" panose="02020609040205080304" pitchFamily="49" charset="-128"/>
+              <a:cs typeface="Times New Roman" panose="02020603050405020304" pitchFamily="18" charset="0"/>
+            </a:endParaRPr>
+          </a:p>
+          <a:p>
+            <a:pPr marL="914400" lvl="1" indent="-457200">
+              <a:buFont typeface="Arial" panose="020B0604020202020204" pitchFamily="34" charset="0"/>
+              <a:buChar char="•"/>
+            </a:pPr>
+            <a:endParaRPr lang="en-US" sz="800" dirty="0">
+              <a:latin typeface="Times New Roman" panose="02020603050405020304" pitchFamily="18" charset="0"/>
+              <a:ea typeface="MS Mincho" panose="02020609040205080304" pitchFamily="49" charset="-128"/>
+              <a:cs typeface="Times New Roman" panose="02020603050405020304" pitchFamily="18" charset="0"/>
+            </a:endParaRPr>
+          </a:p>
+          <a:p>
+            <a:pPr marL="457200" indent="-457200">
+              <a:buFont typeface="Arial" panose="020B0604020202020204" pitchFamily="34" charset="0"/>
+              <a:buChar char="•"/>
+            </a:pPr>
+            <a:r>
+              <a:rPr lang="en-US" sz="2400" dirty="0">
+                <a:latin typeface="Times New Roman" panose="02020603050405020304" pitchFamily="18" charset="0"/>
+                <a:ea typeface="MS Mincho" panose="02020609040205080304" pitchFamily="49" charset="-128"/>
+                <a:cs typeface="Times New Roman" panose="02020603050405020304" pitchFamily="18" charset="0"/>
+              </a:rPr>
+              <a:t>Q1: What issues are there for individuals experiencing visible and/or invisible disabilities while pursuing education and a career in physics?</a:t>
+            </a:r>
+          </a:p>
+          <a:p>
+            <a:pPr marL="457200" indent="-457200">
+              <a:buFont typeface="Arial" panose="020B0604020202020204" pitchFamily="34" charset="0"/>
+              <a:buChar char="•"/>
+            </a:pPr>
+            <a:endParaRPr lang="en-US" sz="800" dirty="0">
+              <a:latin typeface="Times New Roman" panose="02020603050405020304" pitchFamily="18" charset="0"/>
+              <a:ea typeface="MS Mincho" panose="02020609040205080304" pitchFamily="49" charset="-128"/>
+              <a:cs typeface="Times New Roman" panose="02020603050405020304" pitchFamily="18" charset="0"/>
+            </a:endParaRPr>
+          </a:p>
+          <a:p>
+            <a:pPr marL="457200" indent="-457200">
+              <a:buFont typeface="Arial" panose="020B0604020202020204" pitchFamily="34" charset="0"/>
+              <a:buChar char="•"/>
+            </a:pPr>
+            <a:r>
+              <a:rPr lang="en-US" sz="2400" dirty="0">
+                <a:latin typeface="Times New Roman" panose="02020603050405020304" pitchFamily="18" charset="0"/>
+                <a:ea typeface="MS Mincho" panose="02020609040205080304" pitchFamily="49" charset="-128"/>
+                <a:cs typeface="Times New Roman" panose="02020603050405020304" pitchFamily="18" charset="0"/>
+              </a:rPr>
+              <a:t>Q2: What aspects of common community practice cause problems for physicists experiencing visible and/or invisible disabilities?</a:t>
+            </a:r>
+          </a:p>
+          <a:p>
+            <a:pPr marL="457200" indent="-457200">
+              <a:buFont typeface="Arial" panose="020B0604020202020204" pitchFamily="34" charset="0"/>
+              <a:buChar char="•"/>
+            </a:pPr>
+            <a:endParaRPr lang="en-US" sz="800" dirty="0">
+              <a:latin typeface="Times New Roman" panose="02020603050405020304" pitchFamily="18" charset="0"/>
+              <a:ea typeface="MS Mincho" panose="02020609040205080304" pitchFamily="49" charset="-128"/>
+              <a:cs typeface="Times New Roman" panose="02020603050405020304" pitchFamily="18" charset="0"/>
+            </a:endParaRPr>
+          </a:p>
+          <a:p>
+            <a:pPr marL="457200" indent="-457200">
+              <a:buFont typeface="Arial" panose="020B0604020202020204" pitchFamily="34" charset="0"/>
+              <a:buChar char="•"/>
+            </a:pPr>
+            <a:r>
+              <a:rPr lang="en-US" sz="2400" dirty="0">
+                <a:latin typeface="Times New Roman" panose="02020603050405020304" pitchFamily="18" charset="0"/>
+                <a:ea typeface="MS Mincho" panose="02020609040205080304" pitchFamily="49" charset="-128"/>
+                <a:cs typeface="Times New Roman" panose="02020603050405020304" pitchFamily="18" charset="0"/>
+              </a:rPr>
+              <a:t>Q3: What can be done to make life easier for individuals experiencing visible and/or invisible disabilities within the physics department and the physics community?</a:t>
+            </a:r>
+          </a:p>
+        </p:txBody>
+      </p:sp>
+    </p:spTree>
+    <p:extLst>
+      <p:ext uri="{BB962C8B-B14F-4D97-AF65-F5344CB8AC3E}">
+        <p14:creationId xmlns:p14="http://schemas.microsoft.com/office/powerpoint/2010/main" val="2741183054"/>
+      </p:ext>
+    </p:extLst>
+  </p:cSld>
+  <p:clrMapOvr>
+    <a:masterClrMapping/>
+  </p:clrMapOvr>
+</p:sld>
+</file>
+
+<file path=ppt/slides/slide3.xml><?xml version="1.0" encoding="utf-8"?>
+<p:sld xmlns:a="http://schemas.openxmlformats.org/drawingml/2006/main" xmlns:r="http://schemas.openxmlformats.org/officeDocument/2006/relationships" xmlns:p="http://schemas.openxmlformats.org/presentationml/2006/main">
+  <p:cSld>
+    <p:spTree>
+      <p:nvGrpSpPr>
+        <p:cNvPr id="1" name=""/>
+        <p:cNvGrpSpPr/>
+        <p:nvPr/>
+      </p:nvGrpSpPr>
+      <p:grpSpPr>
+        <a:xfrm>
+          <a:off x="0" y="0"/>
+          <a:ext cx="0" cy="0"/>
+          <a:chOff x="0" y="0"/>
+          <a:chExt cx="0" cy="0"/>
+        </a:xfrm>
+      </p:grpSpPr>
+      <p:sp>
+        <p:nvSpPr>
+          <p:cNvPr id="4" name="TextBox 3"/>
+          <p:cNvSpPr txBox="1"/>
+          <p:nvPr/>
+        </p:nvSpPr>
+        <p:spPr>
+          <a:xfrm>
+            <a:off x="275549" y="191702"/>
+            <a:ext cx="6557821" cy="553998"/>
+          </a:xfrm>
+          <a:prstGeom prst="rect">
+            <a:avLst/>
+          </a:prstGeom>
+          <a:noFill/>
+        </p:spPr>
+        <p:txBody>
+          <a:bodyPr wrap="none" rtlCol="0">
+            <a:spAutoFit/>
+          </a:bodyPr>
+          <a:lstStyle/>
+          <a:p>
+            <a:r>
+              <a:rPr lang="en-US" sz="3000" b="1" dirty="0">
+                <a:solidFill>
+                  <a:prstClr val="black"/>
+                </a:solidFill>
+                <a:latin typeface="Times New Roman"/>
+                <a:cs typeface="Times New Roman"/>
+              </a:rPr>
+              <a:t>Diversity in Physics: Visible Minorities</a:t>
+            </a:r>
+            <a:endParaRPr lang="en-US" sz="2400" b="1" dirty="0">
+              <a:solidFill>
+                <a:prstClr val="black"/>
+              </a:solidFill>
+              <a:latin typeface="Times New Roman"/>
+              <a:cs typeface="Times New Roman"/>
+            </a:endParaRPr>
+          </a:p>
+        </p:txBody>
+      </p:sp>
+      <p:pic>
+        <p:nvPicPr>
+          <p:cNvPr id="5" name="Picture 3">
+            <a:extLst>
+              <a:ext uri="{FF2B5EF4-FFF2-40B4-BE49-F238E27FC236}">
+                <a16:creationId xmlns:a16="http://schemas.microsoft.com/office/drawing/2014/main" id="{9240DA0F-071A-2D40-9234-58CAF8916593}"/>
+              </a:ext>
+            </a:extLst>
+          </p:cNvPr>
+          <p:cNvPicPr>
+            <a:picLocks noChangeAspect="1" noChangeArrowheads="1"/>
+          </p:cNvPicPr>
+          <p:nvPr/>
+        </p:nvPicPr>
+        <p:blipFill>
+          <a:blip r:embed="rId2">
+            <a:extLst>
+              <a:ext uri="{28A0092B-C50C-407E-A947-70E740481C1C}">
+                <a14:useLocalDpi xmlns:a14="http://schemas.microsoft.com/office/drawing/2010/main" val="0"/>
+              </a:ext>
+            </a:extLst>
+          </a:blip>
+          <a:srcRect/>
+          <a:stretch>
+            <a:fillRect/>
+          </a:stretch>
+        </p:blipFill>
+        <p:spPr bwMode="auto">
+          <a:xfrm>
+            <a:off x="418053" y="863805"/>
+            <a:ext cx="8220890" cy="5762625"/>
+          </a:xfrm>
+          <a:prstGeom prst="rect">
+            <a:avLst/>
+          </a:prstGeom>
+          <a:noFill/>
+          <a:ln>
+            <a:noFill/>
+          </a:ln>
+          <a:effectLst/>
+          <a:extLst>
+            <a:ext uri="{909E8E84-426E-40DD-AFC4-6F175D3DCCD1}">
+              <a14:hiddenFill xmlns:a14="http://schemas.microsoft.com/office/drawing/2010/main">
+                <a:blipFill dpi="0" rotWithShape="0">
+                  <a:blip/>
+                  <a:srcRect/>
+                  <a:stretch>
+                    <a:fillRect/>
+                  </a:stretch>
+                </a:blipFill>
+              </a14:hiddenFill>
+            </a:ext>
+            <a:ext uri="{91240B29-F687-4F45-9708-019B960494DF}">
+              <a14:hiddenLine xmlns:a14="http://schemas.microsoft.com/office/drawing/2010/main" w="9525" cap="flat">
+                <a:solidFill>
+                  <a:srgbClr val="808080"/>
+                </a:solidFill>
+                <a:round/>
+                <a:headEnd/>
+                <a:tailEnd/>
+              </a14:hiddenLine>
+            </a:ext>
+            <a:ext uri="{AF507438-7753-43E0-B8FC-AC1667EBCBE1}">
+              <a14:hiddenEffects xmlns:a14="http://schemas.microsoft.com/office/drawing/2010/main">
+                <a:effectLst>
+                  <a:outerShdw blurRad="63500" dist="38099" dir="2700000" algn="ctr" rotWithShape="0">
+                    <a:srgbClr val="000000">
+                      <a:alpha val="74998"/>
+                    </a:srgbClr>
+                  </a:outerShdw>
+                </a:effectLst>
+              </a14:hiddenEffects>
+            </a:ext>
+          </a:extLst>
+        </p:spPr>
+      </p:pic>
+    </p:spTree>
+    <p:extLst>
+      <p:ext uri="{BB962C8B-B14F-4D97-AF65-F5344CB8AC3E}">
+        <p14:creationId xmlns:p14="http://schemas.microsoft.com/office/powerpoint/2010/main" val="4071966200"/>
+      </p:ext>
+    </p:extLst>
+  </p:cSld>
+  <p:clrMapOvr>
+    <a:masterClrMapping/>
+  </p:clrMapOvr>
+</p:sld>
+</file>
+
+<file path=ppt/slides/slide4.xml><?xml version="1.0" encoding="utf-8"?>
+<p:sld xmlns:a="http://schemas.openxmlformats.org/drawingml/2006/main" xmlns:r="http://schemas.openxmlformats.org/officeDocument/2006/relationships" xmlns:p="http://schemas.openxmlformats.org/presentationml/2006/main">
+  <p:cSld>
+    <p:spTree>
+      <p:nvGrpSpPr>
+        <p:cNvPr id="1" name=""/>
+        <p:cNvGrpSpPr/>
+        <p:nvPr/>
+      </p:nvGrpSpPr>
+      <p:grpSpPr>
+        <a:xfrm>
+          <a:off x="0" y="0"/>
+          <a:ext cx="0" cy="0"/>
+          <a:chOff x="0" y="0"/>
+          <a:chExt cx="0" cy="0"/>
+        </a:xfrm>
+      </p:grpSpPr>
+      <p:sp>
+        <p:nvSpPr>
+          <p:cNvPr id="4" name="TextBox 3"/>
+          <p:cNvSpPr txBox="1"/>
+          <p:nvPr/>
+        </p:nvSpPr>
+        <p:spPr>
+          <a:xfrm>
+            <a:off x="275549" y="191702"/>
+            <a:ext cx="3209148" cy="553998"/>
+          </a:xfrm>
+          <a:prstGeom prst="rect">
+            <a:avLst/>
+          </a:prstGeom>
+          <a:noFill/>
+        </p:spPr>
+        <p:txBody>
+          <a:bodyPr wrap="none" rtlCol="0">
+            <a:spAutoFit/>
+          </a:bodyPr>
+          <a:lstStyle/>
+          <a:p>
+            <a:r>
+              <a:rPr lang="en-US" sz="3000" b="1" dirty="0">
+                <a:solidFill>
+                  <a:prstClr val="black"/>
+                </a:solidFill>
+                <a:latin typeface="Times New Roman"/>
+                <a:cs typeface="Times New Roman"/>
+              </a:rPr>
+              <a:t>TEAM-UP Report</a:t>
+            </a:r>
+            <a:endParaRPr lang="en-US" sz="2400" b="1" dirty="0">
+              <a:solidFill>
+                <a:prstClr val="black"/>
+              </a:solidFill>
+              <a:latin typeface="Times New Roman"/>
+              <a:cs typeface="Times New Roman"/>
+            </a:endParaRPr>
+          </a:p>
+        </p:txBody>
+      </p:sp>
+      <p:pic>
+        <p:nvPicPr>
+          <p:cNvPr id="2" name="Picture 1">
+            <a:extLst>
+              <a:ext uri="{FF2B5EF4-FFF2-40B4-BE49-F238E27FC236}">
+                <a16:creationId xmlns:a16="http://schemas.microsoft.com/office/drawing/2014/main" id="{61AFC862-33EA-DD4C-B9B7-DFBC71AD582E}"/>
+              </a:ext>
+            </a:extLst>
+          </p:cNvPr>
+          <p:cNvPicPr>
+            <a:picLocks noChangeAspect="1"/>
+          </p:cNvPicPr>
+          <p:nvPr/>
+        </p:nvPicPr>
+        <p:blipFill>
+          <a:blip r:embed="rId2"/>
+          <a:stretch>
+            <a:fillRect/>
+          </a:stretch>
+        </p:blipFill>
+        <p:spPr>
+          <a:xfrm>
+            <a:off x="6048261" y="901561"/>
+            <a:ext cx="2975370" cy="3831593"/>
+          </a:xfrm>
+          <a:prstGeom prst="rect">
+            <a:avLst/>
+          </a:prstGeom>
+        </p:spPr>
+      </p:pic>
+      <p:sp>
+        <p:nvSpPr>
+          <p:cNvPr id="6" name="TextBox 5">
+            <a:extLst>
+              <a:ext uri="{FF2B5EF4-FFF2-40B4-BE49-F238E27FC236}">
+                <a16:creationId xmlns:a16="http://schemas.microsoft.com/office/drawing/2014/main" id="{7B51ED7B-0D71-E940-8C17-4FF5208ACA13}"/>
+              </a:ext>
+            </a:extLst>
+          </p:cNvPr>
+          <p:cNvSpPr txBox="1"/>
+          <p:nvPr/>
+        </p:nvSpPr>
+        <p:spPr>
+          <a:xfrm>
+            <a:off x="539603" y="945629"/>
+            <a:ext cx="5486624" cy="4031873"/>
+          </a:xfrm>
+          <a:prstGeom prst="rect">
+            <a:avLst/>
+          </a:prstGeom>
+          <a:noFill/>
+        </p:spPr>
+        <p:txBody>
+          <a:bodyPr wrap="square" rtlCol="0">
+            <a:spAutoFit/>
+          </a:bodyPr>
+          <a:lstStyle/>
+          <a:p>
+            <a:pPr marL="285750" indent="-285750" fontAlgn="base">
+              <a:buFont typeface="Arial" panose="020B0604020202020204" pitchFamily="34" charset="0"/>
+              <a:buChar char="•"/>
+            </a:pPr>
+            <a:r>
+              <a:rPr lang="en-US" sz="2400" dirty="0">
+                <a:latin typeface="Times New Roman" panose="02020603050405020304" pitchFamily="18" charset="0"/>
+                <a:cs typeface="Times New Roman" panose="02020603050405020304" pitchFamily="18" charset="0"/>
+              </a:rPr>
+              <a:t>AIP National Task Force to Elevate African American Representation in Undergraduate Physics &amp; Astronomy </a:t>
+            </a:r>
+          </a:p>
+          <a:p>
+            <a:pPr marL="342900" indent="-342900">
+              <a:buFont typeface="Arial" panose="020B0604020202020204" pitchFamily="34" charset="0"/>
+              <a:buChar char="•"/>
+            </a:pPr>
+            <a:endParaRPr lang="en-US" sz="800" dirty="0">
+              <a:latin typeface="Times New Roman" panose="02020603050405020304" pitchFamily="18" charset="0"/>
+              <a:ea typeface="MS Mincho" panose="02020609040205080304" pitchFamily="49" charset="-128"/>
+              <a:cs typeface="Times New Roman" panose="02020603050405020304" pitchFamily="18" charset="0"/>
+            </a:endParaRPr>
+          </a:p>
+          <a:p>
+            <a:pPr marL="342900" indent="-342900">
+              <a:buFont typeface="Arial" panose="020B0604020202020204" pitchFamily="34" charset="0"/>
+              <a:buChar char="•"/>
+            </a:pPr>
+            <a:r>
+              <a:rPr lang="en-US" sz="2400" dirty="0">
+                <a:latin typeface="Times New Roman" panose="02020603050405020304" pitchFamily="18" charset="0"/>
+                <a:ea typeface="MS Mincho" panose="02020609040205080304" pitchFamily="49" charset="-128"/>
+                <a:cs typeface="Times New Roman" panose="02020603050405020304" pitchFamily="18" charset="0"/>
+              </a:rPr>
+              <a:t>Factors responsible for success/failure:</a:t>
+            </a:r>
+          </a:p>
+          <a:p>
+            <a:pPr marL="800100" lvl="1" indent="-342900">
+              <a:buFont typeface="Arial" panose="020B0604020202020204" pitchFamily="34" charset="0"/>
+              <a:buChar char="•"/>
+            </a:pPr>
+            <a:r>
+              <a:rPr lang="en-US" sz="2200" dirty="0">
+                <a:latin typeface="Times New Roman" panose="02020603050405020304" pitchFamily="18" charset="0"/>
+                <a:ea typeface="MS Mincho" panose="02020609040205080304" pitchFamily="49" charset="-128"/>
+                <a:cs typeface="Times New Roman" panose="02020603050405020304" pitchFamily="18" charset="0"/>
+              </a:rPr>
+              <a:t>Belonging</a:t>
+            </a:r>
+          </a:p>
+          <a:p>
+            <a:pPr marL="800100" lvl="1" indent="-342900">
+              <a:buFont typeface="Arial" panose="020B0604020202020204" pitchFamily="34" charset="0"/>
+              <a:buChar char="•"/>
+            </a:pPr>
+            <a:r>
+              <a:rPr lang="en-US" sz="2200" dirty="0">
+                <a:latin typeface="Times New Roman" panose="02020603050405020304" pitchFamily="18" charset="0"/>
+                <a:ea typeface="MS Mincho" panose="02020609040205080304" pitchFamily="49" charset="-128"/>
+                <a:cs typeface="Times New Roman" panose="02020603050405020304" pitchFamily="18" charset="0"/>
+              </a:rPr>
+              <a:t>Physics Identity</a:t>
+            </a:r>
+          </a:p>
+          <a:p>
+            <a:pPr marL="800100" lvl="1" indent="-342900">
+              <a:buFont typeface="Arial" panose="020B0604020202020204" pitchFamily="34" charset="0"/>
+              <a:buChar char="•"/>
+            </a:pPr>
+            <a:r>
+              <a:rPr lang="en-US" sz="2200" dirty="0">
+                <a:latin typeface="Times New Roman" panose="02020603050405020304" pitchFamily="18" charset="0"/>
+                <a:ea typeface="MS Mincho" panose="02020609040205080304" pitchFamily="49" charset="-128"/>
+                <a:cs typeface="Times New Roman" panose="02020603050405020304" pitchFamily="18" charset="0"/>
+              </a:rPr>
+              <a:t>Academic Support</a:t>
+            </a:r>
+          </a:p>
+          <a:p>
+            <a:pPr marL="800100" lvl="1" indent="-342900">
+              <a:buFont typeface="Arial" panose="020B0604020202020204" pitchFamily="34" charset="0"/>
+              <a:buChar char="•"/>
+            </a:pPr>
+            <a:r>
+              <a:rPr lang="en-US" sz="2200" dirty="0">
+                <a:latin typeface="Times New Roman" panose="02020603050405020304" pitchFamily="18" charset="0"/>
+                <a:ea typeface="MS Mincho" panose="02020609040205080304" pitchFamily="49" charset="-128"/>
+                <a:cs typeface="Times New Roman" panose="02020603050405020304" pitchFamily="18" charset="0"/>
+              </a:rPr>
+              <a:t>Personal Support</a:t>
+            </a:r>
+          </a:p>
+          <a:p>
+            <a:pPr marL="800100" lvl="1" indent="-342900">
+              <a:buFont typeface="Arial" panose="020B0604020202020204" pitchFamily="34" charset="0"/>
+              <a:buChar char="•"/>
+            </a:pPr>
+            <a:r>
+              <a:rPr lang="en-US" sz="2200" dirty="0">
+                <a:latin typeface="Times New Roman" panose="02020603050405020304" pitchFamily="18" charset="0"/>
+                <a:ea typeface="MS Mincho" panose="02020609040205080304" pitchFamily="49" charset="-128"/>
+                <a:cs typeface="Times New Roman" panose="02020603050405020304" pitchFamily="18" charset="0"/>
+              </a:rPr>
+              <a:t>Leadership &amp; Structures</a:t>
+            </a:r>
+          </a:p>
+          <a:p>
+            <a:pPr marL="342900" indent="-342900">
+              <a:buFont typeface="Arial" panose="020B0604020202020204" pitchFamily="34" charset="0"/>
+              <a:buChar char="•"/>
+            </a:pPr>
+            <a:endParaRPr lang="en-US" sz="800" dirty="0">
+              <a:latin typeface="Times New Roman" panose="02020603050405020304" pitchFamily="18" charset="0"/>
+              <a:ea typeface="MS Mincho" panose="02020609040205080304" pitchFamily="49" charset="-128"/>
+              <a:cs typeface="Times New Roman" panose="02020603050405020304" pitchFamily="18" charset="0"/>
+            </a:endParaRPr>
+          </a:p>
+          <a:p>
+            <a:pPr marL="342900" indent="-342900">
+              <a:buFont typeface="Arial" panose="020B0604020202020204" pitchFamily="34" charset="0"/>
+              <a:buChar char="•"/>
+            </a:pPr>
+            <a:r>
+              <a:rPr lang="en-US" sz="2400" dirty="0">
+                <a:latin typeface="Times New Roman" panose="02020603050405020304" pitchFamily="18" charset="0"/>
+                <a:ea typeface="MS Mincho" panose="02020609040205080304" pitchFamily="49" charset="-128"/>
+                <a:cs typeface="Times New Roman" panose="02020603050405020304" pitchFamily="18" charset="0"/>
+              </a:rPr>
+              <a:t>Research findings and recommendations</a:t>
+            </a:r>
+          </a:p>
+        </p:txBody>
+      </p:sp>
+      <p:sp>
+        <p:nvSpPr>
+          <p:cNvPr id="7" name="TextBox 6">
+            <a:extLst>
+              <a:ext uri="{FF2B5EF4-FFF2-40B4-BE49-F238E27FC236}">
+                <a16:creationId xmlns:a16="http://schemas.microsoft.com/office/drawing/2014/main" id="{77B1C027-FFC2-8D4F-8B30-9AE0AD7F83AD}"/>
+              </a:ext>
+            </a:extLst>
+          </p:cNvPr>
+          <p:cNvSpPr txBox="1"/>
+          <p:nvPr/>
+        </p:nvSpPr>
+        <p:spPr>
+          <a:xfrm>
+            <a:off x="539603" y="4792336"/>
+            <a:ext cx="8495045" cy="1508105"/>
+          </a:xfrm>
+          <a:prstGeom prst="rect">
+            <a:avLst/>
+          </a:prstGeom>
+          <a:noFill/>
+        </p:spPr>
+        <p:txBody>
+          <a:bodyPr wrap="square" rtlCol="0">
+            <a:spAutoFit/>
+          </a:bodyPr>
+          <a:lstStyle/>
+          <a:p>
+            <a:pPr marL="285750" indent="-285750" fontAlgn="base">
+              <a:buFont typeface="Arial" panose="020B0604020202020204" pitchFamily="34" charset="0"/>
+              <a:buChar char="•"/>
+            </a:pPr>
+            <a:r>
+              <a:rPr lang="en-US" sz="2400" dirty="0">
+                <a:latin typeface="Times New Roman" panose="02020603050405020304" pitchFamily="18" charset="0"/>
+                <a:cs typeface="Times New Roman" panose="02020603050405020304" pitchFamily="18" charset="0"/>
+              </a:rPr>
+              <a:t>In summary, persistent underrepresentation is due to:</a:t>
+            </a:r>
+          </a:p>
+          <a:p>
+            <a:pPr marL="742950" lvl="1" indent="-285750" fontAlgn="base">
+              <a:buFont typeface="Arial" panose="020B0604020202020204" pitchFamily="34" charset="0"/>
+              <a:buChar char="•"/>
+            </a:pPr>
+            <a:r>
+              <a:rPr lang="en-US" sz="2200" dirty="0">
+                <a:latin typeface="Times New Roman" panose="02020603050405020304" pitchFamily="18" charset="0"/>
+                <a:cs typeface="Times New Roman" panose="02020603050405020304" pitchFamily="18" charset="0"/>
+              </a:rPr>
+              <a:t>lack of a supportive environment in many departments</a:t>
+            </a:r>
+          </a:p>
+          <a:p>
+            <a:pPr marL="742950" lvl="1" indent="-285750" fontAlgn="base">
+              <a:buFont typeface="Arial" panose="020B0604020202020204" pitchFamily="34" charset="0"/>
+              <a:buChar char="•"/>
+            </a:pPr>
+            <a:r>
+              <a:rPr lang="en-US" sz="2200" dirty="0">
+                <a:latin typeface="Times New Roman" panose="02020603050405020304" pitchFamily="18" charset="0"/>
+                <a:cs typeface="Times New Roman" panose="02020603050405020304" pitchFamily="18" charset="0"/>
+              </a:rPr>
+              <a:t>enormous financial challenges</a:t>
+            </a:r>
+          </a:p>
+          <a:p>
+            <a:pPr marL="285750" indent="-285750" fontAlgn="base">
+              <a:buFont typeface="Arial" panose="020B0604020202020204" pitchFamily="34" charset="0"/>
+              <a:buChar char="•"/>
+            </a:pPr>
+            <a:r>
+              <a:rPr lang="en-US" sz="2400" dirty="0">
+                <a:latin typeface="Times New Roman" panose="02020603050405020304" pitchFamily="18" charset="0"/>
+                <a:cs typeface="Times New Roman" panose="02020603050405020304" pitchFamily="18" charset="0"/>
+              </a:rPr>
+              <a:t>Solving problems requires addressing systemic &amp; cultural issues</a:t>
+            </a:r>
+          </a:p>
+        </p:txBody>
+      </p:sp>
+    </p:spTree>
+    <p:extLst>
+      <p:ext uri="{BB962C8B-B14F-4D97-AF65-F5344CB8AC3E}">
+        <p14:creationId xmlns:p14="http://schemas.microsoft.com/office/powerpoint/2010/main" val="1554141261"/>
+      </p:ext>
+    </p:extLst>
+  </p:cSld>
+  <p:clrMapOvr>
+    <a:masterClrMapping/>
+  </p:clrMapOvr>
+  <p:timing>
+    <p:tnLst>
+      <p:par>
+        <p:cTn id="1" dur="indefinite" restart="never" nodeType="tmRoot">
+          <p:childTnLst>
+            <p:seq concurrent="1" nextAc="seek">
+              <p:cTn id="2" dur="indefinite" nodeType="mainSeq">
+                <p:childTnLst>
+                  <p:par>
+                    <p:cTn id="3" fill="hold">
+                      <p:stCondLst>
+                        <p:cond delay="indefinite"/>
+                      </p:stCondLst>
+                      <p:childTnLst>
+                        <p:par>
+                          <p:cTn id="4" fill="hold">
+                            <p:stCondLst>
+                              <p:cond delay="0"/>
+                            </p:stCondLst>
+                            <p:childTnLst>
+                              <p:par>
+                                <p:cTn id="5" presetID="1" presetClass="entr" presetSubtype="0" fill="hold" nodeType="clickEffect">
+                                  <p:stCondLst>
+                                    <p:cond delay="0"/>
+                                  </p:stCondLst>
+                                  <p:childTnLst>
+                                    <p:set>
+                                      <p:cBhvr>
+                                        <p:cTn id="6" dur="1" fill="hold">
+                                          <p:stCondLst>
+                                            <p:cond delay="0"/>
+                                          </p:stCondLst>
+                                        </p:cTn>
+                                        <p:tgtEl>
+                                          <p:spTgt spid="6">
+                                            <p:txEl>
+                                              <p:pRg st="0" end="0"/>
+                                            </p:txEl>
+                                          </p:spTgt>
+                                        </p:tgtEl>
+                                        <p:attrNameLst>
+                                          <p:attrName>style.visibility</p:attrName>
+                                        </p:attrNameLst>
+                                      </p:cBhvr>
+                                      <p:to>
+                                        <p:strVal val="visible"/>
+                                      </p:to>
+                                    </p:set>
+                                  </p:childTnLst>
+                                </p:cTn>
+                              </p:par>
+                            </p:childTnLst>
+                          </p:cTn>
+                        </p:par>
+                      </p:childTnLst>
+                    </p:cTn>
+                  </p:par>
+                  <p:par>
+                    <p:cTn id="7" fill="hold">
+                      <p:stCondLst>
+                        <p:cond delay="indefinite"/>
+                      </p:stCondLst>
+                      <p:childTnLst>
+                        <p:par>
+                          <p:cTn id="8" fill="hold">
+                            <p:stCondLst>
+                              <p:cond delay="0"/>
+                            </p:stCondLst>
+                            <p:childTnLst>
+                              <p:par>
+                                <p:cTn id="9" presetID="1" presetClass="entr" presetSubtype="0" fill="hold" nodeType="clickEffect">
+                                  <p:stCondLst>
+                                    <p:cond delay="0"/>
+                                  </p:stCondLst>
+                                  <p:childTnLst>
+                                    <p:set>
+                                      <p:cBhvr>
+                                        <p:cTn id="10" dur="1" fill="hold">
+                                          <p:stCondLst>
+                                            <p:cond delay="0"/>
+                                          </p:stCondLst>
+                                        </p:cTn>
+                                        <p:tgtEl>
+                                          <p:spTgt spid="6">
+                                            <p:txEl>
+                                              <p:pRg st="2" end="2"/>
+                                            </p:txEl>
+                                          </p:spTgt>
+                                        </p:tgtEl>
+                                        <p:attrNameLst>
+                                          <p:attrName>style.visibility</p:attrName>
+                                        </p:attrNameLst>
+                                      </p:cBhvr>
+                                      <p:to>
+                                        <p:strVal val="visible"/>
+                                      </p:to>
+                                    </p:set>
+                                  </p:childTnLst>
+                                </p:cTn>
+                              </p:par>
+                              <p:par>
+                                <p:cTn id="11" presetID="1" presetClass="entr" presetSubtype="0" fill="hold" nodeType="withEffect">
+                                  <p:stCondLst>
+                                    <p:cond delay="0"/>
+                                  </p:stCondLst>
+                                  <p:childTnLst>
+                                    <p:set>
+                                      <p:cBhvr>
+                                        <p:cTn id="12" dur="1" fill="hold">
+                                          <p:stCondLst>
+                                            <p:cond delay="0"/>
+                                          </p:stCondLst>
+                                        </p:cTn>
+                                        <p:tgtEl>
+                                          <p:spTgt spid="6">
+                                            <p:txEl>
+                                              <p:pRg st="3" end="3"/>
+                                            </p:txEl>
+                                          </p:spTgt>
+                                        </p:tgtEl>
+                                        <p:attrNameLst>
+                                          <p:attrName>style.visibility</p:attrName>
+                                        </p:attrNameLst>
+                                      </p:cBhvr>
+                                      <p:to>
+                                        <p:strVal val="visible"/>
+                                      </p:to>
+                                    </p:set>
+                                  </p:childTnLst>
+                                </p:cTn>
+                              </p:par>
+                              <p:par>
+                                <p:cTn id="13" presetID="1" presetClass="entr" presetSubtype="0" fill="hold" nodeType="withEffect">
+                                  <p:stCondLst>
+                                    <p:cond delay="0"/>
+                                  </p:stCondLst>
+                                  <p:childTnLst>
+                                    <p:set>
+                                      <p:cBhvr>
+                                        <p:cTn id="14" dur="1" fill="hold">
+                                          <p:stCondLst>
+                                            <p:cond delay="0"/>
+                                          </p:stCondLst>
+                                        </p:cTn>
+                                        <p:tgtEl>
+                                          <p:spTgt spid="6">
+                                            <p:txEl>
+                                              <p:pRg st="4" end="4"/>
+                                            </p:txEl>
+                                          </p:spTgt>
+                                        </p:tgtEl>
+                                        <p:attrNameLst>
+                                          <p:attrName>style.visibility</p:attrName>
+                                        </p:attrNameLst>
+                                      </p:cBhvr>
+                                      <p:to>
+                                        <p:strVal val="visible"/>
+                                      </p:to>
+                                    </p:set>
+                                  </p:childTnLst>
+                                </p:cTn>
+                              </p:par>
+                              <p:par>
+                                <p:cTn id="15" presetID="1" presetClass="entr" presetSubtype="0" fill="hold" nodeType="withEffect">
+                                  <p:stCondLst>
+                                    <p:cond delay="0"/>
+                                  </p:stCondLst>
+                                  <p:childTnLst>
+                                    <p:set>
+                                      <p:cBhvr>
+                                        <p:cTn id="16" dur="1" fill="hold">
+                                          <p:stCondLst>
+                                            <p:cond delay="0"/>
+                                          </p:stCondLst>
+                                        </p:cTn>
+                                        <p:tgtEl>
+                                          <p:spTgt spid="6">
+                                            <p:txEl>
+                                              <p:pRg st="5" end="5"/>
+                                            </p:txEl>
+                                          </p:spTgt>
+                                        </p:tgtEl>
+                                        <p:attrNameLst>
+                                          <p:attrName>style.visibility</p:attrName>
+                                        </p:attrNameLst>
+                                      </p:cBhvr>
+                                      <p:to>
+                                        <p:strVal val="visible"/>
+                                      </p:to>
+                                    </p:set>
+                                  </p:childTnLst>
+                                </p:cTn>
+                              </p:par>
+                              <p:par>
+                                <p:cTn id="17" presetID="1" presetClass="entr" presetSubtype="0" fill="hold" nodeType="withEffect">
+                                  <p:stCondLst>
+                                    <p:cond delay="0"/>
+                                  </p:stCondLst>
+                                  <p:childTnLst>
+                                    <p:set>
+                                      <p:cBhvr>
+                                        <p:cTn id="18" dur="1" fill="hold">
+                                          <p:stCondLst>
+                                            <p:cond delay="0"/>
+                                          </p:stCondLst>
+                                        </p:cTn>
+                                        <p:tgtEl>
+                                          <p:spTgt spid="6">
+                                            <p:txEl>
+                                              <p:pRg st="6" end="6"/>
+                                            </p:txEl>
+                                          </p:spTgt>
+                                        </p:tgtEl>
+                                        <p:attrNameLst>
+                                          <p:attrName>style.visibility</p:attrName>
+                                        </p:attrNameLst>
+                                      </p:cBhvr>
+                                      <p:to>
+                                        <p:strVal val="visible"/>
+                                      </p:to>
+                                    </p:set>
+                                  </p:childTnLst>
+                                </p:cTn>
+                              </p:par>
+                              <p:par>
+                                <p:cTn id="19" presetID="1" presetClass="entr" presetSubtype="0" fill="hold" nodeType="withEffect">
+                                  <p:stCondLst>
+                                    <p:cond delay="0"/>
+                                  </p:stCondLst>
+                                  <p:childTnLst>
+                                    <p:set>
+                                      <p:cBhvr>
+                                        <p:cTn id="20" dur="1" fill="hold">
+                                          <p:stCondLst>
+                                            <p:cond delay="0"/>
+                                          </p:stCondLst>
+                                        </p:cTn>
+                                        <p:tgtEl>
+                                          <p:spTgt spid="6">
+                                            <p:txEl>
+                                              <p:pRg st="7" end="7"/>
+                                            </p:txEl>
+                                          </p:spTgt>
+                                        </p:tgtEl>
+                                        <p:attrNameLst>
+                                          <p:attrName>style.visibility</p:attrName>
+                                        </p:attrNameLst>
+                                      </p:cBhvr>
+                                      <p:to>
+                                        <p:strVal val="visible"/>
+                                      </p:to>
+                                    </p:set>
+                                  </p:childTnLst>
+                                </p:cTn>
+                              </p:par>
+                              <p:par>
+                                <p:cTn id="21" presetID="1" presetClass="entr" presetSubtype="0" fill="hold" nodeType="withEffect">
+                                  <p:stCondLst>
+                                    <p:cond delay="0"/>
+                                  </p:stCondLst>
+                                  <p:childTnLst>
+                                    <p:set>
+                                      <p:cBhvr>
+                                        <p:cTn id="22" dur="1" fill="hold">
+                                          <p:stCondLst>
+                                            <p:cond delay="0"/>
+                                          </p:stCondLst>
+                                        </p:cTn>
+                                        <p:tgtEl>
+                                          <p:spTgt spid="6">
+                                            <p:txEl>
+                                              <p:pRg st="9" end="9"/>
+                                            </p:txEl>
+                                          </p:spTgt>
+                                        </p:tgtEl>
+                                        <p:attrNameLst>
+                                          <p:attrName>style.visibility</p:attrName>
+                                        </p:attrNameLst>
+                                      </p:cBhvr>
+                                      <p:to>
+                                        <p:strVal val="visible"/>
+                                      </p:to>
+                                    </p:set>
+                                  </p:childTnLst>
+                                </p:cTn>
+                              </p:par>
+                            </p:childTnLst>
+                          </p:cTn>
+                        </p:par>
+                      </p:childTnLst>
+                    </p:cTn>
+                  </p:par>
+                  <p:par>
+                    <p:cTn id="23" fill="hold">
+                      <p:stCondLst>
+                        <p:cond delay="indefinite"/>
+                      </p:stCondLst>
+                      <p:childTnLst>
+                        <p:par>
+                          <p:cTn id="24" fill="hold">
+                            <p:stCondLst>
+                              <p:cond delay="0"/>
+                            </p:stCondLst>
+                            <p:childTnLst>
+                              <p:par>
+                                <p:cTn id="25" presetID="1" presetClass="entr" presetSubtype="0" fill="hold" nodeType="clickEffect">
+                                  <p:stCondLst>
+                                    <p:cond delay="0"/>
+                                  </p:stCondLst>
+                                  <p:childTnLst>
+                                    <p:set>
+                                      <p:cBhvr>
+                                        <p:cTn id="26" dur="1" fill="hold">
+                                          <p:stCondLst>
+                                            <p:cond delay="0"/>
+                                          </p:stCondLst>
+                                        </p:cTn>
+                                        <p:tgtEl>
+                                          <p:spTgt spid="7">
+                                            <p:txEl>
+                                              <p:pRg st="0" end="0"/>
+                                            </p:txEl>
+                                          </p:spTgt>
+                                        </p:tgtEl>
+                                        <p:attrNameLst>
+                                          <p:attrName>style.visibility</p:attrName>
+                                        </p:attrNameLst>
+                                      </p:cBhvr>
+                                      <p:to>
+                                        <p:strVal val="visible"/>
+                                      </p:to>
+                                    </p:set>
+                                  </p:childTnLst>
+                                </p:cTn>
+                              </p:par>
+                              <p:par>
+                                <p:cTn id="27" presetID="1" presetClass="entr" presetSubtype="0" fill="hold" nodeType="withEffect">
+                                  <p:stCondLst>
+                                    <p:cond delay="0"/>
+                                  </p:stCondLst>
+                                  <p:childTnLst>
+                                    <p:set>
+                                      <p:cBhvr>
+                                        <p:cTn id="28" dur="1" fill="hold">
+                                          <p:stCondLst>
+                                            <p:cond delay="0"/>
+                                          </p:stCondLst>
+                                        </p:cTn>
+                                        <p:tgtEl>
+                                          <p:spTgt spid="7">
+                                            <p:txEl>
+                                              <p:pRg st="1" end="1"/>
+                                            </p:txEl>
+                                          </p:spTgt>
+                                        </p:tgtEl>
+                                        <p:attrNameLst>
+                                          <p:attrName>style.visibility</p:attrName>
+                                        </p:attrNameLst>
+                                      </p:cBhvr>
+                                      <p:to>
+                                        <p:strVal val="visible"/>
+                                      </p:to>
+                                    </p:set>
+                                  </p:childTnLst>
+                                </p:cTn>
+                              </p:par>
+                              <p:par>
+                                <p:cTn id="29" presetID="1" presetClass="entr" presetSubtype="0" fill="hold" nodeType="withEffect">
+                                  <p:stCondLst>
+                                    <p:cond delay="0"/>
+                                  </p:stCondLst>
+                                  <p:childTnLst>
+                                    <p:set>
+                                      <p:cBhvr>
+                                        <p:cTn id="30" dur="1" fill="hold">
+                                          <p:stCondLst>
+                                            <p:cond delay="0"/>
+                                          </p:stCondLst>
+                                        </p:cTn>
+                                        <p:tgtEl>
+                                          <p:spTgt spid="7">
+                                            <p:txEl>
+                                              <p:pRg st="2" end="2"/>
+                                            </p:txEl>
+                                          </p:spTgt>
+                                        </p:tgtEl>
+                                        <p:attrNameLst>
+                                          <p:attrName>style.visibility</p:attrName>
+                                        </p:attrNameLst>
+                                      </p:cBhvr>
+                                      <p:to>
+                                        <p:strVal val="visible"/>
+                                      </p:to>
+                                    </p:set>
+                                  </p:childTnLst>
+                                </p:cTn>
+                              </p:par>
+                              <p:par>
+                                <p:cTn id="31" presetID="1" presetClass="entr" presetSubtype="0" fill="hold" nodeType="withEffect">
+                                  <p:stCondLst>
+                                    <p:cond delay="0"/>
+                                  </p:stCondLst>
+                                  <p:childTnLst>
+                                    <p:set>
+                                      <p:cBhvr>
+                                        <p:cTn id="32" dur="1" fill="hold">
+                                          <p:stCondLst>
+                                            <p:cond delay="0"/>
+                                          </p:stCondLst>
+                                        </p:cTn>
+                                        <p:tgtEl>
+                                          <p:spTgt spid="7">
+                                            <p:txEl>
+                                              <p:pRg st="3" end="3"/>
+                                            </p:txEl>
+                                          </p:spTgt>
+                                        </p:tgtEl>
+                                        <p:attrNameLst>
+                                          <p:attrName>style.visibility</p:attrName>
+                                        </p:attrNameLst>
+                                      </p:cBhvr>
+                                      <p:to>
+                                        <p:strVal val="visible"/>
+                                      </p:to>
+                                    </p:set>
+                                  </p:childTnLst>
+                                </p:cTn>
+                              </p:par>
+                            </p:childTnLst>
+                          </p:cTn>
+                        </p:par>
+                      </p:childTnLst>
+                    </p:cTn>
+                  </p:par>
+                </p:childTnLst>
+              </p:cTn>
+              <p:prevCondLst>
+                <p:cond evt="onPrev" delay="0">
+                  <p:tgtEl>
+                    <p:sldTgt/>
+                  </p:tgtEl>
+                </p:cond>
+              </p:prevCondLst>
+              <p:nextCondLst>
+                <p:cond evt="onNext" delay="0">
+                  <p:tgtEl>
+                    <p:sldTgt/>
+                  </p:tgtEl>
+                </p:cond>
+              </p:nextCondLst>
+            </p:seq>
+          </p:childTnLst>
+        </p:cTn>
+      </p:par>
+    </p:tnLst>
+  </p:timing>
+</p:sld>
+</file>
+
+<file path=ppt/slides/slide5.xml><?xml version="1.0" encoding="utf-8"?>
+<p:sld xmlns:a="http://schemas.openxmlformats.org/drawingml/2006/main" xmlns:r="http://schemas.openxmlformats.org/officeDocument/2006/relationships" xmlns:p="http://schemas.openxmlformats.org/presentationml/2006/main">
+  <p:cSld>
+    <p:spTree>
+      <p:nvGrpSpPr>
+        <p:cNvPr id="1" name=""/>
+        <p:cNvGrpSpPr/>
+        <p:nvPr/>
+      </p:nvGrpSpPr>
+      <p:grpSpPr>
+        <a:xfrm>
+          <a:off x="0" y="0"/>
+          <a:ext cx="0" cy="0"/>
+          <a:chOff x="0" y="0"/>
+          <a:chExt cx="0" cy="0"/>
+        </a:xfrm>
+      </p:grpSpPr>
+      <p:sp>
+        <p:nvSpPr>
+          <p:cNvPr id="4" name="TextBox 3"/>
+          <p:cNvSpPr txBox="1"/>
+          <p:nvPr/>
+        </p:nvSpPr>
+        <p:spPr>
+          <a:xfrm>
+            <a:off x="275549" y="191702"/>
+            <a:ext cx="3209148" cy="553998"/>
+          </a:xfrm>
+          <a:prstGeom prst="rect">
+            <a:avLst/>
+          </a:prstGeom>
+          <a:noFill/>
+        </p:spPr>
+        <p:txBody>
+          <a:bodyPr wrap="none" rtlCol="0">
+            <a:spAutoFit/>
+          </a:bodyPr>
+          <a:lstStyle/>
+          <a:p>
+            <a:r>
+              <a:rPr lang="en-US" sz="3000" b="1" dirty="0">
+                <a:solidFill>
+                  <a:prstClr val="black"/>
+                </a:solidFill>
+                <a:latin typeface="Times New Roman"/>
+                <a:cs typeface="Times New Roman"/>
+              </a:rPr>
+              <a:t>TEAM-UP Report</a:t>
+            </a:r>
+            <a:endParaRPr lang="en-US" sz="2400" b="1" dirty="0">
+              <a:solidFill>
+                <a:prstClr val="black"/>
+              </a:solidFill>
+              <a:latin typeface="Times New Roman"/>
+              <a:cs typeface="Times New Roman"/>
+            </a:endParaRPr>
+          </a:p>
+        </p:txBody>
+      </p:sp>
+      <p:sp>
+        <p:nvSpPr>
+          <p:cNvPr id="7" name="TextBox 6">
+            <a:extLst>
+              <a:ext uri="{FF2B5EF4-FFF2-40B4-BE49-F238E27FC236}">
+                <a16:creationId xmlns:a16="http://schemas.microsoft.com/office/drawing/2014/main" id="{77B1C027-FFC2-8D4F-8B30-9AE0AD7F83AD}"/>
+              </a:ext>
+            </a:extLst>
+          </p:cNvPr>
+          <p:cNvSpPr txBox="1"/>
+          <p:nvPr/>
+        </p:nvSpPr>
+        <p:spPr>
+          <a:xfrm>
+            <a:off x="539604" y="4792336"/>
+            <a:ext cx="8229824" cy="1200329"/>
+          </a:xfrm>
+          <a:prstGeom prst="rect">
+            <a:avLst/>
+          </a:prstGeom>
+          <a:noFill/>
+        </p:spPr>
+        <p:txBody>
+          <a:bodyPr wrap="square" rtlCol="0">
+            <a:spAutoFit/>
+          </a:bodyPr>
+          <a:lstStyle/>
+          <a:p>
+            <a:pPr fontAlgn="base"/>
+            <a:r>
+              <a:rPr lang="en-US" sz="2400" i="1" dirty="0">
+                <a:latin typeface="Times New Roman" panose="02020603050405020304" pitchFamily="18" charset="0"/>
+                <a:cs typeface="Times New Roman" panose="02020603050405020304" pitchFamily="18" charset="0"/>
+              </a:rPr>
+              <a:t>“From 1995 to 2015, the number of physics bachelor’s degrees awarded to African Americans increased by 4% compared with a 36% increase for all physical sciences (</a:t>
+            </a:r>
+            <a:r>
+              <a:rPr lang="en-US" sz="2400" i="1" dirty="0" err="1">
+                <a:latin typeface="Times New Roman" panose="02020603050405020304" pitchFamily="18" charset="0"/>
+                <a:cs typeface="Times New Roman" panose="02020603050405020304" pitchFamily="18" charset="0"/>
+              </a:rPr>
+              <a:t>Merner</a:t>
+            </a:r>
+            <a:r>
+              <a:rPr lang="en-US" sz="2400" i="1" dirty="0">
+                <a:latin typeface="Times New Roman" panose="02020603050405020304" pitchFamily="18" charset="0"/>
+                <a:cs typeface="Times New Roman" panose="02020603050405020304" pitchFamily="18" charset="0"/>
+              </a:rPr>
+              <a:t> &amp; Tyler 2019).”</a:t>
+            </a:r>
+          </a:p>
+        </p:txBody>
+      </p:sp>
+      <p:pic>
+        <p:nvPicPr>
+          <p:cNvPr id="3" name="Picture 2">
+            <a:extLst>
+              <a:ext uri="{FF2B5EF4-FFF2-40B4-BE49-F238E27FC236}">
+                <a16:creationId xmlns:a16="http://schemas.microsoft.com/office/drawing/2014/main" id="{22935819-78A0-5043-B026-3DACD902AC98}"/>
+              </a:ext>
+            </a:extLst>
+          </p:cNvPr>
+          <p:cNvPicPr>
+            <a:picLocks noChangeAspect="1"/>
+          </p:cNvPicPr>
+          <p:nvPr/>
+        </p:nvPicPr>
+        <p:blipFill>
+          <a:blip r:embed="rId2"/>
+          <a:stretch>
+            <a:fillRect/>
+          </a:stretch>
+        </p:blipFill>
+        <p:spPr>
+          <a:xfrm>
+            <a:off x="191797" y="1347556"/>
+            <a:ext cx="4572887" cy="3244162"/>
+          </a:xfrm>
+          <a:prstGeom prst="rect">
+            <a:avLst/>
+          </a:prstGeom>
+        </p:spPr>
+      </p:pic>
+      <p:pic>
+        <p:nvPicPr>
+          <p:cNvPr id="5" name="Picture 4">
+            <a:extLst>
+              <a:ext uri="{FF2B5EF4-FFF2-40B4-BE49-F238E27FC236}">
+                <a16:creationId xmlns:a16="http://schemas.microsoft.com/office/drawing/2014/main" id="{DC9763B7-DF4C-4D40-8FD0-FCD3C674F365}"/>
+              </a:ext>
+            </a:extLst>
+          </p:cNvPr>
+          <p:cNvPicPr>
+            <a:picLocks noChangeAspect="1"/>
+          </p:cNvPicPr>
+          <p:nvPr/>
+        </p:nvPicPr>
+        <p:blipFill>
+          <a:blip r:embed="rId3"/>
+          <a:stretch>
+            <a:fillRect/>
+          </a:stretch>
+        </p:blipFill>
+        <p:spPr>
+          <a:xfrm>
+            <a:off x="5066535" y="929094"/>
+            <a:ext cx="3890588" cy="3662624"/>
+          </a:xfrm>
+          <a:prstGeom prst="rect">
+            <a:avLst/>
+          </a:prstGeom>
+        </p:spPr>
+      </p:pic>
+    </p:spTree>
+    <p:extLst>
+      <p:ext uri="{BB962C8B-B14F-4D97-AF65-F5344CB8AC3E}">
+        <p14:creationId xmlns:p14="http://schemas.microsoft.com/office/powerpoint/2010/main" val="1617564803"/>
+      </p:ext>
+    </p:extLst>
+  </p:cSld>
+  <p:clrMapOvr>
+    <a:masterClrMapping/>
+  </p:clrMapOvr>
+</p:sld>
+</file>
+
+<file path=ppt/slides/slide6.xml><?xml version="1.0" encoding="utf-8"?>
+<p:sld xmlns:a="http://schemas.openxmlformats.org/drawingml/2006/main" xmlns:r="http://schemas.openxmlformats.org/officeDocument/2006/relationships" xmlns:p="http://schemas.openxmlformats.org/presentationml/2006/main">
+  <p:cSld>
+    <p:spTree>
+      <p:nvGrpSpPr>
+        <p:cNvPr id="1" name=""/>
+        <p:cNvGrpSpPr/>
+        <p:nvPr/>
+      </p:nvGrpSpPr>
+      <p:grpSpPr>
+        <a:xfrm>
+          <a:off x="0" y="0"/>
+          <a:ext cx="0" cy="0"/>
+          <a:chOff x="0" y="0"/>
+          <a:chExt cx="0" cy="0"/>
+        </a:xfrm>
+      </p:grpSpPr>
+      <p:sp>
+        <p:nvSpPr>
+          <p:cNvPr id="4" name="TextBox 3"/>
+          <p:cNvSpPr txBox="1"/>
+          <p:nvPr/>
+        </p:nvSpPr>
+        <p:spPr>
+          <a:xfrm>
+            <a:off x="275549" y="191702"/>
+            <a:ext cx="4674293" cy="553998"/>
+          </a:xfrm>
+          <a:prstGeom prst="rect">
+            <a:avLst/>
+          </a:prstGeom>
+          <a:noFill/>
+        </p:spPr>
+        <p:txBody>
+          <a:bodyPr wrap="none" rtlCol="0">
+            <a:spAutoFit/>
+          </a:bodyPr>
+          <a:lstStyle/>
+          <a:p>
+            <a:r>
+              <a:rPr lang="en-US" sz="3000" b="1" dirty="0">
+                <a:solidFill>
+                  <a:prstClr val="black"/>
+                </a:solidFill>
+                <a:latin typeface="Times New Roman"/>
+                <a:cs typeface="Times New Roman"/>
+              </a:rPr>
+              <a:t>TEAM-UP Report: Factors</a:t>
+            </a:r>
+            <a:endParaRPr lang="en-US" sz="2400" b="1" dirty="0">
+              <a:solidFill>
+                <a:prstClr val="black"/>
+              </a:solidFill>
+              <a:latin typeface="Times New Roman"/>
+              <a:cs typeface="Times New Roman"/>
+            </a:endParaRPr>
+          </a:p>
+        </p:txBody>
+      </p:sp>
+      <p:sp>
+        <p:nvSpPr>
+          <p:cNvPr id="8" name="TextBox 7">
+            <a:extLst>
+              <a:ext uri="{FF2B5EF4-FFF2-40B4-BE49-F238E27FC236}">
+                <a16:creationId xmlns:a16="http://schemas.microsoft.com/office/drawing/2014/main" id="{4FCF7865-5B93-3A4E-9E5A-9EF4BE4B5278}"/>
+              </a:ext>
+            </a:extLst>
+          </p:cNvPr>
+          <p:cNvSpPr txBox="1"/>
+          <p:nvPr/>
+        </p:nvSpPr>
+        <p:spPr>
+          <a:xfrm>
+            <a:off x="539603" y="945629"/>
+            <a:ext cx="8450017" cy="5509200"/>
+          </a:xfrm>
+          <a:prstGeom prst="rect">
+            <a:avLst/>
+          </a:prstGeom>
+          <a:noFill/>
+        </p:spPr>
+        <p:txBody>
+          <a:bodyPr wrap="square" rtlCol="0">
+            <a:spAutoFit/>
+          </a:bodyPr>
+          <a:lstStyle/>
+          <a:p>
+            <a:pPr marL="342900" indent="-342900">
+              <a:buFont typeface="Arial" panose="020B0604020202020204" pitchFamily="34" charset="0"/>
+              <a:buChar char="•"/>
+            </a:pPr>
+            <a:r>
+              <a:rPr lang="en-US" sz="2400" dirty="0">
+                <a:latin typeface="Times New Roman" panose="02020603050405020304" pitchFamily="18" charset="0"/>
+                <a:ea typeface="MS Mincho" panose="02020609040205080304" pitchFamily="49" charset="-128"/>
+                <a:cs typeface="Times New Roman" panose="02020603050405020304" pitchFamily="18" charset="0"/>
+              </a:rPr>
+              <a:t>Fostering a sense of belonging is essential for African American student persistence and success</a:t>
+            </a:r>
+          </a:p>
+          <a:p>
+            <a:pPr marL="342900" indent="-342900">
+              <a:buFont typeface="Arial" panose="020B0604020202020204" pitchFamily="34" charset="0"/>
+              <a:buChar char="•"/>
+            </a:pPr>
+            <a:endParaRPr lang="en-US" sz="800" dirty="0">
+              <a:latin typeface="Times New Roman" panose="02020603050405020304" pitchFamily="18" charset="0"/>
+              <a:ea typeface="MS Mincho" panose="02020609040205080304" pitchFamily="49" charset="-128"/>
+              <a:cs typeface="Times New Roman" panose="02020603050405020304" pitchFamily="18" charset="0"/>
+            </a:endParaRPr>
+          </a:p>
+          <a:p>
+            <a:pPr marL="342900" indent="-342900">
+              <a:buFont typeface="Arial" panose="020B0604020202020204" pitchFamily="34" charset="0"/>
+              <a:buChar char="•"/>
+            </a:pPr>
+            <a:r>
+              <a:rPr lang="en-US" sz="2400" dirty="0">
+                <a:latin typeface="Times New Roman" panose="02020603050405020304" pitchFamily="18" charset="0"/>
+                <a:ea typeface="MS Mincho" panose="02020609040205080304" pitchFamily="49" charset="-128"/>
+                <a:cs typeface="Times New Roman" panose="02020603050405020304" pitchFamily="18" charset="0"/>
+              </a:rPr>
+              <a:t>To persist, African American students must perceive themselves, and be perceived by others, as future physicists and astronomers</a:t>
+            </a:r>
+          </a:p>
+          <a:p>
+            <a:pPr marL="342900" indent="-342900">
+              <a:buFont typeface="Arial" panose="020B0604020202020204" pitchFamily="34" charset="0"/>
+              <a:buChar char="•"/>
+            </a:pPr>
+            <a:endParaRPr lang="en-US" sz="800" dirty="0">
+              <a:latin typeface="Times New Roman" panose="02020603050405020304" pitchFamily="18" charset="0"/>
+              <a:ea typeface="MS Mincho" panose="02020609040205080304" pitchFamily="49" charset="-128"/>
+              <a:cs typeface="Times New Roman" panose="02020603050405020304" pitchFamily="18" charset="0"/>
+            </a:endParaRPr>
+          </a:p>
+          <a:p>
+            <a:pPr marL="342900" indent="-342900">
+              <a:buFont typeface="Arial" panose="020B0604020202020204" pitchFamily="34" charset="0"/>
+              <a:buChar char="•"/>
+            </a:pPr>
+            <a:r>
+              <a:rPr lang="en-US" sz="2400" dirty="0">
+                <a:latin typeface="Times New Roman" panose="02020603050405020304" pitchFamily="18" charset="0"/>
+                <a:ea typeface="MS Mincho" panose="02020609040205080304" pitchFamily="49" charset="-128"/>
+                <a:cs typeface="Times New Roman" panose="02020603050405020304" pitchFamily="18" charset="0"/>
+              </a:rPr>
+              <a:t>Effective teaching and strengths-based approach to academic support are necessary for African American student retention and success</a:t>
+            </a:r>
+          </a:p>
+          <a:p>
+            <a:pPr marL="342900" indent="-342900">
+              <a:buFont typeface="Arial" panose="020B0604020202020204" pitchFamily="34" charset="0"/>
+              <a:buChar char="•"/>
+            </a:pPr>
+            <a:endParaRPr lang="en-US" sz="800" dirty="0">
+              <a:latin typeface="Times New Roman" panose="02020603050405020304" pitchFamily="18" charset="0"/>
+              <a:ea typeface="MS Mincho" panose="02020609040205080304" pitchFamily="49" charset="-128"/>
+              <a:cs typeface="Times New Roman" panose="02020603050405020304" pitchFamily="18" charset="0"/>
+            </a:endParaRPr>
+          </a:p>
+          <a:p>
+            <a:pPr marL="342900" indent="-342900">
+              <a:buFont typeface="Arial" panose="020B0604020202020204" pitchFamily="34" charset="0"/>
+              <a:buChar char="•"/>
+            </a:pPr>
+            <a:r>
+              <a:rPr lang="en-US" sz="2400" dirty="0">
+                <a:latin typeface="Times New Roman" panose="02020603050405020304" pitchFamily="18" charset="0"/>
+                <a:ea typeface="MS Mincho" panose="02020609040205080304" pitchFamily="49" charset="-128"/>
+                <a:cs typeface="Times New Roman" panose="02020603050405020304" pitchFamily="18" charset="0"/>
+              </a:rPr>
+              <a:t>Many African American students need support to offset financial burdens and stress</a:t>
+            </a:r>
+          </a:p>
+          <a:p>
+            <a:pPr marL="342900" indent="-342900">
+              <a:buFont typeface="Arial" panose="020B0604020202020204" pitchFamily="34" charset="0"/>
+              <a:buChar char="•"/>
+            </a:pPr>
+            <a:endParaRPr lang="en-US" sz="800" dirty="0">
+              <a:latin typeface="Times New Roman" panose="02020603050405020304" pitchFamily="18" charset="0"/>
+              <a:ea typeface="MS Mincho" panose="02020609040205080304" pitchFamily="49" charset="-128"/>
+              <a:cs typeface="Times New Roman" panose="02020603050405020304" pitchFamily="18" charset="0"/>
+            </a:endParaRPr>
+          </a:p>
+          <a:p>
+            <a:pPr marL="342900" indent="-342900">
+              <a:buFont typeface="Arial" panose="020B0604020202020204" pitchFamily="34" charset="0"/>
+              <a:buChar char="•"/>
+            </a:pPr>
+            <a:r>
+              <a:rPr lang="en-US" sz="2400" dirty="0">
+                <a:latin typeface="Times New Roman" panose="02020603050405020304" pitchFamily="18" charset="0"/>
+                <a:ea typeface="MS Mincho" panose="02020609040205080304" pitchFamily="49" charset="-128"/>
+                <a:cs typeface="Times New Roman" panose="02020603050405020304" pitchFamily="18" charset="0"/>
+              </a:rPr>
+              <a:t>For sustainability, academic and disciplinary leaders must prioritize creating environments, policies and structures that maximize African American student success</a:t>
+            </a:r>
+          </a:p>
+          <a:p>
+            <a:pPr marL="342900" indent="-342900">
+              <a:buFont typeface="Arial" panose="020B0604020202020204" pitchFamily="34" charset="0"/>
+              <a:buChar char="•"/>
+            </a:pPr>
+            <a:endParaRPr lang="en-US" sz="800" dirty="0">
+              <a:latin typeface="Times New Roman" panose="02020603050405020304" pitchFamily="18" charset="0"/>
+              <a:ea typeface="MS Mincho" panose="02020609040205080304" pitchFamily="49" charset="-128"/>
+              <a:cs typeface="Times New Roman" panose="02020603050405020304" pitchFamily="18" charset="0"/>
+            </a:endParaRPr>
+          </a:p>
+          <a:p>
+            <a:pPr marL="342900" indent="-342900">
+              <a:buFont typeface="Arial" panose="020B0604020202020204" pitchFamily="34" charset="0"/>
+              <a:buChar char="•"/>
+            </a:pPr>
+            <a:r>
+              <a:rPr lang="en-US" sz="2400" dirty="0">
+                <a:latin typeface="Times New Roman" panose="02020603050405020304" pitchFamily="18" charset="0"/>
+                <a:ea typeface="MS Mincho" panose="02020609040205080304" pitchFamily="49" charset="-128"/>
+                <a:cs typeface="Times New Roman" panose="02020603050405020304" pitchFamily="18" charset="0"/>
+              </a:rPr>
+              <a:t>A new level of thinking is required to solve a persistent problem</a:t>
+            </a:r>
+          </a:p>
+        </p:txBody>
+      </p:sp>
+    </p:spTree>
+    <p:extLst>
+      <p:ext uri="{BB962C8B-B14F-4D97-AF65-F5344CB8AC3E}">
+        <p14:creationId xmlns:p14="http://schemas.microsoft.com/office/powerpoint/2010/main" val="2136892131"/>
+      </p:ext>
+    </p:extLst>
+  </p:cSld>
+  <p:clrMapOvr>
+    <a:masterClrMapping/>
+  </p:clrMapOvr>
+  <p:timing>
+    <p:tnLst>
+      <p:par>
+        <p:cTn id="1" dur="indefinite" restart="never" nodeType="tmRoot">
+          <p:childTnLst>
+            <p:seq concurrent="1" nextAc="seek">
+              <p:cTn id="2" dur="indefinite" nodeType="mainSeq">
+                <p:childTnLst>
+                  <p:par>
+                    <p:cTn id="3" fill="hold">
+                      <p:stCondLst>
+                        <p:cond delay="indefinite"/>
+                      </p:stCondLst>
+                      <p:childTnLst>
+                        <p:par>
+                          <p:cTn id="4" fill="hold">
+                            <p:stCondLst>
+                              <p:cond delay="0"/>
+                            </p:stCondLst>
+                            <p:childTnLst>
+                              <p:par>
+                                <p:cTn id="5" presetID="1" presetClass="entr" presetSubtype="0" fill="hold" nodeType="clickEffect">
+                                  <p:stCondLst>
+                                    <p:cond delay="0"/>
+                                  </p:stCondLst>
+                                  <p:childTnLst>
+                                    <p:set>
+                                      <p:cBhvr>
+                                        <p:cTn id="6" dur="1" fill="hold">
+                                          <p:stCondLst>
+                                            <p:cond delay="0"/>
+                                          </p:stCondLst>
+                                        </p:cTn>
+                                        <p:tgtEl>
+                                          <p:spTgt spid="8">
+                                            <p:txEl>
+                                              <p:pRg st="0" end="0"/>
+                                            </p:txEl>
+                                          </p:spTgt>
+                                        </p:tgtEl>
+                                        <p:attrNameLst>
+                                          <p:attrName>style.visibility</p:attrName>
+                                        </p:attrNameLst>
+                                      </p:cBhvr>
+                                      <p:to>
+                                        <p:strVal val="visible"/>
+                                      </p:to>
+                                    </p:set>
+                                  </p:childTnLst>
+                                </p:cTn>
+                              </p:par>
+                            </p:childTnLst>
+                          </p:cTn>
+                        </p:par>
+                      </p:childTnLst>
+                    </p:cTn>
+                  </p:par>
+                  <p:par>
+                    <p:cTn id="7" fill="hold">
+                      <p:stCondLst>
+                        <p:cond delay="indefinite"/>
+                      </p:stCondLst>
+                      <p:childTnLst>
+                        <p:par>
+                          <p:cTn id="8" fill="hold">
+                            <p:stCondLst>
+                              <p:cond delay="0"/>
+                            </p:stCondLst>
+                            <p:childTnLst>
+                              <p:par>
+                                <p:cTn id="9" presetID="1" presetClass="entr" presetSubtype="0" fill="hold" nodeType="clickEffect">
+                                  <p:stCondLst>
+                                    <p:cond delay="0"/>
+                                  </p:stCondLst>
+                                  <p:childTnLst>
+                                    <p:set>
+                                      <p:cBhvr>
+                                        <p:cTn id="10" dur="1" fill="hold">
+                                          <p:stCondLst>
+                                            <p:cond delay="0"/>
+                                          </p:stCondLst>
+                                        </p:cTn>
+                                        <p:tgtEl>
+                                          <p:spTgt spid="8">
+                                            <p:txEl>
+                                              <p:pRg st="2" end="2"/>
+                                            </p:txEl>
+                                          </p:spTgt>
+                                        </p:tgtEl>
+                                        <p:attrNameLst>
+                                          <p:attrName>style.visibility</p:attrName>
+                                        </p:attrNameLst>
+                                      </p:cBhvr>
+                                      <p:to>
+                                        <p:strVal val="visible"/>
+                                      </p:to>
+                                    </p:set>
+                                  </p:childTnLst>
+                                </p:cTn>
+                              </p:par>
+                            </p:childTnLst>
+                          </p:cTn>
+                        </p:par>
+                      </p:childTnLst>
+                    </p:cTn>
+                  </p:par>
+                  <p:par>
+                    <p:cTn id="11" fill="hold">
+                      <p:stCondLst>
+                        <p:cond delay="indefinite"/>
+                      </p:stCondLst>
+                      <p:childTnLst>
+                        <p:par>
+                          <p:cTn id="12" fill="hold">
+                            <p:stCondLst>
+                              <p:cond delay="0"/>
+                            </p:stCondLst>
+                            <p:childTnLst>
+                              <p:par>
+                                <p:cTn id="13" presetID="1" presetClass="entr" presetSubtype="0" fill="hold" nodeType="clickEffect">
+                                  <p:stCondLst>
+                                    <p:cond delay="0"/>
+                                  </p:stCondLst>
+                                  <p:childTnLst>
+                                    <p:set>
+                                      <p:cBhvr>
+                                        <p:cTn id="14" dur="1" fill="hold">
+                                          <p:stCondLst>
+                                            <p:cond delay="0"/>
+                                          </p:stCondLst>
+                                        </p:cTn>
+                                        <p:tgtEl>
+                                          <p:spTgt spid="8">
+                                            <p:txEl>
+                                              <p:pRg st="4" end="4"/>
+                                            </p:txEl>
+                                          </p:spTgt>
+                                        </p:tgtEl>
+                                        <p:attrNameLst>
+                                          <p:attrName>style.visibility</p:attrName>
+                                        </p:attrNameLst>
+                                      </p:cBhvr>
+                                      <p:to>
+                                        <p:strVal val="visible"/>
+                                      </p:to>
+                                    </p:set>
+                                  </p:childTnLst>
+                                </p:cTn>
+                              </p:par>
+                            </p:childTnLst>
+                          </p:cTn>
+                        </p:par>
+                      </p:childTnLst>
+                    </p:cTn>
+                  </p:par>
+                  <p:par>
+                    <p:cTn id="15" fill="hold">
+                      <p:stCondLst>
+                        <p:cond delay="indefinite"/>
+                      </p:stCondLst>
+                      <p:childTnLst>
+                        <p:par>
+                          <p:cTn id="16" fill="hold">
+                            <p:stCondLst>
+                              <p:cond delay="0"/>
+                            </p:stCondLst>
+                            <p:childTnLst>
+                              <p:par>
+                                <p:cTn id="17" presetID="1" presetClass="entr" presetSubtype="0" fill="hold" nodeType="clickEffect">
+                                  <p:stCondLst>
+                                    <p:cond delay="0"/>
+                                  </p:stCondLst>
+                                  <p:childTnLst>
+                                    <p:set>
+                                      <p:cBhvr>
+                                        <p:cTn id="18" dur="1" fill="hold">
+                                          <p:stCondLst>
+                                            <p:cond delay="0"/>
+                                          </p:stCondLst>
+                                        </p:cTn>
+                                        <p:tgtEl>
+                                          <p:spTgt spid="8">
+                                            <p:txEl>
+                                              <p:pRg st="6" end="6"/>
+                                            </p:txEl>
+                                          </p:spTgt>
+                                        </p:tgtEl>
+                                        <p:attrNameLst>
+                                          <p:attrName>style.visibility</p:attrName>
+                                        </p:attrNameLst>
+                                      </p:cBhvr>
+                                      <p:to>
+                                        <p:strVal val="visible"/>
+                                      </p:to>
+                                    </p:set>
+                                  </p:childTnLst>
+                                </p:cTn>
+                              </p:par>
+                            </p:childTnLst>
+                          </p:cTn>
+                        </p:par>
+                      </p:childTnLst>
+                    </p:cTn>
+                  </p:par>
+                  <p:par>
+                    <p:cTn id="19" fill="hold">
+                      <p:stCondLst>
+                        <p:cond delay="indefinite"/>
+                      </p:stCondLst>
+                      <p:childTnLst>
+                        <p:par>
+                          <p:cTn id="20" fill="hold">
+                            <p:stCondLst>
+                              <p:cond delay="0"/>
+                            </p:stCondLst>
+                            <p:childTnLst>
+                              <p:par>
+                                <p:cTn id="21" presetID="1" presetClass="entr" presetSubtype="0" fill="hold" nodeType="clickEffect">
+                                  <p:stCondLst>
+                                    <p:cond delay="0"/>
+                                  </p:stCondLst>
+                                  <p:childTnLst>
+                                    <p:set>
+                                      <p:cBhvr>
+                                        <p:cTn id="22" dur="1" fill="hold">
+                                          <p:stCondLst>
+                                            <p:cond delay="0"/>
+                                          </p:stCondLst>
+                                        </p:cTn>
+                                        <p:tgtEl>
+                                          <p:spTgt spid="8">
+                                            <p:txEl>
+                                              <p:pRg st="8" end="8"/>
+                                            </p:txEl>
+                                          </p:spTgt>
+                                        </p:tgtEl>
+                                        <p:attrNameLst>
+                                          <p:attrName>style.visibility</p:attrName>
+                                        </p:attrNameLst>
+                                      </p:cBhvr>
+                                      <p:to>
+                                        <p:strVal val="visible"/>
+                                      </p:to>
+                                    </p:set>
+                                  </p:childTnLst>
+                                </p:cTn>
+                              </p:par>
+                            </p:childTnLst>
+                          </p:cTn>
+                        </p:par>
+                      </p:childTnLst>
+                    </p:cTn>
+                  </p:par>
+                  <p:par>
+                    <p:cTn id="23" fill="hold">
+                      <p:stCondLst>
+                        <p:cond delay="indefinite"/>
+                      </p:stCondLst>
+                      <p:childTnLst>
+                        <p:par>
+                          <p:cTn id="24" fill="hold">
+                            <p:stCondLst>
+                              <p:cond delay="0"/>
+                            </p:stCondLst>
+                            <p:childTnLst>
+                              <p:par>
+                                <p:cTn id="25" presetID="1" presetClass="entr" presetSubtype="0" fill="hold" nodeType="clickEffect">
+                                  <p:stCondLst>
+                                    <p:cond delay="0"/>
+                                  </p:stCondLst>
+                                  <p:childTnLst>
+                                    <p:set>
+                                      <p:cBhvr>
+                                        <p:cTn id="26" dur="1" fill="hold">
+                                          <p:stCondLst>
+                                            <p:cond delay="0"/>
+                                          </p:stCondLst>
+                                        </p:cTn>
+                                        <p:tgtEl>
+                                          <p:spTgt spid="8">
+                                            <p:txEl>
+                                              <p:pRg st="10" end="10"/>
+                                            </p:txEl>
+                                          </p:spTgt>
+                                        </p:tgtEl>
+                                        <p:attrNameLst>
+                                          <p:attrName>style.visibility</p:attrName>
+                                        </p:attrNameLst>
+                                      </p:cBhvr>
+                                      <p:to>
+                                        <p:strVal val="visible"/>
+                                      </p:to>
+                                    </p:set>
+                                  </p:childTnLst>
+                                </p:cTn>
+                              </p:par>
+                            </p:childTnLst>
+                          </p:cTn>
+                        </p:par>
+                      </p:childTnLst>
+                    </p:cTn>
+                  </p:par>
+                </p:childTnLst>
+              </p:cTn>
+              <p:prevCondLst>
+                <p:cond evt="onPrev" delay="0">
+                  <p:tgtEl>
+                    <p:sldTgt/>
+                  </p:tgtEl>
+                </p:cond>
+              </p:prevCondLst>
+              <p:nextCondLst>
+                <p:cond evt="onNext" delay="0">
+                  <p:tgtEl>
+                    <p:sldTgt/>
+                  </p:tgtEl>
+                </p:cond>
+              </p:nextCondLst>
+            </p:seq>
+          </p:childTnLst>
+        </p:cTn>
+      </p:par>
+    </p:tnLst>
+  </p:timing>
+</p:sld>
+</file>
+
+<file path=ppt/slides/slide7.xml><?xml version="1.0" encoding="utf-8"?>
+<p:sld xmlns:a="http://schemas.openxmlformats.org/drawingml/2006/main" xmlns:r="http://schemas.openxmlformats.org/officeDocument/2006/relationships" xmlns:p="http://schemas.openxmlformats.org/presentationml/2006/main">
+  <p:cSld>
+    <p:spTree>
+      <p:nvGrpSpPr>
+        <p:cNvPr id="1" name=""/>
+        <p:cNvGrpSpPr/>
+        <p:nvPr/>
+      </p:nvGrpSpPr>
+      <p:grpSpPr>
+        <a:xfrm>
+          <a:off x="0" y="0"/>
+          <a:ext cx="0" cy="0"/>
+          <a:chOff x="0" y="0"/>
+          <a:chExt cx="0" cy="0"/>
+        </a:xfrm>
+      </p:grpSpPr>
+      <p:sp>
+        <p:nvSpPr>
+          <p:cNvPr id="4" name="TextBox 3"/>
+          <p:cNvSpPr txBox="1"/>
+          <p:nvPr/>
+        </p:nvSpPr>
+        <p:spPr>
+          <a:xfrm>
+            <a:off x="275549" y="191702"/>
+            <a:ext cx="6557821" cy="553998"/>
+          </a:xfrm>
+          <a:prstGeom prst="rect">
+            <a:avLst/>
+          </a:prstGeom>
+          <a:noFill/>
+        </p:spPr>
+        <p:txBody>
+          <a:bodyPr wrap="none" rtlCol="0">
+            <a:spAutoFit/>
+          </a:bodyPr>
+          <a:lstStyle/>
+          <a:p>
+            <a:r>
+              <a:rPr lang="en-US" sz="3000" b="1" dirty="0">
+                <a:solidFill>
+                  <a:prstClr val="black"/>
+                </a:solidFill>
+                <a:latin typeface="Times New Roman"/>
+                <a:cs typeface="Times New Roman"/>
+              </a:rPr>
+              <a:t>Diversity in Physics: Visible Minorities</a:t>
+            </a:r>
+            <a:endParaRPr lang="en-US" sz="2400" b="1" dirty="0">
+              <a:solidFill>
+                <a:prstClr val="black"/>
+              </a:solidFill>
+              <a:latin typeface="Times New Roman"/>
+              <a:cs typeface="Times New Roman"/>
+            </a:endParaRPr>
+          </a:p>
+        </p:txBody>
+      </p:sp>
+      <p:sp>
+        <p:nvSpPr>
+          <p:cNvPr id="6" name="TextBox 5">
+            <a:extLst>
+              <a:ext uri="{FF2B5EF4-FFF2-40B4-BE49-F238E27FC236}">
+                <a16:creationId xmlns:a16="http://schemas.microsoft.com/office/drawing/2014/main" id="{878A97EC-2834-8447-A6B8-2F5335C4C2C1}"/>
+              </a:ext>
+            </a:extLst>
+          </p:cNvPr>
+          <p:cNvSpPr txBox="1"/>
+          <p:nvPr/>
+        </p:nvSpPr>
+        <p:spPr>
+          <a:xfrm>
+            <a:off x="539603" y="945629"/>
+            <a:ext cx="8604397" cy="4524315"/>
+          </a:xfrm>
+          <a:prstGeom prst="rect">
+            <a:avLst/>
+          </a:prstGeom>
+          <a:noFill/>
+        </p:spPr>
+        <p:txBody>
+          <a:bodyPr wrap="square" rtlCol="0">
+            <a:spAutoFit/>
+          </a:bodyPr>
+          <a:lstStyle/>
+          <a:p>
+            <a:pPr marL="342900" indent="-342900">
+              <a:buFont typeface="Arial" panose="020B0604020202020204" pitchFamily="34" charset="0"/>
+              <a:buChar char="•"/>
+            </a:pPr>
+            <a:r>
+              <a:rPr lang="en-US" sz="2400" dirty="0">
+                <a:latin typeface="Times New Roman" panose="02020603050405020304" pitchFamily="18" charset="0"/>
+                <a:ea typeface="MS Mincho" panose="02020609040205080304" pitchFamily="49" charset="-128"/>
+                <a:cs typeface="Times New Roman" panose="02020603050405020304" pitchFamily="18" charset="0"/>
+              </a:rPr>
+              <a:t>Experiencing bias due to race, nationality and/or ethnicity</a:t>
+            </a:r>
+          </a:p>
+          <a:p>
+            <a:pPr marL="342900" indent="-342900">
+              <a:buFont typeface="Arial" panose="020B0604020202020204" pitchFamily="34" charset="0"/>
+              <a:buChar char="•"/>
+            </a:pPr>
+            <a:endParaRPr lang="en-US" sz="800" dirty="0">
+              <a:latin typeface="Times New Roman" panose="02020603050405020304" pitchFamily="18" charset="0"/>
+              <a:ea typeface="MS Mincho" panose="02020609040205080304" pitchFamily="49" charset="-128"/>
+              <a:cs typeface="Times New Roman" panose="02020603050405020304" pitchFamily="18" charset="0"/>
+            </a:endParaRPr>
+          </a:p>
+          <a:p>
+            <a:pPr marL="342900" indent="-342900">
+              <a:buFont typeface="Arial" panose="020B0604020202020204" pitchFamily="34" charset="0"/>
+              <a:buChar char="•"/>
+            </a:pPr>
+            <a:r>
+              <a:rPr lang="en-US" sz="2400" dirty="0">
+                <a:latin typeface="Times New Roman" panose="02020603050405020304" pitchFamily="18" charset="0"/>
+                <a:ea typeface="MS Mincho" panose="02020609040205080304" pitchFamily="49" charset="-128"/>
+                <a:cs typeface="Times New Roman" panose="02020603050405020304" pitchFamily="18" charset="0"/>
+              </a:rPr>
+              <a:t>Professional societies are working to address this</a:t>
+            </a:r>
+          </a:p>
+          <a:p>
+            <a:pPr marL="800100" lvl="1" indent="-342900">
+              <a:buFont typeface="Arial" panose="020B0604020202020204" pitchFamily="34" charset="0"/>
+              <a:buChar char="•"/>
+            </a:pPr>
+            <a:r>
+              <a:rPr lang="en-US" sz="2200" dirty="0">
+                <a:latin typeface="Times New Roman" panose="02020603050405020304" pitchFamily="18" charset="0"/>
+                <a:ea typeface="MS Mincho" panose="02020609040205080304" pitchFamily="49" charset="-128"/>
+                <a:cs typeface="Times New Roman" panose="02020603050405020304" pitchFamily="18" charset="0"/>
+                <a:hlinkClick r:id="rId2"/>
+              </a:rPr>
+              <a:t>https://www.aps.org/programs/minorities/</a:t>
+            </a:r>
+            <a:endParaRPr lang="en-US" sz="2200" dirty="0">
+              <a:latin typeface="Times New Roman" panose="02020603050405020304" pitchFamily="18" charset="0"/>
+              <a:ea typeface="MS Mincho" panose="02020609040205080304" pitchFamily="49" charset="-128"/>
+              <a:cs typeface="Times New Roman" panose="02020603050405020304" pitchFamily="18" charset="0"/>
+            </a:endParaRPr>
+          </a:p>
+          <a:p>
+            <a:pPr marL="800100" lvl="1" indent="-342900">
+              <a:buFont typeface="Arial" panose="020B0604020202020204" pitchFamily="34" charset="0"/>
+              <a:buChar char="•"/>
+            </a:pPr>
+            <a:r>
+              <a:rPr lang="en-US" sz="2200" dirty="0">
+                <a:latin typeface="Times New Roman" panose="02020603050405020304" pitchFamily="18" charset="0"/>
+                <a:ea typeface="MS Mincho" panose="02020609040205080304" pitchFamily="49" charset="-128"/>
+                <a:cs typeface="Times New Roman" panose="02020603050405020304" pitchFamily="18" charset="0"/>
+                <a:hlinkClick r:id="rId3"/>
+              </a:rPr>
+              <a:t>https://aas.org/comms/committee-status-minorities-astronomy-csma</a:t>
+            </a:r>
+            <a:endParaRPr lang="en-US" sz="2200" dirty="0">
+              <a:latin typeface="Times New Roman" panose="02020603050405020304" pitchFamily="18" charset="0"/>
+              <a:ea typeface="MS Mincho" panose="02020609040205080304" pitchFamily="49" charset="-128"/>
+              <a:cs typeface="Times New Roman" panose="02020603050405020304" pitchFamily="18" charset="0"/>
+            </a:endParaRPr>
+          </a:p>
+          <a:p>
+            <a:pPr marL="800100" lvl="1" indent="-342900">
+              <a:buFont typeface="Arial" panose="020B0604020202020204" pitchFamily="34" charset="0"/>
+              <a:buChar char="•"/>
+            </a:pPr>
+            <a:r>
+              <a:rPr lang="en-US" sz="2200" dirty="0">
+                <a:latin typeface="Times New Roman" panose="02020603050405020304" pitchFamily="18" charset="0"/>
+                <a:ea typeface="MS Mincho" panose="02020609040205080304" pitchFamily="49" charset="-128"/>
+                <a:cs typeface="Times New Roman" panose="02020603050405020304" pitchFamily="18" charset="0"/>
+                <a:hlinkClick r:id="rId4"/>
+              </a:rPr>
+              <a:t>https://www.nsbp.org</a:t>
+            </a:r>
+            <a:endParaRPr lang="en-US" sz="2200" dirty="0">
+              <a:latin typeface="Times New Roman" panose="02020603050405020304" pitchFamily="18" charset="0"/>
+              <a:ea typeface="MS Mincho" panose="02020609040205080304" pitchFamily="49" charset="-128"/>
+              <a:cs typeface="Times New Roman" panose="02020603050405020304" pitchFamily="18" charset="0"/>
+            </a:endParaRPr>
+          </a:p>
+          <a:p>
+            <a:pPr marL="800100" lvl="1" indent="-342900">
+              <a:buFont typeface="Arial" panose="020B0604020202020204" pitchFamily="34" charset="0"/>
+              <a:buChar char="•"/>
+            </a:pPr>
+            <a:r>
+              <a:rPr lang="en-US" sz="2200" dirty="0">
+                <a:latin typeface="Times New Roman" panose="02020603050405020304" pitchFamily="18" charset="0"/>
+                <a:ea typeface="MS Mincho" panose="02020609040205080304" pitchFamily="49" charset="-128"/>
+                <a:cs typeface="Times New Roman" panose="02020603050405020304" pitchFamily="18" charset="0"/>
+                <a:hlinkClick r:id="rId5"/>
+              </a:rPr>
+              <a:t>http://www.hispanicphysicists.org</a:t>
+            </a:r>
+            <a:endParaRPr lang="en-US" sz="2200" dirty="0">
+              <a:latin typeface="Times New Roman" panose="02020603050405020304" pitchFamily="18" charset="0"/>
+              <a:ea typeface="MS Mincho" panose="02020609040205080304" pitchFamily="49" charset="-128"/>
+              <a:cs typeface="Times New Roman" panose="02020603050405020304" pitchFamily="18" charset="0"/>
+            </a:endParaRPr>
+          </a:p>
+          <a:p>
+            <a:endParaRPr lang="en-US" sz="800" dirty="0">
+              <a:latin typeface="Times New Roman" panose="02020603050405020304" pitchFamily="18" charset="0"/>
+              <a:ea typeface="MS Mincho" panose="02020609040205080304" pitchFamily="49" charset="-128"/>
+              <a:cs typeface="Times New Roman" panose="02020603050405020304" pitchFamily="18" charset="0"/>
+            </a:endParaRPr>
+          </a:p>
+          <a:p>
+            <a:pPr marL="342900" indent="-342900">
+              <a:buFont typeface="Arial" panose="020B0604020202020204" pitchFamily="34" charset="0"/>
+              <a:buChar char="•"/>
+            </a:pPr>
+            <a:r>
+              <a:rPr lang="en-US" sz="2400" dirty="0">
+                <a:latin typeface="Times New Roman" panose="02020603050405020304" pitchFamily="18" charset="0"/>
+                <a:ea typeface="MS Mincho" panose="02020609040205080304" pitchFamily="49" charset="-128"/>
+                <a:cs typeface="Times New Roman" panose="02020603050405020304" pitchFamily="18" charset="0"/>
+              </a:rPr>
+              <a:t>What can we do to reduce the incidence and impact of bias due to race, nationality and/or ethnicity? </a:t>
+            </a:r>
+            <a:r>
+              <a:rPr lang="en-US" sz="2400" dirty="0">
+                <a:solidFill>
+                  <a:prstClr val="black"/>
+                </a:solidFill>
+                <a:latin typeface="Times New Roman"/>
+                <a:cs typeface="Times New Roman"/>
+              </a:rPr>
+              <a:t>(</a:t>
+            </a:r>
+            <a:r>
+              <a:rPr lang="en-US" sz="2400" i="1" dirty="0">
+                <a:solidFill>
+                  <a:prstClr val="black"/>
+                </a:solidFill>
+                <a:latin typeface="Times New Roman"/>
+                <a:cs typeface="Times New Roman"/>
+              </a:rPr>
+              <a:t>Group discussion</a:t>
+            </a:r>
+            <a:r>
+              <a:rPr lang="en-US" sz="2400" dirty="0">
+                <a:solidFill>
+                  <a:prstClr val="black"/>
+                </a:solidFill>
+                <a:latin typeface="Times New Roman"/>
+                <a:cs typeface="Times New Roman"/>
+              </a:rPr>
+              <a:t>)</a:t>
+            </a:r>
+            <a:endParaRPr lang="en-US" sz="2400" dirty="0">
+              <a:latin typeface="Times New Roman" panose="02020603050405020304" pitchFamily="18" charset="0"/>
+              <a:ea typeface="MS Mincho" panose="02020609040205080304" pitchFamily="49" charset="-128"/>
+              <a:cs typeface="Times New Roman" panose="02020603050405020304" pitchFamily="18" charset="0"/>
+            </a:endParaRPr>
+          </a:p>
+          <a:p>
+            <a:pPr marL="800100" lvl="1" indent="-342900">
+              <a:buFont typeface="Arial" panose="020B0604020202020204" pitchFamily="34" charset="0"/>
+              <a:buChar char="•"/>
+            </a:pPr>
+            <a:r>
+              <a:rPr lang="en-US" sz="2200" dirty="0">
+                <a:latin typeface="Times New Roman" panose="02020603050405020304" pitchFamily="18" charset="0"/>
+                <a:ea typeface="MS Mincho" panose="02020609040205080304" pitchFamily="49" charset="-128"/>
+                <a:cs typeface="Times New Roman" panose="02020603050405020304" pitchFamily="18" charset="0"/>
+              </a:rPr>
+              <a:t>On an individual level</a:t>
+            </a:r>
+          </a:p>
+          <a:p>
+            <a:pPr marL="800100" lvl="1" indent="-342900">
+              <a:buFont typeface="Arial" panose="020B0604020202020204" pitchFamily="34" charset="0"/>
+              <a:buChar char="•"/>
+            </a:pPr>
+            <a:r>
+              <a:rPr lang="en-US" sz="2200" dirty="0">
+                <a:latin typeface="Times New Roman" panose="02020603050405020304" pitchFamily="18" charset="0"/>
+                <a:ea typeface="MS Mincho" panose="02020609040205080304" pitchFamily="49" charset="-128"/>
+                <a:cs typeface="Times New Roman" panose="02020603050405020304" pitchFamily="18" charset="0"/>
+              </a:rPr>
+              <a:t>On a department level</a:t>
+            </a:r>
+          </a:p>
+          <a:p>
+            <a:pPr marL="800100" lvl="1" indent="-342900">
+              <a:buFont typeface="Arial" panose="020B0604020202020204" pitchFamily="34" charset="0"/>
+              <a:buChar char="•"/>
+            </a:pPr>
+            <a:r>
+              <a:rPr lang="en-US" sz="2200" dirty="0">
+                <a:latin typeface="Times New Roman" panose="02020603050405020304" pitchFamily="18" charset="0"/>
+                <a:ea typeface="MS Mincho" panose="02020609040205080304" pitchFamily="49" charset="-128"/>
+                <a:cs typeface="Times New Roman" panose="02020603050405020304" pitchFamily="18" charset="0"/>
+              </a:rPr>
+              <a:t>On a university level</a:t>
+            </a:r>
+          </a:p>
+          <a:p>
+            <a:pPr marL="800100" lvl="1" indent="-342900">
+              <a:buFont typeface="Arial" panose="020B0604020202020204" pitchFamily="34" charset="0"/>
+              <a:buChar char="•"/>
+            </a:pPr>
+            <a:r>
+              <a:rPr lang="en-US" sz="2200" dirty="0">
+                <a:latin typeface="Times New Roman" panose="02020603050405020304" pitchFamily="18" charset="0"/>
+                <a:ea typeface="MS Mincho" panose="02020609040205080304" pitchFamily="49" charset="-128"/>
+                <a:cs typeface="Times New Roman" panose="02020603050405020304" pitchFamily="18" charset="0"/>
+              </a:rPr>
+              <a:t>On a community level</a:t>
+            </a:r>
+          </a:p>
+        </p:txBody>
+      </p:sp>
+    </p:spTree>
+    <p:extLst>
+      <p:ext uri="{BB962C8B-B14F-4D97-AF65-F5344CB8AC3E}">
+        <p14:creationId xmlns:p14="http://schemas.microsoft.com/office/powerpoint/2010/main" val="4222932186"/>
+      </p:ext>
+    </p:extLst>
+  </p:cSld>
+  <p:clrMapOvr>
+    <a:masterClrMapping/>
+  </p:clrMapOvr>
+  <p:timing>
+    <p:tnLst>
+      <p:par>
+        <p:cTn id="1" dur="indefinite" restart="never" nodeType="tmRoot">
+          <p:childTnLst>
+            <p:seq concurrent="1" nextAc="seek">
+              <p:cTn id="2" dur="indefinite" nodeType="mainSeq">
+                <p:childTnLst>
+                  <p:par>
+                    <p:cTn id="3" fill="hold">
+                      <p:stCondLst>
+                        <p:cond delay="indefinite"/>
+                      </p:stCondLst>
+                      <p:childTnLst>
+                        <p:par>
+                          <p:cTn id="4" fill="hold">
+                            <p:stCondLst>
+                              <p:cond delay="0"/>
+                            </p:stCondLst>
+                            <p:childTnLst>
+                              <p:par>
+                                <p:cTn id="5" presetID="1" presetClass="entr" presetSubtype="0" fill="hold" nodeType="clickEffect">
+                                  <p:stCondLst>
+                                    <p:cond delay="0"/>
+                                  </p:stCondLst>
+                                  <p:childTnLst>
+                                    <p:set>
+                                      <p:cBhvr>
+                                        <p:cTn id="6" dur="1" fill="hold">
+                                          <p:stCondLst>
+                                            <p:cond delay="0"/>
+                                          </p:stCondLst>
+                                        </p:cTn>
+                                        <p:tgtEl>
+                                          <p:spTgt spid="6">
+                                            <p:txEl>
+                                              <p:pRg st="0" end="0"/>
+                                            </p:txEl>
+                                          </p:spTgt>
+                                        </p:tgtEl>
+                                        <p:attrNameLst>
+                                          <p:attrName>style.visibility</p:attrName>
+                                        </p:attrNameLst>
+                                      </p:cBhvr>
+                                      <p:to>
+                                        <p:strVal val="visible"/>
+                                      </p:to>
+                                    </p:set>
+                                  </p:childTnLst>
+                                </p:cTn>
+                              </p:par>
+                              <p:par>
+                                <p:cTn id="7" presetID="1" presetClass="entr" presetSubtype="0" fill="hold" nodeType="withEffect">
+                                  <p:stCondLst>
+                                    <p:cond delay="0"/>
+                                  </p:stCondLst>
+                                  <p:childTnLst>
+                                    <p:set>
+                                      <p:cBhvr>
+                                        <p:cTn id="8" dur="1" fill="hold">
+                                          <p:stCondLst>
+                                            <p:cond delay="0"/>
+                                          </p:stCondLst>
+                                        </p:cTn>
+                                        <p:tgtEl>
+                                          <p:spTgt spid="6">
+                                            <p:txEl>
+                                              <p:pRg st="2" end="2"/>
+                                            </p:txEl>
+                                          </p:spTgt>
+                                        </p:tgtEl>
+                                        <p:attrNameLst>
+                                          <p:attrName>style.visibility</p:attrName>
+                                        </p:attrNameLst>
+                                      </p:cBhvr>
+                                      <p:to>
+                                        <p:strVal val="visible"/>
+                                      </p:to>
+                                    </p:set>
+                                  </p:childTnLst>
+                                </p:cTn>
+                              </p:par>
+                              <p:par>
+                                <p:cTn id="9" presetID="1" presetClass="entr" presetSubtype="0" fill="hold" nodeType="withEffect">
+                                  <p:stCondLst>
+                                    <p:cond delay="0"/>
+                                  </p:stCondLst>
+                                  <p:childTnLst>
+                                    <p:set>
+                                      <p:cBhvr>
+                                        <p:cTn id="10" dur="1" fill="hold">
+                                          <p:stCondLst>
+                                            <p:cond delay="0"/>
+                                          </p:stCondLst>
+                                        </p:cTn>
+                                        <p:tgtEl>
+                                          <p:spTgt spid="6">
+                                            <p:txEl>
+                                              <p:pRg st="3" end="3"/>
+                                            </p:txEl>
+                                          </p:spTgt>
+                                        </p:tgtEl>
+                                        <p:attrNameLst>
+                                          <p:attrName>style.visibility</p:attrName>
+                                        </p:attrNameLst>
+                                      </p:cBhvr>
+                                      <p:to>
+                                        <p:strVal val="visible"/>
+                                      </p:to>
+                                    </p:set>
+                                  </p:childTnLst>
+                                </p:cTn>
+                              </p:par>
+                              <p:par>
+                                <p:cTn id="11" presetID="1" presetClass="entr" presetSubtype="0" fill="hold" nodeType="withEffect">
+                                  <p:stCondLst>
+                                    <p:cond delay="0"/>
+                                  </p:stCondLst>
+                                  <p:childTnLst>
+                                    <p:set>
+                                      <p:cBhvr>
+                                        <p:cTn id="12" dur="1" fill="hold">
+                                          <p:stCondLst>
+                                            <p:cond delay="0"/>
+                                          </p:stCondLst>
+                                        </p:cTn>
+                                        <p:tgtEl>
+                                          <p:spTgt spid="6">
+                                            <p:txEl>
+                                              <p:pRg st="4" end="4"/>
+                                            </p:txEl>
+                                          </p:spTgt>
+                                        </p:tgtEl>
+                                        <p:attrNameLst>
+                                          <p:attrName>style.visibility</p:attrName>
+                                        </p:attrNameLst>
+                                      </p:cBhvr>
+                                      <p:to>
+                                        <p:strVal val="visible"/>
+                                      </p:to>
+                                    </p:set>
+                                  </p:childTnLst>
+                                </p:cTn>
+                              </p:par>
+                              <p:par>
+                                <p:cTn id="13" presetID="1" presetClass="entr" presetSubtype="0" fill="hold" nodeType="withEffect">
+                                  <p:stCondLst>
+                                    <p:cond delay="0"/>
+                                  </p:stCondLst>
+                                  <p:childTnLst>
+                                    <p:set>
+                                      <p:cBhvr>
+                                        <p:cTn id="14" dur="1" fill="hold">
+                                          <p:stCondLst>
+                                            <p:cond delay="0"/>
+                                          </p:stCondLst>
+                                        </p:cTn>
+                                        <p:tgtEl>
+                                          <p:spTgt spid="6">
+                                            <p:txEl>
+                                              <p:pRg st="5" end="5"/>
+                                            </p:txEl>
+                                          </p:spTgt>
+                                        </p:tgtEl>
+                                        <p:attrNameLst>
+                                          <p:attrName>style.visibility</p:attrName>
+                                        </p:attrNameLst>
+                                      </p:cBhvr>
+                                      <p:to>
+                                        <p:strVal val="visible"/>
+                                      </p:to>
+                                    </p:set>
+                                  </p:childTnLst>
+                                </p:cTn>
+                              </p:par>
+                              <p:par>
+                                <p:cTn id="15" presetID="1" presetClass="entr" presetSubtype="0" fill="hold" nodeType="withEffect">
+                                  <p:stCondLst>
+                                    <p:cond delay="0"/>
+                                  </p:stCondLst>
+                                  <p:childTnLst>
+                                    <p:set>
+                                      <p:cBhvr>
+                                        <p:cTn id="16" dur="1" fill="hold">
+                                          <p:stCondLst>
+                                            <p:cond delay="0"/>
+                                          </p:stCondLst>
+                                        </p:cTn>
+                                        <p:tgtEl>
+                                          <p:spTgt spid="6">
+                                            <p:txEl>
+                                              <p:pRg st="6" end="6"/>
+                                            </p:txEl>
+                                          </p:spTgt>
+                                        </p:tgtEl>
+                                        <p:attrNameLst>
+                                          <p:attrName>style.visibility</p:attrName>
+                                        </p:attrNameLst>
+                                      </p:cBhvr>
+                                      <p:to>
+                                        <p:strVal val="visible"/>
+                                      </p:to>
+                                    </p:set>
+                                  </p:childTnLst>
+                                </p:cTn>
+                              </p:par>
+                            </p:childTnLst>
+                          </p:cTn>
+                        </p:par>
+                      </p:childTnLst>
+                    </p:cTn>
+                  </p:par>
+                  <p:par>
+                    <p:cTn id="17" fill="hold">
+                      <p:stCondLst>
+                        <p:cond delay="indefinite"/>
+                      </p:stCondLst>
+                      <p:childTnLst>
+                        <p:par>
+                          <p:cTn id="18" fill="hold">
+                            <p:stCondLst>
+                              <p:cond delay="0"/>
+                            </p:stCondLst>
+                            <p:childTnLst>
+                              <p:par>
+                                <p:cTn id="19" presetID="1" presetClass="entr" presetSubtype="0" fill="hold" nodeType="clickEffect">
+                                  <p:stCondLst>
+                                    <p:cond delay="0"/>
+                                  </p:stCondLst>
+                                  <p:childTnLst>
+                                    <p:set>
+                                      <p:cBhvr>
+                                        <p:cTn id="20" dur="1" fill="hold">
+                                          <p:stCondLst>
+                                            <p:cond delay="0"/>
+                                          </p:stCondLst>
+                                        </p:cTn>
+                                        <p:tgtEl>
+                                          <p:spTgt spid="6">
+                                            <p:txEl>
+                                              <p:pRg st="8" end="8"/>
+                                            </p:txEl>
+                                          </p:spTgt>
+                                        </p:tgtEl>
+                                        <p:attrNameLst>
+                                          <p:attrName>style.visibility</p:attrName>
+                                        </p:attrNameLst>
+                                      </p:cBhvr>
+                                      <p:to>
+                                        <p:strVal val="visible"/>
+                                      </p:to>
+                                    </p:set>
+                                  </p:childTnLst>
+                                </p:cTn>
+                              </p:par>
+                              <p:par>
+                                <p:cTn id="21" presetID="1" presetClass="entr" presetSubtype="0" fill="hold" nodeType="withEffect">
+                                  <p:stCondLst>
+                                    <p:cond delay="0"/>
+                                  </p:stCondLst>
+                                  <p:childTnLst>
+                                    <p:set>
+                                      <p:cBhvr>
+                                        <p:cTn id="22" dur="1" fill="hold">
+                                          <p:stCondLst>
+                                            <p:cond delay="0"/>
+                                          </p:stCondLst>
+                                        </p:cTn>
+                                        <p:tgtEl>
+                                          <p:spTgt spid="6">
+                                            <p:txEl>
+                                              <p:pRg st="9" end="9"/>
+                                            </p:txEl>
+                                          </p:spTgt>
+                                        </p:tgtEl>
+                                        <p:attrNameLst>
+                                          <p:attrName>style.visibility</p:attrName>
+                                        </p:attrNameLst>
+                                      </p:cBhvr>
+                                      <p:to>
+                                        <p:strVal val="visible"/>
+                                      </p:to>
+                                    </p:set>
+                                  </p:childTnLst>
+                                </p:cTn>
+                              </p:par>
+                              <p:par>
+                                <p:cTn id="23" presetID="1" presetClass="entr" presetSubtype="0" fill="hold" nodeType="withEffect">
+                                  <p:stCondLst>
+                                    <p:cond delay="0"/>
+                                  </p:stCondLst>
+                                  <p:childTnLst>
+                                    <p:set>
+                                      <p:cBhvr>
+                                        <p:cTn id="24" dur="1" fill="hold">
+                                          <p:stCondLst>
+                                            <p:cond delay="0"/>
+                                          </p:stCondLst>
+                                        </p:cTn>
+                                        <p:tgtEl>
+                                          <p:spTgt spid="6">
+                                            <p:txEl>
+                                              <p:pRg st="10" end="10"/>
+                                            </p:txEl>
+                                          </p:spTgt>
+                                        </p:tgtEl>
+                                        <p:attrNameLst>
+                                          <p:attrName>style.visibility</p:attrName>
+                                        </p:attrNameLst>
+                                      </p:cBhvr>
+                                      <p:to>
+                                        <p:strVal val="visible"/>
+                                      </p:to>
+                                    </p:set>
+                                  </p:childTnLst>
+                                </p:cTn>
+                              </p:par>
+                              <p:par>
+                                <p:cTn id="25" presetID="1" presetClass="entr" presetSubtype="0" fill="hold" nodeType="withEffect">
+                                  <p:stCondLst>
+                                    <p:cond delay="0"/>
+                                  </p:stCondLst>
+                                  <p:childTnLst>
+                                    <p:set>
+                                      <p:cBhvr>
+                                        <p:cTn id="26" dur="1" fill="hold">
+                                          <p:stCondLst>
+                                            <p:cond delay="0"/>
+                                          </p:stCondLst>
+                                        </p:cTn>
+                                        <p:tgtEl>
+                                          <p:spTgt spid="6">
+                                            <p:txEl>
+                                              <p:pRg st="11" end="11"/>
+                                            </p:txEl>
+                                          </p:spTgt>
+                                        </p:tgtEl>
+                                        <p:attrNameLst>
+                                          <p:attrName>style.visibility</p:attrName>
+                                        </p:attrNameLst>
+                                      </p:cBhvr>
+                                      <p:to>
+                                        <p:strVal val="visible"/>
+                                      </p:to>
+                                    </p:set>
+                                  </p:childTnLst>
+                                </p:cTn>
+                              </p:par>
+                              <p:par>
+                                <p:cTn id="27" presetID="1" presetClass="entr" presetSubtype="0" fill="hold" nodeType="withEffect">
+                                  <p:stCondLst>
+                                    <p:cond delay="0"/>
+                                  </p:stCondLst>
+                                  <p:childTnLst>
+                                    <p:set>
+                                      <p:cBhvr>
+                                        <p:cTn id="28" dur="1" fill="hold">
+                                          <p:stCondLst>
+                                            <p:cond delay="0"/>
+                                          </p:stCondLst>
+                                        </p:cTn>
+                                        <p:tgtEl>
+                                          <p:spTgt spid="6">
+                                            <p:txEl>
+                                              <p:pRg st="12" end="12"/>
+                                            </p:txEl>
+                                          </p:spTgt>
+                                        </p:tgtEl>
+                                        <p:attrNameLst>
+                                          <p:attrName>style.visibility</p:attrName>
+                                        </p:attrNameLst>
+                                      </p:cBhvr>
+                                      <p:to>
+                                        <p:strVal val="visible"/>
+                                      </p:to>
+                                    </p:set>
+                                  </p:childTnLst>
+                                </p:cTn>
+                              </p:par>
+                            </p:childTnLst>
+                          </p:cTn>
+                        </p:par>
+                      </p:childTnLst>
+                    </p:cTn>
+                  </p:par>
+                </p:childTnLst>
+              </p:cTn>
+              <p:prevCondLst>
+                <p:cond evt="onPrev" delay="0">
+                  <p:tgtEl>
+                    <p:sldTgt/>
+                  </p:tgtEl>
+                </p:cond>
+              </p:prevCondLst>
+              <p:nextCondLst>
+                <p:cond evt="onNext" delay="0">
+                  <p:tgtEl>
+                    <p:sldTgt/>
+                  </p:tgtEl>
+                </p:cond>
+              </p:nextCondLst>
+            </p:seq>
+          </p:childTnLst>
+        </p:cTn>
+      </p:par>
+    </p:tnLst>
+  </p:timing>
+</p:sld>
+</file>
+
+<file path=ppt/slides/slide8.xml><?xml version="1.0" encoding="utf-8"?>
+<p:sld xmlns:a="http://schemas.openxmlformats.org/drawingml/2006/main" xmlns:r="http://schemas.openxmlformats.org/officeDocument/2006/relationships" xmlns:p="http://schemas.openxmlformats.org/presentationml/2006/main">
+  <p:cSld>
+    <p:spTree>
+      <p:nvGrpSpPr>
+        <p:cNvPr id="1" name=""/>
+        <p:cNvGrpSpPr/>
+        <p:nvPr/>
+      </p:nvGrpSpPr>
+      <p:grpSpPr>
+        <a:xfrm>
+          <a:off x="0" y="0"/>
+          <a:ext cx="0" cy="0"/>
+          <a:chOff x="0" y="0"/>
+          <a:chExt cx="0" cy="0"/>
+        </a:xfrm>
+      </p:grpSpPr>
+      <p:sp>
+        <p:nvSpPr>
+          <p:cNvPr id="4" name="TextBox 3"/>
+          <p:cNvSpPr txBox="1"/>
+          <p:nvPr/>
+        </p:nvSpPr>
+        <p:spPr>
+          <a:xfrm>
+            <a:off x="275549" y="191702"/>
+            <a:ext cx="6679521" cy="553998"/>
+          </a:xfrm>
+          <a:prstGeom prst="rect">
+            <a:avLst/>
+          </a:prstGeom>
+          <a:noFill/>
+        </p:spPr>
+        <p:txBody>
+          <a:bodyPr wrap="none" rtlCol="0">
+            <a:spAutoFit/>
+          </a:bodyPr>
+          <a:lstStyle/>
+          <a:p>
+            <a:r>
+              <a:rPr lang="en-US" sz="3000" b="1" dirty="0">
+                <a:solidFill>
+                  <a:prstClr val="black"/>
+                </a:solidFill>
+                <a:latin typeface="Times New Roman"/>
+                <a:cs typeface="Times New Roman"/>
+              </a:rPr>
+              <a:t>Diversity in Physics: Gender Minorities</a:t>
+            </a:r>
+            <a:endParaRPr lang="en-US" sz="2400" b="1" dirty="0">
+              <a:solidFill>
+                <a:prstClr val="black"/>
+              </a:solidFill>
+              <a:latin typeface="Times New Roman"/>
+              <a:cs typeface="Times New Roman"/>
+            </a:endParaRPr>
+          </a:p>
+        </p:txBody>
+      </p:sp>
+      <p:pic>
+        <p:nvPicPr>
+          <p:cNvPr id="7" name="Picture 4">
+            <a:extLst>
+              <a:ext uri="{FF2B5EF4-FFF2-40B4-BE49-F238E27FC236}">
+                <a16:creationId xmlns:a16="http://schemas.microsoft.com/office/drawing/2014/main" id="{3479CF16-3D39-AD49-95AF-44EEA347F893}"/>
+              </a:ext>
+            </a:extLst>
+          </p:cNvPr>
+          <p:cNvPicPr>
+            <a:picLocks noChangeAspect="1" noChangeArrowheads="1"/>
+          </p:cNvPicPr>
+          <p:nvPr/>
+        </p:nvPicPr>
+        <p:blipFill>
+          <a:blip r:embed="rId2">
+            <a:extLst>
+              <a:ext uri="{28A0092B-C50C-407E-A947-70E740481C1C}">
+                <a14:useLocalDpi xmlns:a14="http://schemas.microsoft.com/office/drawing/2010/main" val="0"/>
+              </a:ext>
+            </a:extLst>
+          </a:blip>
+          <a:srcRect/>
+          <a:stretch>
+            <a:fillRect/>
+          </a:stretch>
+        </p:blipFill>
+        <p:spPr bwMode="auto">
+          <a:xfrm>
+            <a:off x="418053" y="863805"/>
+            <a:ext cx="8226714" cy="5590760"/>
+          </a:xfrm>
+          <a:prstGeom prst="rect">
+            <a:avLst/>
+          </a:prstGeom>
+          <a:noFill/>
+          <a:ln>
+            <a:noFill/>
+          </a:ln>
+          <a:effectLst/>
+          <a:extLst>
+            <a:ext uri="{909E8E84-426E-40DD-AFC4-6F175D3DCCD1}">
+              <a14:hiddenFill xmlns:a14="http://schemas.microsoft.com/office/drawing/2010/main">
+                <a:blipFill dpi="0" rotWithShape="0">
+                  <a:blip/>
+                  <a:srcRect/>
+                  <a:stretch>
+                    <a:fillRect/>
+                  </a:stretch>
+                </a:blipFill>
+              </a14:hiddenFill>
+            </a:ext>
+            <a:ext uri="{91240B29-F687-4F45-9708-019B960494DF}">
+              <a14:hiddenLine xmlns:a14="http://schemas.microsoft.com/office/drawing/2010/main" w="9525" cap="flat">
+                <a:solidFill>
+                  <a:srgbClr val="808080"/>
+                </a:solidFill>
+                <a:round/>
+                <a:headEnd/>
+                <a:tailEnd/>
+              </a14:hiddenLine>
+            </a:ext>
+            <a:ext uri="{AF507438-7753-43E0-B8FC-AC1667EBCBE1}">
+              <a14:hiddenEffects xmlns:a14="http://schemas.microsoft.com/office/drawing/2010/main">
+                <a:effectLst>
+                  <a:outerShdw blurRad="63500" dist="38099" dir="2700000" algn="ctr" rotWithShape="0">
+                    <a:srgbClr val="000000">
+                      <a:alpha val="74998"/>
+                    </a:srgbClr>
+                  </a:outerShdw>
+                </a:effectLst>
+              </a14:hiddenEffects>
+            </a:ext>
+          </a:extLst>
+        </p:spPr>
+      </p:pic>
+    </p:spTree>
+    <p:extLst>
+      <p:ext uri="{BB962C8B-B14F-4D97-AF65-F5344CB8AC3E}">
+        <p14:creationId xmlns:p14="http://schemas.microsoft.com/office/powerpoint/2010/main" val="3139156813"/>
+      </p:ext>
+    </p:extLst>
+  </p:cSld>
+  <p:clrMapOvr>
+    <a:masterClrMapping/>
+  </p:clrMapOvr>
+</p:sld>
+</file>
+
+<file path=ppt/slides/slide9.xml><?xml version="1.0" encoding="utf-8"?>
+<p:sld xmlns:a="http://schemas.openxmlformats.org/drawingml/2006/main" xmlns:r="http://schemas.openxmlformats.org/officeDocument/2006/relationships" xmlns:p="http://schemas.openxmlformats.org/presentationml/2006/main">
+  <p:cSld>
+    <p:spTree>
+      <p:nvGrpSpPr>
+        <p:cNvPr id="1" name=""/>
+        <p:cNvGrpSpPr/>
+        <p:nvPr/>
+      </p:nvGrpSpPr>
+      <p:grpSpPr>
+        <a:xfrm>
+          <a:off x="0" y="0"/>
+          <a:ext cx="0" cy="0"/>
+          <a:chOff x="0" y="0"/>
+          <a:chExt cx="0" cy="0"/>
+        </a:xfrm>
+      </p:grpSpPr>
+      <p:sp>
+        <p:nvSpPr>
+          <p:cNvPr id="4" name="TextBox 3"/>
+          <p:cNvSpPr txBox="1"/>
+          <p:nvPr/>
+        </p:nvSpPr>
+        <p:spPr>
+          <a:xfrm>
+            <a:off x="275549" y="191702"/>
+            <a:ext cx="6679521" cy="553998"/>
+          </a:xfrm>
+          <a:prstGeom prst="rect">
+            <a:avLst/>
+          </a:prstGeom>
+          <a:noFill/>
+        </p:spPr>
+        <p:txBody>
+          <a:bodyPr wrap="none" rtlCol="0">
+            <a:spAutoFit/>
+          </a:bodyPr>
+          <a:lstStyle/>
+          <a:p>
+            <a:r>
+              <a:rPr lang="en-US" sz="3000" b="1" dirty="0">
+                <a:solidFill>
+                  <a:prstClr val="black"/>
+                </a:solidFill>
+                <a:latin typeface="Times New Roman"/>
+                <a:cs typeface="Times New Roman"/>
+              </a:rPr>
+              <a:t>Diversity in Physics: Gender Minorities</a:t>
+            </a:r>
+            <a:endParaRPr lang="en-US" sz="2400" b="1" dirty="0">
+              <a:solidFill>
+                <a:prstClr val="black"/>
+              </a:solidFill>
+              <a:latin typeface="Times New Roman"/>
+              <a:cs typeface="Times New Roman"/>
+            </a:endParaRPr>
+          </a:p>
+        </p:txBody>
+      </p:sp>
+      <p:pic>
+        <p:nvPicPr>
+          <p:cNvPr id="5" name="Picture 3">
+            <a:extLst>
+              <a:ext uri="{FF2B5EF4-FFF2-40B4-BE49-F238E27FC236}">
+                <a16:creationId xmlns:a16="http://schemas.microsoft.com/office/drawing/2014/main" id="{68A13E75-ADF9-DC4B-98ED-99BE2F5AAAEF}"/>
+              </a:ext>
+            </a:extLst>
+          </p:cNvPr>
+          <p:cNvPicPr>
+            <a:picLocks noChangeAspect="1" noChangeArrowheads="1"/>
+          </p:cNvPicPr>
+          <p:nvPr/>
+        </p:nvPicPr>
+        <p:blipFill rotWithShape="1">
+          <a:blip r:embed="rId2">
+            <a:extLst>
+              <a:ext uri="{28A0092B-C50C-407E-A947-70E740481C1C}">
+                <a14:useLocalDpi xmlns:a14="http://schemas.microsoft.com/office/drawing/2010/main" val="0"/>
+              </a:ext>
+            </a:extLst>
+          </a:blip>
+          <a:srcRect b="25154"/>
+          <a:stretch/>
+        </p:blipFill>
+        <p:spPr bwMode="auto">
+          <a:xfrm>
+            <a:off x="216174" y="4032601"/>
+            <a:ext cx="4300538" cy="2560523"/>
+          </a:xfrm>
+          <a:prstGeom prst="rect">
+            <a:avLst/>
+          </a:prstGeom>
+          <a:noFill/>
+          <a:ln>
+            <a:noFill/>
+          </a:ln>
+          <a:effectLst/>
+          <a:extLst>
+            <a:ext uri="{909E8E84-426E-40DD-AFC4-6F175D3DCCD1}">
+              <a14:hiddenFill xmlns:a14="http://schemas.microsoft.com/office/drawing/2010/main">
+                <a:blipFill dpi="0" rotWithShape="0">
+                  <a:blip/>
+                  <a:srcRect/>
+                  <a:stretch>
+                    <a:fillRect/>
+                  </a:stretch>
+                </a:blipFill>
+              </a14:hiddenFill>
+            </a:ext>
+            <a:ext uri="{91240B29-F687-4F45-9708-019B960494DF}">
+              <a14:hiddenLine xmlns:a14="http://schemas.microsoft.com/office/drawing/2010/main" w="9525" cap="flat">
+                <a:solidFill>
+                  <a:srgbClr val="808080"/>
+                </a:solidFill>
+                <a:round/>
+                <a:headEnd/>
+                <a:tailEnd/>
+              </a14:hiddenLine>
+            </a:ext>
+            <a:ext uri="{AF507438-7753-43E0-B8FC-AC1667EBCBE1}">
+              <a14:hiddenEffects xmlns:a14="http://schemas.microsoft.com/office/drawing/2010/main">
+                <a:effectLst>
+                  <a:outerShdw blurRad="63500" dist="38099" dir="2700000" algn="ctr" rotWithShape="0">
+                    <a:srgbClr val="000000">
+                      <a:alpha val="74998"/>
+                    </a:srgbClr>
+                  </a:outerShdw>
+                </a:effectLst>
+              </a14:hiddenEffects>
+            </a:ext>
+          </a:extLst>
+        </p:spPr>
+      </p:pic>
+      <p:sp>
+        <p:nvSpPr>
+          <p:cNvPr id="6" name="TextBox 5">
+            <a:extLst>
+              <a:ext uri="{FF2B5EF4-FFF2-40B4-BE49-F238E27FC236}">
+                <a16:creationId xmlns:a16="http://schemas.microsoft.com/office/drawing/2014/main" id="{80A24032-1FF5-2340-BF4F-86A5459B8F08}"/>
+              </a:ext>
+            </a:extLst>
+          </p:cNvPr>
+          <p:cNvSpPr txBox="1"/>
+          <p:nvPr/>
+        </p:nvSpPr>
+        <p:spPr>
+          <a:xfrm>
+            <a:off x="539603" y="945629"/>
+            <a:ext cx="8450017" cy="3046988"/>
+          </a:xfrm>
+          <a:prstGeom prst="rect">
+            <a:avLst/>
+          </a:prstGeom>
+          <a:noFill/>
+        </p:spPr>
+        <p:txBody>
+          <a:bodyPr wrap="square" rtlCol="0">
+            <a:spAutoFit/>
+          </a:bodyPr>
+          <a:lstStyle/>
+          <a:p>
+            <a:pPr marL="342900" indent="-342900">
+              <a:buFont typeface="Arial" panose="020B0604020202020204" pitchFamily="34" charset="0"/>
+              <a:buChar char="•"/>
+            </a:pPr>
+            <a:r>
+              <a:rPr lang="en-US" sz="2400" dirty="0">
+                <a:latin typeface="Times New Roman" panose="02020603050405020304" pitchFamily="18" charset="0"/>
+                <a:ea typeface="MS Mincho" panose="02020609040205080304" pitchFamily="49" charset="-128"/>
+                <a:cs typeface="Times New Roman" panose="02020603050405020304" pitchFamily="18" charset="0"/>
+              </a:rPr>
+              <a:t>Peer-reviewed research: “</a:t>
+            </a:r>
+            <a:r>
+              <a:rPr lang="en-US" sz="2400" i="1" dirty="0">
+                <a:latin typeface="Times New Roman" panose="02020603050405020304" pitchFamily="18" charset="0"/>
+                <a:ea typeface="MS Mincho" panose="02020609040205080304" pitchFamily="49" charset="-128"/>
+                <a:cs typeface="Times New Roman" panose="02020603050405020304" pitchFamily="18" charset="0"/>
+              </a:rPr>
+              <a:t>Science faculty’s subtle gender biases favor male students</a:t>
+            </a:r>
+            <a:r>
+              <a:rPr lang="en-US" sz="2400" dirty="0">
+                <a:latin typeface="Times New Roman" panose="02020603050405020304" pitchFamily="18" charset="0"/>
+                <a:ea typeface="MS Mincho" panose="02020609040205080304" pitchFamily="49" charset="-128"/>
+                <a:cs typeface="Times New Roman" panose="02020603050405020304" pitchFamily="18" charset="0"/>
+              </a:rPr>
+              <a:t>” </a:t>
+            </a:r>
+            <a:r>
+              <a:rPr lang="en-US" sz="2200" dirty="0">
+                <a:latin typeface="Times New Roman" panose="02020603050405020304" pitchFamily="18" charset="0"/>
+                <a:ea typeface="MS Mincho" panose="02020609040205080304" pitchFamily="49" charset="-128"/>
+                <a:cs typeface="Times New Roman" panose="02020603050405020304" pitchFamily="18" charset="0"/>
+              </a:rPr>
+              <a:t>(Moss-</a:t>
+            </a:r>
+            <a:r>
+              <a:rPr lang="en-US" sz="2200" dirty="0" err="1">
+                <a:latin typeface="Times New Roman" panose="02020603050405020304" pitchFamily="18" charset="0"/>
+                <a:ea typeface="MS Mincho" panose="02020609040205080304" pitchFamily="49" charset="-128"/>
+                <a:cs typeface="Times New Roman" panose="02020603050405020304" pitchFamily="18" charset="0"/>
+              </a:rPr>
+              <a:t>Racusin</a:t>
+            </a:r>
+            <a:r>
+              <a:rPr lang="en-US" sz="2200" dirty="0">
+                <a:latin typeface="Times New Roman" panose="02020603050405020304" pitchFamily="18" charset="0"/>
+                <a:ea typeface="MS Mincho" panose="02020609040205080304" pitchFamily="49" charset="-128"/>
+                <a:cs typeface="Times New Roman" panose="02020603050405020304" pitchFamily="18" charset="0"/>
+              </a:rPr>
+              <a:t> et al. 2012, PNAS, 109, 16474)</a:t>
+            </a:r>
+          </a:p>
+          <a:p>
+            <a:pPr marL="342900" indent="-342900">
+              <a:buFont typeface="Arial" panose="020B0604020202020204" pitchFamily="34" charset="0"/>
+              <a:buChar char="•"/>
+            </a:pPr>
+            <a:endParaRPr lang="en-US" sz="800" dirty="0">
+              <a:latin typeface="Times New Roman" panose="02020603050405020304" pitchFamily="18" charset="0"/>
+              <a:ea typeface="MS Mincho" panose="02020609040205080304" pitchFamily="49" charset="-128"/>
+              <a:cs typeface="Times New Roman" panose="02020603050405020304" pitchFamily="18" charset="0"/>
+            </a:endParaRPr>
+          </a:p>
+          <a:p>
+            <a:pPr marL="342900" indent="-342900">
+              <a:buFont typeface="Arial" panose="020B0604020202020204" pitchFamily="34" charset="0"/>
+              <a:buChar char="•"/>
+            </a:pPr>
+            <a:r>
+              <a:rPr lang="en-US" sz="2400" dirty="0">
+                <a:latin typeface="Times New Roman" panose="02020603050405020304" pitchFamily="18" charset="0"/>
+                <a:ea typeface="MS Mincho" panose="02020609040205080304" pitchFamily="49" charset="-128"/>
+                <a:cs typeface="Times New Roman" panose="02020603050405020304" pitchFamily="18" charset="0"/>
+              </a:rPr>
+              <a:t>Double-blind study: faculty review of application materials, with randomly assigned male/female names</a:t>
+            </a:r>
+          </a:p>
+          <a:p>
+            <a:pPr marL="800100" lvl="1" indent="-342900">
+              <a:buFont typeface="Arial" panose="020B0604020202020204" pitchFamily="34" charset="0"/>
+              <a:buChar char="•"/>
+            </a:pPr>
+            <a:r>
+              <a:rPr lang="en-US" sz="2200" dirty="0">
+                <a:latin typeface="Times New Roman" panose="02020603050405020304" pitchFamily="18" charset="0"/>
+                <a:ea typeface="MS Mincho" panose="02020609040205080304" pitchFamily="49" charset="-128"/>
+                <a:cs typeface="Times New Roman" panose="02020603050405020304" pitchFamily="18" charset="0"/>
+              </a:rPr>
+              <a:t>Female student was perceived less competent than male student</a:t>
+            </a:r>
+          </a:p>
+          <a:p>
+            <a:pPr marL="800100" lvl="1" indent="-342900">
+              <a:buFont typeface="Arial" panose="020B0604020202020204" pitchFamily="34" charset="0"/>
+              <a:buChar char="•"/>
+            </a:pPr>
+            <a:r>
+              <a:rPr lang="en-US" sz="2200" dirty="0">
+                <a:latin typeface="Times New Roman" panose="02020603050405020304" pitchFamily="18" charset="0"/>
+                <a:ea typeface="MS Mincho" panose="02020609040205080304" pitchFamily="49" charset="-128"/>
+                <a:cs typeface="Times New Roman" panose="02020603050405020304" pitchFamily="18" charset="0"/>
+              </a:rPr>
+              <a:t>Female student was better liked than male </a:t>
+            </a:r>
+            <a:r>
+              <a:rPr lang="en-US" sz="2200" dirty="0">
+                <a:latin typeface="Times New Roman" panose="02020603050405020304" pitchFamily="18" charset="0"/>
+                <a:ea typeface="MS Mincho" panose="02020609040205080304" pitchFamily="49" charset="-128"/>
+                <a:cs typeface="Times New Roman" panose="02020603050405020304" pitchFamily="18" charset="0"/>
+                <a:sym typeface="Wingdings" pitchFamily="2" charset="2"/>
+              </a:rPr>
+              <a:t> no overt hostility</a:t>
+            </a:r>
+            <a:endParaRPr lang="en-US" sz="2200" dirty="0">
+              <a:latin typeface="Times New Roman" panose="02020603050405020304" pitchFamily="18" charset="0"/>
+              <a:ea typeface="MS Mincho" panose="02020609040205080304" pitchFamily="49" charset="-128"/>
+              <a:cs typeface="Times New Roman" panose="02020603050405020304" pitchFamily="18" charset="0"/>
+            </a:endParaRPr>
+          </a:p>
+          <a:p>
+            <a:pPr marL="800100" lvl="1" indent="-342900">
+              <a:buFont typeface="Arial" panose="020B0604020202020204" pitchFamily="34" charset="0"/>
+              <a:buChar char="•"/>
+            </a:pPr>
+            <a:r>
+              <a:rPr lang="en-US" sz="2200" dirty="0">
+                <a:latin typeface="Times New Roman" panose="02020603050405020304" pitchFamily="18" charset="0"/>
+                <a:ea typeface="MS Mincho" panose="02020609040205080304" pitchFamily="49" charset="-128"/>
+                <a:cs typeface="Times New Roman" panose="02020603050405020304" pitchFamily="18" charset="0"/>
+              </a:rPr>
+              <a:t>Independent of faculty gender, discipline, age, etc.</a:t>
+            </a:r>
+          </a:p>
+          <a:p>
+            <a:pPr marL="800100" lvl="1" indent="-342900">
+              <a:buFont typeface="Arial" panose="020B0604020202020204" pitchFamily="34" charset="0"/>
+              <a:buChar char="•"/>
+            </a:pPr>
+            <a:r>
+              <a:rPr lang="en-US" sz="2200" dirty="0">
+                <a:latin typeface="Times New Roman" panose="02020603050405020304" pitchFamily="18" charset="0"/>
+                <a:ea typeface="MS Mincho" panose="02020609040205080304" pitchFamily="49" charset="-128"/>
+                <a:cs typeface="Times New Roman" panose="02020603050405020304" pitchFamily="18" charset="0"/>
+                <a:sym typeface="Wingdings" pitchFamily="2" charset="2"/>
+              </a:rPr>
+              <a:t>Likely unintentional bias  cultural stereotypes</a:t>
+            </a:r>
+            <a:endParaRPr lang="en-US" sz="2200" dirty="0">
+              <a:latin typeface="Times New Roman" panose="02020603050405020304" pitchFamily="18" charset="0"/>
+              <a:ea typeface="MS Mincho" panose="02020609040205080304" pitchFamily="49" charset="-128"/>
+              <a:cs typeface="Times New Roman" panose="02020603050405020304" pitchFamily="18" charset="0"/>
+            </a:endParaRPr>
+          </a:p>
+        </p:txBody>
+      </p:sp>
+      <p:pic>
+        <p:nvPicPr>
+          <p:cNvPr id="8" name="Picture 4">
+            <a:extLst>
+              <a:ext uri="{FF2B5EF4-FFF2-40B4-BE49-F238E27FC236}">
+                <a16:creationId xmlns:a16="http://schemas.microsoft.com/office/drawing/2014/main" id="{6B571D52-9523-D34D-9CCF-DCEAFF9DAE27}"/>
+              </a:ext>
+            </a:extLst>
+          </p:cNvPr>
+          <p:cNvPicPr>
+            <a:picLocks noChangeAspect="1" noChangeArrowheads="1"/>
+          </p:cNvPicPr>
+          <p:nvPr/>
+        </p:nvPicPr>
+        <p:blipFill rotWithShape="1">
+          <a:blip r:embed="rId3">
+            <a:extLst>
+              <a:ext uri="{28A0092B-C50C-407E-A947-70E740481C1C}">
+                <a14:useLocalDpi xmlns:a14="http://schemas.microsoft.com/office/drawing/2010/main" val="0"/>
+              </a:ext>
+            </a:extLst>
+          </a:blip>
+          <a:srcRect b="22081"/>
+          <a:stretch/>
+        </p:blipFill>
+        <p:spPr bwMode="auto">
+          <a:xfrm>
+            <a:off x="4674224" y="4032601"/>
+            <a:ext cx="4264025" cy="2560523"/>
+          </a:xfrm>
+          <a:prstGeom prst="rect">
+            <a:avLst/>
+          </a:prstGeom>
+          <a:noFill/>
+          <a:ln>
+            <a:noFill/>
+          </a:ln>
+          <a:effectLst/>
+          <a:extLst>
+            <a:ext uri="{909E8E84-426E-40DD-AFC4-6F175D3DCCD1}">
+              <a14:hiddenFill xmlns:a14="http://schemas.microsoft.com/office/drawing/2010/main">
+                <a:blipFill dpi="0" rotWithShape="0">
+                  <a:blip/>
+                  <a:srcRect/>
+                  <a:stretch>
+                    <a:fillRect/>
+                  </a:stretch>
+                </a:blipFill>
+              </a14:hiddenFill>
+            </a:ext>
+            <a:ext uri="{91240B29-F687-4F45-9708-019B960494DF}">
+              <a14:hiddenLine xmlns:a14="http://schemas.microsoft.com/office/drawing/2010/main" w="9525" cap="flat">
+                <a:solidFill>
+                  <a:srgbClr val="808080"/>
+                </a:solidFill>
+                <a:round/>
+                <a:headEnd/>
+                <a:tailEnd/>
+              </a14:hiddenLine>
+            </a:ext>
+            <a:ext uri="{AF507438-7753-43E0-B8FC-AC1667EBCBE1}">
+              <a14:hiddenEffects xmlns:a14="http://schemas.microsoft.com/office/drawing/2010/main">
+                <a:effectLst>
+                  <a:outerShdw blurRad="63500" dist="38099" dir="2700000" algn="ctr" rotWithShape="0">
+                    <a:srgbClr val="000000">
+                      <a:alpha val="74998"/>
+                    </a:srgbClr>
+                  </a:outerShdw>
+                </a:effectLst>
+              </a14:hiddenEffects>
+            </a:ext>
+          </a:extLst>
+        </p:spPr>
+      </p:pic>
+    </p:spTree>
+    <p:extLst>
+      <p:ext uri="{BB962C8B-B14F-4D97-AF65-F5344CB8AC3E}">
+        <p14:creationId xmlns:p14="http://schemas.microsoft.com/office/powerpoint/2010/main" val="3209170759"/>
       </p:ext>
     </p:extLst>
   </p:cSld>

--- a/Slides/Class13.pptx
+++ b/Slides/Class13.pptx
@@ -5,10 +5,10 @@
     <p:sldMasterId id="2147483648" r:id="rId1"/>
   </p:sldMasterIdLst>
   <p:notesMasterIdLst>
-    <p:notesMasterId r:id="rId23"/>
+    <p:notesMasterId r:id="rId27"/>
   </p:notesMasterIdLst>
   <p:handoutMasterIdLst>
-    <p:handoutMasterId r:id="rId24"/>
+    <p:handoutMasterId r:id="rId28"/>
   </p:handoutMasterIdLst>
   <p:sldIdLst>
     <p:sldId id="258" r:id="rId2"/>
@@ -18,20 +18,24 @@
     <p:sldId id="410" r:id="rId6"/>
     <p:sldId id="411" r:id="rId7"/>
     <p:sldId id="396" r:id="rId8"/>
-    <p:sldId id="393" r:id="rId9"/>
-    <p:sldId id="394" r:id="rId10"/>
-    <p:sldId id="407" r:id="rId11"/>
-    <p:sldId id="408" r:id="rId12"/>
-    <p:sldId id="398" r:id="rId13"/>
-    <p:sldId id="395" r:id="rId14"/>
-    <p:sldId id="375" r:id="rId15"/>
-    <p:sldId id="399" r:id="rId16"/>
-    <p:sldId id="400" r:id="rId17"/>
-    <p:sldId id="401" r:id="rId18"/>
-    <p:sldId id="402" r:id="rId19"/>
-    <p:sldId id="403" r:id="rId20"/>
-    <p:sldId id="404" r:id="rId21"/>
-    <p:sldId id="405" r:id="rId22"/>
+    <p:sldId id="412" r:id="rId9"/>
+    <p:sldId id="393" r:id="rId10"/>
+    <p:sldId id="419" r:id="rId11"/>
+    <p:sldId id="394" r:id="rId12"/>
+    <p:sldId id="407" r:id="rId13"/>
+    <p:sldId id="408" r:id="rId14"/>
+    <p:sldId id="420" r:id="rId15"/>
+    <p:sldId id="398" r:id="rId16"/>
+    <p:sldId id="395" r:id="rId17"/>
+    <p:sldId id="375" r:id="rId18"/>
+    <p:sldId id="399" r:id="rId19"/>
+    <p:sldId id="400" r:id="rId20"/>
+    <p:sldId id="401" r:id="rId21"/>
+    <p:sldId id="415" r:id="rId22"/>
+    <p:sldId id="402" r:id="rId23"/>
+    <p:sldId id="403" r:id="rId24"/>
+    <p:sldId id="404" r:id="rId25"/>
+    <p:sldId id="405" r:id="rId26"/>
   </p:sldIdLst>
   <p:sldSz cx="9144000" cy="6858000" type="screen4x3"/>
   <p:notesSz cx="6858000" cy="9144000"/>
@@ -245,7 +249,7 @@
           <a:p>
             <a:fld id="{C24322AF-E05B-7249-906C-FBAC6154C037}" type="datetimeFigureOut">
               <a:rPr lang="en-US" smtClean="0"/>
-              <a:t>1/24/21</a:t>
+              <a:t>6/18/25</a:t>
             </a:fld>
             <a:endParaRPr lang="en-US"/>
           </a:p>
@@ -411,7 +415,7 @@
             <a:fld id="{06A43BE5-3BD4-F642-8751-88A31D8D6D13}" type="datetimeFigureOut">
               <a:rPr lang="en-US" smtClean="0"/>
               <a:pPr/>
-              <a:t>1/24/21</a:t>
+              <a:t>6/18/25</a:t>
             </a:fld>
             <a:endParaRPr lang="en-US"/>
           </a:p>
@@ -774,6 +778,91 @@
 </p:notes>
 </file>
 
+<file path=ppt/notesSlides/notesSlide2.xml><?xml version="1.0" encoding="utf-8"?>
+<p:notes xmlns:a="http://schemas.openxmlformats.org/drawingml/2006/main" xmlns:r="http://schemas.openxmlformats.org/officeDocument/2006/relationships" xmlns:p="http://schemas.openxmlformats.org/presentationml/2006/main">
+  <p:cSld>
+    <p:spTree>
+      <p:nvGrpSpPr>
+        <p:cNvPr id="1" name=""/>
+        <p:cNvGrpSpPr/>
+        <p:nvPr/>
+      </p:nvGrpSpPr>
+      <p:grpSpPr>
+        <a:xfrm>
+          <a:off x="0" y="0"/>
+          <a:ext cx="0" cy="0"/>
+          <a:chOff x="0" y="0"/>
+          <a:chExt cx="0" cy="0"/>
+        </a:xfrm>
+      </p:grpSpPr>
+      <p:sp>
+        <p:nvSpPr>
+          <p:cNvPr id="2" name="Slide Image Placeholder 1"/>
+          <p:cNvSpPr>
+            <a:spLocks noGrp="1" noRot="1" noChangeAspect="1"/>
+          </p:cNvSpPr>
+          <p:nvPr>
+            <p:ph type="sldImg"/>
+          </p:nvPr>
+        </p:nvSpPr>
+        <p:spPr/>
+      </p:sp>
+      <p:sp>
+        <p:nvSpPr>
+          <p:cNvPr id="3" name="Notes Placeholder 2"/>
+          <p:cNvSpPr>
+            <a:spLocks noGrp="1"/>
+          </p:cNvSpPr>
+          <p:nvPr>
+            <p:ph type="body" idx="1"/>
+          </p:nvPr>
+        </p:nvSpPr>
+        <p:spPr/>
+        <p:txBody>
+          <a:bodyPr/>
+          <a:lstStyle/>
+          <a:p>
+            <a:endParaRPr lang="en-US"/>
+          </a:p>
+        </p:txBody>
+      </p:sp>
+      <p:sp>
+        <p:nvSpPr>
+          <p:cNvPr id="4" name="Slide Number Placeholder 3"/>
+          <p:cNvSpPr>
+            <a:spLocks noGrp="1"/>
+          </p:cNvSpPr>
+          <p:nvPr>
+            <p:ph type="sldNum" sz="quarter" idx="10"/>
+          </p:nvPr>
+        </p:nvSpPr>
+        <p:spPr/>
+        <p:txBody>
+          <a:bodyPr/>
+          <a:lstStyle/>
+          <a:p>
+            <a:fld id="{63613D5C-1A2E-504E-91F4-50C2CE3AAE22}" type="slidenum">
+              <a:rPr lang="en-US" smtClean="0"/>
+              <a:pPr/>
+              <a:t>14</a:t>
+            </a:fld>
+            <a:endParaRPr lang="en-US"/>
+          </a:p>
+        </p:txBody>
+      </p:sp>
+    </p:spTree>
+    <p:extLst>
+      <p:ext uri="{BB962C8B-B14F-4D97-AF65-F5344CB8AC3E}">
+        <p14:creationId xmlns:p14="http://schemas.microsoft.com/office/powerpoint/2010/main" val="3774125851"/>
+      </p:ext>
+    </p:extLst>
+  </p:cSld>
+  <p:clrMapOvr>
+    <a:masterClrMapping/>
+  </p:clrMapOvr>
+</p:notes>
+</file>
+
 <file path=ppt/slideLayouts/slideLayout1.xml><?xml version="1.0" encoding="utf-8"?>
 <p:sldLayout xmlns:a="http://schemas.openxmlformats.org/drawingml/2006/main" xmlns:r="http://schemas.openxmlformats.org/officeDocument/2006/relationships" xmlns:p="http://schemas.openxmlformats.org/presentationml/2006/main" type="title" preserve="1">
   <p:cSld name="Title Slide">
@@ -954,7 +1043,7 @@
             <a:fld id="{A4FA2B0E-4818-9849-9CF1-1031FD4E1DAB}" type="datetimeFigureOut">
               <a:rPr lang="en-US" smtClean="0"/>
               <a:pPr/>
-              <a:t>1/24/21</a:t>
+              <a:t>6/18/25</a:t>
             </a:fld>
             <a:endParaRPr lang="en-US"/>
           </a:p>
@@ -1119,7 +1208,7 @@
             <a:fld id="{A4FA2B0E-4818-9849-9CF1-1031FD4E1DAB}" type="datetimeFigureOut">
               <a:rPr lang="en-US" smtClean="0"/>
               <a:pPr/>
-              <a:t>1/24/21</a:t>
+              <a:t>6/18/25</a:t>
             </a:fld>
             <a:endParaRPr lang="en-US"/>
           </a:p>
@@ -1294,7 +1383,7 @@
             <a:fld id="{A4FA2B0E-4818-9849-9CF1-1031FD4E1DAB}" type="datetimeFigureOut">
               <a:rPr lang="en-US" smtClean="0"/>
               <a:pPr/>
-              <a:t>1/24/21</a:t>
+              <a:t>6/18/25</a:t>
             </a:fld>
             <a:endParaRPr lang="en-US"/>
           </a:p>
@@ -1459,7 +1548,7 @@
             <a:fld id="{A4FA2B0E-4818-9849-9CF1-1031FD4E1DAB}" type="datetimeFigureOut">
               <a:rPr lang="en-US" smtClean="0"/>
               <a:pPr/>
-              <a:t>1/24/21</a:t>
+              <a:t>6/18/25</a:t>
             </a:fld>
             <a:endParaRPr lang="en-US"/>
           </a:p>
@@ -1701,7 +1790,7 @@
             <a:fld id="{A4FA2B0E-4818-9849-9CF1-1031FD4E1DAB}" type="datetimeFigureOut">
               <a:rPr lang="en-US" smtClean="0"/>
               <a:pPr/>
-              <a:t>1/24/21</a:t>
+              <a:t>6/18/25</a:t>
             </a:fld>
             <a:endParaRPr lang="en-US"/>
           </a:p>
@@ -1983,7 +2072,7 @@
             <a:fld id="{A4FA2B0E-4818-9849-9CF1-1031FD4E1DAB}" type="datetimeFigureOut">
               <a:rPr lang="en-US" smtClean="0"/>
               <a:pPr/>
-              <a:t>1/24/21</a:t>
+              <a:t>6/18/25</a:t>
             </a:fld>
             <a:endParaRPr lang="en-US"/>
           </a:p>
@@ -2399,7 +2488,7 @@
             <a:fld id="{A4FA2B0E-4818-9849-9CF1-1031FD4E1DAB}" type="datetimeFigureOut">
               <a:rPr lang="en-US" smtClean="0"/>
               <a:pPr/>
-              <a:t>1/24/21</a:t>
+              <a:t>6/18/25</a:t>
             </a:fld>
             <a:endParaRPr lang="en-US"/>
           </a:p>
@@ -2513,7 +2602,7 @@
             <a:fld id="{A4FA2B0E-4818-9849-9CF1-1031FD4E1DAB}" type="datetimeFigureOut">
               <a:rPr lang="en-US" smtClean="0"/>
               <a:pPr/>
-              <a:t>1/24/21</a:t>
+              <a:t>6/18/25</a:t>
             </a:fld>
             <a:endParaRPr lang="en-US"/>
           </a:p>
@@ -2605,7 +2694,7 @@
             <a:fld id="{A4FA2B0E-4818-9849-9CF1-1031FD4E1DAB}" type="datetimeFigureOut">
               <a:rPr lang="en-US" smtClean="0"/>
               <a:pPr/>
-              <a:t>1/24/21</a:t>
+              <a:t>6/18/25</a:t>
             </a:fld>
             <a:endParaRPr lang="en-US"/>
           </a:p>
@@ -2877,7 +2966,7 @@
             <a:fld id="{A4FA2B0E-4818-9849-9CF1-1031FD4E1DAB}" type="datetimeFigureOut">
               <a:rPr lang="en-US" smtClean="0"/>
               <a:pPr/>
-              <a:t>1/24/21</a:t>
+              <a:t>6/18/25</a:t>
             </a:fld>
             <a:endParaRPr lang="en-US"/>
           </a:p>
@@ -3126,7 +3215,7 @@
             <a:fld id="{A4FA2B0E-4818-9849-9CF1-1031FD4E1DAB}" type="datetimeFigureOut">
               <a:rPr lang="en-US" smtClean="0"/>
               <a:pPr/>
-              <a:t>1/24/21</a:t>
+              <a:t>6/18/25</a:t>
             </a:fld>
             <a:endParaRPr lang="en-US"/>
           </a:p>
@@ -3334,7 +3423,7 @@
             <a:fld id="{A4FA2B0E-4818-9849-9CF1-1031FD4E1DAB}" type="datetimeFigureOut">
               <a:rPr lang="en-US" smtClean="0"/>
               <a:pPr/>
-              <a:t>1/24/21</a:t>
+              <a:t>6/18/25</a:t>
             </a:fld>
             <a:endParaRPr lang="en-US"/>
           </a:p>
@@ -3896,169 +3985,105 @@
           </a:p>
         </p:txBody>
       </p:sp>
-      <p:sp>
-        <p:nvSpPr>
-          <p:cNvPr id="6" name="TextBox 5">
+      <p:pic>
+        <p:nvPicPr>
+          <p:cNvPr id="2" name="Picture 1">
             <a:extLst>
               <a:ext uri="{FF2B5EF4-FFF2-40B4-BE49-F238E27FC236}">
-                <a16:creationId xmlns:a16="http://schemas.microsoft.com/office/drawing/2014/main" id="{80A24032-1FF5-2340-BF4F-86A5459B8F08}"/>
+                <a16:creationId xmlns:a16="http://schemas.microsoft.com/office/drawing/2014/main" id="{47E96E1D-9A01-BC74-A341-9815943511B8}"/>
               </a:ext>
             </a:extLst>
           </p:cNvPr>
-          <p:cNvSpPr txBox="1"/>
-          <p:nvPr/>
-        </p:nvSpPr>
-        <p:spPr>
-          <a:xfrm>
-            <a:off x="182880" y="5083761"/>
-            <a:ext cx="8961119" cy="1692771"/>
-          </a:xfrm>
-          <a:prstGeom prst="rect">
-            <a:avLst/>
-          </a:prstGeom>
-          <a:noFill/>
-        </p:spPr>
-        <p:txBody>
-          <a:bodyPr wrap="square" rtlCol="0">
-            <a:spAutoFit/>
-          </a:bodyPr>
-          <a:lstStyle/>
-          <a:p>
-            <a:pPr marL="342900" indent="-342900">
-              <a:buFont typeface="Arial" panose="020B0604020202020204" pitchFamily="34" charset="0"/>
-              <a:buChar char="•"/>
-            </a:pPr>
-            <a:r>
-              <a:rPr lang="en-US" sz="2400" dirty="0">
-                <a:latin typeface="Times New Roman" panose="02020603050405020304" pitchFamily="18" charset="0"/>
-                <a:ea typeface="MS Mincho" panose="02020609040205080304" pitchFamily="49" charset="-128"/>
-                <a:cs typeface="Times New Roman" panose="02020603050405020304" pitchFamily="18" charset="0"/>
-              </a:rPr>
-              <a:t>Peer-reviewed research: “</a:t>
-            </a:r>
-            <a:r>
-              <a:rPr lang="en-US" sz="2400" i="1" dirty="0">
-                <a:latin typeface="Times New Roman" panose="02020603050405020304" pitchFamily="18" charset="0"/>
-                <a:ea typeface="MS Mincho" panose="02020609040205080304" pitchFamily="49" charset="-128"/>
-                <a:cs typeface="Times New Roman" panose="02020603050405020304" pitchFamily="18" charset="0"/>
-              </a:rPr>
-              <a:t>Sexual harassment reported by undergrad. female physicists</a:t>
-            </a:r>
-            <a:r>
-              <a:rPr lang="en-US" sz="2400" dirty="0">
-                <a:latin typeface="Times New Roman" panose="02020603050405020304" pitchFamily="18" charset="0"/>
-                <a:ea typeface="MS Mincho" panose="02020609040205080304" pitchFamily="49" charset="-128"/>
-                <a:cs typeface="Times New Roman" panose="02020603050405020304" pitchFamily="18" charset="0"/>
-              </a:rPr>
-              <a:t>” </a:t>
-            </a:r>
-            <a:r>
-              <a:rPr lang="en-US" sz="2200" dirty="0">
-                <a:latin typeface="Times New Roman" panose="02020603050405020304" pitchFamily="18" charset="0"/>
-                <a:ea typeface="MS Mincho" panose="02020609040205080304" pitchFamily="49" charset="-128"/>
-                <a:cs typeface="Times New Roman" panose="02020603050405020304" pitchFamily="18" charset="0"/>
-              </a:rPr>
-              <a:t>(</a:t>
-            </a:r>
-            <a:r>
-              <a:rPr lang="en-US" sz="2200" dirty="0" err="1">
-                <a:latin typeface="Times New Roman" panose="02020603050405020304" pitchFamily="18" charset="0"/>
-                <a:ea typeface="MS Mincho" panose="02020609040205080304" pitchFamily="49" charset="-128"/>
-                <a:cs typeface="Times New Roman" panose="02020603050405020304" pitchFamily="18" charset="0"/>
-              </a:rPr>
-              <a:t>Aycock</a:t>
-            </a:r>
-            <a:r>
-              <a:rPr lang="en-US" sz="2200" dirty="0">
-                <a:latin typeface="Times New Roman" panose="02020603050405020304" pitchFamily="18" charset="0"/>
-                <a:ea typeface="MS Mincho" panose="02020609040205080304" pitchFamily="49" charset="-128"/>
-                <a:cs typeface="Times New Roman" panose="02020603050405020304" pitchFamily="18" charset="0"/>
-              </a:rPr>
-              <a:t> et al. 2019, Phys. Rev. PER, </a:t>
-            </a:r>
-            <a:r>
-              <a:rPr lang="en-US" sz="2200" b="1" dirty="0">
-                <a:latin typeface="Times New Roman" panose="02020603050405020304" pitchFamily="18" charset="0"/>
-                <a:ea typeface="MS Mincho" panose="02020609040205080304" pitchFamily="49" charset="-128"/>
-                <a:cs typeface="Times New Roman" panose="02020603050405020304" pitchFamily="18" charset="0"/>
-              </a:rPr>
-              <a:t>15</a:t>
-            </a:r>
-            <a:r>
-              <a:rPr lang="en-US" sz="2200" dirty="0">
-                <a:latin typeface="Times New Roman" panose="02020603050405020304" pitchFamily="18" charset="0"/>
-                <a:ea typeface="MS Mincho" panose="02020609040205080304" pitchFamily="49" charset="-128"/>
-                <a:cs typeface="Times New Roman" panose="02020603050405020304" pitchFamily="18" charset="0"/>
-              </a:rPr>
-              <a:t>, 010121)</a:t>
-            </a:r>
-          </a:p>
-          <a:p>
-            <a:pPr marL="342900" indent="-342900">
-              <a:buFont typeface="Arial" panose="020B0604020202020204" pitchFamily="34" charset="0"/>
-              <a:buChar char="•"/>
-            </a:pPr>
-            <a:endParaRPr lang="en-US" sz="800" dirty="0">
-              <a:latin typeface="Times New Roman" panose="02020603050405020304" pitchFamily="18" charset="0"/>
-              <a:ea typeface="MS Mincho" panose="02020609040205080304" pitchFamily="49" charset="-128"/>
-              <a:cs typeface="Times New Roman" panose="02020603050405020304" pitchFamily="18" charset="0"/>
-            </a:endParaRPr>
-          </a:p>
-          <a:p>
-            <a:pPr marL="342900" indent="-342900">
-              <a:buFont typeface="Arial" panose="020B0604020202020204" pitchFamily="34" charset="0"/>
-              <a:buChar char="•"/>
-            </a:pPr>
-            <a:r>
-              <a:rPr lang="en-US" sz="2400" dirty="0">
-                <a:latin typeface="Times New Roman" panose="02020603050405020304" pitchFamily="18" charset="0"/>
-                <a:ea typeface="MS Mincho" panose="02020609040205080304" pitchFamily="49" charset="-128"/>
-                <a:cs typeface="Times New Roman" panose="02020603050405020304" pitchFamily="18" charset="0"/>
-              </a:rPr>
-              <a:t>Results from </a:t>
-            </a:r>
-            <a:r>
-              <a:rPr lang="en-US" sz="2400" dirty="0" err="1">
-                <a:latin typeface="Times New Roman" panose="02020603050405020304" pitchFamily="18" charset="0"/>
-                <a:ea typeface="MS Mincho" panose="02020609040205080304" pitchFamily="49" charset="-128"/>
-                <a:cs typeface="Times New Roman" panose="02020603050405020304" pitchFamily="18" charset="0"/>
-              </a:rPr>
-              <a:t>CUWiP</a:t>
-            </a:r>
-            <a:r>
-              <a:rPr lang="en-US" sz="2400" dirty="0">
-                <a:latin typeface="Times New Roman" panose="02020603050405020304" pitchFamily="18" charset="0"/>
-                <a:ea typeface="MS Mincho" panose="02020609040205080304" pitchFamily="49" charset="-128"/>
-                <a:cs typeface="Times New Roman" panose="02020603050405020304" pitchFamily="18" charset="0"/>
-              </a:rPr>
-              <a:t>: 74% (338/455) of women experienced harassment</a:t>
-            </a:r>
-            <a:endParaRPr lang="en-US" sz="2200" dirty="0">
-              <a:latin typeface="Times New Roman" panose="02020603050405020304" pitchFamily="18" charset="0"/>
-              <a:ea typeface="MS Mincho" panose="02020609040205080304" pitchFamily="49" charset="-128"/>
-              <a:cs typeface="Times New Roman" panose="02020603050405020304" pitchFamily="18" charset="0"/>
-            </a:endParaRPr>
-          </a:p>
-        </p:txBody>
-      </p:sp>
-      <p:pic>
-        <p:nvPicPr>
-          <p:cNvPr id="2" name="Picture 1"/>
           <p:cNvPicPr>
             <a:picLocks noChangeAspect="1"/>
           </p:cNvPicPr>
           <p:nvPr/>
         </p:nvPicPr>
-        <p:blipFill>
-          <a:blip r:embed="rId2"/>
-          <a:stretch>
-            <a:fillRect/>
-          </a:stretch>
+        <p:blipFill rotWithShape="1">
+          <a:blip r:embed="rId2" cstate="screen">
+            <a:extLst>
+              <a:ext uri="{28A0092B-C50C-407E-A947-70E740481C1C}">
+                <a14:useLocalDpi xmlns:a14="http://schemas.microsoft.com/office/drawing/2010/main"/>
+              </a:ext>
+            </a:extLst>
+          </a:blip>
+          <a:srcRect/>
+          <a:stretch/>
         </p:blipFill>
         <p:spPr>
           <a:xfrm>
-            <a:off x="903643" y="745700"/>
-            <a:ext cx="6696818" cy="4338061"/>
+            <a:off x="2196315" y="745700"/>
+            <a:ext cx="4758755" cy="3199082"/>
+          </a:xfrm>
+          <a:prstGeom prst="rect">
+            <a:avLst/>
+          </a:prstGeom>
+        </p:spPr>
+      </p:pic>
+      <p:pic>
+        <p:nvPicPr>
+          <p:cNvPr id="3" name="Picture 2">
+            <a:extLst>
+              <a:ext uri="{FF2B5EF4-FFF2-40B4-BE49-F238E27FC236}">
+                <a16:creationId xmlns:a16="http://schemas.microsoft.com/office/drawing/2014/main" id="{E6407D78-1AC8-C79C-6824-7E7BE6AB87CC}"/>
+              </a:ext>
+            </a:extLst>
+          </p:cNvPr>
+          <p:cNvPicPr>
+            <a:picLocks noChangeAspect="1"/>
+          </p:cNvPicPr>
+          <p:nvPr/>
+        </p:nvPicPr>
+        <p:blipFill rotWithShape="1">
+          <a:blip r:embed="rId3" cstate="screen">
+            <a:extLst>
+              <a:ext uri="{28A0092B-C50C-407E-A947-70E740481C1C}">
+                <a14:useLocalDpi xmlns:a14="http://schemas.microsoft.com/office/drawing/2010/main"/>
+              </a:ext>
+            </a:extLst>
+          </a:blip>
+          <a:srcRect/>
+          <a:stretch/>
+        </p:blipFill>
+        <p:spPr>
+          <a:xfrm>
+            <a:off x="168357" y="3802564"/>
+            <a:ext cx="3648892" cy="3014044"/>
+          </a:xfrm>
+          <a:prstGeom prst="rect">
+            <a:avLst/>
+          </a:prstGeom>
+        </p:spPr>
+      </p:pic>
+      <p:pic>
+        <p:nvPicPr>
+          <p:cNvPr id="5" name="Picture 4">
+            <a:extLst>
+              <a:ext uri="{FF2B5EF4-FFF2-40B4-BE49-F238E27FC236}">
+                <a16:creationId xmlns:a16="http://schemas.microsoft.com/office/drawing/2014/main" id="{2CFB4573-24FA-979F-33EC-77F410EF7C12}"/>
+              </a:ext>
+            </a:extLst>
+          </p:cNvPr>
+          <p:cNvPicPr>
+            <a:picLocks noChangeAspect="1"/>
+          </p:cNvPicPr>
+          <p:nvPr/>
+        </p:nvPicPr>
+        <p:blipFill rotWithShape="1">
+          <a:blip r:embed="rId4" cstate="screen">
+            <a:extLst>
+              <a:ext uri="{28A0092B-C50C-407E-A947-70E740481C1C}">
+                <a14:useLocalDpi xmlns:a14="http://schemas.microsoft.com/office/drawing/2010/main"/>
+              </a:ext>
+            </a:extLst>
+          </a:blip>
+          <a:srcRect/>
+          <a:stretch/>
+        </p:blipFill>
+        <p:spPr>
+          <a:xfrm>
+            <a:off x="5326752" y="3802563"/>
+            <a:ext cx="3678612" cy="3014045"/>
           </a:xfrm>
           <a:prstGeom prst="rect">
             <a:avLst/>
@@ -4068,7 +4093,7 @@
     </p:spTree>
     <p:extLst>
       <p:ext uri="{BB962C8B-B14F-4D97-AF65-F5344CB8AC3E}">
-        <p14:creationId xmlns:p14="http://schemas.microsoft.com/office/powerpoint/2010/main" val="1594677064"/>
+        <p14:creationId xmlns:p14="http://schemas.microsoft.com/office/powerpoint/2010/main" val="2761223033"/>
       </p:ext>
     </p:extLst>
   </p:cSld>
@@ -4139,6 +4164,651 @@
       </p:sp>
       <p:pic>
         <p:nvPicPr>
+          <p:cNvPr id="5" name="Picture 3">
+            <a:extLst>
+              <a:ext uri="{FF2B5EF4-FFF2-40B4-BE49-F238E27FC236}">
+                <a16:creationId xmlns:a16="http://schemas.microsoft.com/office/drawing/2014/main" id="{68A13E75-ADF9-DC4B-98ED-99BE2F5AAAEF}"/>
+              </a:ext>
+            </a:extLst>
+          </p:cNvPr>
+          <p:cNvPicPr>
+            <a:picLocks noChangeAspect="1" noChangeArrowheads="1"/>
+          </p:cNvPicPr>
+          <p:nvPr/>
+        </p:nvPicPr>
+        <p:blipFill rotWithShape="1">
+          <a:blip r:embed="rId2">
+            <a:extLst>
+              <a:ext uri="{28A0092B-C50C-407E-A947-70E740481C1C}">
+                <a14:useLocalDpi xmlns:a14="http://schemas.microsoft.com/office/drawing/2010/main" val="0"/>
+              </a:ext>
+            </a:extLst>
+          </a:blip>
+          <a:srcRect b="25154"/>
+          <a:stretch/>
+        </p:blipFill>
+        <p:spPr bwMode="auto">
+          <a:xfrm>
+            <a:off x="216174" y="4032601"/>
+            <a:ext cx="4300538" cy="2560523"/>
+          </a:xfrm>
+          <a:prstGeom prst="rect">
+            <a:avLst/>
+          </a:prstGeom>
+          <a:noFill/>
+          <a:ln>
+            <a:noFill/>
+          </a:ln>
+          <a:effectLst/>
+          <a:extLst>
+            <a:ext uri="{909E8E84-426E-40DD-AFC4-6F175D3DCCD1}">
+              <a14:hiddenFill xmlns:a14="http://schemas.microsoft.com/office/drawing/2010/main">
+                <a:blipFill dpi="0" rotWithShape="0">
+                  <a:blip/>
+                  <a:srcRect/>
+                  <a:stretch>
+                    <a:fillRect/>
+                  </a:stretch>
+                </a:blipFill>
+              </a14:hiddenFill>
+            </a:ext>
+            <a:ext uri="{91240B29-F687-4F45-9708-019B960494DF}">
+              <a14:hiddenLine xmlns:a14="http://schemas.microsoft.com/office/drawing/2010/main" w="9525" cap="flat">
+                <a:solidFill>
+                  <a:srgbClr val="808080"/>
+                </a:solidFill>
+                <a:round/>
+                <a:headEnd/>
+                <a:tailEnd/>
+              </a14:hiddenLine>
+            </a:ext>
+            <a:ext uri="{AF507438-7753-43E0-B8FC-AC1667EBCBE1}">
+              <a14:hiddenEffects xmlns:a14="http://schemas.microsoft.com/office/drawing/2010/main">
+                <a:effectLst>
+                  <a:outerShdw blurRad="63500" dist="38099" dir="2700000" algn="ctr" rotWithShape="0">
+                    <a:srgbClr val="000000">
+                      <a:alpha val="74998"/>
+                    </a:srgbClr>
+                  </a:outerShdw>
+                </a:effectLst>
+              </a14:hiddenEffects>
+            </a:ext>
+          </a:extLst>
+        </p:spPr>
+      </p:pic>
+      <p:sp>
+        <p:nvSpPr>
+          <p:cNvPr id="6" name="TextBox 5">
+            <a:extLst>
+              <a:ext uri="{FF2B5EF4-FFF2-40B4-BE49-F238E27FC236}">
+                <a16:creationId xmlns:a16="http://schemas.microsoft.com/office/drawing/2014/main" id="{80A24032-1FF5-2340-BF4F-86A5459B8F08}"/>
+              </a:ext>
+            </a:extLst>
+          </p:cNvPr>
+          <p:cNvSpPr txBox="1"/>
+          <p:nvPr/>
+        </p:nvSpPr>
+        <p:spPr>
+          <a:xfrm>
+            <a:off x="539603" y="945629"/>
+            <a:ext cx="8450017" cy="3046988"/>
+          </a:xfrm>
+          <a:prstGeom prst="rect">
+            <a:avLst/>
+          </a:prstGeom>
+          <a:noFill/>
+        </p:spPr>
+        <p:txBody>
+          <a:bodyPr wrap="square" rtlCol="0">
+            <a:spAutoFit/>
+          </a:bodyPr>
+          <a:lstStyle/>
+          <a:p>
+            <a:pPr marL="342900" indent="-342900">
+              <a:buFont typeface="Arial" panose="020B0604020202020204" pitchFamily="34" charset="0"/>
+              <a:buChar char="•"/>
+            </a:pPr>
+            <a:r>
+              <a:rPr lang="en-US" sz="2400" dirty="0">
+                <a:latin typeface="Times New Roman" panose="02020603050405020304" pitchFamily="18" charset="0"/>
+                <a:ea typeface="MS Mincho" panose="02020609040205080304" pitchFamily="49" charset="-128"/>
+                <a:cs typeface="Times New Roman" panose="02020603050405020304" pitchFamily="18" charset="0"/>
+              </a:rPr>
+              <a:t>Peer-reviewed research: “</a:t>
+            </a:r>
+            <a:r>
+              <a:rPr lang="en-US" sz="2400" i="1" dirty="0">
+                <a:latin typeface="Times New Roman" panose="02020603050405020304" pitchFamily="18" charset="0"/>
+                <a:ea typeface="MS Mincho" panose="02020609040205080304" pitchFamily="49" charset="-128"/>
+                <a:cs typeface="Times New Roman" panose="02020603050405020304" pitchFamily="18" charset="0"/>
+              </a:rPr>
+              <a:t>Science faculty’s subtle gender biases favor male students</a:t>
+            </a:r>
+            <a:r>
+              <a:rPr lang="en-US" sz="2400" dirty="0">
+                <a:latin typeface="Times New Roman" panose="02020603050405020304" pitchFamily="18" charset="0"/>
+                <a:ea typeface="MS Mincho" panose="02020609040205080304" pitchFamily="49" charset="-128"/>
+                <a:cs typeface="Times New Roman" panose="02020603050405020304" pitchFamily="18" charset="0"/>
+              </a:rPr>
+              <a:t>” </a:t>
+            </a:r>
+            <a:r>
+              <a:rPr lang="en-US" sz="2200" dirty="0">
+                <a:latin typeface="Times New Roman" panose="02020603050405020304" pitchFamily="18" charset="0"/>
+                <a:ea typeface="MS Mincho" panose="02020609040205080304" pitchFamily="49" charset="-128"/>
+                <a:cs typeface="Times New Roman" panose="02020603050405020304" pitchFamily="18" charset="0"/>
+              </a:rPr>
+              <a:t>(Moss-</a:t>
+            </a:r>
+            <a:r>
+              <a:rPr lang="en-US" sz="2200" dirty="0" err="1">
+                <a:latin typeface="Times New Roman" panose="02020603050405020304" pitchFamily="18" charset="0"/>
+                <a:ea typeface="MS Mincho" panose="02020609040205080304" pitchFamily="49" charset="-128"/>
+                <a:cs typeface="Times New Roman" panose="02020603050405020304" pitchFamily="18" charset="0"/>
+              </a:rPr>
+              <a:t>Racusin</a:t>
+            </a:r>
+            <a:r>
+              <a:rPr lang="en-US" sz="2200" dirty="0">
+                <a:latin typeface="Times New Roman" panose="02020603050405020304" pitchFamily="18" charset="0"/>
+                <a:ea typeface="MS Mincho" panose="02020609040205080304" pitchFamily="49" charset="-128"/>
+                <a:cs typeface="Times New Roman" panose="02020603050405020304" pitchFamily="18" charset="0"/>
+              </a:rPr>
+              <a:t> et al. 2012, PNAS, 109, 16474)</a:t>
+            </a:r>
+          </a:p>
+          <a:p>
+            <a:pPr marL="342900" indent="-342900">
+              <a:buFont typeface="Arial" panose="020B0604020202020204" pitchFamily="34" charset="0"/>
+              <a:buChar char="•"/>
+            </a:pPr>
+            <a:endParaRPr lang="en-US" sz="800" dirty="0">
+              <a:latin typeface="Times New Roman" panose="02020603050405020304" pitchFamily="18" charset="0"/>
+              <a:ea typeface="MS Mincho" panose="02020609040205080304" pitchFamily="49" charset="-128"/>
+              <a:cs typeface="Times New Roman" panose="02020603050405020304" pitchFamily="18" charset="0"/>
+            </a:endParaRPr>
+          </a:p>
+          <a:p>
+            <a:pPr marL="342900" indent="-342900">
+              <a:buFont typeface="Arial" panose="020B0604020202020204" pitchFamily="34" charset="0"/>
+              <a:buChar char="•"/>
+            </a:pPr>
+            <a:r>
+              <a:rPr lang="en-US" sz="2400" dirty="0">
+                <a:latin typeface="Times New Roman" panose="02020603050405020304" pitchFamily="18" charset="0"/>
+                <a:ea typeface="MS Mincho" panose="02020609040205080304" pitchFamily="49" charset="-128"/>
+                <a:cs typeface="Times New Roman" panose="02020603050405020304" pitchFamily="18" charset="0"/>
+              </a:rPr>
+              <a:t>Double-blind study: faculty review of application materials, with randomly assigned male/female names</a:t>
+            </a:r>
+          </a:p>
+          <a:p>
+            <a:pPr marL="800100" lvl="1" indent="-342900">
+              <a:buFont typeface="Arial" panose="020B0604020202020204" pitchFamily="34" charset="0"/>
+              <a:buChar char="•"/>
+            </a:pPr>
+            <a:r>
+              <a:rPr lang="en-US" sz="2200" dirty="0">
+                <a:latin typeface="Times New Roman" panose="02020603050405020304" pitchFamily="18" charset="0"/>
+                <a:ea typeface="MS Mincho" panose="02020609040205080304" pitchFamily="49" charset="-128"/>
+                <a:cs typeface="Times New Roman" panose="02020603050405020304" pitchFamily="18" charset="0"/>
+              </a:rPr>
+              <a:t>Female student was perceived less competent than male student</a:t>
+            </a:r>
+          </a:p>
+          <a:p>
+            <a:pPr marL="800100" lvl="1" indent="-342900">
+              <a:buFont typeface="Arial" panose="020B0604020202020204" pitchFamily="34" charset="0"/>
+              <a:buChar char="•"/>
+            </a:pPr>
+            <a:r>
+              <a:rPr lang="en-US" sz="2200" dirty="0">
+                <a:latin typeface="Times New Roman" panose="02020603050405020304" pitchFamily="18" charset="0"/>
+                <a:ea typeface="MS Mincho" panose="02020609040205080304" pitchFamily="49" charset="-128"/>
+                <a:cs typeface="Times New Roman" panose="02020603050405020304" pitchFamily="18" charset="0"/>
+              </a:rPr>
+              <a:t>Female student was better liked than male </a:t>
+            </a:r>
+            <a:r>
+              <a:rPr lang="en-US" sz="2200" dirty="0">
+                <a:latin typeface="Times New Roman" panose="02020603050405020304" pitchFamily="18" charset="0"/>
+                <a:ea typeface="MS Mincho" panose="02020609040205080304" pitchFamily="49" charset="-128"/>
+                <a:cs typeface="Times New Roman" panose="02020603050405020304" pitchFamily="18" charset="0"/>
+                <a:sym typeface="Wingdings" pitchFamily="2" charset="2"/>
+              </a:rPr>
+              <a:t> no overt hostility</a:t>
+            </a:r>
+            <a:endParaRPr lang="en-US" sz="2200" dirty="0">
+              <a:latin typeface="Times New Roman" panose="02020603050405020304" pitchFamily="18" charset="0"/>
+              <a:ea typeface="MS Mincho" panose="02020609040205080304" pitchFamily="49" charset="-128"/>
+              <a:cs typeface="Times New Roman" panose="02020603050405020304" pitchFamily="18" charset="0"/>
+            </a:endParaRPr>
+          </a:p>
+          <a:p>
+            <a:pPr marL="800100" lvl="1" indent="-342900">
+              <a:buFont typeface="Arial" panose="020B0604020202020204" pitchFamily="34" charset="0"/>
+              <a:buChar char="•"/>
+            </a:pPr>
+            <a:r>
+              <a:rPr lang="en-US" sz="2200" dirty="0">
+                <a:latin typeface="Times New Roman" panose="02020603050405020304" pitchFamily="18" charset="0"/>
+                <a:ea typeface="MS Mincho" panose="02020609040205080304" pitchFamily="49" charset="-128"/>
+                <a:cs typeface="Times New Roman" panose="02020603050405020304" pitchFamily="18" charset="0"/>
+              </a:rPr>
+              <a:t>Independent of faculty gender, discipline, age, etc.</a:t>
+            </a:r>
+          </a:p>
+          <a:p>
+            <a:pPr marL="800100" lvl="1" indent="-342900">
+              <a:buFont typeface="Arial" panose="020B0604020202020204" pitchFamily="34" charset="0"/>
+              <a:buChar char="•"/>
+            </a:pPr>
+            <a:r>
+              <a:rPr lang="en-US" sz="2200" dirty="0">
+                <a:latin typeface="Times New Roman" panose="02020603050405020304" pitchFamily="18" charset="0"/>
+                <a:ea typeface="MS Mincho" panose="02020609040205080304" pitchFamily="49" charset="-128"/>
+                <a:cs typeface="Times New Roman" panose="02020603050405020304" pitchFamily="18" charset="0"/>
+                <a:sym typeface="Wingdings" pitchFamily="2" charset="2"/>
+              </a:rPr>
+              <a:t>Likely unintentional bias  cultural stereotypes</a:t>
+            </a:r>
+            <a:endParaRPr lang="en-US" sz="2200" dirty="0">
+              <a:latin typeface="Times New Roman" panose="02020603050405020304" pitchFamily="18" charset="0"/>
+              <a:ea typeface="MS Mincho" panose="02020609040205080304" pitchFamily="49" charset="-128"/>
+              <a:cs typeface="Times New Roman" panose="02020603050405020304" pitchFamily="18" charset="0"/>
+            </a:endParaRPr>
+          </a:p>
+        </p:txBody>
+      </p:sp>
+      <p:pic>
+        <p:nvPicPr>
+          <p:cNvPr id="8" name="Picture 4">
+            <a:extLst>
+              <a:ext uri="{FF2B5EF4-FFF2-40B4-BE49-F238E27FC236}">
+                <a16:creationId xmlns:a16="http://schemas.microsoft.com/office/drawing/2014/main" id="{6B571D52-9523-D34D-9CCF-DCEAFF9DAE27}"/>
+              </a:ext>
+            </a:extLst>
+          </p:cNvPr>
+          <p:cNvPicPr>
+            <a:picLocks noChangeAspect="1" noChangeArrowheads="1"/>
+          </p:cNvPicPr>
+          <p:nvPr/>
+        </p:nvPicPr>
+        <p:blipFill rotWithShape="1">
+          <a:blip r:embed="rId3">
+            <a:extLst>
+              <a:ext uri="{28A0092B-C50C-407E-A947-70E740481C1C}">
+                <a14:useLocalDpi xmlns:a14="http://schemas.microsoft.com/office/drawing/2010/main" val="0"/>
+              </a:ext>
+            </a:extLst>
+          </a:blip>
+          <a:srcRect b="22081"/>
+          <a:stretch/>
+        </p:blipFill>
+        <p:spPr bwMode="auto">
+          <a:xfrm>
+            <a:off x="4674224" y="4032601"/>
+            <a:ext cx="4264025" cy="2560523"/>
+          </a:xfrm>
+          <a:prstGeom prst="rect">
+            <a:avLst/>
+          </a:prstGeom>
+          <a:noFill/>
+          <a:ln>
+            <a:noFill/>
+          </a:ln>
+          <a:effectLst/>
+          <a:extLst>
+            <a:ext uri="{909E8E84-426E-40DD-AFC4-6F175D3DCCD1}">
+              <a14:hiddenFill xmlns:a14="http://schemas.microsoft.com/office/drawing/2010/main">
+                <a:blipFill dpi="0" rotWithShape="0">
+                  <a:blip/>
+                  <a:srcRect/>
+                  <a:stretch>
+                    <a:fillRect/>
+                  </a:stretch>
+                </a:blipFill>
+              </a14:hiddenFill>
+            </a:ext>
+            <a:ext uri="{91240B29-F687-4F45-9708-019B960494DF}">
+              <a14:hiddenLine xmlns:a14="http://schemas.microsoft.com/office/drawing/2010/main" w="9525" cap="flat">
+                <a:solidFill>
+                  <a:srgbClr val="808080"/>
+                </a:solidFill>
+                <a:round/>
+                <a:headEnd/>
+                <a:tailEnd/>
+              </a14:hiddenLine>
+            </a:ext>
+            <a:ext uri="{AF507438-7753-43E0-B8FC-AC1667EBCBE1}">
+              <a14:hiddenEffects xmlns:a14="http://schemas.microsoft.com/office/drawing/2010/main">
+                <a:effectLst>
+                  <a:outerShdw blurRad="63500" dist="38099" dir="2700000" algn="ctr" rotWithShape="0">
+                    <a:srgbClr val="000000">
+                      <a:alpha val="74998"/>
+                    </a:srgbClr>
+                  </a:outerShdw>
+                </a:effectLst>
+              </a14:hiddenEffects>
+            </a:ext>
+          </a:extLst>
+        </p:spPr>
+      </p:pic>
+    </p:spTree>
+    <p:extLst>
+      <p:ext uri="{BB962C8B-B14F-4D97-AF65-F5344CB8AC3E}">
+        <p14:creationId xmlns:p14="http://schemas.microsoft.com/office/powerpoint/2010/main" val="3209170759"/>
+      </p:ext>
+    </p:extLst>
+  </p:cSld>
+  <p:clrMapOvr>
+    <a:masterClrMapping/>
+  </p:clrMapOvr>
+</p:sld>
+</file>
+
+<file path=ppt/slides/slide12.xml><?xml version="1.0" encoding="utf-8"?>
+<p:sld xmlns:a="http://schemas.openxmlformats.org/drawingml/2006/main" xmlns:r="http://schemas.openxmlformats.org/officeDocument/2006/relationships" xmlns:p="http://schemas.openxmlformats.org/presentationml/2006/main">
+  <p:cSld>
+    <p:spTree>
+      <p:nvGrpSpPr>
+        <p:cNvPr id="1" name=""/>
+        <p:cNvGrpSpPr/>
+        <p:nvPr/>
+      </p:nvGrpSpPr>
+      <p:grpSpPr>
+        <a:xfrm>
+          <a:off x="0" y="0"/>
+          <a:ext cx="0" cy="0"/>
+          <a:chOff x="0" y="0"/>
+          <a:chExt cx="0" cy="0"/>
+        </a:xfrm>
+      </p:grpSpPr>
+      <p:sp>
+        <p:nvSpPr>
+          <p:cNvPr id="4" name="TextBox 3"/>
+          <p:cNvSpPr txBox="1"/>
+          <p:nvPr/>
+        </p:nvSpPr>
+        <p:spPr>
+          <a:xfrm>
+            <a:off x="275549" y="191702"/>
+            <a:ext cx="6679521" cy="553998"/>
+          </a:xfrm>
+          <a:prstGeom prst="rect">
+            <a:avLst/>
+          </a:prstGeom>
+          <a:noFill/>
+        </p:spPr>
+        <p:txBody>
+          <a:bodyPr wrap="none" rtlCol="0">
+            <a:spAutoFit/>
+          </a:bodyPr>
+          <a:lstStyle/>
+          <a:p>
+            <a:r>
+              <a:rPr lang="en-US" sz="3000" b="1" dirty="0">
+                <a:solidFill>
+                  <a:prstClr val="black"/>
+                </a:solidFill>
+                <a:latin typeface="Times New Roman"/>
+                <a:cs typeface="Times New Roman"/>
+              </a:rPr>
+              <a:t>Diversity in Physics: Gender Minorities</a:t>
+            </a:r>
+            <a:endParaRPr lang="en-US" sz="2400" b="1" dirty="0">
+              <a:solidFill>
+                <a:prstClr val="black"/>
+              </a:solidFill>
+              <a:latin typeface="Times New Roman"/>
+              <a:cs typeface="Times New Roman"/>
+            </a:endParaRPr>
+          </a:p>
+        </p:txBody>
+      </p:sp>
+      <p:sp>
+        <p:nvSpPr>
+          <p:cNvPr id="6" name="TextBox 5">
+            <a:extLst>
+              <a:ext uri="{FF2B5EF4-FFF2-40B4-BE49-F238E27FC236}">
+                <a16:creationId xmlns:a16="http://schemas.microsoft.com/office/drawing/2014/main" id="{80A24032-1FF5-2340-BF4F-86A5459B8F08}"/>
+              </a:ext>
+            </a:extLst>
+          </p:cNvPr>
+          <p:cNvSpPr txBox="1"/>
+          <p:nvPr/>
+        </p:nvSpPr>
+        <p:spPr>
+          <a:xfrm>
+            <a:off x="182880" y="5083761"/>
+            <a:ext cx="8961119" cy="1692771"/>
+          </a:xfrm>
+          <a:prstGeom prst="rect">
+            <a:avLst/>
+          </a:prstGeom>
+          <a:noFill/>
+        </p:spPr>
+        <p:txBody>
+          <a:bodyPr wrap="square" rtlCol="0">
+            <a:spAutoFit/>
+          </a:bodyPr>
+          <a:lstStyle/>
+          <a:p>
+            <a:pPr marL="342900" indent="-342900">
+              <a:buFont typeface="Arial" panose="020B0604020202020204" pitchFamily="34" charset="0"/>
+              <a:buChar char="•"/>
+            </a:pPr>
+            <a:r>
+              <a:rPr lang="en-US" sz="2400" dirty="0">
+                <a:latin typeface="Times New Roman" panose="02020603050405020304" pitchFamily="18" charset="0"/>
+                <a:ea typeface="MS Mincho" panose="02020609040205080304" pitchFamily="49" charset="-128"/>
+                <a:cs typeface="Times New Roman" panose="02020603050405020304" pitchFamily="18" charset="0"/>
+              </a:rPr>
+              <a:t>Peer-reviewed research: “</a:t>
+            </a:r>
+            <a:r>
+              <a:rPr lang="en-US" sz="2400" i="1" dirty="0">
+                <a:latin typeface="Times New Roman" panose="02020603050405020304" pitchFamily="18" charset="0"/>
+                <a:ea typeface="MS Mincho" panose="02020609040205080304" pitchFamily="49" charset="-128"/>
+                <a:cs typeface="Times New Roman" panose="02020603050405020304" pitchFamily="18" charset="0"/>
+              </a:rPr>
+              <a:t>Sexual harassment reported by undergrad. female physicists</a:t>
+            </a:r>
+            <a:r>
+              <a:rPr lang="en-US" sz="2400" dirty="0">
+                <a:latin typeface="Times New Roman" panose="02020603050405020304" pitchFamily="18" charset="0"/>
+                <a:ea typeface="MS Mincho" panose="02020609040205080304" pitchFamily="49" charset="-128"/>
+                <a:cs typeface="Times New Roman" panose="02020603050405020304" pitchFamily="18" charset="0"/>
+              </a:rPr>
+              <a:t>” </a:t>
+            </a:r>
+            <a:r>
+              <a:rPr lang="en-US" sz="2200" dirty="0">
+                <a:latin typeface="Times New Roman" panose="02020603050405020304" pitchFamily="18" charset="0"/>
+                <a:ea typeface="MS Mincho" panose="02020609040205080304" pitchFamily="49" charset="-128"/>
+                <a:cs typeface="Times New Roman" panose="02020603050405020304" pitchFamily="18" charset="0"/>
+              </a:rPr>
+              <a:t>(</a:t>
+            </a:r>
+            <a:r>
+              <a:rPr lang="en-US" sz="2200" dirty="0" err="1">
+                <a:latin typeface="Times New Roman" panose="02020603050405020304" pitchFamily="18" charset="0"/>
+                <a:ea typeface="MS Mincho" panose="02020609040205080304" pitchFamily="49" charset="-128"/>
+                <a:cs typeface="Times New Roman" panose="02020603050405020304" pitchFamily="18" charset="0"/>
+              </a:rPr>
+              <a:t>Aycock</a:t>
+            </a:r>
+            <a:r>
+              <a:rPr lang="en-US" sz="2200" dirty="0">
+                <a:latin typeface="Times New Roman" panose="02020603050405020304" pitchFamily="18" charset="0"/>
+                <a:ea typeface="MS Mincho" panose="02020609040205080304" pitchFamily="49" charset="-128"/>
+                <a:cs typeface="Times New Roman" panose="02020603050405020304" pitchFamily="18" charset="0"/>
+              </a:rPr>
+              <a:t> et al. 2019, Phys. Rev. PER, </a:t>
+            </a:r>
+            <a:r>
+              <a:rPr lang="en-US" sz="2200" b="1" dirty="0">
+                <a:latin typeface="Times New Roman" panose="02020603050405020304" pitchFamily="18" charset="0"/>
+                <a:ea typeface="MS Mincho" panose="02020609040205080304" pitchFamily="49" charset="-128"/>
+                <a:cs typeface="Times New Roman" panose="02020603050405020304" pitchFamily="18" charset="0"/>
+              </a:rPr>
+              <a:t>15</a:t>
+            </a:r>
+            <a:r>
+              <a:rPr lang="en-US" sz="2200" dirty="0">
+                <a:latin typeface="Times New Roman" panose="02020603050405020304" pitchFamily="18" charset="0"/>
+                <a:ea typeface="MS Mincho" panose="02020609040205080304" pitchFamily="49" charset="-128"/>
+                <a:cs typeface="Times New Roman" panose="02020603050405020304" pitchFamily="18" charset="0"/>
+              </a:rPr>
+              <a:t>, 010121)</a:t>
+            </a:r>
+          </a:p>
+          <a:p>
+            <a:pPr marL="342900" indent="-342900">
+              <a:buFont typeface="Arial" panose="020B0604020202020204" pitchFamily="34" charset="0"/>
+              <a:buChar char="•"/>
+            </a:pPr>
+            <a:endParaRPr lang="en-US" sz="800" dirty="0">
+              <a:latin typeface="Times New Roman" panose="02020603050405020304" pitchFamily="18" charset="0"/>
+              <a:ea typeface="MS Mincho" panose="02020609040205080304" pitchFamily="49" charset="-128"/>
+              <a:cs typeface="Times New Roman" panose="02020603050405020304" pitchFamily="18" charset="0"/>
+            </a:endParaRPr>
+          </a:p>
+          <a:p>
+            <a:pPr marL="342900" indent="-342900">
+              <a:buFont typeface="Arial" panose="020B0604020202020204" pitchFamily="34" charset="0"/>
+              <a:buChar char="•"/>
+            </a:pPr>
+            <a:r>
+              <a:rPr lang="en-US" sz="2400" dirty="0">
+                <a:latin typeface="Times New Roman" panose="02020603050405020304" pitchFamily="18" charset="0"/>
+                <a:ea typeface="MS Mincho" panose="02020609040205080304" pitchFamily="49" charset="-128"/>
+                <a:cs typeface="Times New Roman" panose="02020603050405020304" pitchFamily="18" charset="0"/>
+              </a:rPr>
+              <a:t>Results from </a:t>
+            </a:r>
+            <a:r>
+              <a:rPr lang="en-US" sz="2400" dirty="0" err="1">
+                <a:latin typeface="Times New Roman" panose="02020603050405020304" pitchFamily="18" charset="0"/>
+                <a:ea typeface="MS Mincho" panose="02020609040205080304" pitchFamily="49" charset="-128"/>
+                <a:cs typeface="Times New Roman" panose="02020603050405020304" pitchFamily="18" charset="0"/>
+              </a:rPr>
+              <a:t>CUWiP</a:t>
+            </a:r>
+            <a:r>
+              <a:rPr lang="en-US" sz="2400" dirty="0">
+                <a:latin typeface="Times New Roman" panose="02020603050405020304" pitchFamily="18" charset="0"/>
+                <a:ea typeface="MS Mincho" panose="02020609040205080304" pitchFamily="49" charset="-128"/>
+                <a:cs typeface="Times New Roman" panose="02020603050405020304" pitchFamily="18" charset="0"/>
+              </a:rPr>
+              <a:t>: 74% (338/455) of women experienced harassment</a:t>
+            </a:r>
+            <a:endParaRPr lang="en-US" sz="2200" dirty="0">
+              <a:latin typeface="Times New Roman" panose="02020603050405020304" pitchFamily="18" charset="0"/>
+              <a:ea typeface="MS Mincho" panose="02020609040205080304" pitchFamily="49" charset="-128"/>
+              <a:cs typeface="Times New Roman" panose="02020603050405020304" pitchFamily="18" charset="0"/>
+            </a:endParaRPr>
+          </a:p>
+        </p:txBody>
+      </p:sp>
+      <p:pic>
+        <p:nvPicPr>
+          <p:cNvPr id="2" name="Picture 1"/>
+          <p:cNvPicPr>
+            <a:picLocks noChangeAspect="1"/>
+          </p:cNvPicPr>
+          <p:nvPr/>
+        </p:nvPicPr>
+        <p:blipFill>
+          <a:blip r:embed="rId2"/>
+          <a:stretch>
+            <a:fillRect/>
+          </a:stretch>
+        </p:blipFill>
+        <p:spPr>
+          <a:xfrm>
+            <a:off x="903643" y="745700"/>
+            <a:ext cx="6696818" cy="4338061"/>
+          </a:xfrm>
+          <a:prstGeom prst="rect">
+            <a:avLst/>
+          </a:prstGeom>
+        </p:spPr>
+      </p:pic>
+    </p:spTree>
+    <p:extLst>
+      <p:ext uri="{BB962C8B-B14F-4D97-AF65-F5344CB8AC3E}">
+        <p14:creationId xmlns:p14="http://schemas.microsoft.com/office/powerpoint/2010/main" val="1594677064"/>
+      </p:ext>
+    </p:extLst>
+  </p:cSld>
+  <p:clrMapOvr>
+    <a:masterClrMapping/>
+  </p:clrMapOvr>
+</p:sld>
+</file>
+
+<file path=ppt/slides/slide13.xml><?xml version="1.0" encoding="utf-8"?>
+<p:sld xmlns:a="http://schemas.openxmlformats.org/drawingml/2006/main" xmlns:r="http://schemas.openxmlformats.org/officeDocument/2006/relationships" xmlns:p="http://schemas.openxmlformats.org/presentationml/2006/main">
+  <p:cSld>
+    <p:spTree>
+      <p:nvGrpSpPr>
+        <p:cNvPr id="1" name=""/>
+        <p:cNvGrpSpPr/>
+        <p:nvPr/>
+      </p:nvGrpSpPr>
+      <p:grpSpPr>
+        <a:xfrm>
+          <a:off x="0" y="0"/>
+          <a:ext cx="0" cy="0"/>
+          <a:chOff x="0" y="0"/>
+          <a:chExt cx="0" cy="0"/>
+        </a:xfrm>
+      </p:grpSpPr>
+      <p:sp>
+        <p:nvSpPr>
+          <p:cNvPr id="4" name="TextBox 3"/>
+          <p:cNvSpPr txBox="1"/>
+          <p:nvPr/>
+        </p:nvSpPr>
+        <p:spPr>
+          <a:xfrm>
+            <a:off x="275549" y="191702"/>
+            <a:ext cx="6679521" cy="553998"/>
+          </a:xfrm>
+          <a:prstGeom prst="rect">
+            <a:avLst/>
+          </a:prstGeom>
+          <a:noFill/>
+        </p:spPr>
+        <p:txBody>
+          <a:bodyPr wrap="none" rtlCol="0">
+            <a:spAutoFit/>
+          </a:bodyPr>
+          <a:lstStyle/>
+          <a:p>
+            <a:r>
+              <a:rPr lang="en-US" sz="3000" b="1" dirty="0">
+                <a:solidFill>
+                  <a:prstClr val="black"/>
+                </a:solidFill>
+                <a:latin typeface="Times New Roman"/>
+                <a:cs typeface="Times New Roman"/>
+              </a:rPr>
+              <a:t>Diversity in Physics: Gender Minorities</a:t>
+            </a:r>
+            <a:endParaRPr lang="en-US" sz="2400" b="1" dirty="0">
+              <a:solidFill>
+                <a:prstClr val="black"/>
+              </a:solidFill>
+              <a:latin typeface="Times New Roman"/>
+              <a:cs typeface="Times New Roman"/>
+            </a:endParaRPr>
+          </a:p>
+        </p:txBody>
+      </p:sp>
+      <p:pic>
+        <p:nvPicPr>
           <p:cNvPr id="3" name="Picture 2"/>
           <p:cNvPicPr>
             <a:picLocks noChangeAspect="1"/>
@@ -4174,7 +4844,252 @@
 </p:sld>
 </file>
 
-<file path=ppt/slides/slide12.xml><?xml version="1.0" encoding="utf-8"?>
+<file path=ppt/slides/slide14.xml><?xml version="1.0" encoding="utf-8"?>
+<p:sld xmlns:a="http://schemas.openxmlformats.org/drawingml/2006/main" xmlns:r="http://schemas.openxmlformats.org/officeDocument/2006/relationships" xmlns:p="http://schemas.openxmlformats.org/presentationml/2006/main">
+  <p:cSld>
+    <p:spTree>
+      <p:nvGrpSpPr>
+        <p:cNvPr id="1" name=""/>
+        <p:cNvGrpSpPr/>
+        <p:nvPr/>
+      </p:nvGrpSpPr>
+      <p:grpSpPr>
+        <a:xfrm>
+          <a:off x="0" y="0"/>
+          <a:ext cx="0" cy="0"/>
+          <a:chOff x="0" y="0"/>
+          <a:chExt cx="0" cy="0"/>
+        </a:xfrm>
+      </p:grpSpPr>
+      <p:sp>
+        <p:nvSpPr>
+          <p:cNvPr id="4" name="TextBox 3"/>
+          <p:cNvSpPr txBox="1"/>
+          <p:nvPr/>
+        </p:nvSpPr>
+        <p:spPr>
+          <a:xfrm>
+            <a:off x="275549" y="191702"/>
+            <a:ext cx="7578293" cy="553998"/>
+          </a:xfrm>
+          <a:prstGeom prst="rect">
+            <a:avLst/>
+          </a:prstGeom>
+          <a:noFill/>
+        </p:spPr>
+        <p:txBody>
+          <a:bodyPr wrap="none" rtlCol="0">
+            <a:spAutoFit/>
+          </a:bodyPr>
+          <a:lstStyle/>
+          <a:p>
+            <a:r>
+              <a:rPr lang="en-US" sz="3000" b="1" dirty="0">
+                <a:solidFill>
+                  <a:prstClr val="black"/>
+                </a:solidFill>
+                <a:latin typeface="Times New Roman"/>
+                <a:cs typeface="Times New Roman"/>
+              </a:rPr>
+              <a:t>Diversity &amp; Inclusion: Some More Resources</a:t>
+            </a:r>
+            <a:endParaRPr lang="en-US" sz="2400" b="1" dirty="0">
+              <a:solidFill>
+                <a:prstClr val="black"/>
+              </a:solidFill>
+              <a:latin typeface="Times New Roman"/>
+              <a:cs typeface="Times New Roman"/>
+            </a:endParaRPr>
+          </a:p>
+        </p:txBody>
+      </p:sp>
+      <p:sp>
+        <p:nvSpPr>
+          <p:cNvPr id="6" name="TextBox 5">
+            <a:extLst>
+              <a:ext uri="{FF2B5EF4-FFF2-40B4-BE49-F238E27FC236}">
+                <a16:creationId xmlns:a16="http://schemas.microsoft.com/office/drawing/2014/main" id="{878A97EC-2834-8447-A6B8-2F5335C4C2C1}"/>
+              </a:ext>
+            </a:extLst>
+          </p:cNvPr>
+          <p:cNvSpPr txBox="1"/>
+          <p:nvPr/>
+        </p:nvSpPr>
+        <p:spPr>
+          <a:xfrm>
+            <a:off x="539604" y="945629"/>
+            <a:ext cx="8378766" cy="3785652"/>
+          </a:xfrm>
+          <a:prstGeom prst="rect">
+            <a:avLst/>
+          </a:prstGeom>
+          <a:noFill/>
+        </p:spPr>
+        <p:txBody>
+          <a:bodyPr wrap="square" rtlCol="0">
+            <a:spAutoFit/>
+          </a:bodyPr>
+          <a:lstStyle/>
+          <a:p>
+            <a:pPr marL="342900" indent="-342900">
+              <a:buFont typeface="Arial" panose="020B0604020202020204" pitchFamily="34" charset="0"/>
+              <a:buChar char="•"/>
+            </a:pPr>
+            <a:r>
+              <a:rPr lang="en-GB" altLang="en-US" sz="2400" dirty="0">
+                <a:latin typeface="Times New Roman" panose="02020603050405020304" pitchFamily="18" charset="0"/>
+                <a:cs typeface="Times New Roman" panose="02020603050405020304" pitchFamily="18" charset="0"/>
+              </a:rPr>
+              <a:t>Conference for Undergraduate Women and Gender </a:t>
+            </a:r>
+            <a:r>
+              <a:rPr lang="en-GB" altLang="en-US" sz="2400" dirty="0" err="1">
+                <a:latin typeface="Times New Roman" panose="02020603050405020304" pitchFamily="18" charset="0"/>
+                <a:cs typeface="Times New Roman" panose="02020603050405020304" pitchFamily="18" charset="0"/>
+              </a:rPr>
+              <a:t>Miniorities</a:t>
+            </a:r>
+            <a:r>
+              <a:rPr lang="en-GB" altLang="en-US" sz="2400" dirty="0">
+                <a:latin typeface="Times New Roman" panose="02020603050405020304" pitchFamily="18" charset="0"/>
+                <a:cs typeface="Times New Roman" panose="02020603050405020304" pitchFamily="18" charset="0"/>
+              </a:rPr>
+              <a:t> in Physics: </a:t>
+            </a:r>
+            <a:r>
+              <a:rPr lang="en-GB" altLang="en-US" sz="2400" dirty="0">
+                <a:latin typeface="Times New Roman" panose="02020603050405020304" pitchFamily="18" charset="0"/>
+                <a:cs typeface="Times New Roman" panose="02020603050405020304" pitchFamily="18" charset="0"/>
+                <a:hlinkClick r:id="rId3"/>
+              </a:rPr>
+              <a:t>https://www.aps.org/initiatives/inclusion/gender-inclusive/undergraduate-women-minorities</a:t>
+            </a:r>
+            <a:endParaRPr lang="en-GB" altLang="en-US" sz="2400" dirty="0">
+              <a:latin typeface="Times New Roman" panose="02020603050405020304" pitchFamily="18" charset="0"/>
+              <a:cs typeface="Times New Roman" panose="02020603050405020304" pitchFamily="18" charset="0"/>
+            </a:endParaRPr>
+          </a:p>
+          <a:p>
+            <a:pPr marL="342900" indent="-342900">
+              <a:buFont typeface="Arial" panose="020B0604020202020204" pitchFamily="34" charset="0"/>
+              <a:buChar char="•"/>
+            </a:pPr>
+            <a:endParaRPr lang="en-GB" altLang="en-US" sz="800" dirty="0">
+              <a:latin typeface="Times New Roman" panose="02020603050405020304" pitchFamily="18" charset="0"/>
+              <a:cs typeface="Times New Roman" panose="02020603050405020304" pitchFamily="18" charset="0"/>
+            </a:endParaRPr>
+          </a:p>
+          <a:p>
+            <a:pPr marL="342900" indent="-342900">
+              <a:buFont typeface="Arial" panose="020B0604020202020204" pitchFamily="34" charset="0"/>
+              <a:buChar char="•"/>
+            </a:pPr>
+            <a:r>
+              <a:rPr lang="en-GB" altLang="en-US" sz="2400" dirty="0">
+                <a:latin typeface="Times New Roman" panose="02020603050405020304" pitchFamily="18" charset="0"/>
+                <a:cs typeface="Times New Roman" panose="02020603050405020304" pitchFamily="18" charset="0"/>
+              </a:rPr>
+              <a:t>Step Up 4 Women: </a:t>
+            </a:r>
+            <a:r>
+              <a:rPr lang="en-GB" altLang="en-US" sz="2400" dirty="0">
+                <a:latin typeface="Times New Roman" panose="02020603050405020304" pitchFamily="18" charset="0"/>
+                <a:cs typeface="Times New Roman" panose="02020603050405020304" pitchFamily="18" charset="0"/>
+                <a:hlinkClick r:id="rId4"/>
+              </a:rPr>
+              <a:t>https://engage.aps.org/stepup/home</a:t>
+            </a:r>
+            <a:endParaRPr lang="en-GB" altLang="en-US" sz="2400" dirty="0">
+              <a:latin typeface="Times New Roman" panose="02020603050405020304" pitchFamily="18" charset="0"/>
+              <a:cs typeface="Times New Roman" panose="02020603050405020304" pitchFamily="18" charset="0"/>
+            </a:endParaRPr>
+          </a:p>
+          <a:p>
+            <a:pPr marL="342900" indent="-342900">
+              <a:buFont typeface="Arial" panose="020B0604020202020204" pitchFamily="34" charset="0"/>
+              <a:buChar char="•"/>
+            </a:pPr>
+            <a:endParaRPr lang="en-GB" altLang="en-US" sz="800" dirty="0">
+              <a:latin typeface="Times New Roman" panose="02020603050405020304" pitchFamily="18" charset="0"/>
+              <a:cs typeface="Times New Roman" panose="02020603050405020304" pitchFamily="18" charset="0"/>
+            </a:endParaRPr>
+          </a:p>
+          <a:p>
+            <a:pPr marL="342900" indent="-342900">
+              <a:buFont typeface="Arial" panose="020B0604020202020204" pitchFamily="34" charset="0"/>
+              <a:buChar char="•"/>
+            </a:pPr>
+            <a:r>
+              <a:rPr lang="en-GB" altLang="en-US" sz="2400" dirty="0">
+                <a:latin typeface="Times New Roman" panose="02020603050405020304" pitchFamily="18" charset="0"/>
+                <a:cs typeface="Times New Roman" panose="02020603050405020304" pitchFamily="18" charset="0"/>
+              </a:rPr>
+              <a:t>APS Bridge Program: </a:t>
+            </a:r>
+            <a:r>
+              <a:rPr lang="en-GB" altLang="en-US" sz="2400" dirty="0">
+                <a:latin typeface="Times New Roman" panose="02020603050405020304" pitchFamily="18" charset="0"/>
+                <a:cs typeface="Times New Roman" panose="02020603050405020304" pitchFamily="18" charset="0"/>
+                <a:hlinkClick r:id="rId5"/>
+              </a:rPr>
+              <a:t>https://www.aps.org/initiatives/inclusion/bridge-program</a:t>
+            </a:r>
+            <a:endParaRPr lang="en-GB" altLang="en-US" sz="2400" dirty="0">
+              <a:latin typeface="Times New Roman" panose="02020603050405020304" pitchFamily="18" charset="0"/>
+              <a:cs typeface="Times New Roman" panose="02020603050405020304" pitchFamily="18" charset="0"/>
+            </a:endParaRPr>
+          </a:p>
+          <a:p>
+            <a:pPr marL="342900" indent="-342900">
+              <a:buFont typeface="Arial" panose="020B0604020202020204" pitchFamily="34" charset="0"/>
+              <a:buChar char="•"/>
+            </a:pPr>
+            <a:endParaRPr lang="en-GB" altLang="en-US" sz="800" dirty="0">
+              <a:latin typeface="Times New Roman" panose="02020603050405020304" pitchFamily="18" charset="0"/>
+              <a:cs typeface="Times New Roman" panose="02020603050405020304" pitchFamily="18" charset="0"/>
+            </a:endParaRPr>
+          </a:p>
+          <a:p>
+            <a:pPr marL="342900" indent="-342900">
+              <a:buFont typeface="Arial" panose="020B0604020202020204" pitchFamily="34" charset="0"/>
+              <a:buChar char="•"/>
+            </a:pPr>
+            <a:r>
+              <a:rPr lang="en-GB" altLang="en-US" sz="2400" dirty="0">
+                <a:latin typeface="Times New Roman" panose="02020603050405020304" pitchFamily="18" charset="0"/>
+                <a:cs typeface="Times New Roman" panose="02020603050405020304" pitchFamily="18" charset="0"/>
+              </a:rPr>
+              <a:t>National Mentoring Community: </a:t>
+            </a:r>
+            <a:r>
+              <a:rPr lang="en-GB" altLang="en-US" sz="2400" dirty="0">
+                <a:latin typeface="Times New Roman" panose="02020603050405020304" pitchFamily="18" charset="0"/>
+                <a:cs typeface="Times New Roman" panose="02020603050405020304" pitchFamily="18" charset="0"/>
+                <a:hlinkClick r:id="rId6"/>
+              </a:rPr>
+              <a:t>https://www.aps.org/initiatives/physics-education/national-mentoring-community</a:t>
+            </a:r>
+            <a:endParaRPr lang="en-GB" altLang="en-US" sz="2400" dirty="0">
+              <a:latin typeface="Times New Roman" panose="02020603050405020304" pitchFamily="18" charset="0"/>
+              <a:cs typeface="Times New Roman" panose="02020603050405020304" pitchFamily="18" charset="0"/>
+            </a:endParaRPr>
+          </a:p>
+        </p:txBody>
+      </p:sp>
+    </p:spTree>
+    <p:extLst>
+      <p:ext uri="{BB962C8B-B14F-4D97-AF65-F5344CB8AC3E}">
+        <p14:creationId xmlns:p14="http://schemas.microsoft.com/office/powerpoint/2010/main" val="1281231360"/>
+      </p:ext>
+    </p:extLst>
+  </p:cSld>
+  <p:clrMapOvr>
+    <a:masterClrMapping/>
+  </p:clrMapOvr>
+</p:sld>
+</file>
+
+<file path=ppt/slides/slide15.xml><?xml version="1.0" encoding="utf-8"?>
 <p:sld xmlns:a="http://schemas.openxmlformats.org/drawingml/2006/main" xmlns:r="http://schemas.openxmlformats.org/officeDocument/2006/relationships" xmlns:p="http://schemas.openxmlformats.org/presentationml/2006/main">
   <p:cSld>
     <p:spTree>
@@ -4912,7 +5827,7 @@
 </p:sld>
 </file>
 
-<file path=ppt/slides/slide13.xml><?xml version="1.0" encoding="utf-8"?>
+<file path=ppt/slides/slide16.xml><?xml version="1.0" encoding="utf-8"?>
 <p:sld xmlns:a="http://schemas.openxmlformats.org/drawingml/2006/main" xmlns:r="http://schemas.openxmlformats.org/officeDocument/2006/relationships" xmlns:p="http://schemas.openxmlformats.org/presentationml/2006/main">
   <p:cSld>
     <p:spTree>
@@ -4986,7 +5901,7 @@
         <p:spPr>
           <a:xfrm>
             <a:off x="539603" y="945629"/>
-            <a:ext cx="8450017" cy="4493538"/>
+            <a:ext cx="8450017" cy="4832092"/>
           </a:xfrm>
           <a:prstGeom prst="rect">
             <a:avLst/>
@@ -5093,6 +6008,20 @@
                 <a:ea typeface="MS Mincho" panose="02020609040205080304" pitchFamily="49" charset="-128"/>
                 <a:cs typeface="Times New Roman" panose="02020603050405020304" pitchFamily="18" charset="0"/>
               </a:rPr>
+              <a:t>First Generation Students</a:t>
+            </a:r>
+          </a:p>
+          <a:p>
+            <a:pPr marL="914400" lvl="1" indent="-457200">
+              <a:buFont typeface="+mj-lt"/>
+              <a:buAutoNum type="arabicPeriod"/>
+            </a:pPr>
+            <a:r>
+              <a:rPr lang="en-US" sz="2200" dirty="0">
+                <a:latin typeface="Times New Roman" panose="02020603050405020304" pitchFamily="18" charset="0"/>
+                <a:ea typeface="MS Mincho" panose="02020609040205080304" pitchFamily="49" charset="-128"/>
+                <a:cs typeface="Times New Roman" panose="02020603050405020304" pitchFamily="18" charset="0"/>
+              </a:rPr>
               <a:t>LGBTQ+ Status</a:t>
             </a:r>
           </a:p>
@@ -5185,7 +6114,7 @@
                 <a:ea typeface="MS Mincho" panose="02020609040205080304" pitchFamily="49" charset="-128"/>
                 <a:cs typeface="Times New Roman" panose="02020603050405020304" pitchFamily="18" charset="0"/>
               </a:rPr>
-              <a:t>Next week: topics 3 – 9</a:t>
+              <a:t>Next week: other topics</a:t>
             </a:r>
           </a:p>
         </p:txBody>
@@ -5203,7 +6132,7 @@
 </p:sld>
 </file>
 
-<file path=ppt/slides/slide14.xml><?xml version="1.0" encoding="utf-8"?>
+<file path=ppt/slides/slide17.xml><?xml version="1.0" encoding="utf-8"?>
 <p:sld xmlns:a="http://schemas.openxmlformats.org/drawingml/2006/main" xmlns:r="http://schemas.openxmlformats.org/officeDocument/2006/relationships" xmlns:p="http://schemas.openxmlformats.org/presentationml/2006/main">
   <p:cSld>
     <p:spTree>
@@ -5307,7 +6236,7 @@
         <p:spPr>
           <a:xfrm>
             <a:off x="539603" y="945629"/>
-            <a:ext cx="8355015" cy="5355312"/>
+            <a:ext cx="8355015" cy="5693866"/>
           </a:xfrm>
           <a:prstGeom prst="rect">
             <a:avLst/>
@@ -5386,7 +6315,7 @@
                 <a:ea typeface="MS Mincho" panose="02020609040205080304" pitchFamily="49" charset="-128"/>
                 <a:cs typeface="Times New Roman" panose="02020603050405020304" pitchFamily="18" charset="0"/>
               </a:rPr>
-              <a:t>Group 4: LGBTQ+ Status</a:t>
+              <a:t>Group 4: First Generation Students</a:t>
             </a:r>
           </a:p>
           <a:p>
@@ -5400,7 +6329,7 @@
                 <a:ea typeface="MS Mincho" panose="02020609040205080304" pitchFamily="49" charset="-128"/>
                 <a:cs typeface="Times New Roman" panose="02020603050405020304" pitchFamily="18" charset="0"/>
               </a:rPr>
-              <a:t>Group 5: Caring / Parenting Responsibilities</a:t>
+              <a:t>Group 5: LGBTQ+ Status</a:t>
             </a:r>
           </a:p>
           <a:p>
@@ -5414,7 +6343,7 @@
                 <a:ea typeface="MS Mincho" panose="02020609040205080304" pitchFamily="49" charset="-128"/>
                 <a:cs typeface="Times New Roman" panose="02020603050405020304" pitchFamily="18" charset="0"/>
               </a:rPr>
-              <a:t>Group 6: Socio-economic Disadvantage</a:t>
+              <a:t>Group 6: Caring / Parenting Responsibilities</a:t>
             </a:r>
           </a:p>
           <a:p>
@@ -5428,7 +6357,21 @@
                 <a:ea typeface="MS Mincho" panose="02020609040205080304" pitchFamily="49" charset="-128"/>
                 <a:cs typeface="Times New Roman" panose="02020603050405020304" pitchFamily="18" charset="0"/>
               </a:rPr>
-              <a:t>Group 7: Visible / Invisible Disabilities</a:t>
+              <a:t>Group 7: Socio-economic Disadvantage</a:t>
+            </a:r>
+          </a:p>
+          <a:p>
+            <a:pPr marL="914400" lvl="1" indent="-457200">
+              <a:buFont typeface="Arial" panose="020B0604020202020204" pitchFamily="34" charset="0"/>
+              <a:buChar char="•"/>
+            </a:pPr>
+            <a:r>
+              <a:rPr lang="en-US" sz="2200" dirty="0">
+                <a:latin typeface="Times New Roman" panose="02020603050405020304" pitchFamily="18" charset="0"/>
+                <a:ea typeface="MS Mincho" panose="02020609040205080304" pitchFamily="49" charset="-128"/>
+                <a:cs typeface="Times New Roman" panose="02020603050405020304" pitchFamily="18" charset="0"/>
+              </a:rPr>
+              <a:t>Group 8: Visible / Invisible Disabilities</a:t>
             </a:r>
           </a:p>
           <a:p>
@@ -5811,33 +6754,15 @@
                                   </p:childTnLst>
                                 </p:cTn>
                               </p:par>
-                            </p:childTnLst>
-                          </p:cTn>
-                        </p:par>
-                      </p:childTnLst>
-                    </p:cTn>
-                  </p:par>
-                  <p:par>
-                    <p:cTn id="21" fill="hold">
-                      <p:stCondLst>
-                        <p:cond delay="indefinite"/>
-                      </p:stCondLst>
-                      <p:childTnLst>
-                        <p:par>
-                          <p:cTn id="22" fill="hold">
-                            <p:stCondLst>
-                              <p:cond delay="0"/>
-                            </p:stCondLst>
-                            <p:childTnLst>
                               <p:par>
-                                <p:cTn id="23" presetID="1" presetClass="entr" presetSubtype="0" fill="hold" nodeType="clickEffect">
+                                <p:cTn id="21" presetID="1" presetClass="entr" presetSubtype="0" fill="hold" nodeType="withEffect">
                                   <p:stCondLst>
                                     <p:cond delay="0"/>
                                   </p:stCondLst>
                                   <p:childTnLst>
                                     <p:set>
                                       <p:cBhvr>
-                                        <p:cTn id="24" dur="1" fill="hold">
+                                        <p:cTn id="22" dur="1" fill="hold">
                                           <p:stCondLst>
                                             <p:cond delay="0"/>
                                           </p:stCondLst>
@@ -5845,7 +6770,7 @@
                                         <p:tgtEl>
                                           <p:spTgt spid="6">
                                             <p:txEl>
-                                              <p:pRg st="9" end="9"/>
+                                              <p:pRg st="8" end="8"/>
                                             </p:txEl>
                                           </p:spTgt>
                                         </p:tgtEl>
@@ -5867,26 +6792,26 @@
                     </p:cTn>
                   </p:par>
                   <p:par>
-                    <p:cTn id="25" fill="hold">
+                    <p:cTn id="23" fill="hold">
                       <p:stCondLst>
                         <p:cond delay="indefinite"/>
                       </p:stCondLst>
                       <p:childTnLst>
                         <p:par>
-                          <p:cTn id="26" fill="hold">
+                          <p:cTn id="24" fill="hold">
                             <p:stCondLst>
                               <p:cond delay="0"/>
                             </p:stCondLst>
                             <p:childTnLst>
                               <p:par>
-                                <p:cTn id="27" presetID="1" presetClass="entr" presetSubtype="0" fill="hold" nodeType="clickEffect">
+                                <p:cTn id="25" presetID="1" presetClass="entr" presetSubtype="0" fill="hold" nodeType="clickEffect">
                                   <p:stCondLst>
                                     <p:cond delay="0"/>
                                   </p:stCondLst>
                                   <p:childTnLst>
                                     <p:set>
                                       <p:cBhvr>
-                                        <p:cTn id="28" dur="1" fill="hold">
+                                        <p:cTn id="26" dur="1" fill="hold">
                                           <p:stCondLst>
                                             <p:cond delay="0"/>
                                           </p:stCondLst>
@@ -5894,7 +6819,7 @@
                                         <p:tgtEl>
                                           <p:spTgt spid="6">
                                             <p:txEl>
-                                              <p:pRg st="11" end="11"/>
+                                              <p:pRg st="10" end="10"/>
                                             </p:txEl>
                                           </p:spTgt>
                                         </p:tgtEl>
@@ -5916,26 +6841,26 @@
                     </p:cTn>
                   </p:par>
                   <p:par>
-                    <p:cTn id="29" fill="hold">
+                    <p:cTn id="27" fill="hold">
                       <p:stCondLst>
                         <p:cond delay="indefinite"/>
                       </p:stCondLst>
                       <p:childTnLst>
                         <p:par>
-                          <p:cTn id="30" fill="hold">
+                          <p:cTn id="28" fill="hold">
                             <p:stCondLst>
                               <p:cond delay="0"/>
                             </p:stCondLst>
                             <p:childTnLst>
                               <p:par>
-                                <p:cTn id="31" presetID="1" presetClass="entr" presetSubtype="0" fill="hold" nodeType="clickEffect">
+                                <p:cTn id="29" presetID="1" presetClass="entr" presetSubtype="0" fill="hold" nodeType="clickEffect">
                                   <p:stCondLst>
                                     <p:cond delay="0"/>
                                   </p:stCondLst>
                                   <p:childTnLst>
                                     <p:set>
                                       <p:cBhvr>
-                                        <p:cTn id="32" dur="1" fill="hold">
+                                        <p:cTn id="30" dur="1" fill="hold">
                                           <p:stCondLst>
                                             <p:cond delay="0"/>
                                           </p:stCondLst>
@@ -5943,7 +6868,7 @@
                                         <p:tgtEl>
                                           <p:spTgt spid="6">
                                             <p:txEl>
-                                              <p:pRg st="13" end="13"/>
+                                              <p:pRg st="12" end="12"/>
                                             </p:txEl>
                                           </p:spTgt>
                                         </p:tgtEl>
@@ -5965,26 +6890,26 @@
                     </p:cTn>
                   </p:par>
                   <p:par>
-                    <p:cTn id="33" fill="hold">
+                    <p:cTn id="31" fill="hold">
                       <p:stCondLst>
                         <p:cond delay="indefinite"/>
                       </p:stCondLst>
                       <p:childTnLst>
                         <p:par>
-                          <p:cTn id="34" fill="hold">
+                          <p:cTn id="32" fill="hold">
                             <p:stCondLst>
                               <p:cond delay="0"/>
                             </p:stCondLst>
                             <p:childTnLst>
                               <p:par>
-                                <p:cTn id="35" presetID="1" presetClass="entr" presetSubtype="0" fill="hold" nodeType="clickEffect">
+                                <p:cTn id="33" presetID="1" presetClass="entr" presetSubtype="0" fill="hold" nodeType="clickEffect">
                                   <p:stCondLst>
                                     <p:cond delay="0"/>
                                   </p:stCondLst>
                                   <p:childTnLst>
                                     <p:set>
                                       <p:cBhvr>
-                                        <p:cTn id="36" dur="1" fill="hold">
+                                        <p:cTn id="34" dur="1" fill="hold">
                                           <p:stCondLst>
                                             <p:cond delay="0"/>
                                           </p:stCondLst>
@@ -5992,7 +6917,56 @@
                                         <p:tgtEl>
                                           <p:spTgt spid="6">
                                             <p:txEl>
-                                              <p:pRg st="15" end="15"/>
+                                              <p:pRg st="14" end="14"/>
+                                            </p:txEl>
+                                          </p:spTgt>
+                                        </p:tgtEl>
+                                        <p:attrNameLst>
+                                          <p:attrName>style.visibility</p:attrName>
+                                        </p:attrNameLst>
+                                      </p:cBhvr>
+                                      <p:to>
+                                        <p:strVal val="visible"/>
+                                      </p:to>
+                                    </p:set>
+                                  </p:childTnLst>
+                                </p:cTn>
+                              </p:par>
+                            </p:childTnLst>
+                          </p:cTn>
+                        </p:par>
+                      </p:childTnLst>
+                    </p:cTn>
+                  </p:par>
+                  <p:par>
+                    <p:cTn id="35" fill="hold">
+                      <p:stCondLst>
+                        <p:cond delay="indefinite"/>
+                      </p:stCondLst>
+                      <p:childTnLst>
+                        <p:par>
+                          <p:cTn id="36" fill="hold">
+                            <p:stCondLst>
+                              <p:cond delay="0"/>
+                            </p:stCondLst>
+                            <p:childTnLst>
+                              <p:par>
+                                <p:cTn id="37" presetID="1" presetClass="entr" presetSubtype="0" fill="hold" nodeType="clickEffect">
+                                  <p:stCondLst>
+                                    <p:cond delay="0"/>
+                                  </p:stCondLst>
+                                  <p:childTnLst>
+                                    <p:set>
+                                      <p:cBhvr>
+                                        <p:cTn id="38" dur="1" fill="hold">
+                                          <p:stCondLst>
+                                            <p:cond delay="0"/>
+                                          </p:stCondLst>
+                                        </p:cTn>
+                                        <p:tgtEl>
+                                          <p:spTgt spid="6">
+                                            <p:txEl>
+                                              <p:pRg st="16" end="16"/>
                                             </p:txEl>
                                           </p:spTgt>
                                         </p:tgtEl>
@@ -6038,7 +7012,7 @@
 </p:sld>
 </file>
 
-<file path=ppt/slides/slide15.xml><?xml version="1.0" encoding="utf-8"?>
+<file path=ppt/slides/slide18.xml><?xml version="1.0" encoding="utf-8"?>
 <p:sld xmlns:a="http://schemas.openxmlformats.org/drawingml/2006/main" xmlns:r="http://schemas.openxmlformats.org/officeDocument/2006/relationships" xmlns:p="http://schemas.openxmlformats.org/presentationml/2006/main">
   <p:cSld>
     <p:spTree>
@@ -6112,7 +7086,7 @@
         <p:spPr>
           <a:xfrm>
             <a:off x="539603" y="945629"/>
-            <a:ext cx="8355015" cy="3662541"/>
+            <a:ext cx="8355015" cy="3970318"/>
           </a:xfrm>
           <a:prstGeom prst="rect">
             <a:avLst/>
@@ -6150,7 +7124,7 @@
                 <a:cs typeface="Times New Roman" panose="02020603050405020304" pitchFamily="18" charset="0"/>
                 <a:hlinkClick r:id="rId2"/>
               </a:rPr>
-              <a:t>https://diversity.arizona.edu/sites/default/files/stereotype_threat_overview.pdf</a:t>
+              <a:t>https://www.colorado.edu/center/teaching-learning/inclusivity/stereotype-threat</a:t>
             </a:r>
             <a:endParaRPr lang="en-US" sz="2000" dirty="0">
               <a:latin typeface="Times New Roman" panose="02020603050405020304" pitchFamily="18" charset="0"/>
@@ -6159,7 +7133,27 @@
             </a:endParaRPr>
           </a:p>
           <a:p>
-            <a:pPr marL="457200" indent="-457200">
+            <a:pPr marL="914400" lvl="1" indent="-457200">
+              <a:buFont typeface="Arial" panose="020B0604020202020204" pitchFamily="34" charset="0"/>
+              <a:buChar char="•"/>
+            </a:pPr>
+            <a:r>
+              <a:rPr lang="en-US" sz="2000" dirty="0">
+                <a:latin typeface="Times New Roman" panose="02020603050405020304" pitchFamily="18" charset="0"/>
+                <a:ea typeface="MS Mincho" panose="02020609040205080304" pitchFamily="49" charset="-128"/>
+                <a:cs typeface="Times New Roman" panose="02020603050405020304" pitchFamily="18" charset="0"/>
+                <a:hlinkClick r:id="rId3"/>
+              </a:rPr>
+              <a:t>https://www.simplypsychology.org/stereotype-threat.html</a:t>
+            </a:r>
+            <a:endParaRPr lang="en-US" sz="2000" dirty="0">
+              <a:latin typeface="Times New Roman" panose="02020603050405020304" pitchFamily="18" charset="0"/>
+              <a:ea typeface="MS Mincho" panose="02020609040205080304" pitchFamily="49" charset="-128"/>
+              <a:cs typeface="Times New Roman" panose="02020603050405020304" pitchFamily="18" charset="0"/>
+            </a:endParaRPr>
+          </a:p>
+          <a:p>
+            <a:pPr marL="914400" lvl="1" indent="-457200">
               <a:buFont typeface="Arial" panose="020B0604020202020204" pitchFamily="34" charset="0"/>
               <a:buChar char="•"/>
             </a:pPr>
@@ -6238,7 +7232,7 @@
     </p:spTree>
     <p:extLst>
       <p:ext uri="{BB962C8B-B14F-4D97-AF65-F5344CB8AC3E}">
-        <p14:creationId xmlns:p14="http://schemas.microsoft.com/office/powerpoint/2010/main" val="3095473469"/>
+        <p14:creationId xmlns:p14="http://schemas.microsoft.com/office/powerpoint/2010/main" val="3856670769"/>
       </p:ext>
     </p:extLst>
   </p:cSld>
@@ -6248,7 +7242,7 @@
 </p:sld>
 </file>
 
-<file path=ppt/slides/slide16.xml><?xml version="1.0" encoding="utf-8"?>
+<file path=ppt/slides/slide19.xml><?xml version="1.0" encoding="utf-8"?>
 <p:sld xmlns:a="http://schemas.openxmlformats.org/drawingml/2006/main" xmlns:r="http://schemas.openxmlformats.org/officeDocument/2006/relationships" xmlns:p="http://schemas.openxmlformats.org/presentationml/2006/main">
   <p:cSld>
     <p:spTree>
@@ -6322,676 +7316,6 @@
         <p:spPr>
           <a:xfrm>
             <a:off x="539603" y="945629"/>
-            <a:ext cx="8355015" cy="3354765"/>
-          </a:xfrm>
-          <a:prstGeom prst="rect">
-            <a:avLst/>
-          </a:prstGeom>
-          <a:noFill/>
-        </p:spPr>
-        <p:txBody>
-          <a:bodyPr wrap="square" rtlCol="0">
-            <a:spAutoFit/>
-          </a:bodyPr>
-          <a:lstStyle/>
-          <a:p>
-            <a:pPr marL="342900" indent="-342900">
-              <a:buFont typeface="Arial" panose="020B0604020202020204" pitchFamily="34" charset="0"/>
-              <a:buChar char="•"/>
-            </a:pPr>
-            <a:r>
-              <a:rPr lang="en-US" sz="2400" dirty="0">
-                <a:latin typeface="Times New Roman" panose="02020603050405020304" pitchFamily="18" charset="0"/>
-                <a:ea typeface="MS Mincho" panose="02020609040205080304" pitchFamily="49" charset="-128"/>
-                <a:cs typeface="Times New Roman" panose="02020603050405020304" pitchFamily="18" charset="0"/>
-              </a:rPr>
-              <a:t>Resources:</a:t>
-            </a:r>
-          </a:p>
-          <a:p>
-            <a:pPr marL="914400" lvl="1" indent="-457200">
-              <a:buFont typeface="Arial" panose="020B0604020202020204" pitchFamily="34" charset="0"/>
-              <a:buChar char="•"/>
-            </a:pPr>
-            <a:r>
-              <a:rPr lang="en-US" sz="2000" dirty="0">
-                <a:latin typeface="Times New Roman" panose="02020603050405020304" pitchFamily="18" charset="0"/>
-                <a:ea typeface="MS Mincho" panose="02020609040205080304" pitchFamily="49" charset="-128"/>
-                <a:cs typeface="Times New Roman" panose="02020603050405020304" pitchFamily="18" charset="0"/>
-                <a:hlinkClick r:id="rId2"/>
-              </a:rPr>
-              <a:t>https://www.tci-thaijo.org/index.php/IJBS/article/view/521</a:t>
-            </a:r>
-            <a:endParaRPr lang="en-US" sz="2000" dirty="0">
-              <a:latin typeface="Times New Roman" panose="02020603050405020304" pitchFamily="18" charset="0"/>
-              <a:ea typeface="MS Mincho" panose="02020609040205080304" pitchFamily="49" charset="-128"/>
-              <a:cs typeface="Times New Roman" panose="02020603050405020304" pitchFamily="18" charset="0"/>
-            </a:endParaRPr>
-          </a:p>
-          <a:p>
-            <a:pPr marL="457200" indent="-457200">
-              <a:buFont typeface="Arial" panose="020B0604020202020204" pitchFamily="34" charset="0"/>
-              <a:buChar char="•"/>
-            </a:pPr>
-            <a:endParaRPr lang="en-US" sz="800" dirty="0">
-              <a:latin typeface="Times New Roman" panose="02020603050405020304" pitchFamily="18" charset="0"/>
-              <a:ea typeface="MS Mincho" panose="02020609040205080304" pitchFamily="49" charset="-128"/>
-              <a:cs typeface="Times New Roman" panose="02020603050405020304" pitchFamily="18" charset="0"/>
-            </a:endParaRPr>
-          </a:p>
-          <a:p>
-            <a:pPr marL="457200" indent="-457200">
-              <a:buFont typeface="Arial" panose="020B0604020202020204" pitchFamily="34" charset="0"/>
-              <a:buChar char="•"/>
-            </a:pPr>
-            <a:r>
-              <a:rPr lang="en-US" sz="2400" dirty="0">
-                <a:latin typeface="Times New Roman" panose="02020603050405020304" pitchFamily="18" charset="0"/>
-                <a:ea typeface="MS Mincho" panose="02020609040205080304" pitchFamily="49" charset="-128"/>
-                <a:cs typeface="Times New Roman" panose="02020603050405020304" pitchFamily="18" charset="0"/>
-              </a:rPr>
-              <a:t>Q1: What is imposter syndrome and in what kind of situations has it been observed / studied?</a:t>
-            </a:r>
-          </a:p>
-          <a:p>
-            <a:pPr marL="457200" indent="-457200">
-              <a:buFont typeface="Arial" panose="020B0604020202020204" pitchFamily="34" charset="0"/>
-              <a:buChar char="•"/>
-            </a:pPr>
-            <a:endParaRPr lang="en-US" sz="800" dirty="0">
-              <a:latin typeface="Times New Roman" panose="02020603050405020304" pitchFamily="18" charset="0"/>
-              <a:ea typeface="MS Mincho" panose="02020609040205080304" pitchFamily="49" charset="-128"/>
-              <a:cs typeface="Times New Roman" panose="02020603050405020304" pitchFamily="18" charset="0"/>
-            </a:endParaRPr>
-          </a:p>
-          <a:p>
-            <a:pPr marL="457200" indent="-457200">
-              <a:buFont typeface="Arial" panose="020B0604020202020204" pitchFamily="34" charset="0"/>
-              <a:buChar char="•"/>
-            </a:pPr>
-            <a:r>
-              <a:rPr lang="en-US" sz="2400" dirty="0">
-                <a:latin typeface="Times New Roman" panose="02020603050405020304" pitchFamily="18" charset="0"/>
-                <a:ea typeface="MS Mincho" panose="02020609040205080304" pitchFamily="49" charset="-128"/>
-                <a:cs typeface="Times New Roman" panose="02020603050405020304" pitchFamily="18" charset="0"/>
-              </a:rPr>
-              <a:t>Q2: How does imposter syndrome impact upon an individual’s performance as a physicist?</a:t>
-            </a:r>
-          </a:p>
-          <a:p>
-            <a:pPr marL="457200" indent="-457200">
-              <a:buFont typeface="Arial" panose="020B0604020202020204" pitchFamily="34" charset="0"/>
-              <a:buChar char="•"/>
-            </a:pPr>
-            <a:endParaRPr lang="en-US" sz="800" dirty="0">
-              <a:latin typeface="Times New Roman" panose="02020603050405020304" pitchFamily="18" charset="0"/>
-              <a:ea typeface="MS Mincho" panose="02020609040205080304" pitchFamily="49" charset="-128"/>
-              <a:cs typeface="Times New Roman" panose="02020603050405020304" pitchFamily="18" charset="0"/>
-            </a:endParaRPr>
-          </a:p>
-          <a:p>
-            <a:pPr marL="457200" indent="-457200">
-              <a:buFont typeface="Arial" panose="020B0604020202020204" pitchFamily="34" charset="0"/>
-              <a:buChar char="•"/>
-            </a:pPr>
-            <a:r>
-              <a:rPr lang="en-US" sz="2400" dirty="0">
-                <a:latin typeface="Times New Roman" panose="02020603050405020304" pitchFamily="18" charset="0"/>
-                <a:ea typeface="MS Mincho" panose="02020609040205080304" pitchFamily="49" charset="-128"/>
-                <a:cs typeface="Times New Roman" panose="02020603050405020304" pitchFamily="18" charset="0"/>
-              </a:rPr>
-              <a:t>Q3: What can an individual do to minimize their own imposter syndrome and/or support individuals with imposter syndrome?</a:t>
-            </a:r>
-          </a:p>
-        </p:txBody>
-      </p:sp>
-    </p:spTree>
-    <p:extLst>
-      <p:ext uri="{BB962C8B-B14F-4D97-AF65-F5344CB8AC3E}">
-        <p14:creationId xmlns:p14="http://schemas.microsoft.com/office/powerpoint/2010/main" val="3537580524"/>
-      </p:ext>
-    </p:extLst>
-  </p:cSld>
-  <p:clrMapOvr>
-    <a:masterClrMapping/>
-  </p:clrMapOvr>
-</p:sld>
-</file>
-
-<file path=ppt/slides/slide17.xml><?xml version="1.0" encoding="utf-8"?>
-<p:sld xmlns:a="http://schemas.openxmlformats.org/drawingml/2006/main" xmlns:r="http://schemas.openxmlformats.org/officeDocument/2006/relationships" xmlns:p="http://schemas.openxmlformats.org/presentationml/2006/main">
-  <p:cSld>
-    <p:spTree>
-      <p:nvGrpSpPr>
-        <p:cNvPr id="1" name=""/>
-        <p:cNvGrpSpPr/>
-        <p:nvPr/>
-      </p:nvGrpSpPr>
-      <p:grpSpPr>
-        <a:xfrm>
-          <a:off x="0" y="0"/>
-          <a:ext cx="0" cy="0"/>
-          <a:chOff x="0" y="0"/>
-          <a:chExt cx="0" cy="0"/>
-        </a:xfrm>
-      </p:grpSpPr>
-      <p:sp>
-        <p:nvSpPr>
-          <p:cNvPr id="4" name="TextBox 3"/>
-          <p:cNvSpPr txBox="1"/>
-          <p:nvPr/>
-        </p:nvSpPr>
-        <p:spPr>
-          <a:xfrm>
-            <a:off x="275549" y="191702"/>
-            <a:ext cx="8682185" cy="553998"/>
-          </a:xfrm>
-          <a:prstGeom prst="rect">
-            <a:avLst/>
-          </a:prstGeom>
-          <a:noFill/>
-        </p:spPr>
-        <p:txBody>
-          <a:bodyPr wrap="none" rtlCol="0">
-            <a:spAutoFit/>
-          </a:bodyPr>
-          <a:lstStyle/>
-          <a:p>
-            <a:r>
-              <a:rPr lang="en-US" sz="3000" b="1" dirty="0">
-                <a:solidFill>
-                  <a:prstClr val="black"/>
-                </a:solidFill>
-                <a:latin typeface="Times New Roman"/>
-                <a:cs typeface="Times New Roman"/>
-              </a:rPr>
-              <a:t>Diversity &amp; Inclusion: Harassment / Discrimination</a:t>
-            </a:r>
-            <a:endParaRPr lang="en-US" sz="2400" b="1" dirty="0">
-              <a:solidFill>
-                <a:prstClr val="black"/>
-              </a:solidFill>
-              <a:latin typeface="Times New Roman"/>
-              <a:cs typeface="Times New Roman"/>
-            </a:endParaRPr>
-          </a:p>
-        </p:txBody>
-      </p:sp>
-      <p:sp>
-        <p:nvSpPr>
-          <p:cNvPr id="6" name="TextBox 5">
-            <a:extLst>
-              <a:ext uri="{FF2B5EF4-FFF2-40B4-BE49-F238E27FC236}">
-                <a16:creationId xmlns:a16="http://schemas.microsoft.com/office/drawing/2014/main" id="{878A97EC-2834-8447-A6B8-2F5335C4C2C1}"/>
-              </a:ext>
-            </a:extLst>
-          </p:cNvPr>
-          <p:cNvSpPr txBox="1"/>
-          <p:nvPr/>
-        </p:nvSpPr>
-        <p:spPr>
-          <a:xfrm>
-            <a:off x="539603" y="945629"/>
-            <a:ext cx="8355015" cy="4278094"/>
-          </a:xfrm>
-          <a:prstGeom prst="rect">
-            <a:avLst/>
-          </a:prstGeom>
-          <a:noFill/>
-        </p:spPr>
-        <p:txBody>
-          <a:bodyPr wrap="square" rtlCol="0">
-            <a:spAutoFit/>
-          </a:bodyPr>
-          <a:lstStyle/>
-          <a:p>
-            <a:pPr marL="342900" indent="-342900">
-              <a:buFont typeface="Arial" panose="020B0604020202020204" pitchFamily="34" charset="0"/>
-              <a:buChar char="•"/>
-            </a:pPr>
-            <a:r>
-              <a:rPr lang="en-US" sz="2400" dirty="0">
-                <a:latin typeface="Times New Roman" panose="02020603050405020304" pitchFamily="18" charset="0"/>
-                <a:ea typeface="MS Mincho" panose="02020609040205080304" pitchFamily="49" charset="-128"/>
-                <a:cs typeface="Times New Roman" panose="02020603050405020304" pitchFamily="18" charset="0"/>
-              </a:rPr>
-              <a:t>Resources:</a:t>
-            </a:r>
-          </a:p>
-          <a:p>
-            <a:pPr marL="914400" lvl="1" indent="-457200">
-              <a:buFont typeface="Arial" panose="020B0604020202020204" pitchFamily="34" charset="0"/>
-              <a:buChar char="•"/>
-            </a:pPr>
-            <a:r>
-              <a:rPr lang="en-US" sz="2000" dirty="0">
-                <a:latin typeface="Times New Roman" panose="02020603050405020304" pitchFamily="18" charset="0"/>
-                <a:ea typeface="MS Mincho" panose="02020609040205080304" pitchFamily="49" charset="-128"/>
-                <a:cs typeface="Times New Roman" panose="02020603050405020304" pitchFamily="18" charset="0"/>
-                <a:hlinkClick r:id="rId2"/>
-              </a:rPr>
-              <a:t>https://i-sight.com/resources/11-types-of-workplace-harassment-and-how-to-stop-them/</a:t>
-            </a:r>
-            <a:endParaRPr lang="en-US" sz="2000" dirty="0">
-              <a:latin typeface="Times New Roman" panose="02020603050405020304" pitchFamily="18" charset="0"/>
-              <a:ea typeface="MS Mincho" panose="02020609040205080304" pitchFamily="49" charset="-128"/>
-              <a:cs typeface="Times New Roman" panose="02020603050405020304" pitchFamily="18" charset="0"/>
-            </a:endParaRPr>
-          </a:p>
-          <a:p>
-            <a:pPr marL="914400" lvl="1" indent="-457200">
-              <a:buFont typeface="Arial" panose="020B0604020202020204" pitchFamily="34" charset="0"/>
-              <a:buChar char="•"/>
-            </a:pPr>
-            <a:r>
-              <a:rPr lang="en-US" sz="2000" dirty="0">
-                <a:latin typeface="Times New Roman" panose="02020603050405020304" pitchFamily="18" charset="0"/>
-                <a:ea typeface="MS Mincho" panose="02020609040205080304" pitchFamily="49" charset="-128"/>
-                <a:cs typeface="Times New Roman" panose="02020603050405020304" pitchFamily="18" charset="0"/>
-                <a:hlinkClick r:id="rId3"/>
-              </a:rPr>
-              <a:t>https://www.projectcallisto.org</a:t>
-            </a:r>
-            <a:endParaRPr lang="en-US" sz="2000" dirty="0">
-              <a:latin typeface="Times New Roman" panose="02020603050405020304" pitchFamily="18" charset="0"/>
-              <a:ea typeface="MS Mincho" panose="02020609040205080304" pitchFamily="49" charset="-128"/>
-              <a:cs typeface="Times New Roman" panose="02020603050405020304" pitchFamily="18" charset="0"/>
-            </a:endParaRPr>
-          </a:p>
-          <a:p>
-            <a:pPr marL="914400" lvl="1" indent="-457200">
-              <a:buFont typeface="Arial" panose="020B0604020202020204" pitchFamily="34" charset="0"/>
-              <a:buChar char="•"/>
-            </a:pPr>
-            <a:r>
-              <a:rPr lang="en-US" sz="2000" dirty="0">
-                <a:latin typeface="Times New Roman" panose="02020603050405020304" pitchFamily="18" charset="0"/>
-                <a:ea typeface="MS Mincho" panose="02020609040205080304" pitchFamily="49" charset="-128"/>
-                <a:cs typeface="Times New Roman" panose="02020603050405020304" pitchFamily="18" charset="0"/>
-                <a:hlinkClick r:id="rId4"/>
-              </a:rPr>
-              <a:t>https://haven.gwu.edu</a:t>
-            </a:r>
-            <a:endParaRPr lang="en-US" sz="2000" dirty="0">
-              <a:latin typeface="Times New Roman" panose="02020603050405020304" pitchFamily="18" charset="0"/>
-              <a:ea typeface="MS Mincho" panose="02020609040205080304" pitchFamily="49" charset="-128"/>
-              <a:cs typeface="Times New Roman" panose="02020603050405020304" pitchFamily="18" charset="0"/>
-            </a:endParaRPr>
-          </a:p>
-          <a:p>
-            <a:pPr marL="914400" lvl="1" indent="-457200">
-              <a:buFont typeface="Arial" panose="020B0604020202020204" pitchFamily="34" charset="0"/>
-              <a:buChar char="•"/>
-            </a:pPr>
-            <a:endParaRPr lang="en-US" sz="800" dirty="0">
-              <a:latin typeface="Times New Roman" panose="02020603050405020304" pitchFamily="18" charset="0"/>
-              <a:ea typeface="MS Mincho" panose="02020609040205080304" pitchFamily="49" charset="-128"/>
-              <a:cs typeface="Times New Roman" panose="02020603050405020304" pitchFamily="18" charset="0"/>
-            </a:endParaRPr>
-          </a:p>
-          <a:p>
-            <a:pPr marL="457200" indent="-457200">
-              <a:buFont typeface="Arial" panose="020B0604020202020204" pitchFamily="34" charset="0"/>
-              <a:buChar char="•"/>
-            </a:pPr>
-            <a:r>
-              <a:rPr lang="en-US" sz="2400" dirty="0">
-                <a:latin typeface="Times New Roman" panose="02020603050405020304" pitchFamily="18" charset="0"/>
-                <a:ea typeface="MS Mincho" panose="02020609040205080304" pitchFamily="49" charset="-128"/>
-                <a:cs typeface="Times New Roman" panose="02020603050405020304" pitchFamily="18" charset="0"/>
-              </a:rPr>
-              <a:t>Q1: What types of harassment can occur in the professional physics environment?</a:t>
-            </a:r>
-          </a:p>
-          <a:p>
-            <a:pPr marL="457200" indent="-457200">
-              <a:buFont typeface="Arial" panose="020B0604020202020204" pitchFamily="34" charset="0"/>
-              <a:buChar char="•"/>
-            </a:pPr>
-            <a:endParaRPr lang="en-US" sz="800" dirty="0">
-              <a:latin typeface="Times New Roman" panose="02020603050405020304" pitchFamily="18" charset="0"/>
-              <a:ea typeface="MS Mincho" panose="02020609040205080304" pitchFamily="49" charset="-128"/>
-              <a:cs typeface="Times New Roman" panose="02020603050405020304" pitchFamily="18" charset="0"/>
-            </a:endParaRPr>
-          </a:p>
-          <a:p>
-            <a:pPr marL="457200" indent="-457200">
-              <a:buFont typeface="Arial" panose="020B0604020202020204" pitchFamily="34" charset="0"/>
-              <a:buChar char="•"/>
-            </a:pPr>
-            <a:r>
-              <a:rPr lang="en-US" sz="2400" dirty="0">
-                <a:latin typeface="Times New Roman" panose="02020603050405020304" pitchFamily="18" charset="0"/>
-                <a:ea typeface="MS Mincho" panose="02020609040205080304" pitchFamily="49" charset="-128"/>
-                <a:cs typeface="Times New Roman" panose="02020603050405020304" pitchFamily="18" charset="0"/>
-              </a:rPr>
-              <a:t>Q2: What steps can individuals and the community take to minimize the incidence of harassment?</a:t>
-            </a:r>
-          </a:p>
-          <a:p>
-            <a:pPr marL="457200" indent="-457200">
-              <a:buFont typeface="Arial" panose="020B0604020202020204" pitchFamily="34" charset="0"/>
-              <a:buChar char="•"/>
-            </a:pPr>
-            <a:endParaRPr lang="en-US" sz="800" dirty="0">
-              <a:latin typeface="Times New Roman" panose="02020603050405020304" pitchFamily="18" charset="0"/>
-              <a:ea typeface="MS Mincho" panose="02020609040205080304" pitchFamily="49" charset="-128"/>
-              <a:cs typeface="Times New Roman" panose="02020603050405020304" pitchFamily="18" charset="0"/>
-            </a:endParaRPr>
-          </a:p>
-          <a:p>
-            <a:pPr marL="457200" indent="-457200">
-              <a:buFont typeface="Arial" panose="020B0604020202020204" pitchFamily="34" charset="0"/>
-              <a:buChar char="•"/>
-            </a:pPr>
-            <a:r>
-              <a:rPr lang="en-US" sz="2400" dirty="0">
-                <a:latin typeface="Times New Roman" panose="02020603050405020304" pitchFamily="18" charset="0"/>
-                <a:ea typeface="MS Mincho" panose="02020609040205080304" pitchFamily="49" charset="-128"/>
-                <a:cs typeface="Times New Roman" panose="02020603050405020304" pitchFamily="18" charset="0"/>
-              </a:rPr>
-              <a:t>Q3: How can individuals react to minimize harm in situations where harassment has occurred or is occurring?</a:t>
-            </a:r>
-          </a:p>
-        </p:txBody>
-      </p:sp>
-    </p:spTree>
-    <p:extLst>
-      <p:ext uri="{BB962C8B-B14F-4D97-AF65-F5344CB8AC3E}">
-        <p14:creationId xmlns:p14="http://schemas.microsoft.com/office/powerpoint/2010/main" val="4106925271"/>
-      </p:ext>
-    </p:extLst>
-  </p:cSld>
-  <p:clrMapOvr>
-    <a:masterClrMapping/>
-  </p:clrMapOvr>
-</p:sld>
-</file>
-
-<file path=ppt/slides/slide18.xml><?xml version="1.0" encoding="utf-8"?>
-<p:sld xmlns:a="http://schemas.openxmlformats.org/drawingml/2006/main" xmlns:r="http://schemas.openxmlformats.org/officeDocument/2006/relationships" xmlns:p="http://schemas.openxmlformats.org/presentationml/2006/main">
-  <p:cSld>
-    <p:spTree>
-      <p:nvGrpSpPr>
-        <p:cNvPr id="1" name=""/>
-        <p:cNvGrpSpPr/>
-        <p:nvPr/>
-      </p:nvGrpSpPr>
-      <p:grpSpPr>
-        <a:xfrm>
-          <a:off x="0" y="0"/>
-          <a:ext cx="0" cy="0"/>
-          <a:chOff x="0" y="0"/>
-          <a:chExt cx="0" cy="0"/>
-        </a:xfrm>
-      </p:grpSpPr>
-      <p:sp>
-        <p:nvSpPr>
-          <p:cNvPr id="4" name="TextBox 3"/>
-          <p:cNvSpPr txBox="1"/>
-          <p:nvPr/>
-        </p:nvSpPr>
-        <p:spPr>
-          <a:xfrm>
-            <a:off x="275549" y="191702"/>
-            <a:ext cx="6644768" cy="553998"/>
-          </a:xfrm>
-          <a:prstGeom prst="rect">
-            <a:avLst/>
-          </a:prstGeom>
-          <a:noFill/>
-        </p:spPr>
-        <p:txBody>
-          <a:bodyPr wrap="none" rtlCol="0">
-            <a:spAutoFit/>
-          </a:bodyPr>
-          <a:lstStyle/>
-          <a:p>
-            <a:r>
-              <a:rPr lang="en-US" sz="3000" b="1" dirty="0">
-                <a:solidFill>
-                  <a:prstClr val="black"/>
-                </a:solidFill>
-                <a:latin typeface="Times New Roman"/>
-                <a:cs typeface="Times New Roman"/>
-              </a:rPr>
-              <a:t>Diversity &amp; Inclusion: LGBTQ+ Status</a:t>
-            </a:r>
-            <a:endParaRPr lang="en-US" sz="2400" b="1" dirty="0">
-              <a:solidFill>
-                <a:prstClr val="black"/>
-              </a:solidFill>
-              <a:latin typeface="Times New Roman"/>
-              <a:cs typeface="Times New Roman"/>
-            </a:endParaRPr>
-          </a:p>
-        </p:txBody>
-      </p:sp>
-      <p:sp>
-        <p:nvSpPr>
-          <p:cNvPr id="6" name="TextBox 5">
-            <a:extLst>
-              <a:ext uri="{FF2B5EF4-FFF2-40B4-BE49-F238E27FC236}">
-                <a16:creationId xmlns:a16="http://schemas.microsoft.com/office/drawing/2014/main" id="{878A97EC-2834-8447-A6B8-2F5335C4C2C1}"/>
-              </a:ext>
-            </a:extLst>
-          </p:cNvPr>
-          <p:cNvSpPr txBox="1"/>
-          <p:nvPr/>
-        </p:nvSpPr>
-        <p:spPr>
-          <a:xfrm>
-            <a:off x="539603" y="945629"/>
-            <a:ext cx="8355015" cy="3724096"/>
-          </a:xfrm>
-          <a:prstGeom prst="rect">
-            <a:avLst/>
-          </a:prstGeom>
-          <a:noFill/>
-        </p:spPr>
-        <p:txBody>
-          <a:bodyPr wrap="square" rtlCol="0">
-            <a:spAutoFit/>
-          </a:bodyPr>
-          <a:lstStyle/>
-          <a:p>
-            <a:pPr marL="342900" indent="-342900">
-              <a:buFont typeface="Arial" panose="020B0604020202020204" pitchFamily="34" charset="0"/>
-              <a:buChar char="•"/>
-            </a:pPr>
-            <a:r>
-              <a:rPr lang="en-US" sz="2400" dirty="0">
-                <a:latin typeface="Times New Roman" panose="02020603050405020304" pitchFamily="18" charset="0"/>
-                <a:ea typeface="MS Mincho" panose="02020609040205080304" pitchFamily="49" charset="-128"/>
-                <a:cs typeface="Times New Roman" panose="02020603050405020304" pitchFamily="18" charset="0"/>
-              </a:rPr>
-              <a:t>Resources:</a:t>
-            </a:r>
-          </a:p>
-          <a:p>
-            <a:pPr marL="914400" lvl="1" indent="-457200">
-              <a:buFont typeface="Arial" panose="020B0604020202020204" pitchFamily="34" charset="0"/>
-              <a:buChar char="•"/>
-            </a:pPr>
-            <a:r>
-              <a:rPr lang="en-US" sz="2000" dirty="0">
-                <a:latin typeface="Times New Roman" panose="02020603050405020304" pitchFamily="18" charset="0"/>
-                <a:ea typeface="MS Mincho" panose="02020609040205080304" pitchFamily="49" charset="-128"/>
-                <a:cs typeface="Times New Roman" panose="02020603050405020304" pitchFamily="18" charset="0"/>
-                <a:hlinkClick r:id="rId2"/>
-              </a:rPr>
-              <a:t>https://www.aps.org/programs/lgbt/index.cfm</a:t>
-            </a:r>
-            <a:endParaRPr lang="en-US" sz="2000" dirty="0">
-              <a:latin typeface="Times New Roman" panose="02020603050405020304" pitchFamily="18" charset="0"/>
-              <a:ea typeface="MS Mincho" panose="02020609040205080304" pitchFamily="49" charset="-128"/>
-              <a:cs typeface="Times New Roman" panose="02020603050405020304" pitchFamily="18" charset="0"/>
-            </a:endParaRPr>
-          </a:p>
-          <a:p>
-            <a:pPr marL="914400" lvl="1" indent="-457200">
-              <a:buFont typeface="Arial" panose="020B0604020202020204" pitchFamily="34" charset="0"/>
-              <a:buChar char="•"/>
-            </a:pPr>
-            <a:endParaRPr lang="en-US" sz="800" dirty="0">
-              <a:latin typeface="Times New Roman" panose="02020603050405020304" pitchFamily="18" charset="0"/>
-              <a:ea typeface="MS Mincho" panose="02020609040205080304" pitchFamily="49" charset="-128"/>
-              <a:cs typeface="Times New Roman" panose="02020603050405020304" pitchFamily="18" charset="0"/>
-            </a:endParaRPr>
-          </a:p>
-          <a:p>
-            <a:pPr marL="457200" indent="-457200">
-              <a:buFont typeface="Arial" panose="020B0604020202020204" pitchFamily="34" charset="0"/>
-              <a:buChar char="•"/>
-            </a:pPr>
-            <a:r>
-              <a:rPr lang="en-US" sz="2400" dirty="0">
-                <a:latin typeface="Times New Roman" panose="02020603050405020304" pitchFamily="18" charset="0"/>
-                <a:ea typeface="MS Mincho" panose="02020609040205080304" pitchFamily="49" charset="-128"/>
-                <a:cs typeface="Times New Roman" panose="02020603050405020304" pitchFamily="18" charset="0"/>
-              </a:rPr>
-              <a:t>Q1: What hurdles do LGBTQ+ individuals face within the physics community?</a:t>
-            </a:r>
-          </a:p>
-          <a:p>
-            <a:pPr marL="457200" indent="-457200">
-              <a:buFont typeface="Arial" panose="020B0604020202020204" pitchFamily="34" charset="0"/>
-              <a:buChar char="•"/>
-            </a:pPr>
-            <a:endParaRPr lang="en-US" sz="800" dirty="0">
-              <a:latin typeface="Times New Roman" panose="02020603050405020304" pitchFamily="18" charset="0"/>
-              <a:ea typeface="MS Mincho" panose="02020609040205080304" pitchFamily="49" charset="-128"/>
-              <a:cs typeface="Times New Roman" panose="02020603050405020304" pitchFamily="18" charset="0"/>
-            </a:endParaRPr>
-          </a:p>
-          <a:p>
-            <a:pPr marL="457200" indent="-457200">
-              <a:buFont typeface="Arial" panose="020B0604020202020204" pitchFamily="34" charset="0"/>
-              <a:buChar char="•"/>
-            </a:pPr>
-            <a:r>
-              <a:rPr lang="en-US" sz="2400" dirty="0">
-                <a:latin typeface="Times New Roman" panose="02020603050405020304" pitchFamily="18" charset="0"/>
-                <a:ea typeface="MS Mincho" panose="02020609040205080304" pitchFamily="49" charset="-128"/>
-                <a:cs typeface="Times New Roman" panose="02020603050405020304" pitchFamily="18" charset="0"/>
-              </a:rPr>
-              <a:t>Q2: What hurdles do LGBTQ+ individuals face within the university environment?</a:t>
-            </a:r>
-          </a:p>
-          <a:p>
-            <a:pPr marL="457200" indent="-457200">
-              <a:buFont typeface="Arial" panose="020B0604020202020204" pitchFamily="34" charset="0"/>
-              <a:buChar char="•"/>
-            </a:pPr>
-            <a:endParaRPr lang="en-US" sz="800" dirty="0">
-              <a:latin typeface="Times New Roman" panose="02020603050405020304" pitchFamily="18" charset="0"/>
-              <a:ea typeface="MS Mincho" panose="02020609040205080304" pitchFamily="49" charset="-128"/>
-              <a:cs typeface="Times New Roman" panose="02020603050405020304" pitchFamily="18" charset="0"/>
-            </a:endParaRPr>
-          </a:p>
-          <a:p>
-            <a:pPr marL="457200" indent="-457200">
-              <a:buFont typeface="Arial" panose="020B0604020202020204" pitchFamily="34" charset="0"/>
-              <a:buChar char="•"/>
-            </a:pPr>
-            <a:r>
-              <a:rPr lang="en-US" sz="2400" dirty="0">
-                <a:latin typeface="Times New Roman" panose="02020603050405020304" pitchFamily="18" charset="0"/>
-                <a:ea typeface="MS Mincho" panose="02020609040205080304" pitchFamily="49" charset="-128"/>
-                <a:cs typeface="Times New Roman" panose="02020603050405020304" pitchFamily="18" charset="0"/>
-              </a:rPr>
-              <a:t>Q3: What can be done to improve inclusion of LGBTQ+ individuals within the physics department and the physics community?</a:t>
-            </a:r>
-          </a:p>
-        </p:txBody>
-      </p:sp>
-    </p:spTree>
-    <p:extLst>
-      <p:ext uri="{BB962C8B-B14F-4D97-AF65-F5344CB8AC3E}">
-        <p14:creationId xmlns:p14="http://schemas.microsoft.com/office/powerpoint/2010/main" val="602537703"/>
-      </p:ext>
-    </p:extLst>
-  </p:cSld>
-  <p:clrMapOvr>
-    <a:masterClrMapping/>
-  </p:clrMapOvr>
-</p:sld>
-</file>
-
-<file path=ppt/slides/slide19.xml><?xml version="1.0" encoding="utf-8"?>
-<p:sld xmlns:a="http://schemas.openxmlformats.org/drawingml/2006/main" xmlns:r="http://schemas.openxmlformats.org/officeDocument/2006/relationships" xmlns:p="http://schemas.openxmlformats.org/presentationml/2006/main">
-  <p:cSld>
-    <p:spTree>
-      <p:nvGrpSpPr>
-        <p:cNvPr id="1" name=""/>
-        <p:cNvGrpSpPr/>
-        <p:nvPr/>
-      </p:nvGrpSpPr>
-      <p:grpSpPr>
-        <a:xfrm>
-          <a:off x="0" y="0"/>
-          <a:ext cx="0" cy="0"/>
-          <a:chOff x="0" y="0"/>
-          <a:chExt cx="0" cy="0"/>
-        </a:xfrm>
-      </p:grpSpPr>
-      <p:sp>
-        <p:nvSpPr>
-          <p:cNvPr id="4" name="TextBox 3"/>
-          <p:cNvSpPr txBox="1"/>
-          <p:nvPr/>
-        </p:nvSpPr>
-        <p:spPr>
-          <a:xfrm>
-            <a:off x="275549" y="191702"/>
-            <a:ext cx="7750840" cy="553998"/>
-          </a:xfrm>
-          <a:prstGeom prst="rect">
-            <a:avLst/>
-          </a:prstGeom>
-          <a:noFill/>
-        </p:spPr>
-        <p:txBody>
-          <a:bodyPr wrap="none" rtlCol="0">
-            <a:spAutoFit/>
-          </a:bodyPr>
-          <a:lstStyle/>
-          <a:p>
-            <a:r>
-              <a:rPr lang="en-US" sz="3000" b="1" dirty="0">
-                <a:solidFill>
-                  <a:prstClr val="black"/>
-                </a:solidFill>
-                <a:latin typeface="Times New Roman"/>
-                <a:cs typeface="Times New Roman"/>
-              </a:rPr>
-              <a:t>Diversity &amp; Inclusion: Caring Responsibilities</a:t>
-            </a:r>
-            <a:endParaRPr lang="en-US" sz="2400" b="1" dirty="0">
-              <a:solidFill>
-                <a:prstClr val="black"/>
-              </a:solidFill>
-              <a:latin typeface="Times New Roman"/>
-              <a:cs typeface="Times New Roman"/>
-            </a:endParaRPr>
-          </a:p>
-        </p:txBody>
-      </p:sp>
-      <p:sp>
-        <p:nvSpPr>
-          <p:cNvPr id="6" name="TextBox 5">
-            <a:extLst>
-              <a:ext uri="{FF2B5EF4-FFF2-40B4-BE49-F238E27FC236}">
-                <a16:creationId xmlns:a16="http://schemas.microsoft.com/office/drawing/2014/main" id="{878A97EC-2834-8447-A6B8-2F5335C4C2C1}"/>
-              </a:ext>
-            </a:extLst>
-          </p:cNvPr>
-          <p:cNvSpPr txBox="1"/>
-          <p:nvPr/>
-        </p:nvSpPr>
-        <p:spPr>
-          <a:xfrm>
-            <a:off x="539603" y="945629"/>
             <a:ext cx="8355015" cy="3970318"/>
           </a:xfrm>
           <a:prstGeom prst="rect">
@@ -7030,7 +7354,7 @@
                 <a:cs typeface="Times New Roman" panose="02020603050405020304" pitchFamily="18" charset="0"/>
                 <a:hlinkClick r:id="rId2"/>
               </a:rPr>
-              <a:t>https://www.oecd.org/els/health-systems/47884865.pdf</a:t>
+              <a:t>https://www.tci-thaijo.org/index.php/IJBS/article/view/521</a:t>
             </a:r>
             <a:endParaRPr lang="en-US" sz="2000" dirty="0">
               <a:latin typeface="Times New Roman" panose="02020603050405020304" pitchFamily="18" charset="0"/>
@@ -7050,7 +7374,7 @@
                 <a:cs typeface="Times New Roman" panose="02020603050405020304" pitchFamily="18" charset="0"/>
                 <a:hlinkClick r:id="rId3"/>
               </a:rPr>
-              <a:t>https://www.theguardian.com/lifeandstyle/parents-and-parenting+money/work-and-careers</a:t>
+              <a:t>https://careers.seas.gwu.edu/blog/2023/02/24/imposter-syndrome-and-how-you-can-fight-against-it/</a:t>
             </a:r>
             <a:endParaRPr lang="en-US" sz="2000" dirty="0">
               <a:latin typeface="Times New Roman" panose="02020603050405020304" pitchFamily="18" charset="0"/>
@@ -7059,7 +7383,7 @@
             </a:endParaRPr>
           </a:p>
           <a:p>
-            <a:pPr marL="914400" lvl="1" indent="-457200">
+            <a:pPr marL="457200" indent="-457200">
               <a:buFont typeface="Arial" panose="020B0604020202020204" pitchFamily="34" charset="0"/>
               <a:buChar char="•"/>
             </a:pPr>
@@ -7080,7 +7404,7 @@
                 <a:ea typeface="MS Mincho" panose="02020609040205080304" pitchFamily="49" charset="-128"/>
                 <a:cs typeface="Times New Roman" panose="02020603050405020304" pitchFamily="18" charset="0"/>
               </a:rPr>
-              <a:t>Q1: What issues are there for parents in the physics community?</a:t>
+              <a:t>Q1: What is imposter syndrome and in what kind of situations has it been observed / studied?</a:t>
             </a:r>
           </a:p>
           <a:p>
@@ -7105,23 +7429,7 @@
                 <a:ea typeface="MS Mincho" panose="02020609040205080304" pitchFamily="49" charset="-128"/>
                 <a:cs typeface="Times New Roman" panose="02020603050405020304" pitchFamily="18" charset="0"/>
               </a:rPr>
-              <a:t>Q2: What issues are there for </a:t>
-            </a:r>
-            <a:r>
-              <a:rPr lang="en-US" sz="2400" dirty="0" err="1">
-                <a:latin typeface="Times New Roman" panose="02020603050405020304" pitchFamily="18" charset="0"/>
-                <a:ea typeface="MS Mincho" panose="02020609040205080304" pitchFamily="49" charset="-128"/>
-                <a:cs typeface="Times New Roman" panose="02020603050405020304" pitchFamily="18" charset="0"/>
-              </a:rPr>
-              <a:t>carers</a:t>
-            </a:r>
-            <a:r>
-              <a:rPr lang="en-US" sz="2400" dirty="0">
-                <a:latin typeface="Times New Roman" panose="02020603050405020304" pitchFamily="18" charset="0"/>
-                <a:ea typeface="MS Mincho" panose="02020609040205080304" pitchFamily="49" charset="-128"/>
-                <a:cs typeface="Times New Roman" panose="02020603050405020304" pitchFamily="18" charset="0"/>
-              </a:rPr>
-              <a:t> in the physics community?</a:t>
+              <a:t>Q2: How does imposter syndrome impact upon an individual’s performance as a physicist?</a:t>
             </a:r>
           </a:p>
           <a:p>
@@ -7146,23 +7454,7 @@
                 <a:ea typeface="MS Mincho" panose="02020609040205080304" pitchFamily="49" charset="-128"/>
                 <a:cs typeface="Times New Roman" panose="02020603050405020304" pitchFamily="18" charset="0"/>
               </a:rPr>
-              <a:t>Q3: What can be done to make life easier for parents and/or </a:t>
-            </a:r>
-            <a:r>
-              <a:rPr lang="en-US" sz="2400" dirty="0" err="1">
-                <a:latin typeface="Times New Roman" panose="02020603050405020304" pitchFamily="18" charset="0"/>
-                <a:ea typeface="MS Mincho" panose="02020609040205080304" pitchFamily="49" charset="-128"/>
-                <a:cs typeface="Times New Roman" panose="02020603050405020304" pitchFamily="18" charset="0"/>
-              </a:rPr>
-              <a:t>carers</a:t>
-            </a:r>
-            <a:r>
-              <a:rPr lang="en-US" sz="2400" dirty="0">
-                <a:latin typeface="Times New Roman" panose="02020603050405020304" pitchFamily="18" charset="0"/>
-                <a:ea typeface="MS Mincho" panose="02020609040205080304" pitchFamily="49" charset="-128"/>
-                <a:cs typeface="Times New Roman" panose="02020603050405020304" pitchFamily="18" charset="0"/>
-              </a:rPr>
-              <a:t> within the physics department and the physics community?</a:t>
+              <a:t>Q3: What can an individual do to minimize their own imposter syndrome and/or support individuals with imposter syndrome?</a:t>
             </a:r>
           </a:p>
         </p:txBody>
@@ -7170,7 +7462,7 @@
     </p:spTree>
     <p:extLst>
       <p:ext uri="{BB962C8B-B14F-4D97-AF65-F5344CB8AC3E}">
-        <p14:creationId xmlns:p14="http://schemas.microsoft.com/office/powerpoint/2010/main" val="3191451211"/>
+        <p14:creationId xmlns:p14="http://schemas.microsoft.com/office/powerpoint/2010/main" val="1660188588"/>
       </p:ext>
     </p:extLst>
   </p:cSld>
@@ -7254,7 +7546,7 @@
         <p:spPr>
           <a:xfrm>
             <a:off x="539603" y="945629"/>
-            <a:ext cx="8450017" cy="5262979"/>
+            <a:ext cx="8450017" cy="5755422"/>
           </a:xfrm>
           <a:prstGeom prst="rect">
             <a:avLst/>
@@ -7428,6 +7720,31 @@
                 <a:cs typeface="Times New Roman" panose="02020603050405020304" pitchFamily="18" charset="0"/>
               </a:rPr>
               <a:t>Take away from these classes: ideas &amp; inspiration to improve the physics community</a:t>
+            </a:r>
+          </a:p>
+          <a:p>
+            <a:pPr marL="342900" indent="-342900">
+              <a:buFont typeface="Arial" panose="020B0604020202020204" pitchFamily="34" charset="0"/>
+              <a:buChar char="•"/>
+            </a:pPr>
+            <a:endParaRPr lang="en-US" sz="800" dirty="0">
+              <a:latin typeface="Times New Roman" panose="02020603050405020304" pitchFamily="18" charset="0"/>
+              <a:ea typeface="MS Mincho" panose="02020609040205080304" pitchFamily="49" charset="-128"/>
+              <a:cs typeface="Times New Roman" panose="02020603050405020304" pitchFamily="18" charset="0"/>
+            </a:endParaRPr>
+          </a:p>
+          <a:p>
+            <a:pPr marL="342900" indent="-342900">
+              <a:buFont typeface="Arial" panose="020B0604020202020204" pitchFamily="34" charset="0"/>
+              <a:buChar char="•"/>
+            </a:pPr>
+            <a:r>
+              <a:rPr lang="en-US" sz="2400" dirty="0">
+                <a:latin typeface="Times New Roman" panose="02020603050405020304" pitchFamily="18" charset="0"/>
+                <a:ea typeface="MS Mincho" panose="02020609040205080304" pitchFamily="49" charset="-128"/>
+                <a:cs typeface="Times New Roman" panose="02020603050405020304" pitchFamily="18" charset="0"/>
+              </a:rPr>
+              <a:t>Assume good intent</a:t>
             </a:r>
           </a:p>
         </p:txBody>
@@ -7793,6 +8110,55 @@
                       </p:childTnLst>
                     </p:cTn>
                   </p:par>
+                  <p:par>
+                    <p:cTn id="31" fill="hold">
+                      <p:stCondLst>
+                        <p:cond delay="indefinite"/>
+                      </p:stCondLst>
+                      <p:childTnLst>
+                        <p:par>
+                          <p:cTn id="32" fill="hold">
+                            <p:stCondLst>
+                              <p:cond delay="0"/>
+                            </p:stCondLst>
+                            <p:childTnLst>
+                              <p:par>
+                                <p:cTn id="33" presetID="1" presetClass="entr" presetSubtype="0" fill="hold" nodeType="clickEffect">
+                                  <p:stCondLst>
+                                    <p:cond delay="0"/>
+                                  </p:stCondLst>
+                                  <p:childTnLst>
+                                    <p:set>
+                                      <p:cBhvr>
+                                        <p:cTn id="34" dur="1" fill="hold">
+                                          <p:stCondLst>
+                                            <p:cond delay="0"/>
+                                          </p:stCondLst>
+                                        </p:cTn>
+                                        <p:tgtEl>
+                                          <p:spTgt spid="6">
+                                            <p:txEl>
+                                              <p:pRg st="14" end="14"/>
+                                            </p:txEl>
+                                          </p:spTgt>
+                                        </p:tgtEl>
+                                        <p:attrNameLst>
+                                          <p:attrName>style.visibility</p:attrName>
+                                        </p:attrNameLst>
+                                      </p:cBhvr>
+                                      <p:to>
+                                        <p:strVal val="visible"/>
+                                      </p:to>
+                                    </p:set>
+                                  </p:childTnLst>
+                                </p:cTn>
+                              </p:par>
+                            </p:childTnLst>
+                          </p:cTn>
+                        </p:par>
+                      </p:childTnLst>
+                    </p:cTn>
+                  </p:par>
                 </p:childTnLst>
               </p:cTn>
               <p:prevCondLst>
@@ -7844,6 +8210,998 @@
         <p:spPr>
           <a:xfrm>
             <a:off x="275549" y="191702"/>
+            <a:ext cx="8682185" cy="553998"/>
+          </a:xfrm>
+          <a:prstGeom prst="rect">
+            <a:avLst/>
+          </a:prstGeom>
+          <a:noFill/>
+        </p:spPr>
+        <p:txBody>
+          <a:bodyPr wrap="none" rtlCol="0">
+            <a:spAutoFit/>
+          </a:bodyPr>
+          <a:lstStyle/>
+          <a:p>
+            <a:r>
+              <a:rPr lang="en-US" sz="3000" b="1" dirty="0">
+                <a:solidFill>
+                  <a:prstClr val="black"/>
+                </a:solidFill>
+                <a:latin typeface="Times New Roman"/>
+                <a:cs typeface="Times New Roman"/>
+              </a:rPr>
+              <a:t>Diversity &amp; Inclusion: Harassment / Discrimination</a:t>
+            </a:r>
+            <a:endParaRPr lang="en-US" sz="2400" b="1" dirty="0">
+              <a:solidFill>
+                <a:prstClr val="black"/>
+              </a:solidFill>
+              <a:latin typeface="Times New Roman"/>
+              <a:cs typeface="Times New Roman"/>
+            </a:endParaRPr>
+          </a:p>
+        </p:txBody>
+      </p:sp>
+      <p:sp>
+        <p:nvSpPr>
+          <p:cNvPr id="6" name="TextBox 5">
+            <a:extLst>
+              <a:ext uri="{FF2B5EF4-FFF2-40B4-BE49-F238E27FC236}">
+                <a16:creationId xmlns:a16="http://schemas.microsoft.com/office/drawing/2014/main" id="{878A97EC-2834-8447-A6B8-2F5335C4C2C1}"/>
+              </a:ext>
+            </a:extLst>
+          </p:cNvPr>
+          <p:cNvSpPr txBox="1"/>
+          <p:nvPr/>
+        </p:nvSpPr>
+        <p:spPr>
+          <a:xfrm>
+            <a:off x="539603" y="945629"/>
+            <a:ext cx="8355015" cy="4585871"/>
+          </a:xfrm>
+          <a:prstGeom prst="rect">
+            <a:avLst/>
+          </a:prstGeom>
+          <a:noFill/>
+        </p:spPr>
+        <p:txBody>
+          <a:bodyPr wrap="square" rtlCol="0">
+            <a:spAutoFit/>
+          </a:bodyPr>
+          <a:lstStyle/>
+          <a:p>
+            <a:pPr marL="342900" indent="-342900">
+              <a:buFont typeface="Arial" panose="020B0604020202020204" pitchFamily="34" charset="0"/>
+              <a:buChar char="•"/>
+            </a:pPr>
+            <a:r>
+              <a:rPr lang="en-US" sz="2400" dirty="0">
+                <a:latin typeface="Times New Roman" panose="02020603050405020304" pitchFamily="18" charset="0"/>
+                <a:ea typeface="MS Mincho" panose="02020609040205080304" pitchFamily="49" charset="-128"/>
+                <a:cs typeface="Times New Roman" panose="02020603050405020304" pitchFamily="18" charset="0"/>
+              </a:rPr>
+              <a:t>Resources:</a:t>
+            </a:r>
+          </a:p>
+          <a:p>
+            <a:pPr marL="914400" lvl="1" indent="-457200">
+              <a:buFont typeface="Arial" panose="020B0604020202020204" pitchFamily="34" charset="0"/>
+              <a:buChar char="•"/>
+            </a:pPr>
+            <a:r>
+              <a:rPr lang="en-US" sz="2000" dirty="0">
+                <a:latin typeface="Times New Roman" panose="02020603050405020304" pitchFamily="18" charset="0"/>
+                <a:ea typeface="MS Mincho" panose="02020609040205080304" pitchFamily="49" charset="-128"/>
+                <a:cs typeface="Times New Roman" panose="02020603050405020304" pitchFamily="18" charset="0"/>
+                <a:hlinkClick r:id="rId2"/>
+              </a:rPr>
+              <a:t>https://i-sight.com/resources/11-types-of-workplace-harassment-and-how-to-stop-them/</a:t>
+            </a:r>
+            <a:endParaRPr lang="en-US" sz="2000" dirty="0">
+              <a:latin typeface="Times New Roman" panose="02020603050405020304" pitchFamily="18" charset="0"/>
+              <a:ea typeface="MS Mincho" panose="02020609040205080304" pitchFamily="49" charset="-128"/>
+              <a:cs typeface="Times New Roman" panose="02020603050405020304" pitchFamily="18" charset="0"/>
+            </a:endParaRPr>
+          </a:p>
+          <a:p>
+            <a:pPr marL="914400" lvl="1" indent="-457200">
+              <a:buFont typeface="Arial" panose="020B0604020202020204" pitchFamily="34" charset="0"/>
+              <a:buChar char="•"/>
+            </a:pPr>
+            <a:r>
+              <a:rPr lang="en-US" sz="2000" dirty="0">
+                <a:latin typeface="Times New Roman" panose="02020603050405020304" pitchFamily="18" charset="0"/>
+                <a:ea typeface="MS Mincho" panose="02020609040205080304" pitchFamily="49" charset="-128"/>
+                <a:cs typeface="Times New Roman" panose="02020603050405020304" pitchFamily="18" charset="0"/>
+                <a:hlinkClick r:id="rId3"/>
+              </a:rPr>
+              <a:t>https://www.projectcallisto.org</a:t>
+            </a:r>
+            <a:endParaRPr lang="en-US" sz="2000" dirty="0">
+              <a:latin typeface="Times New Roman" panose="02020603050405020304" pitchFamily="18" charset="0"/>
+              <a:ea typeface="MS Mincho" panose="02020609040205080304" pitchFamily="49" charset="-128"/>
+              <a:cs typeface="Times New Roman" panose="02020603050405020304" pitchFamily="18" charset="0"/>
+            </a:endParaRPr>
+          </a:p>
+          <a:p>
+            <a:pPr marL="914400" lvl="1" indent="-457200">
+              <a:buFont typeface="Arial" panose="020B0604020202020204" pitchFamily="34" charset="0"/>
+              <a:buChar char="•"/>
+            </a:pPr>
+            <a:r>
+              <a:rPr lang="en-US" sz="2000" dirty="0">
+                <a:latin typeface="Times New Roman" panose="02020603050405020304" pitchFamily="18" charset="0"/>
+                <a:ea typeface="MS Mincho" panose="02020609040205080304" pitchFamily="49" charset="-128"/>
+                <a:cs typeface="Times New Roman" panose="02020603050405020304" pitchFamily="18" charset="0"/>
+                <a:hlinkClick r:id="rId4"/>
+              </a:rPr>
+              <a:t>https://haven.gwu.edu</a:t>
+            </a:r>
+            <a:endParaRPr lang="en-US" sz="2000" dirty="0">
+              <a:latin typeface="Times New Roman" panose="02020603050405020304" pitchFamily="18" charset="0"/>
+              <a:ea typeface="MS Mincho" panose="02020609040205080304" pitchFamily="49" charset="-128"/>
+              <a:cs typeface="Times New Roman" panose="02020603050405020304" pitchFamily="18" charset="0"/>
+            </a:endParaRPr>
+          </a:p>
+          <a:p>
+            <a:pPr marL="914400" lvl="1" indent="-457200">
+              <a:buFont typeface="Arial" panose="020B0604020202020204" pitchFamily="34" charset="0"/>
+              <a:buChar char="•"/>
+            </a:pPr>
+            <a:r>
+              <a:rPr lang="en-US" sz="2000" dirty="0">
+                <a:latin typeface="Times New Roman" panose="02020603050405020304" pitchFamily="18" charset="0"/>
+                <a:ea typeface="MS Mincho" panose="02020609040205080304" pitchFamily="49" charset="-128"/>
+                <a:cs typeface="Times New Roman" panose="02020603050405020304" pitchFamily="18" charset="0"/>
+                <a:hlinkClick r:id="rId5"/>
+              </a:rPr>
+              <a:t>https://diversity.gwu.edu/bias-incident-response</a:t>
+            </a:r>
+            <a:endParaRPr lang="en-US" sz="2000" dirty="0">
+              <a:latin typeface="Times New Roman" panose="02020603050405020304" pitchFamily="18" charset="0"/>
+              <a:ea typeface="MS Mincho" panose="02020609040205080304" pitchFamily="49" charset="-128"/>
+              <a:cs typeface="Times New Roman" panose="02020603050405020304" pitchFamily="18" charset="0"/>
+            </a:endParaRPr>
+          </a:p>
+          <a:p>
+            <a:pPr marL="914400" lvl="1" indent="-457200">
+              <a:buFont typeface="Arial" panose="020B0604020202020204" pitchFamily="34" charset="0"/>
+              <a:buChar char="•"/>
+            </a:pPr>
+            <a:endParaRPr lang="en-US" sz="800" dirty="0">
+              <a:latin typeface="Times New Roman" panose="02020603050405020304" pitchFamily="18" charset="0"/>
+              <a:ea typeface="MS Mincho" panose="02020609040205080304" pitchFamily="49" charset="-128"/>
+              <a:cs typeface="Times New Roman" panose="02020603050405020304" pitchFamily="18" charset="0"/>
+            </a:endParaRPr>
+          </a:p>
+          <a:p>
+            <a:pPr marL="457200" indent="-457200">
+              <a:buFont typeface="Arial" panose="020B0604020202020204" pitchFamily="34" charset="0"/>
+              <a:buChar char="•"/>
+            </a:pPr>
+            <a:r>
+              <a:rPr lang="en-US" sz="2400" dirty="0">
+                <a:latin typeface="Times New Roman" panose="02020603050405020304" pitchFamily="18" charset="0"/>
+                <a:ea typeface="MS Mincho" panose="02020609040205080304" pitchFamily="49" charset="-128"/>
+                <a:cs typeface="Times New Roman" panose="02020603050405020304" pitchFamily="18" charset="0"/>
+              </a:rPr>
+              <a:t>Q1: What types of harassment can occur in the professional physics environment?</a:t>
+            </a:r>
+          </a:p>
+          <a:p>
+            <a:pPr marL="457200" indent="-457200">
+              <a:buFont typeface="Arial" panose="020B0604020202020204" pitchFamily="34" charset="0"/>
+              <a:buChar char="•"/>
+            </a:pPr>
+            <a:endParaRPr lang="en-US" sz="800" dirty="0">
+              <a:latin typeface="Times New Roman" panose="02020603050405020304" pitchFamily="18" charset="0"/>
+              <a:ea typeface="MS Mincho" panose="02020609040205080304" pitchFamily="49" charset="-128"/>
+              <a:cs typeface="Times New Roman" panose="02020603050405020304" pitchFamily="18" charset="0"/>
+            </a:endParaRPr>
+          </a:p>
+          <a:p>
+            <a:pPr marL="457200" indent="-457200">
+              <a:buFont typeface="Arial" panose="020B0604020202020204" pitchFamily="34" charset="0"/>
+              <a:buChar char="•"/>
+            </a:pPr>
+            <a:r>
+              <a:rPr lang="en-US" sz="2400" dirty="0">
+                <a:latin typeface="Times New Roman" panose="02020603050405020304" pitchFamily="18" charset="0"/>
+                <a:ea typeface="MS Mincho" panose="02020609040205080304" pitchFamily="49" charset="-128"/>
+                <a:cs typeface="Times New Roman" panose="02020603050405020304" pitchFamily="18" charset="0"/>
+              </a:rPr>
+              <a:t>Q2: What steps can individuals and the community take to minimize the incidence of harassment?</a:t>
+            </a:r>
+          </a:p>
+          <a:p>
+            <a:pPr marL="457200" indent="-457200">
+              <a:buFont typeface="Arial" panose="020B0604020202020204" pitchFamily="34" charset="0"/>
+              <a:buChar char="•"/>
+            </a:pPr>
+            <a:endParaRPr lang="en-US" sz="800" dirty="0">
+              <a:latin typeface="Times New Roman" panose="02020603050405020304" pitchFamily="18" charset="0"/>
+              <a:ea typeface="MS Mincho" panose="02020609040205080304" pitchFamily="49" charset="-128"/>
+              <a:cs typeface="Times New Roman" panose="02020603050405020304" pitchFamily="18" charset="0"/>
+            </a:endParaRPr>
+          </a:p>
+          <a:p>
+            <a:pPr marL="457200" indent="-457200">
+              <a:buFont typeface="Arial" panose="020B0604020202020204" pitchFamily="34" charset="0"/>
+              <a:buChar char="•"/>
+            </a:pPr>
+            <a:r>
+              <a:rPr lang="en-US" sz="2400" dirty="0">
+                <a:latin typeface="Times New Roman" panose="02020603050405020304" pitchFamily="18" charset="0"/>
+                <a:ea typeface="MS Mincho" panose="02020609040205080304" pitchFamily="49" charset="-128"/>
+                <a:cs typeface="Times New Roman" panose="02020603050405020304" pitchFamily="18" charset="0"/>
+              </a:rPr>
+              <a:t>Q3: How can individuals react to minimize harm in situations where harassment has occurred or is occurring?</a:t>
+            </a:r>
+          </a:p>
+        </p:txBody>
+      </p:sp>
+    </p:spTree>
+    <p:extLst>
+      <p:ext uri="{BB962C8B-B14F-4D97-AF65-F5344CB8AC3E}">
+        <p14:creationId xmlns:p14="http://schemas.microsoft.com/office/powerpoint/2010/main" val="983063268"/>
+      </p:ext>
+    </p:extLst>
+  </p:cSld>
+  <p:clrMapOvr>
+    <a:masterClrMapping/>
+  </p:clrMapOvr>
+</p:sld>
+</file>
+
+<file path=ppt/slides/slide21.xml><?xml version="1.0" encoding="utf-8"?>
+<p:sld xmlns:a="http://schemas.openxmlformats.org/drawingml/2006/main" xmlns:r="http://schemas.openxmlformats.org/officeDocument/2006/relationships" xmlns:p="http://schemas.openxmlformats.org/presentationml/2006/main">
+  <p:cSld>
+    <p:spTree>
+      <p:nvGrpSpPr>
+        <p:cNvPr id="1" name=""/>
+        <p:cNvGrpSpPr/>
+        <p:nvPr/>
+      </p:nvGrpSpPr>
+      <p:grpSpPr>
+        <a:xfrm>
+          <a:off x="0" y="0"/>
+          <a:ext cx="0" cy="0"/>
+          <a:chOff x="0" y="0"/>
+          <a:chExt cx="0" cy="0"/>
+        </a:xfrm>
+      </p:grpSpPr>
+      <p:sp>
+        <p:nvSpPr>
+          <p:cNvPr id="4" name="TextBox 3"/>
+          <p:cNvSpPr txBox="1"/>
+          <p:nvPr/>
+        </p:nvSpPr>
+        <p:spPr>
+          <a:xfrm>
+            <a:off x="275549" y="191702"/>
+            <a:ext cx="8210902" cy="553998"/>
+          </a:xfrm>
+          <a:prstGeom prst="rect">
+            <a:avLst/>
+          </a:prstGeom>
+          <a:noFill/>
+        </p:spPr>
+        <p:txBody>
+          <a:bodyPr wrap="none" rtlCol="0">
+            <a:spAutoFit/>
+          </a:bodyPr>
+          <a:lstStyle/>
+          <a:p>
+            <a:r>
+              <a:rPr lang="en-US" sz="3000" b="1" dirty="0">
+                <a:solidFill>
+                  <a:prstClr val="black"/>
+                </a:solidFill>
+                <a:latin typeface="Times New Roman"/>
+                <a:cs typeface="Times New Roman"/>
+              </a:rPr>
+              <a:t>Diversity &amp; Inclusion: First Generation Students</a:t>
+            </a:r>
+            <a:endParaRPr lang="en-US" sz="2400" b="1" dirty="0">
+              <a:solidFill>
+                <a:prstClr val="black"/>
+              </a:solidFill>
+              <a:latin typeface="Times New Roman"/>
+              <a:cs typeface="Times New Roman"/>
+            </a:endParaRPr>
+          </a:p>
+        </p:txBody>
+      </p:sp>
+      <p:sp>
+        <p:nvSpPr>
+          <p:cNvPr id="6" name="TextBox 5">
+            <a:extLst>
+              <a:ext uri="{FF2B5EF4-FFF2-40B4-BE49-F238E27FC236}">
+                <a16:creationId xmlns:a16="http://schemas.microsoft.com/office/drawing/2014/main" id="{878A97EC-2834-8447-A6B8-2F5335C4C2C1}"/>
+              </a:ext>
+            </a:extLst>
+          </p:cNvPr>
+          <p:cNvSpPr txBox="1"/>
+          <p:nvPr/>
+        </p:nvSpPr>
+        <p:spPr>
+          <a:xfrm>
+            <a:off x="539603" y="945629"/>
+            <a:ext cx="8355015" cy="5139869"/>
+          </a:xfrm>
+          <a:prstGeom prst="rect">
+            <a:avLst/>
+          </a:prstGeom>
+          <a:noFill/>
+        </p:spPr>
+        <p:txBody>
+          <a:bodyPr wrap="square" rtlCol="0">
+            <a:spAutoFit/>
+          </a:bodyPr>
+          <a:lstStyle/>
+          <a:p>
+            <a:pPr marL="342900" indent="-342900">
+              <a:buFont typeface="Arial" panose="020B0604020202020204" pitchFamily="34" charset="0"/>
+              <a:buChar char="•"/>
+            </a:pPr>
+            <a:r>
+              <a:rPr lang="en-US" sz="2400" dirty="0">
+                <a:latin typeface="Times New Roman" panose="02020603050405020304" pitchFamily="18" charset="0"/>
+                <a:ea typeface="MS Mincho" panose="02020609040205080304" pitchFamily="49" charset="-128"/>
+                <a:cs typeface="Times New Roman" panose="02020603050405020304" pitchFamily="18" charset="0"/>
+              </a:rPr>
+              <a:t>Resources:</a:t>
+            </a:r>
+          </a:p>
+          <a:p>
+            <a:pPr marL="914400" lvl="1" indent="-457200">
+              <a:buFont typeface="Arial" panose="020B0604020202020204" pitchFamily="34" charset="0"/>
+              <a:buChar char="•"/>
+            </a:pPr>
+            <a:r>
+              <a:rPr lang="en-US" sz="2000" dirty="0">
+                <a:latin typeface="Times New Roman" panose="02020603050405020304" pitchFamily="18" charset="0"/>
+                <a:ea typeface="MS Mincho" panose="02020609040205080304" pitchFamily="49" charset="-128"/>
+                <a:cs typeface="Times New Roman" panose="02020603050405020304" pitchFamily="18" charset="0"/>
+                <a:hlinkClick r:id="rId2"/>
+              </a:rPr>
+              <a:t>https://www.chronicle.com/search?q=How+to+Help+First+Generation+Students+Succeed</a:t>
+            </a:r>
+            <a:endParaRPr lang="en-US" sz="2000" dirty="0">
+              <a:latin typeface="Times New Roman" panose="02020603050405020304" pitchFamily="18" charset="0"/>
+              <a:ea typeface="MS Mincho" panose="02020609040205080304" pitchFamily="49" charset="-128"/>
+              <a:cs typeface="Times New Roman" panose="02020603050405020304" pitchFamily="18" charset="0"/>
+            </a:endParaRPr>
+          </a:p>
+          <a:p>
+            <a:pPr marL="914400" lvl="1" indent="-457200">
+              <a:buFont typeface="Arial" panose="020B0604020202020204" pitchFamily="34" charset="0"/>
+              <a:buChar char="•"/>
+            </a:pPr>
+            <a:r>
+              <a:rPr lang="en-US" sz="2000" dirty="0">
+                <a:latin typeface="Times New Roman" panose="02020603050405020304" pitchFamily="18" charset="0"/>
+                <a:ea typeface="MS Mincho" panose="02020609040205080304" pitchFamily="49" charset="-128"/>
+                <a:cs typeface="Times New Roman" panose="02020603050405020304" pitchFamily="18" charset="0"/>
+                <a:hlinkClick r:id="rId3"/>
+              </a:rPr>
+              <a:t>https://theinclusionsolution.me/a-point-of-view-lessons-from-a-first-gen/</a:t>
+            </a:r>
+            <a:endParaRPr lang="en-US" sz="2000" dirty="0">
+              <a:latin typeface="Times New Roman" panose="02020603050405020304" pitchFamily="18" charset="0"/>
+              <a:ea typeface="MS Mincho" panose="02020609040205080304" pitchFamily="49" charset="-128"/>
+              <a:cs typeface="Times New Roman" panose="02020603050405020304" pitchFamily="18" charset="0"/>
+            </a:endParaRPr>
+          </a:p>
+          <a:p>
+            <a:pPr marL="914400" lvl="1" indent="-457200">
+              <a:buFont typeface="Arial" panose="020B0604020202020204" pitchFamily="34" charset="0"/>
+              <a:buChar char="•"/>
+            </a:pPr>
+            <a:r>
+              <a:rPr lang="en-US" sz="2000" dirty="0">
+                <a:latin typeface="Times New Roman" panose="02020603050405020304" pitchFamily="18" charset="0"/>
+                <a:ea typeface="MS Mincho" panose="02020609040205080304" pitchFamily="49" charset="-128"/>
+                <a:cs typeface="Times New Roman" panose="02020603050405020304" pitchFamily="18" charset="0"/>
+                <a:hlinkClick r:id="rId4"/>
+              </a:rPr>
+              <a:t>https://students.gwu.edu/first-generation</a:t>
+            </a:r>
+            <a:endParaRPr lang="en-US" sz="2000" dirty="0">
+              <a:latin typeface="Times New Roman" panose="02020603050405020304" pitchFamily="18" charset="0"/>
+              <a:ea typeface="MS Mincho" panose="02020609040205080304" pitchFamily="49" charset="-128"/>
+              <a:cs typeface="Times New Roman" panose="02020603050405020304" pitchFamily="18" charset="0"/>
+            </a:endParaRPr>
+          </a:p>
+          <a:p>
+            <a:pPr marL="914400" lvl="1" indent="-457200">
+              <a:buFont typeface="Arial" panose="020B0604020202020204" pitchFamily="34" charset="0"/>
+              <a:buChar char="•"/>
+            </a:pPr>
+            <a:endParaRPr lang="en-US" sz="800" dirty="0">
+              <a:latin typeface="Times New Roman" panose="02020603050405020304" pitchFamily="18" charset="0"/>
+              <a:ea typeface="MS Mincho" panose="02020609040205080304" pitchFamily="49" charset="-128"/>
+              <a:cs typeface="Times New Roman" panose="02020603050405020304" pitchFamily="18" charset="0"/>
+            </a:endParaRPr>
+          </a:p>
+          <a:p>
+            <a:pPr marL="457200" indent="-457200">
+              <a:buFont typeface="Arial" panose="020B0604020202020204" pitchFamily="34" charset="0"/>
+              <a:buChar char="•"/>
+            </a:pPr>
+            <a:r>
+              <a:rPr lang="en-US" sz="2400" dirty="0">
+                <a:latin typeface="Times New Roman" panose="02020603050405020304" pitchFamily="18" charset="0"/>
+                <a:ea typeface="MS Mincho" panose="02020609040205080304" pitchFamily="49" charset="-128"/>
+                <a:cs typeface="Times New Roman" panose="02020603050405020304" pitchFamily="18" charset="0"/>
+              </a:rPr>
+              <a:t>Q1: What hurdles do first-generation students face within the physics community?</a:t>
+            </a:r>
+          </a:p>
+          <a:p>
+            <a:pPr marL="457200" indent="-457200">
+              <a:buFont typeface="Arial" panose="020B0604020202020204" pitchFamily="34" charset="0"/>
+              <a:buChar char="•"/>
+            </a:pPr>
+            <a:endParaRPr lang="en-US" sz="800" dirty="0">
+              <a:latin typeface="Times New Roman" panose="02020603050405020304" pitchFamily="18" charset="0"/>
+              <a:ea typeface="MS Mincho" panose="02020609040205080304" pitchFamily="49" charset="-128"/>
+              <a:cs typeface="Times New Roman" panose="02020603050405020304" pitchFamily="18" charset="0"/>
+            </a:endParaRPr>
+          </a:p>
+          <a:p>
+            <a:pPr marL="457200" indent="-457200">
+              <a:buFont typeface="Arial" panose="020B0604020202020204" pitchFamily="34" charset="0"/>
+              <a:buChar char="•"/>
+            </a:pPr>
+            <a:r>
+              <a:rPr lang="en-US" sz="2400" dirty="0">
+                <a:latin typeface="Times New Roman" panose="02020603050405020304" pitchFamily="18" charset="0"/>
+                <a:ea typeface="MS Mincho" panose="02020609040205080304" pitchFamily="49" charset="-128"/>
+                <a:cs typeface="Times New Roman" panose="02020603050405020304" pitchFamily="18" charset="0"/>
+              </a:rPr>
+              <a:t>Q2: What hurdles do first-generation students face within the university environment?</a:t>
+            </a:r>
+          </a:p>
+          <a:p>
+            <a:pPr marL="457200" indent="-457200">
+              <a:buFont typeface="Arial" panose="020B0604020202020204" pitchFamily="34" charset="0"/>
+              <a:buChar char="•"/>
+            </a:pPr>
+            <a:endParaRPr lang="en-US" sz="800" dirty="0">
+              <a:latin typeface="Times New Roman" panose="02020603050405020304" pitchFamily="18" charset="0"/>
+              <a:ea typeface="MS Mincho" panose="02020609040205080304" pitchFamily="49" charset="-128"/>
+              <a:cs typeface="Times New Roman" panose="02020603050405020304" pitchFamily="18" charset="0"/>
+            </a:endParaRPr>
+          </a:p>
+          <a:p>
+            <a:pPr marL="457200" indent="-457200">
+              <a:buFont typeface="Arial" panose="020B0604020202020204" pitchFamily="34" charset="0"/>
+              <a:buChar char="•"/>
+            </a:pPr>
+            <a:r>
+              <a:rPr lang="en-US" sz="2400" dirty="0">
+                <a:latin typeface="Times New Roman" panose="02020603050405020304" pitchFamily="18" charset="0"/>
+                <a:ea typeface="MS Mincho" panose="02020609040205080304" pitchFamily="49" charset="-128"/>
+                <a:cs typeface="Times New Roman" panose="02020603050405020304" pitchFamily="18" charset="0"/>
+              </a:rPr>
+              <a:t>Q3: What can be done to improve inclusion of first-generation students within the physics department and the physics community?</a:t>
+            </a:r>
+          </a:p>
+        </p:txBody>
+      </p:sp>
+    </p:spTree>
+    <p:extLst>
+      <p:ext uri="{BB962C8B-B14F-4D97-AF65-F5344CB8AC3E}">
+        <p14:creationId xmlns:p14="http://schemas.microsoft.com/office/powerpoint/2010/main" val="233156778"/>
+      </p:ext>
+    </p:extLst>
+  </p:cSld>
+  <p:clrMapOvr>
+    <a:masterClrMapping/>
+  </p:clrMapOvr>
+</p:sld>
+</file>
+
+<file path=ppt/slides/slide22.xml><?xml version="1.0" encoding="utf-8"?>
+<p:sld xmlns:a="http://schemas.openxmlformats.org/drawingml/2006/main" xmlns:r="http://schemas.openxmlformats.org/officeDocument/2006/relationships" xmlns:p="http://schemas.openxmlformats.org/presentationml/2006/main">
+  <p:cSld>
+    <p:spTree>
+      <p:nvGrpSpPr>
+        <p:cNvPr id="1" name=""/>
+        <p:cNvGrpSpPr/>
+        <p:nvPr/>
+      </p:nvGrpSpPr>
+      <p:grpSpPr>
+        <a:xfrm>
+          <a:off x="0" y="0"/>
+          <a:ext cx="0" cy="0"/>
+          <a:chOff x="0" y="0"/>
+          <a:chExt cx="0" cy="0"/>
+        </a:xfrm>
+      </p:grpSpPr>
+      <p:sp>
+        <p:nvSpPr>
+          <p:cNvPr id="4" name="TextBox 3"/>
+          <p:cNvSpPr txBox="1"/>
+          <p:nvPr/>
+        </p:nvSpPr>
+        <p:spPr>
+          <a:xfrm>
+            <a:off x="275549" y="191702"/>
+            <a:ext cx="6644768" cy="553998"/>
+          </a:xfrm>
+          <a:prstGeom prst="rect">
+            <a:avLst/>
+          </a:prstGeom>
+          <a:noFill/>
+        </p:spPr>
+        <p:txBody>
+          <a:bodyPr wrap="none" rtlCol="0">
+            <a:spAutoFit/>
+          </a:bodyPr>
+          <a:lstStyle/>
+          <a:p>
+            <a:r>
+              <a:rPr lang="en-US" sz="3000" b="1" dirty="0">
+                <a:solidFill>
+                  <a:prstClr val="black"/>
+                </a:solidFill>
+                <a:latin typeface="Times New Roman"/>
+                <a:cs typeface="Times New Roman"/>
+              </a:rPr>
+              <a:t>Diversity &amp; Inclusion: LGBTQ+ Status</a:t>
+            </a:r>
+            <a:endParaRPr lang="en-US" sz="2400" b="1" dirty="0">
+              <a:solidFill>
+                <a:prstClr val="black"/>
+              </a:solidFill>
+              <a:latin typeface="Times New Roman"/>
+              <a:cs typeface="Times New Roman"/>
+            </a:endParaRPr>
+          </a:p>
+        </p:txBody>
+      </p:sp>
+      <p:sp>
+        <p:nvSpPr>
+          <p:cNvPr id="6" name="TextBox 5">
+            <a:extLst>
+              <a:ext uri="{FF2B5EF4-FFF2-40B4-BE49-F238E27FC236}">
+                <a16:creationId xmlns:a16="http://schemas.microsoft.com/office/drawing/2014/main" id="{878A97EC-2834-8447-A6B8-2F5335C4C2C1}"/>
+              </a:ext>
+            </a:extLst>
+          </p:cNvPr>
+          <p:cNvSpPr txBox="1"/>
+          <p:nvPr/>
+        </p:nvSpPr>
+        <p:spPr>
+          <a:xfrm>
+            <a:off x="539603" y="945629"/>
+            <a:ext cx="8355015" cy="3724096"/>
+          </a:xfrm>
+          <a:prstGeom prst="rect">
+            <a:avLst/>
+          </a:prstGeom>
+          <a:noFill/>
+        </p:spPr>
+        <p:txBody>
+          <a:bodyPr wrap="square" rtlCol="0">
+            <a:spAutoFit/>
+          </a:bodyPr>
+          <a:lstStyle/>
+          <a:p>
+            <a:pPr marL="342900" indent="-342900">
+              <a:buFont typeface="Arial" panose="020B0604020202020204" pitchFamily="34" charset="0"/>
+              <a:buChar char="•"/>
+            </a:pPr>
+            <a:r>
+              <a:rPr lang="en-US" sz="2400" dirty="0">
+                <a:latin typeface="Times New Roman" panose="02020603050405020304" pitchFamily="18" charset="0"/>
+                <a:ea typeface="MS Mincho" panose="02020609040205080304" pitchFamily="49" charset="-128"/>
+                <a:cs typeface="Times New Roman" panose="02020603050405020304" pitchFamily="18" charset="0"/>
+              </a:rPr>
+              <a:t>Resources:</a:t>
+            </a:r>
+          </a:p>
+          <a:p>
+            <a:pPr marL="914400" lvl="1" indent="-457200">
+              <a:buFont typeface="Arial" panose="020B0604020202020204" pitchFamily="34" charset="0"/>
+              <a:buChar char="•"/>
+            </a:pPr>
+            <a:r>
+              <a:rPr lang="en-US" sz="2000" dirty="0">
+                <a:latin typeface="Times New Roman" panose="02020603050405020304" pitchFamily="18" charset="0"/>
+                <a:ea typeface="MS Mincho" panose="02020609040205080304" pitchFamily="49" charset="-128"/>
+                <a:cs typeface="Times New Roman" panose="02020603050405020304" pitchFamily="18" charset="0"/>
+                <a:hlinkClick r:id="rId2"/>
+              </a:rPr>
+              <a:t>https://www.aps.org/publications/reports/lgbt-climate-in-physics</a:t>
+            </a:r>
+            <a:endParaRPr lang="en-US" sz="2000" dirty="0">
+              <a:latin typeface="Times New Roman" panose="02020603050405020304" pitchFamily="18" charset="0"/>
+              <a:ea typeface="MS Mincho" panose="02020609040205080304" pitchFamily="49" charset="-128"/>
+              <a:cs typeface="Times New Roman" panose="02020603050405020304" pitchFamily="18" charset="0"/>
+            </a:endParaRPr>
+          </a:p>
+          <a:p>
+            <a:pPr marL="914400" lvl="1" indent="-457200">
+              <a:buFont typeface="Arial" panose="020B0604020202020204" pitchFamily="34" charset="0"/>
+              <a:buChar char="•"/>
+            </a:pPr>
+            <a:endParaRPr lang="en-US" sz="800" dirty="0">
+              <a:latin typeface="Times New Roman" panose="02020603050405020304" pitchFamily="18" charset="0"/>
+              <a:ea typeface="MS Mincho" panose="02020609040205080304" pitchFamily="49" charset="-128"/>
+              <a:cs typeface="Times New Roman" panose="02020603050405020304" pitchFamily="18" charset="0"/>
+            </a:endParaRPr>
+          </a:p>
+          <a:p>
+            <a:pPr marL="457200" indent="-457200">
+              <a:buFont typeface="Arial" panose="020B0604020202020204" pitchFamily="34" charset="0"/>
+              <a:buChar char="•"/>
+            </a:pPr>
+            <a:r>
+              <a:rPr lang="en-US" sz="2400" dirty="0">
+                <a:latin typeface="Times New Roman" panose="02020603050405020304" pitchFamily="18" charset="0"/>
+                <a:ea typeface="MS Mincho" panose="02020609040205080304" pitchFamily="49" charset="-128"/>
+                <a:cs typeface="Times New Roman" panose="02020603050405020304" pitchFamily="18" charset="0"/>
+              </a:rPr>
+              <a:t>Q1: What hurdles do LGBTQ+ individuals face within the physics community?</a:t>
+            </a:r>
+          </a:p>
+          <a:p>
+            <a:pPr marL="457200" indent="-457200">
+              <a:buFont typeface="Arial" panose="020B0604020202020204" pitchFamily="34" charset="0"/>
+              <a:buChar char="•"/>
+            </a:pPr>
+            <a:endParaRPr lang="en-US" sz="800" dirty="0">
+              <a:latin typeface="Times New Roman" panose="02020603050405020304" pitchFamily="18" charset="0"/>
+              <a:ea typeface="MS Mincho" panose="02020609040205080304" pitchFamily="49" charset="-128"/>
+              <a:cs typeface="Times New Roman" panose="02020603050405020304" pitchFamily="18" charset="0"/>
+            </a:endParaRPr>
+          </a:p>
+          <a:p>
+            <a:pPr marL="457200" indent="-457200">
+              <a:buFont typeface="Arial" panose="020B0604020202020204" pitchFamily="34" charset="0"/>
+              <a:buChar char="•"/>
+            </a:pPr>
+            <a:r>
+              <a:rPr lang="en-US" sz="2400" dirty="0">
+                <a:latin typeface="Times New Roman" panose="02020603050405020304" pitchFamily="18" charset="0"/>
+                <a:ea typeface="MS Mincho" panose="02020609040205080304" pitchFamily="49" charset="-128"/>
+                <a:cs typeface="Times New Roman" panose="02020603050405020304" pitchFamily="18" charset="0"/>
+              </a:rPr>
+              <a:t>Q2: What hurdles do LGBTQ+ individuals face within the university environment?</a:t>
+            </a:r>
+          </a:p>
+          <a:p>
+            <a:pPr marL="457200" indent="-457200">
+              <a:buFont typeface="Arial" panose="020B0604020202020204" pitchFamily="34" charset="0"/>
+              <a:buChar char="•"/>
+            </a:pPr>
+            <a:endParaRPr lang="en-US" sz="800" dirty="0">
+              <a:latin typeface="Times New Roman" panose="02020603050405020304" pitchFamily="18" charset="0"/>
+              <a:ea typeface="MS Mincho" panose="02020609040205080304" pitchFamily="49" charset="-128"/>
+              <a:cs typeface="Times New Roman" panose="02020603050405020304" pitchFamily="18" charset="0"/>
+            </a:endParaRPr>
+          </a:p>
+          <a:p>
+            <a:pPr marL="457200" indent="-457200">
+              <a:buFont typeface="Arial" panose="020B0604020202020204" pitchFamily="34" charset="0"/>
+              <a:buChar char="•"/>
+            </a:pPr>
+            <a:r>
+              <a:rPr lang="en-US" sz="2400" dirty="0">
+                <a:latin typeface="Times New Roman" panose="02020603050405020304" pitchFamily="18" charset="0"/>
+                <a:ea typeface="MS Mincho" panose="02020609040205080304" pitchFamily="49" charset="-128"/>
+                <a:cs typeface="Times New Roman" panose="02020603050405020304" pitchFamily="18" charset="0"/>
+              </a:rPr>
+              <a:t>Q3: What can be done to improve inclusion of LGBTQ+ individuals within the physics department and the physics community?</a:t>
+            </a:r>
+          </a:p>
+        </p:txBody>
+      </p:sp>
+    </p:spTree>
+    <p:extLst>
+      <p:ext uri="{BB962C8B-B14F-4D97-AF65-F5344CB8AC3E}">
+        <p14:creationId xmlns:p14="http://schemas.microsoft.com/office/powerpoint/2010/main" val="1794254469"/>
+      </p:ext>
+    </p:extLst>
+  </p:cSld>
+  <p:clrMapOvr>
+    <a:masterClrMapping/>
+  </p:clrMapOvr>
+</p:sld>
+</file>
+
+<file path=ppt/slides/slide23.xml><?xml version="1.0" encoding="utf-8"?>
+<p:sld xmlns:a="http://schemas.openxmlformats.org/drawingml/2006/main" xmlns:r="http://schemas.openxmlformats.org/officeDocument/2006/relationships" xmlns:p="http://schemas.openxmlformats.org/presentationml/2006/main">
+  <p:cSld>
+    <p:spTree>
+      <p:nvGrpSpPr>
+        <p:cNvPr id="1" name=""/>
+        <p:cNvGrpSpPr/>
+        <p:nvPr/>
+      </p:nvGrpSpPr>
+      <p:grpSpPr>
+        <a:xfrm>
+          <a:off x="0" y="0"/>
+          <a:ext cx="0" cy="0"/>
+          <a:chOff x="0" y="0"/>
+          <a:chExt cx="0" cy="0"/>
+        </a:xfrm>
+      </p:grpSpPr>
+      <p:sp>
+        <p:nvSpPr>
+          <p:cNvPr id="4" name="TextBox 3"/>
+          <p:cNvSpPr txBox="1"/>
+          <p:nvPr/>
+        </p:nvSpPr>
+        <p:spPr>
+          <a:xfrm>
+            <a:off x="275549" y="191702"/>
+            <a:ext cx="7750840" cy="553998"/>
+          </a:xfrm>
+          <a:prstGeom prst="rect">
+            <a:avLst/>
+          </a:prstGeom>
+          <a:noFill/>
+        </p:spPr>
+        <p:txBody>
+          <a:bodyPr wrap="none" rtlCol="0">
+            <a:spAutoFit/>
+          </a:bodyPr>
+          <a:lstStyle/>
+          <a:p>
+            <a:r>
+              <a:rPr lang="en-US" sz="3000" b="1" dirty="0">
+                <a:solidFill>
+                  <a:prstClr val="black"/>
+                </a:solidFill>
+                <a:latin typeface="Times New Roman"/>
+                <a:cs typeface="Times New Roman"/>
+              </a:rPr>
+              <a:t>Diversity &amp; Inclusion: Caring Responsibilities</a:t>
+            </a:r>
+            <a:endParaRPr lang="en-US" sz="2400" b="1" dirty="0">
+              <a:solidFill>
+                <a:prstClr val="black"/>
+              </a:solidFill>
+              <a:latin typeface="Times New Roman"/>
+              <a:cs typeface="Times New Roman"/>
+            </a:endParaRPr>
+          </a:p>
+        </p:txBody>
+      </p:sp>
+      <p:sp>
+        <p:nvSpPr>
+          <p:cNvPr id="6" name="TextBox 5">
+            <a:extLst>
+              <a:ext uri="{FF2B5EF4-FFF2-40B4-BE49-F238E27FC236}">
+                <a16:creationId xmlns:a16="http://schemas.microsoft.com/office/drawing/2014/main" id="{878A97EC-2834-8447-A6B8-2F5335C4C2C1}"/>
+              </a:ext>
+            </a:extLst>
+          </p:cNvPr>
+          <p:cNvSpPr txBox="1"/>
+          <p:nvPr/>
+        </p:nvSpPr>
+        <p:spPr>
+          <a:xfrm>
+            <a:off x="539603" y="945629"/>
+            <a:ext cx="8355015" cy="4278094"/>
+          </a:xfrm>
+          <a:prstGeom prst="rect">
+            <a:avLst/>
+          </a:prstGeom>
+          <a:noFill/>
+        </p:spPr>
+        <p:txBody>
+          <a:bodyPr wrap="square" rtlCol="0">
+            <a:spAutoFit/>
+          </a:bodyPr>
+          <a:lstStyle/>
+          <a:p>
+            <a:pPr marL="342900" indent="-342900">
+              <a:buFont typeface="Arial" panose="020B0604020202020204" pitchFamily="34" charset="0"/>
+              <a:buChar char="•"/>
+            </a:pPr>
+            <a:r>
+              <a:rPr lang="en-US" sz="2400" dirty="0">
+                <a:latin typeface="Times New Roman" panose="02020603050405020304" pitchFamily="18" charset="0"/>
+                <a:ea typeface="MS Mincho" panose="02020609040205080304" pitchFamily="49" charset="-128"/>
+                <a:cs typeface="Times New Roman" panose="02020603050405020304" pitchFamily="18" charset="0"/>
+              </a:rPr>
+              <a:t>Resources:</a:t>
+            </a:r>
+          </a:p>
+          <a:p>
+            <a:pPr marL="914400" lvl="1" indent="-457200">
+              <a:buFont typeface="Arial" panose="020B0604020202020204" pitchFamily="34" charset="0"/>
+              <a:buChar char="•"/>
+            </a:pPr>
+            <a:r>
+              <a:rPr lang="en-US" sz="2000" dirty="0">
+                <a:latin typeface="Times New Roman" panose="02020603050405020304" pitchFamily="18" charset="0"/>
+                <a:ea typeface="MS Mincho" panose="02020609040205080304" pitchFamily="49" charset="-128"/>
+                <a:cs typeface="Times New Roman" panose="02020603050405020304" pitchFamily="18" charset="0"/>
+                <a:hlinkClick r:id="rId2"/>
+              </a:rPr>
+              <a:t>https://www.oecd-ilibrary.org/social-issues-migration-health/supporting-informal-carers-of-older-people_0f0c0d52-en</a:t>
+            </a:r>
+            <a:endParaRPr lang="en-US" sz="2000" dirty="0">
+              <a:latin typeface="Times New Roman" panose="02020603050405020304" pitchFamily="18" charset="0"/>
+              <a:ea typeface="MS Mincho" panose="02020609040205080304" pitchFamily="49" charset="-128"/>
+              <a:cs typeface="Times New Roman" panose="02020603050405020304" pitchFamily="18" charset="0"/>
+            </a:endParaRPr>
+          </a:p>
+          <a:p>
+            <a:pPr marL="914400" lvl="1" indent="-457200">
+              <a:buFont typeface="Arial" panose="020B0604020202020204" pitchFamily="34" charset="0"/>
+              <a:buChar char="•"/>
+            </a:pPr>
+            <a:r>
+              <a:rPr lang="en-US" sz="2000" dirty="0">
+                <a:latin typeface="Times New Roman" panose="02020603050405020304" pitchFamily="18" charset="0"/>
+                <a:ea typeface="MS Mincho" panose="02020609040205080304" pitchFamily="49" charset="-128"/>
+                <a:cs typeface="Times New Roman" panose="02020603050405020304" pitchFamily="18" charset="0"/>
+                <a:hlinkClick r:id="rId3"/>
+              </a:rPr>
+              <a:t>https://www.theguardian.com/lifeandstyle/parents-and-parenting+money/work-and-careers</a:t>
+            </a:r>
+            <a:endParaRPr lang="en-US" sz="2000" dirty="0">
+              <a:latin typeface="Times New Roman" panose="02020603050405020304" pitchFamily="18" charset="0"/>
+              <a:ea typeface="MS Mincho" panose="02020609040205080304" pitchFamily="49" charset="-128"/>
+              <a:cs typeface="Times New Roman" panose="02020603050405020304" pitchFamily="18" charset="0"/>
+            </a:endParaRPr>
+          </a:p>
+          <a:p>
+            <a:pPr marL="914400" lvl="1" indent="-457200">
+              <a:buFont typeface="Arial" panose="020B0604020202020204" pitchFamily="34" charset="0"/>
+              <a:buChar char="•"/>
+            </a:pPr>
+            <a:endParaRPr lang="en-US" sz="800" dirty="0">
+              <a:latin typeface="Times New Roman" panose="02020603050405020304" pitchFamily="18" charset="0"/>
+              <a:ea typeface="MS Mincho" panose="02020609040205080304" pitchFamily="49" charset="-128"/>
+              <a:cs typeface="Times New Roman" panose="02020603050405020304" pitchFamily="18" charset="0"/>
+            </a:endParaRPr>
+          </a:p>
+          <a:p>
+            <a:pPr marL="457200" indent="-457200">
+              <a:buFont typeface="Arial" panose="020B0604020202020204" pitchFamily="34" charset="0"/>
+              <a:buChar char="•"/>
+            </a:pPr>
+            <a:r>
+              <a:rPr lang="en-US" sz="2400" dirty="0">
+                <a:latin typeface="Times New Roman" panose="02020603050405020304" pitchFamily="18" charset="0"/>
+                <a:ea typeface="MS Mincho" panose="02020609040205080304" pitchFamily="49" charset="-128"/>
+                <a:cs typeface="Times New Roman" panose="02020603050405020304" pitchFamily="18" charset="0"/>
+              </a:rPr>
+              <a:t>Q1: What issues are there for parents in the physics community?</a:t>
+            </a:r>
+          </a:p>
+          <a:p>
+            <a:pPr marL="457200" indent="-457200">
+              <a:buFont typeface="Arial" panose="020B0604020202020204" pitchFamily="34" charset="0"/>
+              <a:buChar char="•"/>
+            </a:pPr>
+            <a:endParaRPr lang="en-US" sz="800" dirty="0">
+              <a:latin typeface="Times New Roman" panose="02020603050405020304" pitchFamily="18" charset="0"/>
+              <a:ea typeface="MS Mincho" panose="02020609040205080304" pitchFamily="49" charset="-128"/>
+              <a:cs typeface="Times New Roman" panose="02020603050405020304" pitchFamily="18" charset="0"/>
+            </a:endParaRPr>
+          </a:p>
+          <a:p>
+            <a:pPr marL="457200" indent="-457200">
+              <a:buFont typeface="Arial" panose="020B0604020202020204" pitchFamily="34" charset="0"/>
+              <a:buChar char="•"/>
+            </a:pPr>
+            <a:r>
+              <a:rPr lang="en-US" sz="2400" dirty="0">
+                <a:latin typeface="Times New Roman" panose="02020603050405020304" pitchFamily="18" charset="0"/>
+                <a:ea typeface="MS Mincho" panose="02020609040205080304" pitchFamily="49" charset="-128"/>
+                <a:cs typeface="Times New Roman" panose="02020603050405020304" pitchFamily="18" charset="0"/>
+              </a:rPr>
+              <a:t>Q2: What issues are there for </a:t>
+            </a:r>
+            <a:r>
+              <a:rPr lang="en-US" sz="2400" dirty="0" err="1">
+                <a:latin typeface="Times New Roman" panose="02020603050405020304" pitchFamily="18" charset="0"/>
+                <a:ea typeface="MS Mincho" panose="02020609040205080304" pitchFamily="49" charset="-128"/>
+                <a:cs typeface="Times New Roman" panose="02020603050405020304" pitchFamily="18" charset="0"/>
+              </a:rPr>
+              <a:t>carers</a:t>
+            </a:r>
+            <a:r>
+              <a:rPr lang="en-US" sz="2400" dirty="0">
+                <a:latin typeface="Times New Roman" panose="02020603050405020304" pitchFamily="18" charset="0"/>
+                <a:ea typeface="MS Mincho" panose="02020609040205080304" pitchFamily="49" charset="-128"/>
+                <a:cs typeface="Times New Roman" panose="02020603050405020304" pitchFamily="18" charset="0"/>
+              </a:rPr>
+              <a:t> in the physics community?</a:t>
+            </a:r>
+          </a:p>
+          <a:p>
+            <a:pPr marL="457200" indent="-457200">
+              <a:buFont typeface="Arial" panose="020B0604020202020204" pitchFamily="34" charset="0"/>
+              <a:buChar char="•"/>
+            </a:pPr>
+            <a:endParaRPr lang="en-US" sz="800" dirty="0">
+              <a:latin typeface="Times New Roman" panose="02020603050405020304" pitchFamily="18" charset="0"/>
+              <a:ea typeface="MS Mincho" panose="02020609040205080304" pitchFamily="49" charset="-128"/>
+              <a:cs typeface="Times New Roman" panose="02020603050405020304" pitchFamily="18" charset="0"/>
+            </a:endParaRPr>
+          </a:p>
+          <a:p>
+            <a:pPr marL="457200" indent="-457200">
+              <a:buFont typeface="Arial" panose="020B0604020202020204" pitchFamily="34" charset="0"/>
+              <a:buChar char="•"/>
+            </a:pPr>
+            <a:r>
+              <a:rPr lang="en-US" sz="2400" dirty="0">
+                <a:latin typeface="Times New Roman" panose="02020603050405020304" pitchFamily="18" charset="0"/>
+                <a:ea typeface="MS Mincho" panose="02020609040205080304" pitchFamily="49" charset="-128"/>
+                <a:cs typeface="Times New Roman" panose="02020603050405020304" pitchFamily="18" charset="0"/>
+              </a:rPr>
+              <a:t>Q3: What can be done to make life easier for parents and/or </a:t>
+            </a:r>
+            <a:r>
+              <a:rPr lang="en-US" sz="2400" dirty="0" err="1">
+                <a:latin typeface="Times New Roman" panose="02020603050405020304" pitchFamily="18" charset="0"/>
+                <a:ea typeface="MS Mincho" panose="02020609040205080304" pitchFamily="49" charset="-128"/>
+                <a:cs typeface="Times New Roman" panose="02020603050405020304" pitchFamily="18" charset="0"/>
+              </a:rPr>
+              <a:t>carers</a:t>
+            </a:r>
+            <a:r>
+              <a:rPr lang="en-US" sz="2400" dirty="0">
+                <a:latin typeface="Times New Roman" panose="02020603050405020304" pitchFamily="18" charset="0"/>
+                <a:ea typeface="MS Mincho" panose="02020609040205080304" pitchFamily="49" charset="-128"/>
+                <a:cs typeface="Times New Roman" panose="02020603050405020304" pitchFamily="18" charset="0"/>
+              </a:rPr>
+              <a:t> within the physics department and the physics community?</a:t>
+            </a:r>
+          </a:p>
+        </p:txBody>
+      </p:sp>
+    </p:spTree>
+    <p:extLst>
+      <p:ext uri="{BB962C8B-B14F-4D97-AF65-F5344CB8AC3E}">
+        <p14:creationId xmlns:p14="http://schemas.microsoft.com/office/powerpoint/2010/main" val="3937403600"/>
+      </p:ext>
+    </p:extLst>
+  </p:cSld>
+  <p:clrMapOvr>
+    <a:masterClrMapping/>
+  </p:clrMapOvr>
+</p:sld>
+</file>
+
+<file path=ppt/slides/slide24.xml><?xml version="1.0" encoding="utf-8"?>
+<p:sld xmlns:a="http://schemas.openxmlformats.org/drawingml/2006/main" xmlns:r="http://schemas.openxmlformats.org/officeDocument/2006/relationships" xmlns:p="http://schemas.openxmlformats.org/presentationml/2006/main">
+  <p:cSld>
+    <p:spTree>
+      <p:nvGrpSpPr>
+        <p:cNvPr id="1" name=""/>
+        <p:cNvGrpSpPr/>
+        <p:nvPr/>
+      </p:nvGrpSpPr>
+      <p:grpSpPr>
+        <a:xfrm>
+          <a:off x="0" y="0"/>
+          <a:ext cx="0" cy="0"/>
+          <a:chOff x="0" y="0"/>
+          <a:chExt cx="0" cy="0"/>
+        </a:xfrm>
+      </p:grpSpPr>
+      <p:sp>
+        <p:nvSpPr>
+          <p:cNvPr id="4" name="TextBox 3"/>
+          <p:cNvSpPr txBox="1"/>
+          <p:nvPr/>
+        </p:nvSpPr>
+        <p:spPr>
+          <a:xfrm>
+            <a:off x="275549" y="191702"/>
             <a:ext cx="8884163" cy="553998"/>
           </a:xfrm>
           <a:prstGeom prst="rect">
@@ -7930,7 +9288,7 @@
                 <a:cs typeface="Times New Roman" panose="02020603050405020304" pitchFamily="18" charset="0"/>
                 <a:hlinkClick r:id="rId2"/>
               </a:rPr>
-              <a:t>https://www.jrf.org.uk/report/socio-economic-disadvantage-and-experience-higher-education</a:t>
+              <a:t>https://www.researchgate.net/publication/255642041_Socio-Economic_Disadvantage_and_Access_to_Higher_Education</a:t>
             </a:r>
             <a:endParaRPr lang="en-US" sz="2000" dirty="0">
               <a:latin typeface="Times New Roman" panose="02020603050405020304" pitchFamily="18" charset="0"/>
@@ -8018,7 +9376,7 @@
     </p:spTree>
     <p:extLst>
       <p:ext uri="{BB962C8B-B14F-4D97-AF65-F5344CB8AC3E}">
-        <p14:creationId xmlns:p14="http://schemas.microsoft.com/office/powerpoint/2010/main" val="1652601616"/>
+        <p14:creationId xmlns:p14="http://schemas.microsoft.com/office/powerpoint/2010/main" val="2526109345"/>
       </p:ext>
     </p:extLst>
   </p:cSld>
@@ -8028,7 +9386,7 @@
 </p:sld>
 </file>
 
-<file path=ppt/slides/slide21.xml><?xml version="1.0" encoding="utf-8"?>
+<file path=ppt/slides/slide25.xml><?xml version="1.0" encoding="utf-8"?>
 <p:sld xmlns:a="http://schemas.openxmlformats.org/drawingml/2006/main" xmlns:r="http://schemas.openxmlformats.org/officeDocument/2006/relationships" xmlns:p="http://schemas.openxmlformats.org/presentationml/2006/main">
   <p:cSld>
     <p:spTree>
@@ -8102,7 +9460,7 @@
         <p:spPr>
           <a:xfrm>
             <a:off x="539603" y="945629"/>
-            <a:ext cx="8355015" cy="5386090"/>
+            <a:ext cx="8355015" cy="5693866"/>
           </a:xfrm>
           <a:prstGeom prst="rect">
             <a:avLst/>
@@ -8140,7 +9498,7 @@
                 <a:cs typeface="Times New Roman" panose="02020603050405020304" pitchFamily="18" charset="0"/>
                 <a:hlinkClick r:id="rId2"/>
               </a:rPr>
-              <a:t>http://www.iop.org/publications/iop/2008/file_42866.pdf</a:t>
+              <a:t>https://www.iop.org/sites/default/files/2021-03/access-for-all-disability-good-practice-university-2008.pdf</a:t>
             </a:r>
             <a:endParaRPr lang="en-US" sz="2000" dirty="0">
               <a:latin typeface="Times New Roman" panose="02020603050405020304" pitchFamily="18" charset="0"/>
@@ -8268,7 +9626,7 @@
     </p:spTree>
     <p:extLst>
       <p:ext uri="{BB962C8B-B14F-4D97-AF65-F5344CB8AC3E}">
-        <p14:creationId xmlns:p14="http://schemas.microsoft.com/office/powerpoint/2010/main" val="2741183054"/>
+        <p14:creationId xmlns:p14="http://schemas.microsoft.com/office/powerpoint/2010/main" val="1822273948"/>
       </p:ext>
     </p:extLst>
   </p:cSld>
@@ -8692,7 +10050,7 @@
         <p:spPr>
           <a:xfrm>
             <a:off x="539603" y="4792336"/>
-            <a:ext cx="8495045" cy="1508105"/>
+            <a:ext cx="8495045" cy="1631216"/>
           </a:xfrm>
           <a:prstGeom prst="rect">
             <a:avLst/>
@@ -8742,6 +10100,16 @@
               </a:rPr>
               <a:t>enormous financial challenges</a:t>
             </a:r>
+          </a:p>
+          <a:p>
+            <a:pPr marL="742950" lvl="1" indent="-285750" fontAlgn="base">
+              <a:buFont typeface="Arial" panose="020B0604020202020204" pitchFamily="34" charset="0"/>
+              <a:buChar char="•"/>
+            </a:pPr>
+            <a:endParaRPr lang="en-US" sz="800" dirty="0">
+              <a:latin typeface="Times New Roman" panose="02020603050405020304" pitchFamily="18" charset="0"/>
+              <a:cs typeface="Times New Roman" panose="02020603050405020304" pitchFamily="18" charset="0"/>
+            </a:endParaRPr>
           </a:p>
           <a:p>
             <a:pPr marL="285750" indent="-285750" fontAlgn="base">
@@ -9181,7 +10549,7 @@
                                         <p:tgtEl>
                                           <p:spTgt spid="7">
                                             <p:txEl>
-                                              <p:pRg st="3" end="3"/>
+                                              <p:pRg st="4" end="4"/>
                                             </p:txEl>
                                           </p:spTgt>
                                         </p:tgtEl>
@@ -10776,6 +12144,218 @@
       </p:sp>
       <p:pic>
         <p:nvPicPr>
+          <p:cNvPr id="2" name="Picture 1">
+            <a:extLst>
+              <a:ext uri="{FF2B5EF4-FFF2-40B4-BE49-F238E27FC236}">
+                <a16:creationId xmlns:a16="http://schemas.microsoft.com/office/drawing/2014/main" id="{465394F8-4644-8DA5-0CE3-B6C66B8D22E0}"/>
+              </a:ext>
+            </a:extLst>
+          </p:cNvPr>
+          <p:cNvPicPr>
+            <a:picLocks noChangeAspect="1"/>
+          </p:cNvPicPr>
+          <p:nvPr/>
+        </p:nvPicPr>
+        <p:blipFill rotWithShape="1">
+          <a:blip r:embed="rId2" cstate="screen">
+            <a:extLst>
+              <a:ext uri="{28A0092B-C50C-407E-A947-70E740481C1C}">
+                <a14:useLocalDpi xmlns:a14="http://schemas.microsoft.com/office/drawing/2010/main"/>
+              </a:ext>
+            </a:extLst>
+          </a:blip>
+          <a:srcRect/>
+          <a:stretch/>
+        </p:blipFill>
+        <p:spPr>
+          <a:xfrm>
+            <a:off x="275549" y="750045"/>
+            <a:ext cx="3649680" cy="3421850"/>
+          </a:xfrm>
+          <a:prstGeom prst="rect">
+            <a:avLst/>
+          </a:prstGeom>
+        </p:spPr>
+      </p:pic>
+      <p:pic>
+        <p:nvPicPr>
+          <p:cNvPr id="3" name="Picture 2">
+            <a:extLst>
+              <a:ext uri="{FF2B5EF4-FFF2-40B4-BE49-F238E27FC236}">
+                <a16:creationId xmlns:a16="http://schemas.microsoft.com/office/drawing/2014/main" id="{4F93B2E3-3871-F332-F1DF-85D846C89834}"/>
+              </a:ext>
+            </a:extLst>
+          </p:cNvPr>
+          <p:cNvPicPr>
+            <a:picLocks noChangeAspect="1"/>
+          </p:cNvPicPr>
+          <p:nvPr/>
+        </p:nvPicPr>
+        <p:blipFill rotWithShape="1">
+          <a:blip r:embed="rId3" cstate="screen">
+            <a:extLst>
+              <a:ext uri="{28A0092B-C50C-407E-A947-70E740481C1C}">
+                <a14:useLocalDpi xmlns:a14="http://schemas.microsoft.com/office/drawing/2010/main"/>
+              </a:ext>
+            </a:extLst>
+          </a:blip>
+          <a:srcRect/>
+          <a:stretch/>
+        </p:blipFill>
+        <p:spPr>
+          <a:xfrm>
+            <a:off x="4364442" y="745700"/>
+            <a:ext cx="4238537" cy="3374557"/>
+          </a:xfrm>
+          <a:prstGeom prst="rect">
+            <a:avLst/>
+          </a:prstGeom>
+        </p:spPr>
+      </p:pic>
+      <p:pic>
+        <p:nvPicPr>
+          <p:cNvPr id="5" name="Picture 4">
+            <a:extLst>
+              <a:ext uri="{FF2B5EF4-FFF2-40B4-BE49-F238E27FC236}">
+                <a16:creationId xmlns:a16="http://schemas.microsoft.com/office/drawing/2014/main" id="{8495978D-C577-4868-48CF-8C801AAC7953}"/>
+              </a:ext>
+            </a:extLst>
+          </p:cNvPr>
+          <p:cNvPicPr>
+            <a:picLocks noChangeAspect="1"/>
+          </p:cNvPicPr>
+          <p:nvPr/>
+        </p:nvPicPr>
+        <p:blipFill rotWithShape="1">
+          <a:blip r:embed="rId4" cstate="screen">
+            <a:extLst>
+              <a:ext uri="{28A0092B-C50C-407E-A947-70E740481C1C}">
+                <a14:useLocalDpi xmlns:a14="http://schemas.microsoft.com/office/drawing/2010/main"/>
+              </a:ext>
+            </a:extLst>
+          </a:blip>
+          <a:srcRect/>
+          <a:stretch/>
+        </p:blipFill>
+        <p:spPr>
+          <a:xfrm>
+            <a:off x="615376" y="3757961"/>
+            <a:ext cx="3749066" cy="3070061"/>
+          </a:xfrm>
+          <a:prstGeom prst="rect">
+            <a:avLst/>
+          </a:prstGeom>
+        </p:spPr>
+      </p:pic>
+      <p:pic>
+        <p:nvPicPr>
+          <p:cNvPr id="6" name="Picture 5">
+            <a:extLst>
+              <a:ext uri="{FF2B5EF4-FFF2-40B4-BE49-F238E27FC236}">
+                <a16:creationId xmlns:a16="http://schemas.microsoft.com/office/drawing/2014/main" id="{5D4D4965-7004-D9AE-3A47-E65552864136}"/>
+              </a:ext>
+            </a:extLst>
+          </p:cNvPr>
+          <p:cNvPicPr>
+            <a:picLocks noChangeAspect="1"/>
+          </p:cNvPicPr>
+          <p:nvPr/>
+        </p:nvPicPr>
+        <p:blipFill rotWithShape="1">
+          <a:blip r:embed="rId5" cstate="screen">
+            <a:extLst>
+              <a:ext uri="{28A0092B-C50C-407E-A947-70E740481C1C}">
+                <a14:useLocalDpi xmlns:a14="http://schemas.microsoft.com/office/drawing/2010/main"/>
+              </a:ext>
+            </a:extLst>
+          </a:blip>
+          <a:srcRect/>
+          <a:stretch/>
+        </p:blipFill>
+        <p:spPr>
+          <a:xfrm>
+            <a:off x="5361479" y="3757961"/>
+            <a:ext cx="3749066" cy="3070060"/>
+          </a:xfrm>
+          <a:prstGeom prst="rect">
+            <a:avLst/>
+          </a:prstGeom>
+        </p:spPr>
+      </p:pic>
+    </p:spTree>
+    <p:extLst>
+      <p:ext uri="{BB962C8B-B14F-4D97-AF65-F5344CB8AC3E}">
+        <p14:creationId xmlns:p14="http://schemas.microsoft.com/office/powerpoint/2010/main" val="35655026"/>
+      </p:ext>
+    </p:extLst>
+  </p:cSld>
+  <p:clrMapOvr>
+    <a:masterClrMapping/>
+  </p:clrMapOvr>
+</p:sld>
+</file>
+
+<file path=ppt/slides/slide9.xml><?xml version="1.0" encoding="utf-8"?>
+<p:sld xmlns:a="http://schemas.openxmlformats.org/drawingml/2006/main" xmlns:r="http://schemas.openxmlformats.org/officeDocument/2006/relationships" xmlns:p="http://schemas.openxmlformats.org/presentationml/2006/main">
+  <p:cSld>
+    <p:spTree>
+      <p:nvGrpSpPr>
+        <p:cNvPr id="1" name=""/>
+        <p:cNvGrpSpPr/>
+        <p:nvPr/>
+      </p:nvGrpSpPr>
+      <p:grpSpPr>
+        <a:xfrm>
+          <a:off x="0" y="0"/>
+          <a:ext cx="0" cy="0"/>
+          <a:chOff x="0" y="0"/>
+          <a:chExt cx="0" cy="0"/>
+        </a:xfrm>
+      </p:grpSpPr>
+      <p:sp>
+        <p:nvSpPr>
+          <p:cNvPr id="4" name="TextBox 3"/>
+          <p:cNvSpPr txBox="1"/>
+          <p:nvPr/>
+        </p:nvSpPr>
+        <p:spPr>
+          <a:xfrm>
+            <a:off x="275549" y="191702"/>
+            <a:ext cx="6679521" cy="553998"/>
+          </a:xfrm>
+          <a:prstGeom prst="rect">
+            <a:avLst/>
+          </a:prstGeom>
+          <a:noFill/>
+        </p:spPr>
+        <p:txBody>
+          <a:bodyPr wrap="none" rtlCol="0">
+            <a:spAutoFit/>
+          </a:bodyPr>
+          <a:lstStyle/>
+          <a:p>
+            <a:r>
+              <a:rPr lang="en-US" sz="3000" b="1" dirty="0">
+                <a:solidFill>
+                  <a:prstClr val="black"/>
+                </a:solidFill>
+                <a:latin typeface="Times New Roman"/>
+                <a:cs typeface="Times New Roman"/>
+              </a:rPr>
+              <a:t>Diversity in Physics: Gender Minorities</a:t>
+            </a:r>
+            <a:endParaRPr lang="en-US" sz="2400" b="1" dirty="0">
+              <a:solidFill>
+                <a:prstClr val="black"/>
+              </a:solidFill>
+              <a:latin typeface="Times New Roman"/>
+              <a:cs typeface="Times New Roman"/>
+            </a:endParaRPr>
+          </a:p>
+        </p:txBody>
+      </p:sp>
+      <p:pic>
+        <p:nvPicPr>
           <p:cNvPr id="7" name="Picture 4">
             <a:extLst>
               <a:ext uri="{FF2B5EF4-FFF2-40B4-BE49-F238E27FC236}">
@@ -10854,410 +12434,6 @@
     <p:extLst>
       <p:ext uri="{BB962C8B-B14F-4D97-AF65-F5344CB8AC3E}">
         <p14:creationId xmlns:p14="http://schemas.microsoft.com/office/powerpoint/2010/main" val="3139156813"/>
-      </p:ext>
-    </p:extLst>
-  </p:cSld>
-  <p:clrMapOvr>
-    <a:masterClrMapping/>
-  </p:clrMapOvr>
-</p:sld>
-</file>
-
-<file path=ppt/slides/slide9.xml><?xml version="1.0" encoding="utf-8"?>
-<p:sld xmlns:a="http://schemas.openxmlformats.org/drawingml/2006/main" xmlns:r="http://schemas.openxmlformats.org/officeDocument/2006/relationships" xmlns:p="http://schemas.openxmlformats.org/presentationml/2006/main">
-  <p:cSld>
-    <p:spTree>
-      <p:nvGrpSpPr>
-        <p:cNvPr id="1" name=""/>
-        <p:cNvGrpSpPr/>
-        <p:nvPr/>
-      </p:nvGrpSpPr>
-      <p:grpSpPr>
-        <a:xfrm>
-          <a:off x="0" y="0"/>
-          <a:ext cx="0" cy="0"/>
-          <a:chOff x="0" y="0"/>
-          <a:chExt cx="0" cy="0"/>
-        </a:xfrm>
-      </p:grpSpPr>
-      <p:sp>
-        <p:nvSpPr>
-          <p:cNvPr id="4" name="TextBox 3"/>
-          <p:cNvSpPr txBox="1"/>
-          <p:nvPr/>
-        </p:nvSpPr>
-        <p:spPr>
-          <a:xfrm>
-            <a:off x="275549" y="191702"/>
-            <a:ext cx="6679521" cy="553998"/>
-          </a:xfrm>
-          <a:prstGeom prst="rect">
-            <a:avLst/>
-          </a:prstGeom>
-          <a:noFill/>
-        </p:spPr>
-        <p:txBody>
-          <a:bodyPr wrap="none" rtlCol="0">
-            <a:spAutoFit/>
-          </a:bodyPr>
-          <a:lstStyle/>
-          <a:p>
-            <a:r>
-              <a:rPr lang="en-US" sz="3000" b="1" dirty="0">
-                <a:solidFill>
-                  <a:prstClr val="black"/>
-                </a:solidFill>
-                <a:latin typeface="Times New Roman"/>
-                <a:cs typeface="Times New Roman"/>
-              </a:rPr>
-              <a:t>Diversity in Physics: Gender Minorities</a:t>
-            </a:r>
-            <a:endParaRPr lang="en-US" sz="2400" b="1" dirty="0">
-              <a:solidFill>
-                <a:prstClr val="black"/>
-              </a:solidFill>
-              <a:latin typeface="Times New Roman"/>
-              <a:cs typeface="Times New Roman"/>
-            </a:endParaRPr>
-          </a:p>
-        </p:txBody>
-      </p:sp>
-      <p:pic>
-        <p:nvPicPr>
-          <p:cNvPr id="5" name="Picture 3">
-            <a:extLst>
-              <a:ext uri="{FF2B5EF4-FFF2-40B4-BE49-F238E27FC236}">
-                <a16:creationId xmlns:a16="http://schemas.microsoft.com/office/drawing/2014/main" id="{68A13E75-ADF9-DC4B-98ED-99BE2F5AAAEF}"/>
-              </a:ext>
-            </a:extLst>
-          </p:cNvPr>
-          <p:cNvPicPr>
-            <a:picLocks noChangeAspect="1" noChangeArrowheads="1"/>
-          </p:cNvPicPr>
-          <p:nvPr/>
-        </p:nvPicPr>
-        <p:blipFill rotWithShape="1">
-          <a:blip r:embed="rId2">
-            <a:extLst>
-              <a:ext uri="{28A0092B-C50C-407E-A947-70E740481C1C}">
-                <a14:useLocalDpi xmlns:a14="http://schemas.microsoft.com/office/drawing/2010/main" val="0"/>
-              </a:ext>
-            </a:extLst>
-          </a:blip>
-          <a:srcRect b="25154"/>
-          <a:stretch/>
-        </p:blipFill>
-        <p:spPr bwMode="auto">
-          <a:xfrm>
-            <a:off x="216174" y="4032601"/>
-            <a:ext cx="4300538" cy="2560523"/>
-          </a:xfrm>
-          <a:prstGeom prst="rect">
-            <a:avLst/>
-          </a:prstGeom>
-          <a:noFill/>
-          <a:ln>
-            <a:noFill/>
-          </a:ln>
-          <a:effectLst/>
-          <a:extLst>
-            <a:ext uri="{909E8E84-426E-40DD-AFC4-6F175D3DCCD1}">
-              <a14:hiddenFill xmlns:a14="http://schemas.microsoft.com/office/drawing/2010/main">
-                <a:blipFill dpi="0" rotWithShape="0">
-                  <a:blip/>
-                  <a:srcRect/>
-                  <a:stretch>
-                    <a:fillRect/>
-                  </a:stretch>
-                </a:blipFill>
-              </a14:hiddenFill>
-            </a:ext>
-            <a:ext uri="{91240B29-F687-4F45-9708-019B960494DF}">
-              <a14:hiddenLine xmlns:a14="http://schemas.microsoft.com/office/drawing/2010/main" w="9525" cap="flat">
-                <a:solidFill>
-                  <a:srgbClr val="808080"/>
-                </a:solidFill>
-                <a:round/>
-                <a:headEnd/>
-                <a:tailEnd/>
-              </a14:hiddenLine>
-            </a:ext>
-            <a:ext uri="{AF507438-7753-43E0-B8FC-AC1667EBCBE1}">
-              <a14:hiddenEffects xmlns:a14="http://schemas.microsoft.com/office/drawing/2010/main">
-                <a:effectLst>
-                  <a:outerShdw blurRad="63500" dist="38099" dir="2700000" algn="ctr" rotWithShape="0">
-                    <a:srgbClr val="000000">
-                      <a:alpha val="74998"/>
-                    </a:srgbClr>
-                  </a:outerShdw>
-                </a:effectLst>
-              </a14:hiddenEffects>
-            </a:ext>
-          </a:extLst>
-        </p:spPr>
-      </p:pic>
-      <p:sp>
-        <p:nvSpPr>
-          <p:cNvPr id="6" name="TextBox 5">
-            <a:extLst>
-              <a:ext uri="{FF2B5EF4-FFF2-40B4-BE49-F238E27FC236}">
-                <a16:creationId xmlns:a16="http://schemas.microsoft.com/office/drawing/2014/main" id="{80A24032-1FF5-2340-BF4F-86A5459B8F08}"/>
-              </a:ext>
-            </a:extLst>
-          </p:cNvPr>
-          <p:cNvSpPr txBox="1"/>
-          <p:nvPr/>
-        </p:nvSpPr>
-        <p:spPr>
-          <a:xfrm>
-            <a:off x="539603" y="945629"/>
-            <a:ext cx="8450017" cy="3046988"/>
-          </a:xfrm>
-          <a:prstGeom prst="rect">
-            <a:avLst/>
-          </a:prstGeom>
-          <a:noFill/>
-        </p:spPr>
-        <p:txBody>
-          <a:bodyPr wrap="square" rtlCol="0">
-            <a:spAutoFit/>
-          </a:bodyPr>
-          <a:lstStyle/>
-          <a:p>
-            <a:pPr marL="342900" indent="-342900">
-              <a:buFont typeface="Arial" panose="020B0604020202020204" pitchFamily="34" charset="0"/>
-              <a:buChar char="•"/>
-            </a:pPr>
-            <a:r>
-              <a:rPr lang="en-US" sz="2400" dirty="0">
-                <a:latin typeface="Times New Roman" panose="02020603050405020304" pitchFamily="18" charset="0"/>
-                <a:ea typeface="MS Mincho" panose="02020609040205080304" pitchFamily="49" charset="-128"/>
-                <a:cs typeface="Times New Roman" panose="02020603050405020304" pitchFamily="18" charset="0"/>
-              </a:rPr>
-              <a:t>Peer-reviewed research: “</a:t>
-            </a:r>
-            <a:r>
-              <a:rPr lang="en-US" sz="2400" i="1" dirty="0">
-                <a:latin typeface="Times New Roman" panose="02020603050405020304" pitchFamily="18" charset="0"/>
-                <a:ea typeface="MS Mincho" panose="02020609040205080304" pitchFamily="49" charset="-128"/>
-                <a:cs typeface="Times New Roman" panose="02020603050405020304" pitchFamily="18" charset="0"/>
-              </a:rPr>
-              <a:t>Science faculty’s subtle gender biases favor male students</a:t>
-            </a:r>
-            <a:r>
-              <a:rPr lang="en-US" sz="2400" dirty="0">
-                <a:latin typeface="Times New Roman" panose="02020603050405020304" pitchFamily="18" charset="0"/>
-                <a:ea typeface="MS Mincho" panose="02020609040205080304" pitchFamily="49" charset="-128"/>
-                <a:cs typeface="Times New Roman" panose="02020603050405020304" pitchFamily="18" charset="0"/>
-              </a:rPr>
-              <a:t>” </a:t>
-            </a:r>
-            <a:r>
-              <a:rPr lang="en-US" sz="2200" dirty="0">
-                <a:latin typeface="Times New Roman" panose="02020603050405020304" pitchFamily="18" charset="0"/>
-                <a:ea typeface="MS Mincho" panose="02020609040205080304" pitchFamily="49" charset="-128"/>
-                <a:cs typeface="Times New Roman" panose="02020603050405020304" pitchFamily="18" charset="0"/>
-              </a:rPr>
-              <a:t>(Moss-</a:t>
-            </a:r>
-            <a:r>
-              <a:rPr lang="en-US" sz="2200" dirty="0" err="1">
-                <a:latin typeface="Times New Roman" panose="02020603050405020304" pitchFamily="18" charset="0"/>
-                <a:ea typeface="MS Mincho" panose="02020609040205080304" pitchFamily="49" charset="-128"/>
-                <a:cs typeface="Times New Roman" panose="02020603050405020304" pitchFamily="18" charset="0"/>
-              </a:rPr>
-              <a:t>Racusin</a:t>
-            </a:r>
-            <a:r>
-              <a:rPr lang="en-US" sz="2200" dirty="0">
-                <a:latin typeface="Times New Roman" panose="02020603050405020304" pitchFamily="18" charset="0"/>
-                <a:ea typeface="MS Mincho" panose="02020609040205080304" pitchFamily="49" charset="-128"/>
-                <a:cs typeface="Times New Roman" panose="02020603050405020304" pitchFamily="18" charset="0"/>
-              </a:rPr>
-              <a:t> et al. 2012, PNAS, 109, 16474)</a:t>
-            </a:r>
-          </a:p>
-          <a:p>
-            <a:pPr marL="342900" indent="-342900">
-              <a:buFont typeface="Arial" panose="020B0604020202020204" pitchFamily="34" charset="0"/>
-              <a:buChar char="•"/>
-            </a:pPr>
-            <a:endParaRPr lang="en-US" sz="800" dirty="0">
-              <a:latin typeface="Times New Roman" panose="02020603050405020304" pitchFamily="18" charset="0"/>
-              <a:ea typeface="MS Mincho" panose="02020609040205080304" pitchFamily="49" charset="-128"/>
-              <a:cs typeface="Times New Roman" panose="02020603050405020304" pitchFamily="18" charset="0"/>
-            </a:endParaRPr>
-          </a:p>
-          <a:p>
-            <a:pPr marL="342900" indent="-342900">
-              <a:buFont typeface="Arial" panose="020B0604020202020204" pitchFamily="34" charset="0"/>
-              <a:buChar char="•"/>
-            </a:pPr>
-            <a:r>
-              <a:rPr lang="en-US" sz="2400" dirty="0">
-                <a:latin typeface="Times New Roman" panose="02020603050405020304" pitchFamily="18" charset="0"/>
-                <a:ea typeface="MS Mincho" panose="02020609040205080304" pitchFamily="49" charset="-128"/>
-                <a:cs typeface="Times New Roman" panose="02020603050405020304" pitchFamily="18" charset="0"/>
-              </a:rPr>
-              <a:t>Double-blind study: faculty review of application materials, with randomly assigned male/female names</a:t>
-            </a:r>
-          </a:p>
-          <a:p>
-            <a:pPr marL="800100" lvl="1" indent="-342900">
-              <a:buFont typeface="Arial" panose="020B0604020202020204" pitchFamily="34" charset="0"/>
-              <a:buChar char="•"/>
-            </a:pPr>
-            <a:r>
-              <a:rPr lang="en-US" sz="2200" dirty="0">
-                <a:latin typeface="Times New Roman" panose="02020603050405020304" pitchFamily="18" charset="0"/>
-                <a:ea typeface="MS Mincho" panose="02020609040205080304" pitchFamily="49" charset="-128"/>
-                <a:cs typeface="Times New Roman" panose="02020603050405020304" pitchFamily="18" charset="0"/>
-              </a:rPr>
-              <a:t>Female student was perceived less competent than male student</a:t>
-            </a:r>
-          </a:p>
-          <a:p>
-            <a:pPr marL="800100" lvl="1" indent="-342900">
-              <a:buFont typeface="Arial" panose="020B0604020202020204" pitchFamily="34" charset="0"/>
-              <a:buChar char="•"/>
-            </a:pPr>
-            <a:r>
-              <a:rPr lang="en-US" sz="2200" dirty="0">
-                <a:latin typeface="Times New Roman" panose="02020603050405020304" pitchFamily="18" charset="0"/>
-                <a:ea typeface="MS Mincho" panose="02020609040205080304" pitchFamily="49" charset="-128"/>
-                <a:cs typeface="Times New Roman" panose="02020603050405020304" pitchFamily="18" charset="0"/>
-              </a:rPr>
-              <a:t>Female student was better liked than male </a:t>
-            </a:r>
-            <a:r>
-              <a:rPr lang="en-US" sz="2200" dirty="0">
-                <a:latin typeface="Times New Roman" panose="02020603050405020304" pitchFamily="18" charset="0"/>
-                <a:ea typeface="MS Mincho" panose="02020609040205080304" pitchFamily="49" charset="-128"/>
-                <a:cs typeface="Times New Roman" panose="02020603050405020304" pitchFamily="18" charset="0"/>
-                <a:sym typeface="Wingdings" pitchFamily="2" charset="2"/>
-              </a:rPr>
-              <a:t> no overt hostility</a:t>
-            </a:r>
-            <a:endParaRPr lang="en-US" sz="2200" dirty="0">
-              <a:latin typeface="Times New Roman" panose="02020603050405020304" pitchFamily="18" charset="0"/>
-              <a:ea typeface="MS Mincho" panose="02020609040205080304" pitchFamily="49" charset="-128"/>
-              <a:cs typeface="Times New Roman" panose="02020603050405020304" pitchFamily="18" charset="0"/>
-            </a:endParaRPr>
-          </a:p>
-          <a:p>
-            <a:pPr marL="800100" lvl="1" indent="-342900">
-              <a:buFont typeface="Arial" panose="020B0604020202020204" pitchFamily="34" charset="0"/>
-              <a:buChar char="•"/>
-            </a:pPr>
-            <a:r>
-              <a:rPr lang="en-US" sz="2200" dirty="0">
-                <a:latin typeface="Times New Roman" panose="02020603050405020304" pitchFamily="18" charset="0"/>
-                <a:ea typeface="MS Mincho" panose="02020609040205080304" pitchFamily="49" charset="-128"/>
-                <a:cs typeface="Times New Roman" panose="02020603050405020304" pitchFamily="18" charset="0"/>
-              </a:rPr>
-              <a:t>Independent of faculty gender, discipline, age, etc.</a:t>
-            </a:r>
-          </a:p>
-          <a:p>
-            <a:pPr marL="800100" lvl="1" indent="-342900">
-              <a:buFont typeface="Arial" panose="020B0604020202020204" pitchFamily="34" charset="0"/>
-              <a:buChar char="•"/>
-            </a:pPr>
-            <a:r>
-              <a:rPr lang="en-US" sz="2200" dirty="0">
-                <a:latin typeface="Times New Roman" panose="02020603050405020304" pitchFamily="18" charset="0"/>
-                <a:ea typeface="MS Mincho" panose="02020609040205080304" pitchFamily="49" charset="-128"/>
-                <a:cs typeface="Times New Roman" panose="02020603050405020304" pitchFamily="18" charset="0"/>
-                <a:sym typeface="Wingdings" pitchFamily="2" charset="2"/>
-              </a:rPr>
-              <a:t>Likely unintentional bias  cultural stereotypes</a:t>
-            </a:r>
-            <a:endParaRPr lang="en-US" sz="2200" dirty="0">
-              <a:latin typeface="Times New Roman" panose="02020603050405020304" pitchFamily="18" charset="0"/>
-              <a:ea typeface="MS Mincho" panose="02020609040205080304" pitchFamily="49" charset="-128"/>
-              <a:cs typeface="Times New Roman" panose="02020603050405020304" pitchFamily="18" charset="0"/>
-            </a:endParaRPr>
-          </a:p>
-        </p:txBody>
-      </p:sp>
-      <p:pic>
-        <p:nvPicPr>
-          <p:cNvPr id="8" name="Picture 4">
-            <a:extLst>
-              <a:ext uri="{FF2B5EF4-FFF2-40B4-BE49-F238E27FC236}">
-                <a16:creationId xmlns:a16="http://schemas.microsoft.com/office/drawing/2014/main" id="{6B571D52-9523-D34D-9CCF-DCEAFF9DAE27}"/>
-              </a:ext>
-            </a:extLst>
-          </p:cNvPr>
-          <p:cNvPicPr>
-            <a:picLocks noChangeAspect="1" noChangeArrowheads="1"/>
-          </p:cNvPicPr>
-          <p:nvPr/>
-        </p:nvPicPr>
-        <p:blipFill rotWithShape="1">
-          <a:blip r:embed="rId3">
-            <a:extLst>
-              <a:ext uri="{28A0092B-C50C-407E-A947-70E740481C1C}">
-                <a14:useLocalDpi xmlns:a14="http://schemas.microsoft.com/office/drawing/2010/main" val="0"/>
-              </a:ext>
-            </a:extLst>
-          </a:blip>
-          <a:srcRect b="22081"/>
-          <a:stretch/>
-        </p:blipFill>
-        <p:spPr bwMode="auto">
-          <a:xfrm>
-            <a:off x="4674224" y="4032601"/>
-            <a:ext cx="4264025" cy="2560523"/>
-          </a:xfrm>
-          <a:prstGeom prst="rect">
-            <a:avLst/>
-          </a:prstGeom>
-          <a:noFill/>
-          <a:ln>
-            <a:noFill/>
-          </a:ln>
-          <a:effectLst/>
-          <a:extLst>
-            <a:ext uri="{909E8E84-426E-40DD-AFC4-6F175D3DCCD1}">
-              <a14:hiddenFill xmlns:a14="http://schemas.microsoft.com/office/drawing/2010/main">
-                <a:blipFill dpi="0" rotWithShape="0">
-                  <a:blip/>
-                  <a:srcRect/>
-                  <a:stretch>
-                    <a:fillRect/>
-                  </a:stretch>
-                </a:blipFill>
-              </a14:hiddenFill>
-            </a:ext>
-            <a:ext uri="{91240B29-F687-4F45-9708-019B960494DF}">
-              <a14:hiddenLine xmlns:a14="http://schemas.microsoft.com/office/drawing/2010/main" w="9525" cap="flat">
-                <a:solidFill>
-                  <a:srgbClr val="808080"/>
-                </a:solidFill>
-                <a:round/>
-                <a:headEnd/>
-                <a:tailEnd/>
-              </a14:hiddenLine>
-            </a:ext>
-            <a:ext uri="{AF507438-7753-43E0-B8FC-AC1667EBCBE1}">
-              <a14:hiddenEffects xmlns:a14="http://schemas.microsoft.com/office/drawing/2010/main">
-                <a:effectLst>
-                  <a:outerShdw blurRad="63500" dist="38099" dir="2700000" algn="ctr" rotWithShape="0">
-                    <a:srgbClr val="000000">
-                      <a:alpha val="74998"/>
-                    </a:srgbClr>
-                  </a:outerShdw>
-                </a:effectLst>
-              </a14:hiddenEffects>
-            </a:ext>
-          </a:extLst>
-        </p:spPr>
-      </p:pic>
-    </p:spTree>
-    <p:extLst>
-      <p:ext uri="{BB962C8B-B14F-4D97-AF65-F5344CB8AC3E}">
-        <p14:creationId xmlns:p14="http://schemas.microsoft.com/office/powerpoint/2010/main" val="3209170759"/>
       </p:ext>
     </p:extLst>
   </p:cSld>
